--- a/Git.pptx
+++ b/Git.pptx
@@ -149,7 +149,7 @@
   <p:cmAuthor id="1" name="Mary Greeshma" initials="MG" lastIdx="3" clrIdx="0">
     <p:extLst>
       <p:ext uri="{19B8F6BF-5375-455C-9EA6-DF929625EA0E}">
-        <p15:presenceInfo xmlns:p15="http://schemas.microsoft.com/office/powerpoint/2012/main" xmlns="" userId="e6f499d3f387277d" providerId="Windows Live"/>
+        <p15:presenceInfo xmlns="" xmlns:p15="http://schemas.microsoft.com/office/powerpoint/2012/main" userId="e6f499d3f387277d" providerId="Windows Live"/>
       </p:ext>
     </p:extLst>
   </p:cmAuthor>
@@ -239,7 +239,7 @@
             <a:fld id="{298FDC76-6B69-0F4E-82C8-A2DBB87F8B69}" type="datetimeFigureOut">
               <a:rPr lang="en-US"/>
               <a:pPr/>
-              <a:t>24-Oct-2017</a:t>
+              <a:t>25-Oct-2017</a:t>
             </a:fld>
             <a:endParaRPr lang="en-US"/>
           </a:p>
@@ -408,7 +408,7 @@
     </p:spTree>
     <p:extLst>
       <p:ext uri="{BB962C8B-B14F-4D97-AF65-F5344CB8AC3E}">
-        <p14:creationId xmlns:p14="http://schemas.microsoft.com/office/powerpoint/2010/main" xmlns="" val="459733450"/>
+        <p14:creationId xmlns="" xmlns:p14="http://schemas.microsoft.com/office/powerpoint/2010/main" val="459733450"/>
       </p:ext>
     </p:extLst>
   </p:cSld>
@@ -697,7 +697,7 @@
             <a:fld id="{B61BEF0D-F0BB-DE4B-95CE-6DB70DBA9567}" type="datetimeFigureOut">
               <a:rPr lang="en-US" dirty="0"/>
               <a:pPr/>
-              <a:t>24-Oct-2017</a:t>
+              <a:t>25-Oct-2017</a:t>
             </a:fld>
             <a:endParaRPr lang="en-US" dirty="0"/>
           </a:p>
@@ -1032,7 +1032,7 @@
             <a:fld id="{B61BEF0D-F0BB-DE4B-95CE-6DB70DBA9567}" type="datetimeFigureOut">
               <a:rPr lang="en-US" dirty="0"/>
               <a:pPr/>
-              <a:t>24-Oct-2017</a:t>
+              <a:t>25-Oct-2017</a:t>
             </a:fld>
             <a:endParaRPr lang="en-US" dirty="0"/>
           </a:p>
@@ -1430,7 +1430,7 @@
             <a:fld id="{B61BEF0D-F0BB-DE4B-95CE-6DB70DBA9567}" type="datetimeFigureOut">
               <a:rPr lang="en-US" dirty="0"/>
               <a:pPr/>
-              <a:t>24-Oct-2017</a:t>
+              <a:t>25-Oct-2017</a:t>
             </a:fld>
             <a:endParaRPr lang="en-US" dirty="0"/>
           </a:p>
@@ -1763,7 +1763,7 @@
             <a:fld id="{B61BEF0D-F0BB-DE4B-95CE-6DB70DBA9567}" type="datetimeFigureOut">
               <a:rPr lang="en-US" dirty="0"/>
               <a:pPr/>
-              <a:t>24-Oct-2017</a:t>
+              <a:t>25-Oct-2017</a:t>
             </a:fld>
             <a:endParaRPr lang="en-US" dirty="0"/>
           </a:p>
@@ -2080,7 +2080,7 @@
             <a:fld id="{B61BEF0D-F0BB-DE4B-95CE-6DB70DBA9567}" type="datetimeFigureOut">
               <a:rPr lang="en-US" dirty="0"/>
               <a:pPr/>
-              <a:t>24-Oct-2017</a:t>
+              <a:t>25-Oct-2017</a:t>
             </a:fld>
             <a:endParaRPr lang="en-US" dirty="0"/>
           </a:p>
@@ -2473,7 +2473,7 @@
             <a:fld id="{B61BEF0D-F0BB-DE4B-95CE-6DB70DBA9567}" type="datetimeFigureOut">
               <a:rPr lang="en-US" dirty="0"/>
               <a:pPr/>
-              <a:t>24-Oct-2017</a:t>
+              <a:t>25-Oct-2017</a:t>
             </a:fld>
             <a:endParaRPr lang="en-US" dirty="0"/>
           </a:p>
@@ -2727,7 +2727,7 @@
             <a:fld id="{B61BEF0D-F0BB-DE4B-95CE-6DB70DBA9567}" type="datetimeFigureOut">
               <a:rPr lang="en-US" dirty="0"/>
               <a:pPr/>
-              <a:t>24-Oct-2017</a:t>
+              <a:t>25-Oct-2017</a:t>
             </a:fld>
             <a:endParaRPr lang="en-US" dirty="0"/>
           </a:p>
@@ -2986,7 +2986,7 @@
             <a:fld id="{B61BEF0D-F0BB-DE4B-95CE-6DB70DBA9567}" type="datetimeFigureOut">
               <a:rPr lang="en-US" dirty="0"/>
               <a:pPr/>
-              <a:t>24-Oct-2017</a:t>
+              <a:t>25-Oct-2017</a:t>
             </a:fld>
             <a:endParaRPr lang="en-US" dirty="0"/>
           </a:p>
@@ -3245,7 +3245,7 @@
             <a:fld id="{B61BEF0D-F0BB-DE4B-95CE-6DB70DBA9567}" type="datetimeFigureOut">
               <a:rPr lang="en-US" dirty="0"/>
               <a:pPr/>
-              <a:t>24-Oct-2017</a:t>
+              <a:t>25-Oct-2017</a:t>
             </a:fld>
             <a:endParaRPr lang="en-US" dirty="0"/>
           </a:p>
@@ -3571,7 +3571,7 @@
             <a:fld id="{B61BEF0D-F0BB-DE4B-95CE-6DB70DBA9567}" type="datetimeFigureOut">
               <a:rPr lang="en-US" dirty="0"/>
               <a:pPr/>
-              <a:t>24-Oct-2017</a:t>
+              <a:t>25-Oct-2017</a:t>
             </a:fld>
             <a:endParaRPr lang="en-US" dirty="0"/>
           </a:p>
@@ -3891,7 +3891,7 @@
             <a:fld id="{B61BEF0D-F0BB-DE4B-95CE-6DB70DBA9567}" type="datetimeFigureOut">
               <a:rPr lang="en-US" dirty="0"/>
               <a:pPr/>
-              <a:t>24-Oct-2017</a:t>
+              <a:t>25-Oct-2017</a:t>
             </a:fld>
             <a:endParaRPr lang="en-US" dirty="0"/>
           </a:p>
@@ -4345,7 +4345,7 @@
             <a:fld id="{B61BEF0D-F0BB-DE4B-95CE-6DB70DBA9567}" type="datetimeFigureOut">
               <a:rPr lang="en-US" dirty="0"/>
               <a:pPr/>
-              <a:t>24-Oct-2017</a:t>
+              <a:t>25-Oct-2017</a:t>
             </a:fld>
             <a:endParaRPr lang="en-US" dirty="0"/>
           </a:p>
@@ -4547,7 +4547,7 @@
             <a:fld id="{B61BEF0D-F0BB-DE4B-95CE-6DB70DBA9567}" type="datetimeFigureOut">
               <a:rPr lang="en-US" dirty="0"/>
               <a:pPr/>
-              <a:t>24-Oct-2017</a:t>
+              <a:t>25-Oct-2017</a:t>
             </a:fld>
             <a:endParaRPr lang="en-US" dirty="0"/>
           </a:p>
@@ -4721,7 +4721,7 @@
             <a:fld id="{B61BEF0D-F0BB-DE4B-95CE-6DB70DBA9567}" type="datetimeFigureOut">
               <a:rPr lang="en-US" dirty="0"/>
               <a:pPr/>
-              <a:t>24-Oct-2017</a:t>
+              <a:t>25-Oct-2017</a:t>
             </a:fld>
             <a:endParaRPr lang="en-US" dirty="0"/>
           </a:p>
@@ -5051,7 +5051,7 @@
             <a:fld id="{B61BEF0D-F0BB-DE4B-95CE-6DB70DBA9567}" type="datetimeFigureOut">
               <a:rPr lang="en-US" dirty="0"/>
               <a:pPr/>
-              <a:t>24-Oct-2017</a:t>
+              <a:t>25-Oct-2017</a:t>
             </a:fld>
             <a:endParaRPr lang="en-US" dirty="0"/>
           </a:p>
@@ -5393,7 +5393,7 @@
             <a:fld id="{B61BEF0D-F0BB-DE4B-95CE-6DB70DBA9567}" type="datetimeFigureOut">
               <a:rPr lang="en-US" dirty="0"/>
               <a:pPr/>
-              <a:t>24-Oct-2017</a:t>
+              <a:t>25-Oct-2017</a:t>
             </a:fld>
             <a:endParaRPr lang="en-US" dirty="0"/>
           </a:p>
@@ -7507,7 +7507,7 @@
             <a:fld id="{B61BEF0D-F0BB-DE4B-95CE-6DB70DBA9567}" type="datetimeFigureOut">
               <a:rPr lang="en-US" dirty="0"/>
               <a:pPr/>
-              <a:t>24-Oct-2017</a:t>
+              <a:t>25-Oct-2017</a:t>
             </a:fld>
             <a:endParaRPr lang="en-US" dirty="0"/>
           </a:p>
@@ -8026,7 +8026,7 @@
           <p:cNvPr id="2" name="Title 1">
             <a:extLst>
               <a:ext uri="{FF2B5EF4-FFF2-40B4-BE49-F238E27FC236}">
-                <a16:creationId xmlns:a16="http://schemas.microsoft.com/office/drawing/2014/main" xmlns="" id="{E274D822-7228-A246-A35D-AD84E4625F91}"/>
+                <a16:creationId xmlns="" xmlns:a16="http://schemas.microsoft.com/office/drawing/2014/main" id="{E274D822-7228-A246-A35D-AD84E4625F91}"/>
               </a:ext>
             </a:extLst>
           </p:cNvPr>
@@ -8066,7 +8066,7 @@
           <p:cNvPr id="3" name="Content Placeholder 2">
             <a:extLst>
               <a:ext uri="{FF2B5EF4-FFF2-40B4-BE49-F238E27FC236}">
-                <a16:creationId xmlns:a16="http://schemas.microsoft.com/office/drawing/2014/main" xmlns="" id="{77070AF3-D217-1143-AC9C-B64166E09EB0}"/>
+                <a16:creationId xmlns="" xmlns:a16="http://schemas.microsoft.com/office/drawing/2014/main" id="{77070AF3-D217-1143-AC9C-B64166E09EB0}"/>
               </a:ext>
             </a:extLst>
           </p:cNvPr>
@@ -8199,7 +8199,7 @@
           <p:cNvPr id="4" name="Picture 4">
             <a:extLst>
               <a:ext uri="{FF2B5EF4-FFF2-40B4-BE49-F238E27FC236}">
-                <a16:creationId xmlns:a16="http://schemas.microsoft.com/office/drawing/2014/main" xmlns="" id="{919EE81D-A196-3246-9A9B-D18318DF27F2}"/>
+                <a16:creationId xmlns="" xmlns:a16="http://schemas.microsoft.com/office/drawing/2014/main" id="{919EE81D-A196-3246-9A9B-D18318DF27F2}"/>
               </a:ext>
             </a:extLst>
           </p:cNvPr>
@@ -8227,7 +8227,7 @@
     </p:spTree>
     <p:extLst>
       <p:ext uri="{BB962C8B-B14F-4D97-AF65-F5344CB8AC3E}">
-        <p14:creationId xmlns:p14="http://schemas.microsoft.com/office/powerpoint/2010/main" xmlns="" val="86065412"/>
+        <p14:creationId xmlns="" xmlns:p14="http://schemas.microsoft.com/office/powerpoint/2010/main" val="86065412"/>
       </p:ext>
     </p:extLst>
   </p:cSld>
@@ -8269,7 +8269,7 @@
           <p:cNvPr id="2" name="Title 1">
             <a:extLst>
               <a:ext uri="{FF2B5EF4-FFF2-40B4-BE49-F238E27FC236}">
-                <a16:creationId xmlns:a16="http://schemas.microsoft.com/office/drawing/2014/main" xmlns="" id="{638A7DE2-8852-BA42-BC80-A9DB8461B70A}"/>
+                <a16:creationId xmlns="" xmlns:a16="http://schemas.microsoft.com/office/drawing/2014/main" id="{638A7DE2-8852-BA42-BC80-A9DB8461B70A}"/>
               </a:ext>
             </a:extLst>
           </p:cNvPr>
@@ -8319,7 +8319,7 @@
           <p:cNvPr id="3" name="Content Placeholder 2">
             <a:extLst>
               <a:ext uri="{FF2B5EF4-FFF2-40B4-BE49-F238E27FC236}">
-                <a16:creationId xmlns:a16="http://schemas.microsoft.com/office/drawing/2014/main" xmlns="" id="{CDFFEF69-5098-A84F-94BE-B8FEF211AC6D}"/>
+                <a16:creationId xmlns="" xmlns:a16="http://schemas.microsoft.com/office/drawing/2014/main" id="{CDFFEF69-5098-A84F-94BE-B8FEF211AC6D}"/>
               </a:ext>
             </a:extLst>
           </p:cNvPr>
@@ -8421,7 +8421,7 @@
           <p:cNvPr id="4" name="Picture 4">
             <a:extLst>
               <a:ext uri="{FF2B5EF4-FFF2-40B4-BE49-F238E27FC236}">
-                <a16:creationId xmlns:a16="http://schemas.microsoft.com/office/drawing/2014/main" xmlns="" id="{919EE81D-A196-3246-9A9B-D18318DF27F2}"/>
+                <a16:creationId xmlns="" xmlns:a16="http://schemas.microsoft.com/office/drawing/2014/main" id="{919EE81D-A196-3246-9A9B-D18318DF27F2}"/>
               </a:ext>
             </a:extLst>
           </p:cNvPr>
@@ -8449,7 +8449,7 @@
     </p:spTree>
     <p:extLst>
       <p:ext uri="{BB962C8B-B14F-4D97-AF65-F5344CB8AC3E}">
-        <p14:creationId xmlns:p14="http://schemas.microsoft.com/office/powerpoint/2010/main" xmlns="" val="3103352297"/>
+        <p14:creationId xmlns="" xmlns:p14="http://schemas.microsoft.com/office/powerpoint/2010/main" val="3103352297"/>
       </p:ext>
     </p:extLst>
   </p:cSld>
@@ -8491,7 +8491,7 @@
           <p:cNvPr id="2" name="Title 1">
             <a:extLst>
               <a:ext uri="{FF2B5EF4-FFF2-40B4-BE49-F238E27FC236}">
-                <a16:creationId xmlns:a16="http://schemas.microsoft.com/office/drawing/2014/main" xmlns="" id="{E46C588C-5752-A349-8306-E1F2721D4F25}"/>
+                <a16:creationId xmlns="" xmlns:a16="http://schemas.microsoft.com/office/drawing/2014/main" id="{E46C588C-5752-A349-8306-E1F2721D4F25}"/>
               </a:ext>
             </a:extLst>
           </p:cNvPr>
@@ -8541,7 +8541,7 @@
           <p:cNvPr id="3" name="Content Placeholder 2">
             <a:extLst>
               <a:ext uri="{FF2B5EF4-FFF2-40B4-BE49-F238E27FC236}">
-                <a16:creationId xmlns:a16="http://schemas.microsoft.com/office/drawing/2014/main" xmlns="" id="{6815210F-DE99-7948-AE59-9D2803781127}"/>
+                <a16:creationId xmlns="" xmlns:a16="http://schemas.microsoft.com/office/drawing/2014/main" id="{6815210F-DE99-7948-AE59-9D2803781127}"/>
               </a:ext>
             </a:extLst>
           </p:cNvPr>
@@ -8627,7 +8627,7 @@
           <p:cNvPr id="4" name="Picture 4">
             <a:extLst>
               <a:ext uri="{FF2B5EF4-FFF2-40B4-BE49-F238E27FC236}">
-                <a16:creationId xmlns:a16="http://schemas.microsoft.com/office/drawing/2014/main" xmlns="" id="{919EE81D-A196-3246-9A9B-D18318DF27F2}"/>
+                <a16:creationId xmlns="" xmlns:a16="http://schemas.microsoft.com/office/drawing/2014/main" id="{919EE81D-A196-3246-9A9B-D18318DF27F2}"/>
               </a:ext>
             </a:extLst>
           </p:cNvPr>
@@ -8655,7 +8655,7 @@
     </p:spTree>
     <p:extLst>
       <p:ext uri="{BB962C8B-B14F-4D97-AF65-F5344CB8AC3E}">
-        <p14:creationId xmlns:p14="http://schemas.microsoft.com/office/powerpoint/2010/main" xmlns="" val="3956036073"/>
+        <p14:creationId xmlns="" xmlns:p14="http://schemas.microsoft.com/office/powerpoint/2010/main" val="3956036073"/>
       </p:ext>
     </p:extLst>
   </p:cSld>
@@ -8750,7 +8750,7 @@
           <p:cNvPr id="5" name="Picture 4">
             <a:extLst>
               <a:ext uri="{FF2B5EF4-FFF2-40B4-BE49-F238E27FC236}">
-                <a16:creationId xmlns:a16="http://schemas.microsoft.com/office/drawing/2014/main" xmlns="" id="{919EE81D-A196-3246-9A9B-D18318DF27F2}"/>
+                <a16:creationId xmlns="" xmlns:a16="http://schemas.microsoft.com/office/drawing/2014/main" id="{919EE81D-A196-3246-9A9B-D18318DF27F2}"/>
               </a:ext>
             </a:extLst>
           </p:cNvPr>
@@ -8815,7 +8815,7 @@
           <p:cNvPr id="2" name="Title 1">
             <a:extLst>
               <a:ext uri="{FF2B5EF4-FFF2-40B4-BE49-F238E27FC236}">
-                <a16:creationId xmlns:a16="http://schemas.microsoft.com/office/drawing/2014/main" xmlns="" id="{CFF0C25E-8116-8A4F-B8B5-B32214762FD3}"/>
+                <a16:creationId xmlns="" xmlns:a16="http://schemas.microsoft.com/office/drawing/2014/main" id="{CFF0C25E-8116-8A4F-B8B5-B32214762FD3}"/>
               </a:ext>
             </a:extLst>
           </p:cNvPr>
@@ -8865,7 +8865,7 @@
           <p:cNvPr id="3" name="Content Placeholder 2">
             <a:extLst>
               <a:ext uri="{FF2B5EF4-FFF2-40B4-BE49-F238E27FC236}">
-                <a16:creationId xmlns:a16="http://schemas.microsoft.com/office/drawing/2014/main" xmlns="" id="{F92AB07F-BB47-CB4D-8301-5E5B83050CC9}"/>
+                <a16:creationId xmlns="" xmlns:a16="http://schemas.microsoft.com/office/drawing/2014/main" id="{F92AB07F-BB47-CB4D-8301-5E5B83050CC9}"/>
               </a:ext>
             </a:extLst>
           </p:cNvPr>
@@ -8982,7 +8982,7 @@
           <p:cNvPr id="4" name="Picture 4">
             <a:extLst>
               <a:ext uri="{FF2B5EF4-FFF2-40B4-BE49-F238E27FC236}">
-                <a16:creationId xmlns:a16="http://schemas.microsoft.com/office/drawing/2014/main" xmlns="" id="{919EE81D-A196-3246-9A9B-D18318DF27F2}"/>
+                <a16:creationId xmlns="" xmlns:a16="http://schemas.microsoft.com/office/drawing/2014/main" id="{919EE81D-A196-3246-9A9B-D18318DF27F2}"/>
               </a:ext>
             </a:extLst>
           </p:cNvPr>
@@ -9010,7 +9010,7 @@
     </p:spTree>
     <p:extLst>
       <p:ext uri="{BB962C8B-B14F-4D97-AF65-F5344CB8AC3E}">
-        <p14:creationId xmlns:p14="http://schemas.microsoft.com/office/powerpoint/2010/main" xmlns="" val="3806303723"/>
+        <p14:creationId xmlns="" xmlns:p14="http://schemas.microsoft.com/office/powerpoint/2010/main" val="3806303723"/>
       </p:ext>
     </p:extLst>
   </p:cSld>
@@ -9052,7 +9052,7 @@
           <p:cNvPr id="2" name="Title 1">
             <a:extLst>
               <a:ext uri="{FF2B5EF4-FFF2-40B4-BE49-F238E27FC236}">
-                <a16:creationId xmlns:a16="http://schemas.microsoft.com/office/drawing/2014/main" xmlns="" id="{5E7B73BC-C05F-374B-9F58-E89747755CBE}"/>
+                <a16:creationId xmlns="" xmlns:a16="http://schemas.microsoft.com/office/drawing/2014/main" id="{5E7B73BC-C05F-374B-9F58-E89747755CBE}"/>
               </a:ext>
             </a:extLst>
           </p:cNvPr>
@@ -9100,7 +9100,7 @@
           <p:cNvPr id="3" name="Content Placeholder 2">
             <a:extLst>
               <a:ext uri="{FF2B5EF4-FFF2-40B4-BE49-F238E27FC236}">
-                <a16:creationId xmlns:a16="http://schemas.microsoft.com/office/drawing/2014/main" xmlns="" id="{F302ED4F-6BF5-8644-B78C-63997498ED90}"/>
+                <a16:creationId xmlns="" xmlns:a16="http://schemas.microsoft.com/office/drawing/2014/main" id="{F302ED4F-6BF5-8644-B78C-63997498ED90}"/>
               </a:ext>
             </a:extLst>
           </p:cNvPr>
@@ -9202,7 +9202,7 @@
           <p:cNvPr id="4" name="Picture 4">
             <a:extLst>
               <a:ext uri="{FF2B5EF4-FFF2-40B4-BE49-F238E27FC236}">
-                <a16:creationId xmlns:a16="http://schemas.microsoft.com/office/drawing/2014/main" xmlns="" id="{919EE81D-A196-3246-9A9B-D18318DF27F2}"/>
+                <a16:creationId xmlns="" xmlns:a16="http://schemas.microsoft.com/office/drawing/2014/main" id="{919EE81D-A196-3246-9A9B-D18318DF27F2}"/>
               </a:ext>
             </a:extLst>
           </p:cNvPr>
@@ -9230,7 +9230,7 @@
     </p:spTree>
     <p:extLst>
       <p:ext uri="{BB962C8B-B14F-4D97-AF65-F5344CB8AC3E}">
-        <p14:creationId xmlns:p14="http://schemas.microsoft.com/office/powerpoint/2010/main" xmlns="" val="3099295360"/>
+        <p14:creationId xmlns="" xmlns:p14="http://schemas.microsoft.com/office/powerpoint/2010/main" val="3099295360"/>
       </p:ext>
     </p:extLst>
   </p:cSld>
@@ -9272,7 +9272,7 @@
           <p:cNvPr id="2" name="Title 1">
             <a:extLst>
               <a:ext uri="{FF2B5EF4-FFF2-40B4-BE49-F238E27FC236}">
-                <a16:creationId xmlns:a16="http://schemas.microsoft.com/office/drawing/2014/main" xmlns="" id="{7CC65B39-8961-B247-AB1B-125AFB0FFB18}"/>
+                <a16:creationId xmlns="" xmlns:a16="http://schemas.microsoft.com/office/drawing/2014/main" id="{7CC65B39-8961-B247-AB1B-125AFB0FFB18}"/>
               </a:ext>
             </a:extLst>
           </p:cNvPr>
@@ -9322,7 +9322,7 @@
           <p:cNvPr id="3" name="Content Placeholder 2">
             <a:extLst>
               <a:ext uri="{FF2B5EF4-FFF2-40B4-BE49-F238E27FC236}">
-                <a16:creationId xmlns:a16="http://schemas.microsoft.com/office/drawing/2014/main" xmlns="" id="{EFCBB851-E2BF-9946-BEDE-A86F044DF239}"/>
+                <a16:creationId xmlns="" xmlns:a16="http://schemas.microsoft.com/office/drawing/2014/main" id="{EFCBB851-E2BF-9946-BEDE-A86F044DF239}"/>
               </a:ext>
             </a:extLst>
           </p:cNvPr>
@@ -9402,7 +9402,7 @@
           <p:cNvPr id="4" name="Picture 4">
             <a:extLst>
               <a:ext uri="{FF2B5EF4-FFF2-40B4-BE49-F238E27FC236}">
-                <a16:creationId xmlns:a16="http://schemas.microsoft.com/office/drawing/2014/main" xmlns="" id="{919EE81D-A196-3246-9A9B-D18318DF27F2}"/>
+                <a16:creationId xmlns="" xmlns:a16="http://schemas.microsoft.com/office/drawing/2014/main" id="{919EE81D-A196-3246-9A9B-D18318DF27F2}"/>
               </a:ext>
             </a:extLst>
           </p:cNvPr>
@@ -9430,7 +9430,7 @@
     </p:spTree>
     <p:extLst>
       <p:ext uri="{BB962C8B-B14F-4D97-AF65-F5344CB8AC3E}">
-        <p14:creationId xmlns:p14="http://schemas.microsoft.com/office/powerpoint/2010/main" xmlns="" val="3761024448"/>
+        <p14:creationId xmlns="" xmlns:p14="http://schemas.microsoft.com/office/powerpoint/2010/main" val="3761024448"/>
       </p:ext>
     </p:extLst>
   </p:cSld>
@@ -9472,7 +9472,7 @@
           <p:cNvPr id="4" name="Picture 4">
             <a:extLst>
               <a:ext uri="{FF2B5EF4-FFF2-40B4-BE49-F238E27FC236}">
-                <a16:creationId xmlns:a16="http://schemas.microsoft.com/office/drawing/2014/main" xmlns="" id="{926786E5-DEC7-8F4F-88D7-581531284BF6}"/>
+                <a16:creationId xmlns="" xmlns:a16="http://schemas.microsoft.com/office/drawing/2014/main" id="{926786E5-DEC7-8F4F-88D7-581531284BF6}"/>
               </a:ext>
             </a:extLst>
           </p:cNvPr>
@@ -9504,7 +9504,7 @@
           <p:cNvPr id="3" name="Picture 4">
             <a:extLst>
               <a:ext uri="{FF2B5EF4-FFF2-40B4-BE49-F238E27FC236}">
-                <a16:creationId xmlns:a16="http://schemas.microsoft.com/office/drawing/2014/main" xmlns="" id="{919EE81D-A196-3246-9A9B-D18318DF27F2}"/>
+                <a16:creationId xmlns="" xmlns:a16="http://schemas.microsoft.com/office/drawing/2014/main" id="{919EE81D-A196-3246-9A9B-D18318DF27F2}"/>
               </a:ext>
             </a:extLst>
           </p:cNvPr>
@@ -9532,7 +9532,7 @@
     </p:spTree>
     <p:extLst>
       <p:ext uri="{BB962C8B-B14F-4D97-AF65-F5344CB8AC3E}">
-        <p14:creationId xmlns:p14="http://schemas.microsoft.com/office/powerpoint/2010/main" xmlns="" val="3427517026"/>
+        <p14:creationId xmlns="" xmlns:p14="http://schemas.microsoft.com/office/powerpoint/2010/main" val="3427517026"/>
       </p:ext>
     </p:extLst>
   </p:cSld>
@@ -9574,7 +9574,7 @@
           <p:cNvPr id="2" name="Title 1">
             <a:extLst>
               <a:ext uri="{FF2B5EF4-FFF2-40B4-BE49-F238E27FC236}">
-                <a16:creationId xmlns:a16="http://schemas.microsoft.com/office/drawing/2014/main" xmlns="" id="{63C6167D-34E5-D248-8A97-2AD0EA3CB28C}"/>
+                <a16:creationId xmlns="" xmlns:a16="http://schemas.microsoft.com/office/drawing/2014/main" id="{63C6167D-34E5-D248-8A97-2AD0EA3CB28C}"/>
               </a:ext>
             </a:extLst>
           </p:cNvPr>
@@ -9634,7 +9634,7 @@
           <p:cNvPr id="4" name="Content Placeholder 3">
             <a:extLst>
               <a:ext uri="{FF2B5EF4-FFF2-40B4-BE49-F238E27FC236}">
-                <a16:creationId xmlns:a16="http://schemas.microsoft.com/office/drawing/2014/main" xmlns="" id="{B2C04A67-A315-304C-9E09-4545B6D6F8C3}"/>
+                <a16:creationId xmlns="" xmlns:a16="http://schemas.microsoft.com/office/drawing/2014/main" id="{B2C04A67-A315-304C-9E09-4545B6D6F8C3}"/>
               </a:ext>
             </a:extLst>
           </p:cNvPr>
@@ -9691,7 +9691,7 @@
           <p:cNvPr id="9" name="Picture 9">
             <a:extLst>
               <a:ext uri="{FF2B5EF4-FFF2-40B4-BE49-F238E27FC236}">
-                <a16:creationId xmlns:a16="http://schemas.microsoft.com/office/drawing/2014/main" xmlns="" id="{EF51D35D-B21B-5647-AF98-5D8F1972CB57}"/>
+                <a16:creationId xmlns="" xmlns:a16="http://schemas.microsoft.com/office/drawing/2014/main" id="{EF51D35D-B21B-5647-AF98-5D8F1972CB57}"/>
               </a:ext>
             </a:extLst>
           </p:cNvPr>
@@ -9719,7 +9719,7 @@
     </p:spTree>
     <p:extLst>
       <p:ext uri="{BB962C8B-B14F-4D97-AF65-F5344CB8AC3E}">
-        <p14:creationId xmlns:p14="http://schemas.microsoft.com/office/powerpoint/2010/main" xmlns="" val="4190039171"/>
+        <p14:creationId xmlns="" xmlns:p14="http://schemas.microsoft.com/office/powerpoint/2010/main" val="4190039171"/>
       </p:ext>
     </p:extLst>
   </p:cSld>
@@ -9953,7 +9953,7 @@
           <p:cNvPr id="5" name="Picture 4">
             <a:extLst>
               <a:ext uri="{FF2B5EF4-FFF2-40B4-BE49-F238E27FC236}">
-                <a16:creationId xmlns:a16="http://schemas.microsoft.com/office/drawing/2014/main" xmlns="" id="{919EE81D-A196-3246-9A9B-D18318DF27F2}"/>
+                <a16:creationId xmlns="" xmlns:a16="http://schemas.microsoft.com/office/drawing/2014/main" id="{919EE81D-A196-3246-9A9B-D18318DF27F2}"/>
               </a:ext>
             </a:extLst>
           </p:cNvPr>
@@ -10253,7 +10253,7 @@
           <p:cNvPr id="4" name="Picture 4">
             <a:extLst>
               <a:ext uri="{FF2B5EF4-FFF2-40B4-BE49-F238E27FC236}">
-                <a16:creationId xmlns:a16="http://schemas.microsoft.com/office/drawing/2014/main" xmlns="" id="{919EE81D-A196-3246-9A9B-D18318DF27F2}"/>
+                <a16:creationId xmlns="" xmlns:a16="http://schemas.microsoft.com/office/drawing/2014/main" id="{919EE81D-A196-3246-9A9B-D18318DF27F2}"/>
               </a:ext>
             </a:extLst>
           </p:cNvPr>
@@ -10318,7 +10318,7 @@
           <p:cNvPr id="2" name="Title 1">
             <a:extLst>
               <a:ext uri="{FF2B5EF4-FFF2-40B4-BE49-F238E27FC236}">
-                <a16:creationId xmlns:a16="http://schemas.microsoft.com/office/drawing/2014/main" xmlns="" id="{81D8F0E0-01F9-A749-90E4-A0EB1944BB35}"/>
+                <a16:creationId xmlns="" xmlns:a16="http://schemas.microsoft.com/office/drawing/2014/main" id="{81D8F0E0-01F9-A749-90E4-A0EB1944BB35}"/>
               </a:ext>
             </a:extLst>
           </p:cNvPr>
@@ -10366,7 +10366,7 @@
           <p:cNvPr id="3" name="Content Placeholder 2">
             <a:extLst>
               <a:ext uri="{FF2B5EF4-FFF2-40B4-BE49-F238E27FC236}">
-                <a16:creationId xmlns:a16="http://schemas.microsoft.com/office/drawing/2014/main" xmlns="" id="{A95A41BB-2542-E547-B673-7248DCDE1D23}"/>
+                <a16:creationId xmlns="" xmlns:a16="http://schemas.microsoft.com/office/drawing/2014/main" id="{A95A41BB-2542-E547-B673-7248DCDE1D23}"/>
               </a:ext>
             </a:extLst>
           </p:cNvPr>
@@ -10480,7 +10480,7 @@
           <p:cNvPr id="4" name="Picture 4">
             <a:extLst>
               <a:ext uri="{FF2B5EF4-FFF2-40B4-BE49-F238E27FC236}">
-                <a16:creationId xmlns:a16="http://schemas.microsoft.com/office/drawing/2014/main" xmlns="" id="{919EE81D-A196-3246-9A9B-D18318DF27F2}"/>
+                <a16:creationId xmlns="" xmlns:a16="http://schemas.microsoft.com/office/drawing/2014/main" id="{919EE81D-A196-3246-9A9B-D18318DF27F2}"/>
               </a:ext>
             </a:extLst>
           </p:cNvPr>
@@ -10508,7 +10508,7 @@
     </p:spTree>
     <p:extLst>
       <p:ext uri="{BB962C8B-B14F-4D97-AF65-F5344CB8AC3E}">
-        <p14:creationId xmlns:p14="http://schemas.microsoft.com/office/powerpoint/2010/main" xmlns="" val="227873599"/>
+        <p14:creationId xmlns="" xmlns:p14="http://schemas.microsoft.com/office/powerpoint/2010/main" val="227873599"/>
       </p:ext>
     </p:extLst>
   </p:cSld>
@@ -10659,7 +10659,7 @@
           <p:cNvPr id="6" name="Picture 4">
             <a:extLst>
               <a:ext uri="{FF2B5EF4-FFF2-40B4-BE49-F238E27FC236}">
-                <a16:creationId xmlns:a16="http://schemas.microsoft.com/office/drawing/2014/main" xmlns="" id="{919EE81D-A196-3246-9A9B-D18318DF27F2}"/>
+                <a16:creationId xmlns="" xmlns:a16="http://schemas.microsoft.com/office/drawing/2014/main" id="{919EE81D-A196-3246-9A9B-D18318DF27F2}"/>
               </a:ext>
             </a:extLst>
           </p:cNvPr>
@@ -10901,7 +10901,7 @@
           <p:cNvPr id="6" name="Picture 4">
             <a:extLst>
               <a:ext uri="{FF2B5EF4-FFF2-40B4-BE49-F238E27FC236}">
-                <a16:creationId xmlns:a16="http://schemas.microsoft.com/office/drawing/2014/main" xmlns="" id="{919EE81D-A196-3246-9A9B-D18318DF27F2}"/>
+                <a16:creationId xmlns="" xmlns:a16="http://schemas.microsoft.com/office/drawing/2014/main" id="{919EE81D-A196-3246-9A9B-D18318DF27F2}"/>
               </a:ext>
             </a:extLst>
           </p:cNvPr>
@@ -11172,7 +11172,7 @@
           <p:cNvPr id="4" name="Picture 4">
             <a:extLst>
               <a:ext uri="{FF2B5EF4-FFF2-40B4-BE49-F238E27FC236}">
-                <a16:creationId xmlns:a16="http://schemas.microsoft.com/office/drawing/2014/main" xmlns="" id="{919EE81D-A196-3246-9A9B-D18318DF27F2}"/>
+                <a16:creationId xmlns="" xmlns:a16="http://schemas.microsoft.com/office/drawing/2014/main" id="{919EE81D-A196-3246-9A9B-D18318DF27F2}"/>
               </a:ext>
             </a:extLst>
           </p:cNvPr>
@@ -11411,7 +11411,7 @@
           <p:cNvPr id="4" name="Picture 4">
             <a:extLst>
               <a:ext uri="{FF2B5EF4-FFF2-40B4-BE49-F238E27FC236}">
-                <a16:creationId xmlns:a16="http://schemas.microsoft.com/office/drawing/2014/main" xmlns="" id="{919EE81D-A196-3246-9A9B-D18318DF27F2}"/>
+                <a16:creationId xmlns="" xmlns:a16="http://schemas.microsoft.com/office/drawing/2014/main" id="{919EE81D-A196-3246-9A9B-D18318DF27F2}"/>
               </a:ext>
             </a:extLst>
           </p:cNvPr>
@@ -11623,11 +11623,7 @@
             </a:pPr>
             <a:r>
               <a:rPr lang="en-US" dirty="0" smtClean="0"/>
-              <a:t>Save </a:t>
-            </a:r>
-            <a:r>
-              <a:rPr lang="en-US" dirty="0" smtClean="0"/>
-              <a:t>and close the file.</a:t>
+              <a:t>Save and close the file.</a:t>
             </a:r>
           </a:p>
           <a:p>
@@ -11640,7 +11636,7 @@
           <p:cNvPr id="4" name="Picture 4">
             <a:extLst>
               <a:ext uri="{FF2B5EF4-FFF2-40B4-BE49-F238E27FC236}">
-                <a16:creationId xmlns:a16="http://schemas.microsoft.com/office/drawing/2014/main" xmlns="" id="{919EE81D-A196-3246-9A9B-D18318DF27F2}"/>
+                <a16:creationId xmlns="" xmlns:a16="http://schemas.microsoft.com/office/drawing/2014/main" id="{919EE81D-A196-3246-9A9B-D18318DF27F2}"/>
               </a:ext>
             </a:extLst>
           </p:cNvPr>
@@ -11850,7 +11846,7 @@
           <p:cNvPr id="5" name="Picture 4">
             <a:extLst>
               <a:ext uri="{FF2B5EF4-FFF2-40B4-BE49-F238E27FC236}">
-                <a16:creationId xmlns:a16="http://schemas.microsoft.com/office/drawing/2014/main" xmlns="" id="{919EE81D-A196-3246-9A9B-D18318DF27F2}"/>
+                <a16:creationId xmlns="" xmlns:a16="http://schemas.microsoft.com/office/drawing/2014/main" id="{919EE81D-A196-3246-9A9B-D18318DF27F2}"/>
               </a:ext>
             </a:extLst>
           </p:cNvPr>
@@ -12202,7 +12198,7 @@
           <p:cNvPr id="6" name="Picture 4">
             <a:extLst>
               <a:ext uri="{FF2B5EF4-FFF2-40B4-BE49-F238E27FC236}">
-                <a16:creationId xmlns:a16="http://schemas.microsoft.com/office/drawing/2014/main" xmlns="" id="{919EE81D-A196-3246-9A9B-D18318DF27F2}"/>
+                <a16:creationId xmlns="" xmlns:a16="http://schemas.microsoft.com/office/drawing/2014/main" id="{919EE81D-A196-3246-9A9B-D18318DF27F2}"/>
               </a:ext>
             </a:extLst>
           </p:cNvPr>
@@ -12313,7 +12309,7 @@
           <p:cNvPr id="4" name="Picture 4">
             <a:extLst>
               <a:ext uri="{FF2B5EF4-FFF2-40B4-BE49-F238E27FC236}">
-                <a16:creationId xmlns:a16="http://schemas.microsoft.com/office/drawing/2014/main" xmlns="" id="{919EE81D-A196-3246-9A9B-D18318DF27F2}"/>
+                <a16:creationId xmlns="" xmlns:a16="http://schemas.microsoft.com/office/drawing/2014/main" id="{919EE81D-A196-3246-9A9B-D18318DF27F2}"/>
               </a:ext>
             </a:extLst>
           </p:cNvPr>
@@ -12581,7 +12577,7 @@
           <p:cNvPr id="4" name="Picture 4">
             <a:extLst>
               <a:ext uri="{FF2B5EF4-FFF2-40B4-BE49-F238E27FC236}">
-                <a16:creationId xmlns:a16="http://schemas.microsoft.com/office/drawing/2014/main" xmlns="" id="{919EE81D-A196-3246-9A9B-D18318DF27F2}"/>
+                <a16:creationId xmlns="" xmlns:a16="http://schemas.microsoft.com/office/drawing/2014/main" id="{919EE81D-A196-3246-9A9B-D18318DF27F2}"/>
               </a:ext>
             </a:extLst>
           </p:cNvPr>
@@ -12671,33 +12667,10 @@
       </p:sp>
       <p:pic>
         <p:nvPicPr>
-          <p:cNvPr id="5" name="Content Placeholder 4" descr="t4.jpg"/>
-          <p:cNvPicPr>
-            <a:picLocks noGrp="1" noChangeAspect="1"/>
-          </p:cNvPicPr>
-          <p:nvPr>
-            <p:ph idx="1"/>
-          </p:nvPr>
-        </p:nvPicPr>
-        <p:blipFill>
-          <a:blip r:embed="rId2"/>
-          <a:stretch>
-            <a:fillRect/>
-          </a:stretch>
-        </p:blipFill>
-        <p:spPr>
-          <a:xfrm>
-            <a:off x="3967634" y="1371600"/>
-            <a:ext cx="6158557" cy="4540250"/>
-          </a:xfrm>
-        </p:spPr>
-      </p:pic>
-      <p:pic>
-        <p:nvPicPr>
           <p:cNvPr id="4" name="Picture 4">
             <a:extLst>
               <a:ext uri="{FF2B5EF4-FFF2-40B4-BE49-F238E27FC236}">
-                <a16:creationId xmlns:a16="http://schemas.microsoft.com/office/drawing/2014/main" xmlns="" id="{919EE81D-A196-3246-9A9B-D18318DF27F2}"/>
+                <a16:creationId xmlns="" xmlns:a16="http://schemas.microsoft.com/office/drawing/2014/main" id="{919EE81D-A196-3246-9A9B-D18318DF27F2}"/>
               </a:ext>
             </a:extLst>
           </p:cNvPr>
@@ -12707,6 +12680,32 @@
           <p:nvPr/>
         </p:nvPicPr>
         <p:blipFill>
+          <a:blip r:embed="rId2"/>
+          <a:stretch>
+            <a:fillRect/>
+          </a:stretch>
+        </p:blipFill>
+        <p:spPr>
+          <a:xfrm>
+            <a:off x="11306371" y="157161"/>
+            <a:ext cx="623691" cy="623691"/>
+          </a:xfrm>
+          <a:prstGeom prst="rect">
+            <a:avLst/>
+          </a:prstGeom>
+        </p:spPr>
+      </p:pic>
+      <p:pic>
+        <p:nvPicPr>
+          <p:cNvPr id="7" name="Content Placeholder 6" descr="q2.jpg"/>
+          <p:cNvPicPr>
+            <a:picLocks noGrp="1" noChangeAspect="1"/>
+          </p:cNvPicPr>
+          <p:nvPr>
+            <p:ph idx="1"/>
+          </p:nvPr>
+        </p:nvPicPr>
+        <p:blipFill>
           <a:blip r:embed="rId3"/>
           <a:stretch>
             <a:fillRect/>
@@ -12714,12 +12713,9 @@
         </p:blipFill>
         <p:spPr>
           <a:xfrm>
-            <a:off x="11306371" y="157161"/>
-            <a:ext cx="623691" cy="623691"/>
-          </a:xfrm>
-          <a:prstGeom prst="rect">
-            <a:avLst/>
-          </a:prstGeom>
+            <a:off x="4038600" y="1399309"/>
+            <a:ext cx="5996817" cy="4512541"/>
+          </a:xfrm>
         </p:spPr>
       </p:pic>
     </p:spTree>
@@ -12762,7 +12758,7 @@
           <p:cNvPr id="2" name="Title 1">
             <a:extLst>
               <a:ext uri="{FF2B5EF4-FFF2-40B4-BE49-F238E27FC236}">
-                <a16:creationId xmlns:a16="http://schemas.microsoft.com/office/drawing/2014/main" xmlns="" id="{CD215E14-9161-9B48-92E5-FE9B788C381B}"/>
+                <a16:creationId xmlns="" xmlns:a16="http://schemas.microsoft.com/office/drawing/2014/main" id="{CD215E14-9161-9B48-92E5-FE9B788C381B}"/>
               </a:ext>
             </a:extLst>
           </p:cNvPr>
@@ -12812,7 +12808,7 @@
           <p:cNvPr id="3" name="Content Placeholder 2">
             <a:extLst>
               <a:ext uri="{FF2B5EF4-FFF2-40B4-BE49-F238E27FC236}">
-                <a16:creationId xmlns:a16="http://schemas.microsoft.com/office/drawing/2014/main" xmlns="" id="{FDD0E421-9E3A-5349-80D9-5EC20E4655AC}"/>
+                <a16:creationId xmlns="" xmlns:a16="http://schemas.microsoft.com/office/drawing/2014/main" id="{FDD0E421-9E3A-5349-80D9-5EC20E4655AC}"/>
               </a:ext>
             </a:extLst>
           </p:cNvPr>
@@ -13073,7 +13069,7 @@
           <p:cNvPr id="4" name="Picture 4">
             <a:extLst>
               <a:ext uri="{FF2B5EF4-FFF2-40B4-BE49-F238E27FC236}">
-                <a16:creationId xmlns:a16="http://schemas.microsoft.com/office/drawing/2014/main" xmlns="" id="{919EE81D-A196-3246-9A9B-D18318DF27F2}"/>
+                <a16:creationId xmlns="" xmlns:a16="http://schemas.microsoft.com/office/drawing/2014/main" id="{919EE81D-A196-3246-9A9B-D18318DF27F2}"/>
               </a:ext>
             </a:extLst>
           </p:cNvPr>
@@ -13101,7 +13097,7 @@
     </p:spTree>
     <p:extLst>
       <p:ext uri="{BB962C8B-B14F-4D97-AF65-F5344CB8AC3E}">
-        <p14:creationId xmlns:p14="http://schemas.microsoft.com/office/powerpoint/2010/main" xmlns="" val="618808843"/>
+        <p14:creationId xmlns="" xmlns:p14="http://schemas.microsoft.com/office/powerpoint/2010/main" val="618808843"/>
       </p:ext>
     </p:extLst>
   </p:cSld>
@@ -13291,7 +13287,7 @@
           <p:cNvPr id="4" name="Picture 4">
             <a:extLst>
               <a:ext uri="{FF2B5EF4-FFF2-40B4-BE49-F238E27FC236}">
-                <a16:creationId xmlns:a16="http://schemas.microsoft.com/office/drawing/2014/main" xmlns="" id="{919EE81D-A196-3246-9A9B-D18318DF27F2}"/>
+                <a16:creationId xmlns="" xmlns:a16="http://schemas.microsoft.com/office/drawing/2014/main" id="{919EE81D-A196-3246-9A9B-D18318DF27F2}"/>
               </a:ext>
             </a:extLst>
           </p:cNvPr>
@@ -13526,7 +13522,7 @@
           <p:cNvPr id="4" name="Picture 4">
             <a:extLst>
               <a:ext uri="{FF2B5EF4-FFF2-40B4-BE49-F238E27FC236}">
-                <a16:creationId xmlns:a16="http://schemas.microsoft.com/office/drawing/2014/main" xmlns="" id="{919EE81D-A196-3246-9A9B-D18318DF27F2}"/>
+                <a16:creationId xmlns="" xmlns:a16="http://schemas.microsoft.com/office/drawing/2014/main" id="{919EE81D-A196-3246-9A9B-D18318DF27F2}"/>
               </a:ext>
             </a:extLst>
           </p:cNvPr>
@@ -13586,29 +13582,6 @@
           <a:chExt cx="0" cy="0"/>
         </a:xfrm>
       </p:grpSpPr>
-      <p:pic>
-        <p:nvPicPr>
-          <p:cNvPr id="4" name="Content Placeholder 3" descr="t7.jpg"/>
-          <p:cNvPicPr>
-            <a:picLocks noGrp="1" noChangeAspect="1"/>
-          </p:cNvPicPr>
-          <p:nvPr>
-            <p:ph idx="1"/>
-          </p:nvPr>
-        </p:nvPicPr>
-        <p:blipFill>
-          <a:blip r:embed="rId2"/>
-          <a:stretch>
-            <a:fillRect/>
-          </a:stretch>
-        </p:blipFill>
-        <p:spPr>
-          <a:xfrm>
-            <a:off x="4756150" y="1905000"/>
-            <a:ext cx="5349698" cy="3703637"/>
-          </a:xfrm>
-        </p:spPr>
-      </p:pic>
       <p:sp>
         <p:nvSpPr>
           <p:cNvPr id="5" name="Title 1"/>
@@ -13666,10 +13639,34 @@
           <p:cNvPr id="6" name="Picture 4">
             <a:extLst>
               <a:ext uri="{FF2B5EF4-FFF2-40B4-BE49-F238E27FC236}">
-                <a16:creationId xmlns:a16="http://schemas.microsoft.com/office/drawing/2014/main" xmlns="" id="{919EE81D-A196-3246-9A9B-D18318DF27F2}"/>
+                <a16:creationId xmlns="" xmlns:a16="http://schemas.microsoft.com/office/drawing/2014/main" id="{919EE81D-A196-3246-9A9B-D18318DF27F2}"/>
               </a:ext>
             </a:extLst>
           </p:cNvPr>
+          <p:cNvPicPr>
+            <a:picLocks noChangeAspect="1"/>
+          </p:cNvPicPr>
+          <p:nvPr/>
+        </p:nvPicPr>
+        <p:blipFill>
+          <a:blip r:embed="rId2"/>
+          <a:stretch>
+            <a:fillRect/>
+          </a:stretch>
+        </p:blipFill>
+        <p:spPr>
+          <a:xfrm>
+            <a:off x="11306371" y="157161"/>
+            <a:ext cx="623691" cy="623691"/>
+          </a:xfrm>
+          <a:prstGeom prst="rect">
+            <a:avLst/>
+          </a:prstGeom>
+        </p:spPr>
+      </p:pic>
+      <p:pic>
+        <p:nvPicPr>
+          <p:cNvPr id="9" name="Picture 8" descr="q3.jpg"/>
           <p:cNvPicPr>
             <a:picLocks noChangeAspect="1"/>
           </p:cNvPicPr>
@@ -13683,8 +13680,8 @@
         </p:blipFill>
         <p:spPr>
           <a:xfrm>
-            <a:off x="11306371" y="157161"/>
-            <a:ext cx="623691" cy="623691"/>
+            <a:off x="3200400" y="1219200"/>
+            <a:ext cx="6529980" cy="4667682"/>
           </a:xfrm>
           <a:prstGeom prst="rect">
             <a:avLst/>
@@ -13726,15 +13723,49 @@
           <a:chExt cx="0" cy="0"/>
         </a:xfrm>
       </p:grpSpPr>
+      <p:sp>
+        <p:nvSpPr>
+          <p:cNvPr id="4" name="Title 1"/>
+          <p:cNvSpPr>
+            <a:spLocks noGrp="1"/>
+          </p:cNvSpPr>
+          <p:nvPr>
+            <p:ph type="title"/>
+          </p:nvPr>
+        </p:nvSpPr>
+        <p:spPr>
+          <a:xfrm>
+            <a:off x="2592925" y="624110"/>
+            <a:ext cx="8911687" cy="747490"/>
+          </a:xfrm>
+        </p:spPr>
+        <p:txBody>
+          <a:bodyPr>
+            <a:normAutofit/>
+          </a:bodyPr>
+          <a:lstStyle/>
+          <a:p>
+            <a:r>
+              <a:rPr lang="en-US" sz="4000" b="1" dirty="0" smtClean="0"/>
+              <a:t>Continue….</a:t>
+            </a:r>
+            <a:endParaRPr lang="en-US" sz="4000" dirty="0"/>
+          </a:p>
+        </p:txBody>
+      </p:sp>
       <p:pic>
         <p:nvPicPr>
-          <p:cNvPr id="5" name="Content Placeholder 4" descr="t6.jpg"/>
+          <p:cNvPr id="6" name="Picture 4">
+            <a:extLst>
+              <a:ext uri="{FF2B5EF4-FFF2-40B4-BE49-F238E27FC236}">
+                <a16:creationId xmlns="" xmlns:a16="http://schemas.microsoft.com/office/drawing/2014/main" id="{919EE81D-A196-3246-9A9B-D18318DF27F2}"/>
+              </a:ext>
+            </a:extLst>
+          </p:cNvPr>
           <p:cNvPicPr>
-            <a:picLocks noGrp="1" noChangeAspect="1"/>
+            <a:picLocks noChangeAspect="1"/>
           </p:cNvPicPr>
-          <p:nvPr>
-            <p:ph idx="1"/>
-          </p:nvPr>
+          <p:nvPr/>
         </p:nvPicPr>
         <p:blipFill>
           <a:blip r:embed="rId2"/>
@@ -13744,50 +13775,17 @@
         </p:blipFill>
         <p:spPr>
           <a:xfrm>
-            <a:off x="4513263" y="1855787"/>
-            <a:ext cx="5067300" cy="3648075"/>
-          </a:xfrm>
+            <a:off x="11306371" y="157161"/>
+            <a:ext cx="623691" cy="623691"/>
+          </a:xfrm>
+          <a:prstGeom prst="rect">
+            <a:avLst/>
+          </a:prstGeom>
         </p:spPr>
       </p:pic>
-      <p:sp>
-        <p:nvSpPr>
-          <p:cNvPr id="4" name="Title 1"/>
-          <p:cNvSpPr>
-            <a:spLocks noGrp="1"/>
-          </p:cNvSpPr>
-          <p:nvPr>
-            <p:ph type="title"/>
-          </p:nvPr>
-        </p:nvSpPr>
-        <p:spPr>
-          <a:xfrm>
-            <a:off x="2592925" y="624110"/>
-            <a:ext cx="8911687" cy="747490"/>
-          </a:xfrm>
-        </p:spPr>
-        <p:txBody>
-          <a:bodyPr>
-            <a:normAutofit/>
-          </a:bodyPr>
-          <a:lstStyle/>
-          <a:p>
-            <a:r>
-              <a:rPr lang="en-US" sz="4000" b="1" dirty="0" smtClean="0"/>
-              <a:t>Continue….</a:t>
-            </a:r>
-            <a:endParaRPr lang="en-US" sz="4000" dirty="0"/>
-          </a:p>
-        </p:txBody>
-      </p:sp>
       <p:pic>
         <p:nvPicPr>
-          <p:cNvPr id="6" name="Picture 4">
-            <a:extLst>
-              <a:ext uri="{FF2B5EF4-FFF2-40B4-BE49-F238E27FC236}">
-                <a16:creationId xmlns:a16="http://schemas.microsoft.com/office/drawing/2014/main" xmlns="" id="{919EE81D-A196-3246-9A9B-D18318DF27F2}"/>
-              </a:ext>
-            </a:extLst>
-          </p:cNvPr>
+          <p:cNvPr id="7" name="Content Placeholder 3" descr="t7.jpg"/>
           <p:cNvPicPr>
             <a:picLocks noChangeAspect="1"/>
           </p:cNvPicPr>
@@ -13801,8 +13799,8 @@
         </p:blipFill>
         <p:spPr>
           <a:xfrm>
-            <a:off x="11306371" y="157161"/>
-            <a:ext cx="623691" cy="623691"/>
+            <a:off x="3962400" y="1524000"/>
+            <a:ext cx="5900031" cy="4084637"/>
           </a:xfrm>
           <a:prstGeom prst="rect">
             <a:avLst/>
@@ -14012,7 +14010,7 @@
           <p:cNvPr id="4" name="Picture 4">
             <a:extLst>
               <a:ext uri="{FF2B5EF4-FFF2-40B4-BE49-F238E27FC236}">
-                <a16:creationId xmlns:a16="http://schemas.microsoft.com/office/drawing/2014/main" xmlns="" id="{919EE81D-A196-3246-9A9B-D18318DF27F2}"/>
+                <a16:creationId xmlns="" xmlns:a16="http://schemas.microsoft.com/office/drawing/2014/main" id="{919EE81D-A196-3246-9A9B-D18318DF27F2}"/>
               </a:ext>
             </a:extLst>
           </p:cNvPr>
@@ -14077,7 +14075,7 @@
           <p:cNvPr id="3" name="Content Placeholder 2">
             <a:extLst>
               <a:ext uri="{FF2B5EF4-FFF2-40B4-BE49-F238E27FC236}">
-                <a16:creationId xmlns:a16="http://schemas.microsoft.com/office/drawing/2014/main" xmlns="" id="{2A982857-83D7-354C-8F48-1BE630907818}"/>
+                <a16:creationId xmlns="" xmlns:a16="http://schemas.microsoft.com/office/drawing/2014/main" id="{2A982857-83D7-354C-8F48-1BE630907818}"/>
               </a:ext>
             </a:extLst>
           </p:cNvPr>
@@ -14178,7 +14176,7 @@
           <p:cNvPr id="4" name="Picture 4">
             <a:extLst>
               <a:ext uri="{FF2B5EF4-FFF2-40B4-BE49-F238E27FC236}">
-                <a16:creationId xmlns:a16="http://schemas.microsoft.com/office/drawing/2014/main" xmlns="" id="{919EE81D-A196-3246-9A9B-D18318DF27F2}"/>
+                <a16:creationId xmlns="" xmlns:a16="http://schemas.microsoft.com/office/drawing/2014/main" id="{919EE81D-A196-3246-9A9B-D18318DF27F2}"/>
               </a:ext>
             </a:extLst>
           </p:cNvPr>
@@ -14206,7 +14204,7 @@
     </p:spTree>
     <p:extLst>
       <p:ext uri="{BB962C8B-B14F-4D97-AF65-F5344CB8AC3E}">
-        <p14:creationId xmlns:p14="http://schemas.microsoft.com/office/powerpoint/2010/main" xmlns="" val="1641204213"/>
+        <p14:creationId xmlns="" xmlns:p14="http://schemas.microsoft.com/office/powerpoint/2010/main" val="1641204213"/>
       </p:ext>
     </p:extLst>
   </p:cSld>
@@ -14248,7 +14246,7 @@
           <p:cNvPr id="2" name="Title 1">
             <a:extLst>
               <a:ext uri="{FF2B5EF4-FFF2-40B4-BE49-F238E27FC236}">
-                <a16:creationId xmlns:a16="http://schemas.microsoft.com/office/drawing/2014/main" xmlns="" id="{D8469835-18DA-B844-BABB-1D347A9C5F7C}"/>
+                <a16:creationId xmlns="" xmlns:a16="http://schemas.microsoft.com/office/drawing/2014/main" id="{D8469835-18DA-B844-BABB-1D347A9C5F7C}"/>
               </a:ext>
             </a:extLst>
           </p:cNvPr>
@@ -14298,7 +14296,7 @@
           <p:cNvPr id="3" name="Content Placeholder 2">
             <a:extLst>
               <a:ext uri="{FF2B5EF4-FFF2-40B4-BE49-F238E27FC236}">
-                <a16:creationId xmlns:a16="http://schemas.microsoft.com/office/drawing/2014/main" xmlns="" id="{8CF7F8E8-BB75-954D-A228-84DE7F339717}"/>
+                <a16:creationId xmlns="" xmlns:a16="http://schemas.microsoft.com/office/drawing/2014/main" id="{8CF7F8E8-BB75-954D-A228-84DE7F339717}"/>
               </a:ext>
             </a:extLst>
           </p:cNvPr>
@@ -14407,7 +14405,7 @@
           <p:cNvPr id="4" name="Picture 4">
             <a:extLst>
               <a:ext uri="{FF2B5EF4-FFF2-40B4-BE49-F238E27FC236}">
-                <a16:creationId xmlns:a16="http://schemas.microsoft.com/office/drawing/2014/main" xmlns="" id="{919EE81D-A196-3246-9A9B-D18318DF27F2}"/>
+                <a16:creationId xmlns="" xmlns:a16="http://schemas.microsoft.com/office/drawing/2014/main" id="{919EE81D-A196-3246-9A9B-D18318DF27F2}"/>
               </a:ext>
             </a:extLst>
           </p:cNvPr>
@@ -14435,7 +14433,7 @@
     </p:spTree>
     <p:extLst>
       <p:ext uri="{BB962C8B-B14F-4D97-AF65-F5344CB8AC3E}">
-        <p14:creationId xmlns:p14="http://schemas.microsoft.com/office/powerpoint/2010/main" xmlns="" val="483168689"/>
+        <p14:creationId xmlns="" xmlns:p14="http://schemas.microsoft.com/office/powerpoint/2010/main" val="483168689"/>
       </p:ext>
     </p:extLst>
   </p:cSld>
@@ -14477,7 +14475,7 @@
           <p:cNvPr id="2" name="Title 1">
             <a:extLst>
               <a:ext uri="{FF2B5EF4-FFF2-40B4-BE49-F238E27FC236}">
-                <a16:creationId xmlns:a16="http://schemas.microsoft.com/office/drawing/2014/main" xmlns="" id="{44077FE5-E41E-D043-A57F-FEF6259AD2E5}"/>
+                <a16:creationId xmlns="" xmlns:a16="http://schemas.microsoft.com/office/drawing/2014/main" id="{44077FE5-E41E-D043-A57F-FEF6259AD2E5}"/>
               </a:ext>
             </a:extLst>
           </p:cNvPr>
@@ -14527,7 +14525,7 @@
           <p:cNvPr id="3" name="Content Placeholder 2">
             <a:extLst>
               <a:ext uri="{FF2B5EF4-FFF2-40B4-BE49-F238E27FC236}">
-                <a16:creationId xmlns:a16="http://schemas.microsoft.com/office/drawing/2014/main" xmlns="" id="{84811C69-2325-C845-B6D1-1DC84707F8FD}"/>
+                <a16:creationId xmlns="" xmlns:a16="http://schemas.microsoft.com/office/drawing/2014/main" id="{84811C69-2325-C845-B6D1-1DC84707F8FD}"/>
               </a:ext>
             </a:extLst>
           </p:cNvPr>
@@ -14658,7 +14656,7 @@
           <p:cNvPr id="4" name="Picture 4">
             <a:extLst>
               <a:ext uri="{FF2B5EF4-FFF2-40B4-BE49-F238E27FC236}">
-                <a16:creationId xmlns:a16="http://schemas.microsoft.com/office/drawing/2014/main" xmlns="" id="{919EE81D-A196-3246-9A9B-D18318DF27F2}"/>
+                <a16:creationId xmlns="" xmlns:a16="http://schemas.microsoft.com/office/drawing/2014/main" id="{919EE81D-A196-3246-9A9B-D18318DF27F2}"/>
               </a:ext>
             </a:extLst>
           </p:cNvPr>
@@ -14686,7 +14684,7 @@
     </p:spTree>
     <p:extLst>
       <p:ext uri="{BB962C8B-B14F-4D97-AF65-F5344CB8AC3E}">
-        <p14:creationId xmlns:p14="http://schemas.microsoft.com/office/powerpoint/2010/main" xmlns="" val="3445580002"/>
+        <p14:creationId xmlns="" xmlns:p14="http://schemas.microsoft.com/office/powerpoint/2010/main" val="3445580002"/>
       </p:ext>
     </p:extLst>
   </p:cSld>
@@ -14852,7 +14850,7 @@
           <p:cNvPr id="4" name="Picture 4">
             <a:extLst>
               <a:ext uri="{FF2B5EF4-FFF2-40B4-BE49-F238E27FC236}">
-                <a16:creationId xmlns:a16="http://schemas.microsoft.com/office/drawing/2014/main" xmlns="" id="{919EE81D-A196-3246-9A9B-D18318DF27F2}"/>
+                <a16:creationId xmlns="" xmlns:a16="http://schemas.microsoft.com/office/drawing/2014/main" id="{919EE81D-A196-3246-9A9B-D18318DF27F2}"/>
               </a:ext>
             </a:extLst>
           </p:cNvPr>
@@ -15002,7 +15000,7 @@
           <p:cNvPr id="6" name="Picture 4">
             <a:extLst>
               <a:ext uri="{FF2B5EF4-FFF2-40B4-BE49-F238E27FC236}">
-                <a16:creationId xmlns:a16="http://schemas.microsoft.com/office/drawing/2014/main" xmlns="" id="{919EE81D-A196-3246-9A9B-D18318DF27F2}"/>
+                <a16:creationId xmlns="" xmlns:a16="http://schemas.microsoft.com/office/drawing/2014/main" id="{919EE81D-A196-3246-9A9B-D18318DF27F2}"/>
               </a:ext>
             </a:extLst>
           </p:cNvPr>
@@ -15067,7 +15065,7 @@
           <p:cNvPr id="2" name="Title 1">
             <a:extLst>
               <a:ext uri="{FF2B5EF4-FFF2-40B4-BE49-F238E27FC236}">
-                <a16:creationId xmlns:a16="http://schemas.microsoft.com/office/drawing/2014/main" xmlns="" id="{A495C02E-F767-FD49-9C8C-27906CCC87A1}"/>
+                <a16:creationId xmlns="" xmlns:a16="http://schemas.microsoft.com/office/drawing/2014/main" id="{A495C02E-F767-FD49-9C8C-27906CCC87A1}"/>
               </a:ext>
             </a:extLst>
           </p:cNvPr>
@@ -15112,7 +15110,7 @@
           <p:cNvPr id="7" name="Text Placeholder 6">
             <a:extLst>
               <a:ext uri="{FF2B5EF4-FFF2-40B4-BE49-F238E27FC236}">
-                <a16:creationId xmlns:a16="http://schemas.microsoft.com/office/drawing/2014/main" xmlns="" id="{65BF86C4-93BF-AC43-B961-5BECA12DA56B}"/>
+                <a16:creationId xmlns="" xmlns:a16="http://schemas.microsoft.com/office/drawing/2014/main" id="{65BF86C4-93BF-AC43-B961-5BECA12DA56B}"/>
               </a:ext>
             </a:extLst>
           </p:cNvPr>
@@ -15154,7 +15152,7 @@
           <p:cNvPr id="5" name="Content Placeholder 4">
             <a:extLst>
               <a:ext uri="{FF2B5EF4-FFF2-40B4-BE49-F238E27FC236}">
-                <a16:creationId xmlns:a16="http://schemas.microsoft.com/office/drawing/2014/main" xmlns="" id="{11205ABB-9BC5-9345-99B6-5B3317A927D4}"/>
+                <a16:creationId xmlns="" xmlns:a16="http://schemas.microsoft.com/office/drawing/2014/main" id="{11205ABB-9BC5-9345-99B6-5B3317A927D4}"/>
               </a:ext>
             </a:extLst>
           </p:cNvPr>
@@ -15242,7 +15240,7 @@
           <p:cNvPr id="9" name="Text Placeholder 8">
             <a:extLst>
               <a:ext uri="{FF2B5EF4-FFF2-40B4-BE49-F238E27FC236}">
-                <a16:creationId xmlns:a16="http://schemas.microsoft.com/office/drawing/2014/main" xmlns="" id="{D45D5DAC-7932-D04D-946D-F43B52808DC7}"/>
+                <a16:creationId xmlns="" xmlns:a16="http://schemas.microsoft.com/office/drawing/2014/main" id="{D45D5DAC-7932-D04D-946D-F43B52808DC7}"/>
               </a:ext>
             </a:extLst>
           </p:cNvPr>
@@ -15284,7 +15282,7 @@
           <p:cNvPr id="11" name="Content Placeholder 10">
             <a:extLst>
               <a:ext uri="{FF2B5EF4-FFF2-40B4-BE49-F238E27FC236}">
-                <a16:creationId xmlns:a16="http://schemas.microsoft.com/office/drawing/2014/main" xmlns="" id="{8BE4A7DF-540A-6D43-B29D-FAFF62B21D4E}"/>
+                <a16:creationId xmlns="" xmlns:a16="http://schemas.microsoft.com/office/drawing/2014/main" id="{8BE4A7DF-540A-6D43-B29D-FAFF62B21D4E}"/>
               </a:ext>
             </a:extLst>
           </p:cNvPr>
@@ -15405,7 +15403,7 @@
     </p:spTree>
     <p:extLst>
       <p:ext uri="{BB962C8B-B14F-4D97-AF65-F5344CB8AC3E}">
-        <p14:creationId xmlns:p14="http://schemas.microsoft.com/office/powerpoint/2010/main" xmlns="" val="1376842953"/>
+        <p14:creationId xmlns="" xmlns:p14="http://schemas.microsoft.com/office/powerpoint/2010/main" val="1376842953"/>
       </p:ext>
     </p:extLst>
   </p:cSld>
@@ -15447,7 +15445,7 @@
           <p:cNvPr id="2" name="Title 1">
             <a:extLst>
               <a:ext uri="{FF2B5EF4-FFF2-40B4-BE49-F238E27FC236}">
-                <a16:creationId xmlns:a16="http://schemas.microsoft.com/office/drawing/2014/main" xmlns="" id="{57DAA2E9-153D-6B41-B67A-BC1F22BA0704}"/>
+                <a16:creationId xmlns="" xmlns:a16="http://schemas.microsoft.com/office/drawing/2014/main" id="{57DAA2E9-153D-6B41-B67A-BC1F22BA0704}"/>
               </a:ext>
             </a:extLst>
           </p:cNvPr>
@@ -15490,7 +15488,7 @@
           <p:cNvPr id="3" name="Picture 4">
             <a:extLst>
               <a:ext uri="{FF2B5EF4-FFF2-40B4-BE49-F238E27FC236}">
-                <a16:creationId xmlns:a16="http://schemas.microsoft.com/office/drawing/2014/main" xmlns="" id="{E87C10B4-0391-5647-86FD-E2A0C349195B}"/>
+                <a16:creationId xmlns="" xmlns:a16="http://schemas.microsoft.com/office/drawing/2014/main" id="{E87C10B4-0391-5647-86FD-E2A0C349195B}"/>
               </a:ext>
             </a:extLst>
           </p:cNvPr>
@@ -15520,7 +15518,7 @@
           <p:cNvPr id="5" name="Picture 4">
             <a:extLst>
               <a:ext uri="{FF2B5EF4-FFF2-40B4-BE49-F238E27FC236}">
-                <a16:creationId xmlns:a16="http://schemas.microsoft.com/office/drawing/2014/main" xmlns="" id="{919EE81D-A196-3246-9A9B-D18318DF27F2}"/>
+                <a16:creationId xmlns="" xmlns:a16="http://schemas.microsoft.com/office/drawing/2014/main" id="{919EE81D-A196-3246-9A9B-D18318DF27F2}"/>
               </a:ext>
             </a:extLst>
           </p:cNvPr>
@@ -15548,7 +15546,7 @@
     </p:spTree>
     <p:extLst>
       <p:ext uri="{BB962C8B-B14F-4D97-AF65-F5344CB8AC3E}">
-        <p14:creationId xmlns:p14="http://schemas.microsoft.com/office/powerpoint/2010/main" xmlns="" val="1059623276"/>
+        <p14:creationId xmlns="" xmlns:p14="http://schemas.microsoft.com/office/powerpoint/2010/main" val="1059623276"/>
       </p:ext>
     </p:extLst>
   </p:cSld>
@@ -15805,7 +15803,7 @@
   <a:extraClrSchemeLst/>
   <a:extLst>
     <a:ext uri="{05A4C25C-085E-4340-85A3-A5531E510DB2}">
-      <thm15:themeFamily xmlns:thm15="http://schemas.microsoft.com/office/thememl/2012/main" xmlns="" name="Wisp" id="{7CB32D59-10C0-40DD-B7BD-2E94284A981C}" vid="{24B1A44C-C006-48B2-A4D7-E5549B3D8CD4}"/>
+      <thm15:themeFamily xmlns="" xmlns:thm15="http://schemas.microsoft.com/office/thememl/2012/main" name="Wisp" id="{7CB32D59-10C0-40DD-B7BD-2E94284A981C}" vid="{24B1A44C-C006-48B2-A4D7-E5549B3D8CD4}"/>
     </a:ext>
   </a:extLst>
 </a:theme>
@@ -16100,7 +16098,7 @@
   <a:extraClrSchemeLst/>
   <a:extLst>
     <a:ext uri="{05A4C25C-085E-4340-85A3-A5531E510DB2}">
-      <thm15:themeFamily xmlns:thm15="http://schemas.microsoft.com/office/thememl/2012/main" xmlns="" name="Office Theme" id="{62F939B6-93AF-4DB8-9C6B-D6C7DFDC589F}" vid="{4A3C46E8-61CC-4603-A589-7422A47A8E4A}"/>
+      <thm15:themeFamily xmlns="" xmlns:thm15="http://schemas.microsoft.com/office/thememl/2012/main" name="Office Theme" id="{62F939B6-93AF-4DB8-9C6B-D6C7DFDC589F}" vid="{4A3C46E8-61CC-4603-A589-7422A47A8E4A}"/>
     </a:ext>
   </a:extLst>
 </a:theme>

--- a/Git.pptx
+++ b/Git.pptx
@@ -5,7 +5,7 @@
     <p:sldMasterId id="2147483648" r:id="rId1"/>
   </p:sldMasterIdLst>
   <p:notesMasterIdLst>
-    <p:notesMasterId r:id="rId37"/>
+    <p:notesMasterId r:id="rId36"/>
   </p:notesMasterIdLst>
   <p:sldIdLst>
     <p:sldId id="268" r:id="rId2"/>
@@ -15,34 +15,33 @@
     <p:sldId id="260" r:id="rId6"/>
     <p:sldId id="289" r:id="rId7"/>
     <p:sldId id="290" r:id="rId8"/>
-    <p:sldId id="262" r:id="rId9"/>
-    <p:sldId id="264" r:id="rId10"/>
-    <p:sldId id="265" r:id="rId11"/>
-    <p:sldId id="266" r:id="rId12"/>
-    <p:sldId id="292" r:id="rId13"/>
-    <p:sldId id="269" r:id="rId14"/>
-    <p:sldId id="270" r:id="rId15"/>
-    <p:sldId id="271" r:id="rId16"/>
-    <p:sldId id="272" r:id="rId17"/>
-    <p:sldId id="263" r:id="rId18"/>
-    <p:sldId id="274" r:id="rId19"/>
-    <p:sldId id="273" r:id="rId20"/>
-    <p:sldId id="275" r:id="rId21"/>
-    <p:sldId id="276" r:id="rId22"/>
-    <p:sldId id="277" r:id="rId23"/>
-    <p:sldId id="278" r:id="rId24"/>
-    <p:sldId id="279" r:id="rId25"/>
-    <p:sldId id="280" r:id="rId26"/>
-    <p:sldId id="281" r:id="rId27"/>
-    <p:sldId id="282" r:id="rId28"/>
-    <p:sldId id="283" r:id="rId29"/>
-    <p:sldId id="284" r:id="rId30"/>
-    <p:sldId id="285" r:id="rId31"/>
-    <p:sldId id="286" r:id="rId32"/>
-    <p:sldId id="288" r:id="rId33"/>
-    <p:sldId id="287" r:id="rId34"/>
-    <p:sldId id="291" r:id="rId35"/>
-    <p:sldId id="267" r:id="rId36"/>
+    <p:sldId id="264" r:id="rId9"/>
+    <p:sldId id="265" r:id="rId10"/>
+    <p:sldId id="266" r:id="rId11"/>
+    <p:sldId id="292" r:id="rId12"/>
+    <p:sldId id="269" r:id="rId13"/>
+    <p:sldId id="270" r:id="rId14"/>
+    <p:sldId id="271" r:id="rId15"/>
+    <p:sldId id="272" r:id="rId16"/>
+    <p:sldId id="263" r:id="rId17"/>
+    <p:sldId id="274" r:id="rId18"/>
+    <p:sldId id="273" r:id="rId19"/>
+    <p:sldId id="275" r:id="rId20"/>
+    <p:sldId id="276" r:id="rId21"/>
+    <p:sldId id="277" r:id="rId22"/>
+    <p:sldId id="278" r:id="rId23"/>
+    <p:sldId id="279" r:id="rId24"/>
+    <p:sldId id="280" r:id="rId25"/>
+    <p:sldId id="281" r:id="rId26"/>
+    <p:sldId id="282" r:id="rId27"/>
+    <p:sldId id="283" r:id="rId28"/>
+    <p:sldId id="284" r:id="rId29"/>
+    <p:sldId id="285" r:id="rId30"/>
+    <p:sldId id="286" r:id="rId31"/>
+    <p:sldId id="288" r:id="rId32"/>
+    <p:sldId id="287" r:id="rId33"/>
+    <p:sldId id="291" r:id="rId34"/>
+    <p:sldId id="267" r:id="rId35"/>
   </p:sldIdLst>
   <p:sldSz cx="12192000" cy="6858000"/>
   <p:notesSz cx="6858000" cy="9144000"/>
@@ -149,7 +148,7 @@
   <p:cmAuthor id="1" name="Mary Greeshma" initials="MG" lastIdx="3" clrIdx="0">
     <p:extLst>
       <p:ext uri="{19B8F6BF-5375-455C-9EA6-DF929625EA0E}">
-        <p15:presenceInfo xmlns="" xmlns:p15="http://schemas.microsoft.com/office/powerpoint/2012/main" userId="e6f499d3f387277d" providerId="Windows Live"/>
+        <p15:presenceInfo xmlns:p15="http://schemas.microsoft.com/office/powerpoint/2012/main" xmlns="" userId="e6f499d3f387277d" providerId="Windows Live"/>
       </p:ext>
     </p:extLst>
   </p:cmAuthor>
@@ -239,7 +238,7 @@
             <a:fld id="{298FDC76-6B69-0F4E-82C8-A2DBB87F8B69}" type="datetimeFigureOut">
               <a:rPr lang="en-US"/>
               <a:pPr/>
-              <a:t>25-Oct-2017</a:t>
+              <a:t>30-Oct-2017</a:t>
             </a:fld>
             <a:endParaRPr lang="en-US"/>
           </a:p>
@@ -408,7 +407,7 @@
     </p:spTree>
     <p:extLst>
       <p:ext uri="{BB962C8B-B14F-4D97-AF65-F5344CB8AC3E}">
-        <p14:creationId xmlns="" xmlns:p14="http://schemas.microsoft.com/office/powerpoint/2010/main" val="459733450"/>
+        <p14:creationId xmlns:p14="http://schemas.microsoft.com/office/powerpoint/2010/main" xmlns="" val="459733450"/>
       </p:ext>
     </p:extLst>
   </p:cSld>
@@ -697,7 +696,7 @@
             <a:fld id="{B61BEF0D-F0BB-DE4B-95CE-6DB70DBA9567}" type="datetimeFigureOut">
               <a:rPr lang="en-US" dirty="0"/>
               <a:pPr/>
-              <a:t>25-Oct-2017</a:t>
+              <a:t>30-Oct-2017</a:t>
             </a:fld>
             <a:endParaRPr lang="en-US" dirty="0"/>
           </a:p>
@@ -1032,7 +1031,7 @@
             <a:fld id="{B61BEF0D-F0BB-DE4B-95CE-6DB70DBA9567}" type="datetimeFigureOut">
               <a:rPr lang="en-US" dirty="0"/>
               <a:pPr/>
-              <a:t>25-Oct-2017</a:t>
+              <a:t>30-Oct-2017</a:t>
             </a:fld>
             <a:endParaRPr lang="en-US" dirty="0"/>
           </a:p>
@@ -1430,7 +1429,7 @@
             <a:fld id="{B61BEF0D-F0BB-DE4B-95CE-6DB70DBA9567}" type="datetimeFigureOut">
               <a:rPr lang="en-US" dirty="0"/>
               <a:pPr/>
-              <a:t>25-Oct-2017</a:t>
+              <a:t>30-Oct-2017</a:t>
             </a:fld>
             <a:endParaRPr lang="en-US" dirty="0"/>
           </a:p>
@@ -1763,7 +1762,7 @@
             <a:fld id="{B61BEF0D-F0BB-DE4B-95CE-6DB70DBA9567}" type="datetimeFigureOut">
               <a:rPr lang="en-US" dirty="0"/>
               <a:pPr/>
-              <a:t>25-Oct-2017</a:t>
+              <a:t>30-Oct-2017</a:t>
             </a:fld>
             <a:endParaRPr lang="en-US" dirty="0"/>
           </a:p>
@@ -2080,7 +2079,7 @@
             <a:fld id="{B61BEF0D-F0BB-DE4B-95CE-6DB70DBA9567}" type="datetimeFigureOut">
               <a:rPr lang="en-US" dirty="0"/>
               <a:pPr/>
-              <a:t>25-Oct-2017</a:t>
+              <a:t>30-Oct-2017</a:t>
             </a:fld>
             <a:endParaRPr lang="en-US" dirty="0"/>
           </a:p>
@@ -2473,7 +2472,7 @@
             <a:fld id="{B61BEF0D-F0BB-DE4B-95CE-6DB70DBA9567}" type="datetimeFigureOut">
               <a:rPr lang="en-US" dirty="0"/>
               <a:pPr/>
-              <a:t>25-Oct-2017</a:t>
+              <a:t>30-Oct-2017</a:t>
             </a:fld>
             <a:endParaRPr lang="en-US" dirty="0"/>
           </a:p>
@@ -2727,7 +2726,7 @@
             <a:fld id="{B61BEF0D-F0BB-DE4B-95CE-6DB70DBA9567}" type="datetimeFigureOut">
               <a:rPr lang="en-US" dirty="0"/>
               <a:pPr/>
-              <a:t>25-Oct-2017</a:t>
+              <a:t>30-Oct-2017</a:t>
             </a:fld>
             <a:endParaRPr lang="en-US" dirty="0"/>
           </a:p>
@@ -2986,7 +2985,7 @@
             <a:fld id="{B61BEF0D-F0BB-DE4B-95CE-6DB70DBA9567}" type="datetimeFigureOut">
               <a:rPr lang="en-US" dirty="0"/>
               <a:pPr/>
-              <a:t>25-Oct-2017</a:t>
+              <a:t>30-Oct-2017</a:t>
             </a:fld>
             <a:endParaRPr lang="en-US" dirty="0"/>
           </a:p>
@@ -3245,7 +3244,7 @@
             <a:fld id="{B61BEF0D-F0BB-DE4B-95CE-6DB70DBA9567}" type="datetimeFigureOut">
               <a:rPr lang="en-US" dirty="0"/>
               <a:pPr/>
-              <a:t>25-Oct-2017</a:t>
+              <a:t>30-Oct-2017</a:t>
             </a:fld>
             <a:endParaRPr lang="en-US" dirty="0"/>
           </a:p>
@@ -3571,7 +3570,7 @@
             <a:fld id="{B61BEF0D-F0BB-DE4B-95CE-6DB70DBA9567}" type="datetimeFigureOut">
               <a:rPr lang="en-US" dirty="0"/>
               <a:pPr/>
-              <a:t>25-Oct-2017</a:t>
+              <a:t>30-Oct-2017</a:t>
             </a:fld>
             <a:endParaRPr lang="en-US" dirty="0"/>
           </a:p>
@@ -3891,7 +3890,7 @@
             <a:fld id="{B61BEF0D-F0BB-DE4B-95CE-6DB70DBA9567}" type="datetimeFigureOut">
               <a:rPr lang="en-US" dirty="0"/>
               <a:pPr/>
-              <a:t>25-Oct-2017</a:t>
+              <a:t>30-Oct-2017</a:t>
             </a:fld>
             <a:endParaRPr lang="en-US" dirty="0"/>
           </a:p>
@@ -4345,7 +4344,7 @@
             <a:fld id="{B61BEF0D-F0BB-DE4B-95CE-6DB70DBA9567}" type="datetimeFigureOut">
               <a:rPr lang="en-US" dirty="0"/>
               <a:pPr/>
-              <a:t>25-Oct-2017</a:t>
+              <a:t>30-Oct-2017</a:t>
             </a:fld>
             <a:endParaRPr lang="en-US" dirty="0"/>
           </a:p>
@@ -4547,7 +4546,7 @@
             <a:fld id="{B61BEF0D-F0BB-DE4B-95CE-6DB70DBA9567}" type="datetimeFigureOut">
               <a:rPr lang="en-US" dirty="0"/>
               <a:pPr/>
-              <a:t>25-Oct-2017</a:t>
+              <a:t>30-Oct-2017</a:t>
             </a:fld>
             <a:endParaRPr lang="en-US" dirty="0"/>
           </a:p>
@@ -4721,7 +4720,7 @@
             <a:fld id="{B61BEF0D-F0BB-DE4B-95CE-6DB70DBA9567}" type="datetimeFigureOut">
               <a:rPr lang="en-US" dirty="0"/>
               <a:pPr/>
-              <a:t>25-Oct-2017</a:t>
+              <a:t>30-Oct-2017</a:t>
             </a:fld>
             <a:endParaRPr lang="en-US" dirty="0"/>
           </a:p>
@@ -5051,7 +5050,7 @@
             <a:fld id="{B61BEF0D-F0BB-DE4B-95CE-6DB70DBA9567}" type="datetimeFigureOut">
               <a:rPr lang="en-US" dirty="0"/>
               <a:pPr/>
-              <a:t>25-Oct-2017</a:t>
+              <a:t>30-Oct-2017</a:t>
             </a:fld>
             <a:endParaRPr lang="en-US" dirty="0"/>
           </a:p>
@@ -5393,7 +5392,7 @@
             <a:fld id="{B61BEF0D-F0BB-DE4B-95CE-6DB70DBA9567}" type="datetimeFigureOut">
               <a:rPr lang="en-US" dirty="0"/>
               <a:pPr/>
-              <a:t>25-Oct-2017</a:t>
+              <a:t>30-Oct-2017</a:t>
             </a:fld>
             <a:endParaRPr lang="en-US" dirty="0"/>
           </a:p>
@@ -7507,7 +7506,7 @@
             <a:fld id="{B61BEF0D-F0BB-DE4B-95CE-6DB70DBA9567}" type="datetimeFigureOut">
               <a:rPr lang="en-US" dirty="0"/>
               <a:pPr/>
-              <a:t>25-Oct-2017</a:t>
+              <a:t>30-Oct-2017</a:t>
             </a:fld>
             <a:endParaRPr lang="en-US" dirty="0"/>
           </a:p>
@@ -8026,7 +8025,7 @@
           <p:cNvPr id="2" name="Title 1">
             <a:extLst>
               <a:ext uri="{FF2B5EF4-FFF2-40B4-BE49-F238E27FC236}">
-                <a16:creationId xmlns="" xmlns:a16="http://schemas.microsoft.com/office/drawing/2014/main" id="{E274D822-7228-A246-A35D-AD84E4625F91}"/>
+                <a16:creationId xmlns:a16="http://schemas.microsoft.com/office/drawing/2014/main" xmlns="" id="{E274D822-7228-A246-A35D-AD84E4625F91}"/>
               </a:ext>
             </a:extLst>
           </p:cNvPr>
@@ -8066,7 +8065,7 @@
           <p:cNvPr id="3" name="Content Placeholder 2">
             <a:extLst>
               <a:ext uri="{FF2B5EF4-FFF2-40B4-BE49-F238E27FC236}">
-                <a16:creationId xmlns="" xmlns:a16="http://schemas.microsoft.com/office/drawing/2014/main" id="{77070AF3-D217-1143-AC9C-B64166E09EB0}"/>
+                <a16:creationId xmlns:a16="http://schemas.microsoft.com/office/drawing/2014/main" xmlns="" id="{77070AF3-D217-1143-AC9C-B64166E09EB0}"/>
               </a:ext>
             </a:extLst>
           </p:cNvPr>
@@ -8080,7 +8079,7 @@
         <p:spPr>
           <a:xfrm>
             <a:off x="5105400" y="3893345"/>
-            <a:ext cx="6399212" cy="1643061"/>
+            <a:ext cx="6399212" cy="1821655"/>
           </a:xfrm>
         </p:spPr>
         <p:txBody>
@@ -8199,7 +8198,7 @@
           <p:cNvPr id="4" name="Picture 4">
             <a:extLst>
               <a:ext uri="{FF2B5EF4-FFF2-40B4-BE49-F238E27FC236}">
-                <a16:creationId xmlns="" xmlns:a16="http://schemas.microsoft.com/office/drawing/2014/main" id="{919EE81D-A196-3246-9A9B-D18318DF27F2}"/>
+                <a16:creationId xmlns:a16="http://schemas.microsoft.com/office/drawing/2014/main" xmlns="" id="{919EE81D-A196-3246-9A9B-D18318DF27F2}"/>
               </a:ext>
             </a:extLst>
           </p:cNvPr>
@@ -8227,7 +8226,7 @@
     </p:spTree>
     <p:extLst>
       <p:ext uri="{BB962C8B-B14F-4D97-AF65-F5344CB8AC3E}">
-        <p14:creationId xmlns="" xmlns:p14="http://schemas.microsoft.com/office/powerpoint/2010/main" val="86065412"/>
+        <p14:creationId xmlns:p14="http://schemas.microsoft.com/office/powerpoint/2010/main" xmlns="" val="86065412"/>
       </p:ext>
     </p:extLst>
   </p:cSld>
@@ -8269,7 +8268,7 @@
           <p:cNvPr id="2" name="Title 1">
             <a:extLst>
               <a:ext uri="{FF2B5EF4-FFF2-40B4-BE49-F238E27FC236}">
-                <a16:creationId xmlns="" xmlns:a16="http://schemas.microsoft.com/office/drawing/2014/main" id="{638A7DE2-8852-BA42-BC80-A9DB8461B70A}"/>
+                <a16:creationId xmlns:a16="http://schemas.microsoft.com/office/drawing/2014/main" xmlns="" id="{E46C588C-5752-A349-8306-E1F2721D4F25}"/>
               </a:ext>
             </a:extLst>
           </p:cNvPr>
@@ -8282,8 +8281,8 @@
         </p:nvSpPr>
         <p:spPr>
           <a:xfrm>
-            <a:off x="2592925" y="624110"/>
-            <a:ext cx="8911687" cy="786781"/>
+            <a:off x="2482056" y="677688"/>
+            <a:ext cx="8911687" cy="733203"/>
           </a:xfrm>
         </p:spPr>
         <p:txBody>
@@ -8301,7 +8300,7 @@
                   </a:schemeClr>
                 </a:solidFill>
               </a:rPr>
-              <a:t>Tortoise  Git</a:t>
+              <a:t>Features </a:t>
             </a:r>
             <a:endParaRPr lang="en-US" sz="4000" b="1">
               <a:solidFill>
@@ -8319,7 +8318,7 @@
           <p:cNvPr id="3" name="Content Placeholder 2">
             <a:extLst>
               <a:ext uri="{FF2B5EF4-FFF2-40B4-BE49-F238E27FC236}">
-                <a16:creationId xmlns="" xmlns:a16="http://schemas.microsoft.com/office/drawing/2014/main" id="{CDFFEF69-5098-A84F-94BE-B8FEF211AC6D}"/>
+                <a16:creationId xmlns:a16="http://schemas.microsoft.com/office/drawing/2014/main" xmlns="" id="{6815210F-DE99-7948-AE59-9D2803781127}"/>
               </a:ext>
             </a:extLst>
           </p:cNvPr>
@@ -8332,8 +8331,8 @@
         </p:nvSpPr>
         <p:spPr>
           <a:xfrm>
-            <a:off x="2589212" y="1571625"/>
-            <a:ext cx="8915400" cy="4339597"/>
+            <a:off x="2660650" y="1410891"/>
+            <a:ext cx="7397353" cy="3777623"/>
           </a:xfrm>
         </p:spPr>
         <p:txBody>
@@ -8342,76 +8341,60 @@
           </a:bodyPr>
           <a:lstStyle/>
           <a:p>
-            <a:r>
-              <a:rPr lang="en-GB" sz="2000" dirty="0"/>
-              <a:t> Free Open source  client  for git Version control system </a:t>
-            </a:r>
-          </a:p>
-          <a:p>
-            <a:r>
-              <a:rPr lang="en-GB" sz="2000" dirty="0"/>
-              <a:t>Founder -  Frank Li</a:t>
-            </a:r>
-          </a:p>
-          <a:p>
-            <a:r>
-              <a:rPr lang="en-GB" sz="2000" dirty="0"/>
-              <a:t>It manages files over time</a:t>
-            </a:r>
-          </a:p>
-          <a:p>
-            <a:r>
-              <a:rPr lang="en-GB" sz="2000" dirty="0"/>
-              <a:t>Files are stored in local repository  </a:t>
-            </a:r>
-          </a:p>
-          <a:p>
-            <a:pPr marL="0" indent="0">
-              <a:buNone/>
-            </a:pPr>
-            <a:r>
-              <a:rPr lang="en-GB" sz="2000" b="1" dirty="0"/>
-              <a:t> Repository :</a:t>
-            </a:r>
-            <a:r>
-              <a:rPr lang="en-GB" sz="2000" dirty="0"/>
-              <a:t> It is like an ordinary  file server, except  that it remembers every change ever made to your files and directories. </a:t>
-            </a:r>
-          </a:p>
-          <a:p>
-            <a:pPr marL="0" indent="0">
-              <a:buNone/>
-            </a:pPr>
-            <a:r>
-              <a:rPr lang="en-GB" sz="2000" b="1" dirty="0"/>
-              <a:t>Git Clone</a:t>
-            </a:r>
-          </a:p>
-          <a:p>
-            <a:pPr marL="0" indent="0">
-              <a:buNone/>
-            </a:pPr>
-            <a:r>
-              <a:rPr lang="en-GB" sz="2000" dirty="0"/>
-              <a:t>Git clone is a full fledged repository with complete  history and full version  tracking  capabilities, not dependent  on network access or a central server. </a:t>
-            </a:r>
-          </a:p>
-          <a:p>
-            <a:endParaRPr lang="en-GB" sz="2000" b="1" dirty="0"/>
-          </a:p>
-          <a:p>
-            <a:endParaRPr lang="en-GB" sz="2000" dirty="0"/>
-          </a:p>
-          <a:p>
             <a:pPr marL="0" indent="0">
               <a:buNone/>
             </a:pPr>
             <a:endParaRPr lang="en-GB" sz="2000" dirty="0"/>
           </a:p>
           <a:p>
-            <a:pPr marL="0" indent="0">
-              <a:buNone/>
-            </a:pPr>
+            <a:r>
+              <a:rPr lang="en-GB" sz="2000" dirty="0"/>
+              <a:t>Shell Integration</a:t>
+            </a:r>
+          </a:p>
+          <a:p>
+            <a:r>
+              <a:rPr lang="en-GB" sz="2000" dirty="0"/>
+              <a:t>Icon  overlays </a:t>
+            </a:r>
+          </a:p>
+          <a:p>
+            <a:r>
+              <a:rPr lang="en-GB" sz="2000" dirty="0"/>
+              <a:t>Easy access to git commands </a:t>
+            </a:r>
+          </a:p>
+          <a:p>
+            <a:r>
+              <a:rPr lang="en-GB" sz="2000" dirty="0"/>
+              <a:t>Distributed version control </a:t>
+            </a:r>
+          </a:p>
+          <a:p>
+            <a:r>
+              <a:rPr lang="en-GB" sz="2000" dirty="0"/>
+              <a:t>Atomic commits</a:t>
+            </a:r>
+          </a:p>
+          <a:p>
+            <a:r>
+              <a:rPr lang="en-GB" sz="2000" dirty="0"/>
+              <a:t>Efficient  handling of large project</a:t>
+            </a:r>
+          </a:p>
+          <a:p>
+            <a:endParaRPr lang="en-GB" sz="2000" dirty="0"/>
+          </a:p>
+          <a:p>
+            <a:endParaRPr lang="en-GB" sz="2000" dirty="0"/>
+          </a:p>
+          <a:p>
+            <a:endParaRPr lang="en-GB" sz="2000" dirty="0"/>
+          </a:p>
+          <a:p>
+            <a:endParaRPr lang="en-GB" sz="2000" dirty="0"/>
+          </a:p>
+          <a:p>
             <a:endParaRPr lang="en-US" sz="2000" dirty="0"/>
           </a:p>
         </p:txBody>
@@ -8421,7 +8404,7 @@
           <p:cNvPr id="4" name="Picture 4">
             <a:extLst>
               <a:ext uri="{FF2B5EF4-FFF2-40B4-BE49-F238E27FC236}">
-                <a16:creationId xmlns="" xmlns:a16="http://schemas.microsoft.com/office/drawing/2014/main" id="{919EE81D-A196-3246-9A9B-D18318DF27F2}"/>
+                <a16:creationId xmlns:a16="http://schemas.microsoft.com/office/drawing/2014/main" xmlns="" id="{919EE81D-A196-3246-9A9B-D18318DF27F2}"/>
               </a:ext>
             </a:extLst>
           </p:cNvPr>
@@ -8449,7 +8432,7 @@
     </p:spTree>
     <p:extLst>
       <p:ext uri="{BB962C8B-B14F-4D97-AF65-F5344CB8AC3E}">
-        <p14:creationId xmlns="" xmlns:p14="http://schemas.microsoft.com/office/powerpoint/2010/main" val="3103352297"/>
+        <p14:creationId xmlns:p14="http://schemas.microsoft.com/office/powerpoint/2010/main" xmlns="" val="3956036073"/>
       </p:ext>
     </p:extLst>
   </p:cSld>
@@ -8488,13 +8471,7 @@
       </p:grpSpPr>
       <p:sp>
         <p:nvSpPr>
-          <p:cNvPr id="2" name="Title 1">
-            <a:extLst>
-              <a:ext uri="{FF2B5EF4-FFF2-40B4-BE49-F238E27FC236}">
-                <a16:creationId xmlns="" xmlns:a16="http://schemas.microsoft.com/office/drawing/2014/main" id="{E46C588C-5752-A349-8306-E1F2721D4F25}"/>
-              </a:ext>
-            </a:extLst>
-          </p:cNvPr>
+          <p:cNvPr id="2" name="Title 1"/>
           <p:cNvSpPr>
             <a:spLocks noGrp="1"/>
           </p:cNvSpPr>
@@ -8504,8 +8481,8 @@
         </p:nvSpPr>
         <p:spPr>
           <a:xfrm>
-            <a:off x="2482056" y="677688"/>
-            <a:ext cx="8911687" cy="733203"/>
+            <a:off x="2592925" y="624110"/>
+            <a:ext cx="8911687" cy="747490"/>
           </a:xfrm>
         </p:spPr>
         <p:txBody>
@@ -8515,119 +8492,42 @@
           <a:lstStyle/>
           <a:p>
             <a:r>
-              <a:rPr lang="en-GB" sz="4000" b="1">
-                <a:solidFill>
-                  <a:schemeClr val="tx1">
-                    <a:lumMod val="75000"/>
-                    <a:lumOff val="25000"/>
-                  </a:schemeClr>
-                </a:solidFill>
-              </a:rPr>
-              <a:t>Features </a:t>
-            </a:r>
-            <a:endParaRPr lang="en-US" sz="4000" b="1">
-              <a:solidFill>
-                <a:schemeClr val="tx1">
-                  <a:lumMod val="75000"/>
-                  <a:lumOff val="25000"/>
-                </a:schemeClr>
-              </a:solidFill>
-            </a:endParaRPr>
-          </a:p>
-        </p:txBody>
-      </p:sp>
-      <p:sp>
-        <p:nvSpPr>
-          <p:cNvPr id="3" name="Content Placeholder 2">
+              <a:rPr lang="en-US" sz="4000" b="1" dirty="0" smtClean="0"/>
+              <a:t>Icon Overlays</a:t>
+            </a:r>
+            <a:endParaRPr lang="en-US" sz="4000" b="1" dirty="0"/>
+          </a:p>
+        </p:txBody>
+      </p:sp>
+      <p:pic>
+        <p:nvPicPr>
+          <p:cNvPr id="4" name="Content Placeholder 3" descr="Icon overlays.jpg"/>
+          <p:cNvPicPr>
+            <a:picLocks noGrp="1" noChangeAspect="1"/>
+          </p:cNvPicPr>
+          <p:nvPr>
+            <p:ph idx="1"/>
+          </p:nvPr>
+        </p:nvPicPr>
+        <p:blipFill>
+          <a:blip r:embed="rId2"/>
+          <a:stretch>
+            <a:fillRect/>
+          </a:stretch>
+        </p:blipFill>
+        <p:spPr>
+          <a:xfrm>
+            <a:off x="1905000" y="1752600"/>
+            <a:ext cx="9162988" cy="3708400"/>
+          </a:xfrm>
+        </p:spPr>
+      </p:pic>
+      <p:pic>
+        <p:nvPicPr>
+          <p:cNvPr id="5" name="Picture 4">
             <a:extLst>
               <a:ext uri="{FF2B5EF4-FFF2-40B4-BE49-F238E27FC236}">
-                <a16:creationId xmlns="" xmlns:a16="http://schemas.microsoft.com/office/drawing/2014/main" id="{6815210F-DE99-7948-AE59-9D2803781127}"/>
-              </a:ext>
-            </a:extLst>
-          </p:cNvPr>
-          <p:cNvSpPr>
-            <a:spLocks noGrp="1"/>
-          </p:cNvSpPr>
-          <p:nvPr>
-            <p:ph idx="1"/>
-          </p:nvPr>
-        </p:nvSpPr>
-        <p:spPr>
-          <a:xfrm>
-            <a:off x="2660650" y="1410891"/>
-            <a:ext cx="7397353" cy="3777623"/>
-          </a:xfrm>
-        </p:spPr>
-        <p:txBody>
-          <a:bodyPr>
-            <a:normAutofit/>
-          </a:bodyPr>
-          <a:lstStyle/>
-          <a:p>
-            <a:pPr marL="0" indent="0">
-              <a:buNone/>
-            </a:pPr>
-            <a:endParaRPr lang="en-GB" sz="2000" dirty="0"/>
-          </a:p>
-          <a:p>
-            <a:r>
-              <a:rPr lang="en-GB" sz="2000" dirty="0"/>
-              <a:t>Shell Integration</a:t>
-            </a:r>
-          </a:p>
-          <a:p>
-            <a:r>
-              <a:rPr lang="en-GB" sz="2000" dirty="0"/>
-              <a:t>Icon  overlays </a:t>
-            </a:r>
-          </a:p>
-          <a:p>
-            <a:r>
-              <a:rPr lang="en-GB" sz="2000" dirty="0"/>
-              <a:t>Easy access to git commands </a:t>
-            </a:r>
-          </a:p>
-          <a:p>
-            <a:r>
-              <a:rPr lang="en-GB" sz="2000" dirty="0"/>
-              <a:t>Distributed version control </a:t>
-            </a:r>
-          </a:p>
-          <a:p>
-            <a:r>
-              <a:rPr lang="en-GB" sz="2000" dirty="0"/>
-              <a:t>Atomic commits</a:t>
-            </a:r>
-          </a:p>
-          <a:p>
-            <a:r>
-              <a:rPr lang="en-GB" sz="2000" dirty="0"/>
-              <a:t>Efficient  handling of large project</a:t>
-            </a:r>
-          </a:p>
-          <a:p>
-            <a:endParaRPr lang="en-GB" sz="2000" dirty="0"/>
-          </a:p>
-          <a:p>
-            <a:endParaRPr lang="en-GB" sz="2000" dirty="0"/>
-          </a:p>
-          <a:p>
-            <a:endParaRPr lang="en-GB" sz="2000" dirty="0"/>
-          </a:p>
-          <a:p>
-            <a:endParaRPr lang="en-GB" sz="2000" dirty="0"/>
-          </a:p>
-          <a:p>
-            <a:endParaRPr lang="en-US" sz="2000" dirty="0"/>
-          </a:p>
-        </p:txBody>
-      </p:sp>
-      <p:pic>
-        <p:nvPicPr>
-          <p:cNvPr id="4" name="Picture 4">
-            <a:extLst>
-              <a:ext uri="{FF2B5EF4-FFF2-40B4-BE49-F238E27FC236}">
-                <a16:creationId xmlns="" xmlns:a16="http://schemas.microsoft.com/office/drawing/2014/main" id="{919EE81D-A196-3246-9A9B-D18318DF27F2}"/>
+                <a16:creationId xmlns:a16="http://schemas.microsoft.com/office/drawing/2014/main" xmlns="" id="{919EE81D-A196-3246-9A9B-D18318DF27F2}"/>
               </a:ext>
             </a:extLst>
           </p:cNvPr>
@@ -8637,7 +8537,7 @@
           <p:nvPr/>
         </p:nvPicPr>
         <p:blipFill>
-          <a:blip r:embed="rId2"/>
+          <a:blip r:embed="rId3"/>
           <a:stretch>
             <a:fillRect/>
           </a:stretch>
@@ -8653,11 +8553,6 @@
         </p:spPr>
       </p:pic>
     </p:spTree>
-    <p:extLst>
-      <p:ext uri="{BB962C8B-B14F-4D97-AF65-F5344CB8AC3E}">
-        <p14:creationId xmlns="" xmlns:p14="http://schemas.microsoft.com/office/powerpoint/2010/main" val="3956036073"/>
-      </p:ext>
-    </p:extLst>
   </p:cSld>
   <p:clrMapOvr>
     <a:masterClrMapping/>
@@ -8694,7 +8589,13 @@
       </p:grpSpPr>
       <p:sp>
         <p:nvSpPr>
-          <p:cNvPr id="2" name="Title 1"/>
+          <p:cNvPr id="2" name="Title 1">
+            <a:extLst>
+              <a:ext uri="{FF2B5EF4-FFF2-40B4-BE49-F238E27FC236}">
+                <a16:creationId xmlns:a16="http://schemas.microsoft.com/office/drawing/2014/main" xmlns="" id="{CFF0C25E-8116-8A4F-B8B5-B32214762FD3}"/>
+              </a:ext>
+            </a:extLst>
+          </p:cNvPr>
           <p:cNvSpPr>
             <a:spLocks noGrp="1"/>
           </p:cNvSpPr>
@@ -8705,7 +8606,7 @@
         <p:spPr>
           <a:xfrm>
             <a:off x="2592925" y="624110"/>
-            <a:ext cx="8911687" cy="747490"/>
+            <a:ext cx="8911687" cy="876078"/>
           </a:xfrm>
         </p:spPr>
         <p:txBody>
@@ -8715,42 +8616,150 @@
           <a:lstStyle/>
           <a:p>
             <a:r>
-              <a:rPr lang="en-US" sz="4000" b="1" dirty="0" smtClean="0"/>
-              <a:t>Icon Overlays</a:t>
-            </a:r>
-            <a:endParaRPr lang="en-US" sz="4000" b="1" dirty="0"/>
+              <a:rPr lang="en-GB" sz="4000" b="1">
+                <a:solidFill>
+                  <a:schemeClr val="tx1">
+                    <a:lumMod val="75000"/>
+                    <a:lumOff val="25000"/>
+                  </a:schemeClr>
+                </a:solidFill>
+              </a:rPr>
+              <a:t>Major Commands </a:t>
+            </a:r>
+            <a:endParaRPr lang="en-US" sz="4000" b="1">
+              <a:solidFill>
+                <a:schemeClr val="tx1">
+                  <a:lumMod val="75000"/>
+                  <a:lumOff val="25000"/>
+                </a:schemeClr>
+              </a:solidFill>
+            </a:endParaRPr>
+          </a:p>
+        </p:txBody>
+      </p:sp>
+      <p:sp>
+        <p:nvSpPr>
+          <p:cNvPr id="3" name="Content Placeholder 2">
+            <a:extLst>
+              <a:ext uri="{FF2B5EF4-FFF2-40B4-BE49-F238E27FC236}">
+                <a16:creationId xmlns:a16="http://schemas.microsoft.com/office/drawing/2014/main" xmlns="" id="{F92AB07F-BB47-CB4D-8301-5E5B83050CC9}"/>
+              </a:ext>
+            </a:extLst>
+          </p:cNvPr>
+          <p:cNvSpPr>
+            <a:spLocks noGrp="1"/>
+          </p:cNvSpPr>
+          <p:nvPr>
+            <p:ph idx="1"/>
+          </p:nvPr>
+        </p:nvSpPr>
+        <p:spPr>
+          <a:xfrm>
+            <a:off x="2589212" y="1347789"/>
+            <a:ext cx="8915400" cy="5357811"/>
+          </a:xfrm>
+        </p:spPr>
+        <p:txBody>
+          <a:bodyPr>
+            <a:noAutofit/>
+          </a:bodyPr>
+          <a:lstStyle/>
+          <a:p>
+            <a:r>
+              <a:rPr lang="en-GB" sz="2000" dirty="0"/>
+              <a:t> git </a:t>
+            </a:r>
+            <a:r>
+              <a:rPr lang="en-GB" sz="2000" dirty="0" err="1"/>
+              <a:t>config</a:t>
+            </a:r>
+            <a:r>
+              <a:rPr lang="en-GB" sz="2000" dirty="0"/>
+              <a:t> - sets configuration  values</a:t>
+            </a:r>
+          </a:p>
+          <a:p>
+            <a:r>
+              <a:rPr lang="en-GB" sz="2000" dirty="0"/>
+              <a:t>git  init -  initializes  a git repository </a:t>
+            </a:r>
+          </a:p>
+          <a:p>
+            <a:r>
+              <a:rPr lang="en-GB" sz="2000" dirty="0"/>
+              <a:t>git clone -  Make a git repository copy from a remote  source </a:t>
+            </a:r>
+          </a:p>
+          <a:p>
+            <a:r>
+              <a:rPr lang="en-GB" sz="2000" dirty="0"/>
+              <a:t>git add -  adds file changes  in your working directory  to your index </a:t>
+            </a:r>
+          </a:p>
+          <a:p>
+            <a:r>
+              <a:rPr lang="en-GB" sz="2000" dirty="0"/>
+              <a:t>git </a:t>
+            </a:r>
+            <a:r>
+              <a:rPr lang="en-GB" sz="2000" dirty="0" err="1"/>
+              <a:t>rm</a:t>
+            </a:r>
+            <a:r>
+              <a:rPr lang="en-GB" sz="2000" dirty="0"/>
+              <a:t> -  remove files from your index and your working directory </a:t>
+            </a:r>
+          </a:p>
+          <a:p>
+            <a:r>
+              <a:rPr lang="en-GB" sz="2000" dirty="0"/>
+              <a:t>git commit – takes all the changes written  in the index, creates a  new commit object  pointer to it and sets the branch to point  to that new commit. </a:t>
+            </a:r>
+          </a:p>
+          <a:p>
+            <a:r>
+              <a:rPr lang="en-GB" sz="2000" dirty="0"/>
+              <a:t>git  status – Shows your status of files in the index  versus  the working  directory </a:t>
+            </a:r>
+          </a:p>
+          <a:p>
+            <a:r>
+              <a:rPr lang="en-GB" sz="2000" dirty="0"/>
+              <a:t>git branch – List existing  branches</a:t>
+            </a:r>
+          </a:p>
+          <a:p>
+            <a:r>
+              <a:rPr lang="en-GB" sz="2000" dirty="0"/>
+              <a:t>git  checkout – checkout  a different  branch – switches branches by updating  the index, working tree and HEAD to reflect  the chosen branch </a:t>
+            </a:r>
+          </a:p>
+          <a:p>
+            <a:endParaRPr lang="en-GB" sz="2000" dirty="0"/>
+          </a:p>
+          <a:p>
+            <a:endParaRPr lang="en-GB" sz="2000" dirty="0"/>
+          </a:p>
+          <a:p>
+            <a:endParaRPr lang="en-GB" sz="2000" dirty="0"/>
+          </a:p>
+          <a:p>
+            <a:endParaRPr lang="en-GB" sz="2000" dirty="0"/>
+          </a:p>
+          <a:p>
+            <a:endParaRPr lang="en-GB" sz="2000" dirty="0"/>
+          </a:p>
+          <a:p>
+            <a:endParaRPr lang="en-US" sz="2000" dirty="0"/>
           </a:p>
         </p:txBody>
       </p:sp>
       <p:pic>
         <p:nvPicPr>
-          <p:cNvPr id="4" name="Content Placeholder 3" descr="Icon overlays.jpg"/>
-          <p:cNvPicPr>
-            <a:picLocks noGrp="1" noChangeAspect="1"/>
-          </p:cNvPicPr>
-          <p:nvPr>
-            <p:ph idx="1"/>
-          </p:nvPr>
-        </p:nvPicPr>
-        <p:blipFill>
-          <a:blip r:embed="rId2"/>
-          <a:stretch>
-            <a:fillRect/>
-          </a:stretch>
-        </p:blipFill>
-        <p:spPr>
-          <a:xfrm>
-            <a:off x="1905000" y="1752600"/>
-            <a:ext cx="9162988" cy="3708400"/>
-          </a:xfrm>
-        </p:spPr>
-      </p:pic>
-      <p:pic>
-        <p:nvPicPr>
-          <p:cNvPr id="5" name="Picture 4">
+          <p:cNvPr id="4" name="Picture 4">
             <a:extLst>
               <a:ext uri="{FF2B5EF4-FFF2-40B4-BE49-F238E27FC236}">
-                <a16:creationId xmlns="" xmlns:a16="http://schemas.microsoft.com/office/drawing/2014/main" id="{919EE81D-A196-3246-9A9B-D18318DF27F2}"/>
+                <a16:creationId xmlns:a16="http://schemas.microsoft.com/office/drawing/2014/main" xmlns="" id="{919EE81D-A196-3246-9A9B-D18318DF27F2}"/>
               </a:ext>
             </a:extLst>
           </p:cNvPr>
@@ -8760,7 +8769,7 @@
           <p:nvPr/>
         </p:nvPicPr>
         <p:blipFill>
-          <a:blip r:embed="rId3"/>
+          <a:blip r:embed="rId2"/>
           <a:stretch>
             <a:fillRect/>
           </a:stretch>
@@ -8776,6 +8785,11 @@
         </p:spPr>
       </p:pic>
     </p:spTree>
+    <p:extLst>
+      <p:ext uri="{BB962C8B-B14F-4D97-AF65-F5344CB8AC3E}">
+        <p14:creationId xmlns:p14="http://schemas.microsoft.com/office/powerpoint/2010/main" xmlns="" val="3806303723"/>
+      </p:ext>
+    </p:extLst>
   </p:cSld>
   <p:clrMapOvr>
     <a:masterClrMapping/>
@@ -8815,7 +8829,7 @@
           <p:cNvPr id="2" name="Title 1">
             <a:extLst>
               <a:ext uri="{FF2B5EF4-FFF2-40B4-BE49-F238E27FC236}">
-                <a16:creationId xmlns="" xmlns:a16="http://schemas.microsoft.com/office/drawing/2014/main" id="{CFF0C25E-8116-8A4F-B8B5-B32214762FD3}"/>
+                <a16:creationId xmlns:a16="http://schemas.microsoft.com/office/drawing/2014/main" xmlns="" id="{5E7B73BC-C05F-374B-9F58-E89747755CBE}"/>
               </a:ext>
             </a:extLst>
           </p:cNvPr>
@@ -8829,7 +8843,7 @@
         <p:spPr>
           <a:xfrm>
             <a:off x="2592925" y="624110"/>
-            <a:ext cx="8911687" cy="876078"/>
+            <a:ext cx="8911687" cy="983234"/>
           </a:xfrm>
         </p:spPr>
         <p:txBody>
@@ -8841,19 +8855,17 @@
             <a:r>
               <a:rPr lang="en-GB" sz="4000" b="1">
                 <a:solidFill>
-                  <a:schemeClr val="tx1">
-                    <a:lumMod val="75000"/>
-                    <a:lumOff val="25000"/>
+                  <a:schemeClr val="bg1">
+                    <a:lumMod val="25000"/>
                   </a:schemeClr>
                 </a:solidFill>
               </a:rPr>
-              <a:t>Major Commands </a:t>
+              <a:t>Major Commamds</a:t>
             </a:r>
             <a:endParaRPr lang="en-US" sz="4000" b="1">
               <a:solidFill>
-                <a:schemeClr val="tx1">
-                  <a:lumMod val="75000"/>
-                  <a:lumOff val="25000"/>
+                <a:schemeClr val="bg1">
+                  <a:lumMod val="25000"/>
                 </a:schemeClr>
               </a:solidFill>
             </a:endParaRPr>
@@ -8865,7 +8877,7 @@
           <p:cNvPr id="3" name="Content Placeholder 2">
             <a:extLst>
               <a:ext uri="{FF2B5EF4-FFF2-40B4-BE49-F238E27FC236}">
-                <a16:creationId xmlns="" xmlns:a16="http://schemas.microsoft.com/office/drawing/2014/main" id="{F92AB07F-BB47-CB4D-8301-5E5B83050CC9}"/>
+                <a16:creationId xmlns:a16="http://schemas.microsoft.com/office/drawing/2014/main" xmlns="" id="{F302ED4F-6BF5-8644-B78C-63997498ED90}"/>
               </a:ext>
             </a:extLst>
           </p:cNvPr>
@@ -8878,8 +8890,8 @@
         </p:nvSpPr>
         <p:spPr>
           <a:xfrm>
-            <a:off x="2589212" y="1347789"/>
-            <a:ext cx="8915400" cy="5357811"/>
+            <a:off x="2432190" y="1571625"/>
+            <a:ext cx="8915400" cy="5250656"/>
           </a:xfrm>
         </p:spPr>
         <p:txBody>
@@ -8890,86 +8902,71 @@
           <a:p>
             <a:r>
               <a:rPr lang="en-GB" sz="2000" dirty="0"/>
-              <a:t> git </a:t>
+              <a:t>git merge -  Merge one or more branches  into you current  branch</a:t>
+            </a:r>
+          </a:p>
+          <a:p>
+            <a:r>
+              <a:rPr lang="en-GB" sz="2000" dirty="0"/>
+              <a:t>git reset – Resets your index and working  directory  to the state of your  last commit</a:t>
+            </a:r>
+          </a:p>
+          <a:p>
+            <a:r>
+              <a:rPr lang="en-GB" sz="2000" dirty="0"/>
+              <a:t>git stash -  Temporarily saves changes  that you </a:t>
             </a:r>
             <a:r>
               <a:rPr lang="en-GB" sz="2000" dirty="0" err="1"/>
-              <a:t>config</a:t>
+              <a:t>dont</a:t>
             </a:r>
             <a:r>
               <a:rPr lang="en-GB" sz="2000" dirty="0"/>
-              <a:t> - sets configuration  values</a:t>
-            </a:r>
-          </a:p>
-          <a:p>
+              <a:t> want to commit </a:t>
+            </a:r>
+            <a:r>
+              <a:rPr lang="en-GB" sz="2000" dirty="0" smtClean="0"/>
+              <a:t>immediately</a:t>
+            </a:r>
             <a:r>
               <a:rPr lang="en-GB" sz="2000" dirty="0"/>
-              <a:t>git  init -  initializes  a git repository </a:t>
+              <a:t>. </a:t>
             </a:r>
           </a:p>
           <a:p>
             <a:r>
               <a:rPr lang="en-GB" sz="2000" dirty="0"/>
-              <a:t>git clone -  Make a git repository copy from a remote  source </a:t>
+              <a:t>git  tag – tags a specific  commit with a simple human readable handle  that never moves</a:t>
             </a:r>
           </a:p>
           <a:p>
             <a:r>
               <a:rPr lang="en-GB" sz="2000" dirty="0"/>
-              <a:t>git add -  adds file changes  in your working directory  to your index </a:t>
+              <a:t>git fetch -  fetches all  objects  from the  remote repository  that are not present  in the  local one</a:t>
             </a:r>
           </a:p>
           <a:p>
             <a:r>
               <a:rPr lang="en-GB" sz="2000" dirty="0"/>
-              <a:t>git </a:t>
-            </a:r>
-            <a:r>
-              <a:rPr lang="en-GB" sz="2000" dirty="0" err="1"/>
-              <a:t>rm</a:t>
-            </a:r>
+              <a:t>git  pull -   fetches the files from the remote repository  and merges it with your  local one</a:t>
+            </a:r>
+          </a:p>
+          <a:p>
             <a:r>
               <a:rPr lang="en-GB" sz="2000" dirty="0"/>
-              <a:t> -  remove files from your index and your working directory </a:t>
-            </a:r>
-          </a:p>
-          <a:p>
-            <a:r>
-              <a:rPr lang="en-GB" sz="2000" dirty="0"/>
-              <a:t>git commit – takes all the changes written  in the index, creates a  new commit object  pointer to it and sets the branch to point  to that new commit. </a:t>
-            </a:r>
-          </a:p>
-          <a:p>
-            <a:r>
-              <a:rPr lang="en-GB" sz="2000" dirty="0"/>
-              <a:t>git  status – Shows your status of files in the index  versus  the working  directory </a:t>
-            </a:r>
-          </a:p>
-          <a:p>
-            <a:r>
-              <a:rPr lang="en-GB" sz="2000" dirty="0"/>
-              <a:t>git branch – List existing  branches</a:t>
-            </a:r>
-          </a:p>
-          <a:p>
-            <a:r>
-              <a:rPr lang="en-GB" sz="2000" dirty="0"/>
-              <a:t>git  checkout – checkout  a different  branch – switches branches by updating  the index, working tree and HEAD to reflect  the chosen branch </a:t>
-            </a:r>
-          </a:p>
-          <a:p>
+              <a:t>git  push -  pushes all modified local objects  to the remote repository and advances its branches</a:t>
+            </a:r>
+          </a:p>
+          <a:p>
+            <a:pPr marL="0" indent="0">
+              <a:buNone/>
+            </a:pPr>
             <a:endParaRPr lang="en-GB" sz="2000" dirty="0"/>
           </a:p>
           <a:p>
-            <a:endParaRPr lang="en-GB" sz="2000" dirty="0"/>
-          </a:p>
-          <a:p>
-            <a:endParaRPr lang="en-GB" sz="2000" dirty="0"/>
-          </a:p>
-          <a:p>
-            <a:endParaRPr lang="en-GB" sz="2000" dirty="0"/>
-          </a:p>
-          <a:p>
+            <a:pPr marL="0" indent="0">
+              <a:buNone/>
+            </a:pPr>
             <a:endParaRPr lang="en-GB" sz="2000" dirty="0"/>
           </a:p>
           <a:p>
@@ -8982,7 +8979,7 @@
           <p:cNvPr id="4" name="Picture 4">
             <a:extLst>
               <a:ext uri="{FF2B5EF4-FFF2-40B4-BE49-F238E27FC236}">
-                <a16:creationId xmlns="" xmlns:a16="http://schemas.microsoft.com/office/drawing/2014/main" id="{919EE81D-A196-3246-9A9B-D18318DF27F2}"/>
+                <a16:creationId xmlns:a16="http://schemas.microsoft.com/office/drawing/2014/main" xmlns="" id="{919EE81D-A196-3246-9A9B-D18318DF27F2}"/>
               </a:ext>
             </a:extLst>
           </p:cNvPr>
@@ -9010,7 +9007,7 @@
     </p:spTree>
     <p:extLst>
       <p:ext uri="{BB962C8B-B14F-4D97-AF65-F5344CB8AC3E}">
-        <p14:creationId xmlns="" xmlns:p14="http://schemas.microsoft.com/office/powerpoint/2010/main" val="3806303723"/>
+        <p14:creationId xmlns:p14="http://schemas.microsoft.com/office/powerpoint/2010/main" xmlns="" val="3099295360"/>
       </p:ext>
     </p:extLst>
   </p:cSld>
@@ -9052,7 +9049,7 @@
           <p:cNvPr id="2" name="Title 1">
             <a:extLst>
               <a:ext uri="{FF2B5EF4-FFF2-40B4-BE49-F238E27FC236}">
-                <a16:creationId xmlns="" xmlns:a16="http://schemas.microsoft.com/office/drawing/2014/main" id="{5E7B73BC-C05F-374B-9F58-E89747755CBE}"/>
+                <a16:creationId xmlns:a16="http://schemas.microsoft.com/office/drawing/2014/main" xmlns="" id="{7CC65B39-8961-B247-AB1B-125AFB0FFB18}"/>
               </a:ext>
             </a:extLst>
           </p:cNvPr>
@@ -9066,29 +9063,31 @@
         <p:spPr>
           <a:xfrm>
             <a:off x="2592925" y="624110"/>
-            <a:ext cx="8911687" cy="983234"/>
+            <a:ext cx="8911687" cy="608187"/>
           </a:xfrm>
         </p:spPr>
         <p:txBody>
           <a:bodyPr>
-            <a:normAutofit/>
+            <a:noAutofit/>
           </a:bodyPr>
           <a:lstStyle/>
           <a:p>
             <a:r>
               <a:rPr lang="en-GB" sz="4000" b="1">
                 <a:solidFill>
-                  <a:schemeClr val="bg1">
-                    <a:lumMod val="25000"/>
+                  <a:schemeClr val="tx1">
+                    <a:lumMod val="75000"/>
+                    <a:lumOff val="25000"/>
                   </a:schemeClr>
                 </a:solidFill>
               </a:rPr>
-              <a:t>Major Commamds</a:t>
+              <a:t>Major Commands </a:t>
             </a:r>
             <a:endParaRPr lang="en-US" sz="4000" b="1">
               <a:solidFill>
-                <a:schemeClr val="bg1">
-                  <a:lumMod val="25000"/>
+                <a:schemeClr val="tx1">
+                  <a:lumMod val="75000"/>
+                  <a:lumOff val="25000"/>
                 </a:schemeClr>
               </a:solidFill>
             </a:endParaRPr>
@@ -9100,7 +9099,7 @@
           <p:cNvPr id="3" name="Content Placeholder 2">
             <a:extLst>
               <a:ext uri="{FF2B5EF4-FFF2-40B4-BE49-F238E27FC236}">
-                <a16:creationId xmlns="" xmlns:a16="http://schemas.microsoft.com/office/drawing/2014/main" id="{F302ED4F-6BF5-8644-B78C-63997498ED90}"/>
+                <a16:creationId xmlns:a16="http://schemas.microsoft.com/office/drawing/2014/main" xmlns="" id="{EFCBB851-E2BF-9946-BEDE-A86F044DF239}"/>
               </a:ext>
             </a:extLst>
           </p:cNvPr>
@@ -9113,87 +9112,65 @@
         </p:nvSpPr>
         <p:spPr>
           <a:xfrm>
-            <a:off x="2432190" y="1571625"/>
-            <a:ext cx="8915400" cy="5250656"/>
+            <a:off x="2592925" y="1678782"/>
+            <a:ext cx="8307784" cy="3875484"/>
           </a:xfrm>
         </p:spPr>
         <p:txBody>
           <a:bodyPr>
-            <a:noAutofit/>
+            <a:normAutofit/>
           </a:bodyPr>
           <a:lstStyle/>
           <a:p>
             <a:r>
-              <a:rPr lang="en-GB" sz="2000" dirty="0"/>
-              <a:t>git merge -  Merge one or more branches  into you current  branch</a:t>
-            </a:r>
-          </a:p>
-          <a:p>
-            <a:r>
-              <a:rPr lang="en-GB" sz="2000" dirty="0"/>
-              <a:t>git reset – Resets your index and working  directory  to the state of your  last commit</a:t>
-            </a:r>
-          </a:p>
-          <a:p>
-            <a:r>
-              <a:rPr lang="en-GB" sz="2000" dirty="0"/>
-              <a:t>git stash -  Temporarily saves changes  that you </a:t>
-            </a:r>
-            <a:r>
-              <a:rPr lang="en-GB" sz="2000" dirty="0" err="1"/>
-              <a:t>dont</a:t>
-            </a:r>
-            <a:r>
-              <a:rPr lang="en-GB" sz="2000" dirty="0"/>
-              <a:t> want to commit </a:t>
-            </a:r>
-            <a:r>
-              <a:rPr lang="en-GB" sz="2000" dirty="0" smtClean="0"/>
-              <a:t>immediately</a:t>
-            </a:r>
-            <a:r>
-              <a:rPr lang="en-GB" sz="2000" dirty="0"/>
-              <a:t>. </a:t>
-            </a:r>
-          </a:p>
-          <a:p>
-            <a:r>
-              <a:rPr lang="en-GB" sz="2000" dirty="0"/>
-              <a:t>git  tag – tags a specific  commit with a simple human readable handle  that never moves</a:t>
-            </a:r>
-          </a:p>
-          <a:p>
-            <a:r>
-              <a:rPr lang="en-GB" sz="2000" dirty="0"/>
-              <a:t>git fetch -  fetches all  objects  from the  remote repository  that are not present  in the  local one</a:t>
-            </a:r>
-          </a:p>
-          <a:p>
-            <a:r>
-              <a:rPr lang="en-GB" sz="2000" dirty="0"/>
-              <a:t>git  pull -   fetches the files from the remote repository  and merges it with your  local one</a:t>
-            </a:r>
-          </a:p>
-          <a:p>
-            <a:r>
-              <a:rPr lang="en-GB" sz="2000" dirty="0"/>
-              <a:t>git  push -  pushes all modified local objects  to the remote repository and advances its branches</a:t>
-            </a:r>
+              <a:rPr lang="en-GB" sz="2000"/>
+              <a:t>git   remote  -  show  all the remote versions of your repository</a:t>
+            </a:r>
+          </a:p>
+          <a:p>
+            <a:r>
+              <a:rPr lang="en-GB" sz="2000"/>
+              <a:t> git show -  show information  about git object</a:t>
+            </a:r>
+          </a:p>
+          <a:p>
+            <a:r>
+              <a:rPr lang="en-GB" sz="2000"/>
+              <a:t>git log -  Shows a listing of commitson a branch includes the corresponding  details </a:t>
+            </a:r>
+          </a:p>
+          <a:p>
+            <a:r>
+              <a:rPr lang="en-GB" sz="2000"/>
+              <a:t>git diff -  generate patch files or statistics of differences  between path or file in your repository </a:t>
+            </a:r>
+          </a:p>
+          <a:p>
+            <a:r>
+              <a:rPr lang="en-GB" sz="2000"/>
+              <a:t>git archive -  creates  a tar or zip file </a:t>
+            </a:r>
+          </a:p>
+          <a:p>
+            <a:r>
+              <a:rPr lang="en-GB" sz="2000"/>
+              <a:t>git gc -  grbage collector  optimises  your repositor</a:t>
+            </a:r>
+          </a:p>
+          <a:p>
+            <a:r>
+              <a:rPr lang="en-GB" sz="2000"/>
+              <a:t>git prune -  remove object that are no longer pointed. </a:t>
+            </a:r>
+          </a:p>
+          <a:p>
+            <a:endParaRPr lang="en-GB" sz="2000"/>
           </a:p>
           <a:p>
             <a:pPr marL="0" indent="0">
               <a:buNone/>
             </a:pPr>
-            <a:endParaRPr lang="en-GB" sz="2000" dirty="0"/>
-          </a:p>
-          <a:p>
-            <a:pPr marL="0" indent="0">
-              <a:buNone/>
-            </a:pPr>
-            <a:endParaRPr lang="en-GB" sz="2000" dirty="0"/>
-          </a:p>
-          <a:p>
-            <a:endParaRPr lang="en-US" sz="2000" dirty="0"/>
+            <a:endParaRPr lang="en-US" sz="2000"/>
           </a:p>
         </p:txBody>
       </p:sp>
@@ -9202,7 +9179,7 @@
           <p:cNvPr id="4" name="Picture 4">
             <a:extLst>
               <a:ext uri="{FF2B5EF4-FFF2-40B4-BE49-F238E27FC236}">
-                <a16:creationId xmlns="" xmlns:a16="http://schemas.microsoft.com/office/drawing/2014/main" id="{919EE81D-A196-3246-9A9B-D18318DF27F2}"/>
+                <a16:creationId xmlns:a16="http://schemas.microsoft.com/office/drawing/2014/main" xmlns="" id="{919EE81D-A196-3246-9A9B-D18318DF27F2}"/>
               </a:ext>
             </a:extLst>
           </p:cNvPr>
@@ -9230,7 +9207,7 @@
     </p:spTree>
     <p:extLst>
       <p:ext uri="{BB962C8B-B14F-4D97-AF65-F5344CB8AC3E}">
-        <p14:creationId xmlns="" xmlns:p14="http://schemas.microsoft.com/office/powerpoint/2010/main" val="3099295360"/>
+        <p14:creationId xmlns:p14="http://schemas.microsoft.com/office/powerpoint/2010/main" xmlns="" val="3761024448"/>
       </p:ext>
     </p:extLst>
   </p:cSld>
@@ -9267,142 +9244,44 @@
           <a:chExt cx="0" cy="0"/>
         </a:xfrm>
       </p:grpSpPr>
-      <p:sp>
-        <p:nvSpPr>
-          <p:cNvPr id="2" name="Title 1">
-            <a:extLst>
-              <a:ext uri="{FF2B5EF4-FFF2-40B4-BE49-F238E27FC236}">
-                <a16:creationId xmlns="" xmlns:a16="http://schemas.microsoft.com/office/drawing/2014/main" id="{7CC65B39-8961-B247-AB1B-125AFB0FFB18}"/>
-              </a:ext>
-            </a:extLst>
-          </p:cNvPr>
-          <p:cNvSpPr>
-            <a:spLocks noGrp="1"/>
-          </p:cNvSpPr>
-          <p:nvPr>
-            <p:ph type="title"/>
-          </p:nvPr>
-        </p:nvSpPr>
-        <p:spPr>
-          <a:xfrm>
-            <a:off x="2592925" y="624110"/>
-            <a:ext cx="8911687" cy="608187"/>
-          </a:xfrm>
-        </p:spPr>
-        <p:txBody>
-          <a:bodyPr>
-            <a:noAutofit/>
-          </a:bodyPr>
-          <a:lstStyle/>
-          <a:p>
-            <a:r>
-              <a:rPr lang="en-GB" sz="4000" b="1">
-                <a:solidFill>
-                  <a:schemeClr val="tx1">
-                    <a:lumMod val="75000"/>
-                    <a:lumOff val="25000"/>
-                  </a:schemeClr>
-                </a:solidFill>
-              </a:rPr>
-              <a:t>Major Commands </a:t>
-            </a:r>
-            <a:endParaRPr lang="en-US" sz="4000" b="1">
-              <a:solidFill>
-                <a:schemeClr val="tx1">
-                  <a:lumMod val="75000"/>
-                  <a:lumOff val="25000"/>
-                </a:schemeClr>
-              </a:solidFill>
-            </a:endParaRPr>
-          </a:p>
-        </p:txBody>
-      </p:sp>
-      <p:sp>
-        <p:nvSpPr>
-          <p:cNvPr id="3" name="Content Placeholder 2">
-            <a:extLst>
-              <a:ext uri="{FF2B5EF4-FFF2-40B4-BE49-F238E27FC236}">
-                <a16:creationId xmlns="" xmlns:a16="http://schemas.microsoft.com/office/drawing/2014/main" id="{EFCBB851-E2BF-9946-BEDE-A86F044DF239}"/>
-              </a:ext>
-            </a:extLst>
-          </p:cNvPr>
-          <p:cNvSpPr>
-            <a:spLocks noGrp="1"/>
-          </p:cNvSpPr>
-          <p:nvPr>
-            <p:ph idx="1"/>
-          </p:nvPr>
-        </p:nvSpPr>
-        <p:spPr>
-          <a:xfrm>
-            <a:off x="2592925" y="1678782"/>
-            <a:ext cx="8307784" cy="3875484"/>
-          </a:xfrm>
-        </p:spPr>
-        <p:txBody>
-          <a:bodyPr>
-            <a:normAutofit/>
-          </a:bodyPr>
-          <a:lstStyle/>
-          <a:p>
-            <a:r>
-              <a:rPr lang="en-GB" sz="2000"/>
-              <a:t>git   remote  -  show  all the remote versions of your repository</a:t>
-            </a:r>
-          </a:p>
-          <a:p>
-            <a:r>
-              <a:rPr lang="en-GB" sz="2000"/>
-              <a:t> git show -  show information  about git object</a:t>
-            </a:r>
-          </a:p>
-          <a:p>
-            <a:r>
-              <a:rPr lang="en-GB" sz="2000"/>
-              <a:t>git log -  Shows a listing of commitson a branch includes the corresponding  details </a:t>
-            </a:r>
-          </a:p>
-          <a:p>
-            <a:r>
-              <a:rPr lang="en-GB" sz="2000"/>
-              <a:t>git diff -  generate patch files or statistics of differences  between path or file in your repository </a:t>
-            </a:r>
-          </a:p>
-          <a:p>
-            <a:r>
-              <a:rPr lang="en-GB" sz="2000"/>
-              <a:t>git archive -  creates  a tar or zip file </a:t>
-            </a:r>
-          </a:p>
-          <a:p>
-            <a:r>
-              <a:rPr lang="en-GB" sz="2000"/>
-              <a:t>git gc -  grbage collector  optimises  your repositor</a:t>
-            </a:r>
-          </a:p>
-          <a:p>
-            <a:r>
-              <a:rPr lang="en-GB" sz="2000"/>
-              <a:t>git prune -  remove object that are no longer pointed. </a:t>
-            </a:r>
-          </a:p>
-          <a:p>
-            <a:endParaRPr lang="en-GB" sz="2000"/>
-          </a:p>
-          <a:p>
-            <a:pPr marL="0" indent="0">
-              <a:buNone/>
-            </a:pPr>
-            <a:endParaRPr lang="en-US" sz="2000"/>
-          </a:p>
-        </p:txBody>
-      </p:sp>
       <p:pic>
         <p:nvPicPr>
           <p:cNvPr id="4" name="Picture 4">
             <a:extLst>
               <a:ext uri="{FF2B5EF4-FFF2-40B4-BE49-F238E27FC236}">
-                <a16:creationId xmlns="" xmlns:a16="http://schemas.microsoft.com/office/drawing/2014/main" id="{919EE81D-A196-3246-9A9B-D18318DF27F2}"/>
+                <a16:creationId xmlns:a16="http://schemas.microsoft.com/office/drawing/2014/main" xmlns="" id="{926786E5-DEC7-8F4F-88D7-581531284BF6}"/>
+              </a:ext>
+            </a:extLst>
+          </p:cNvPr>
+          <p:cNvPicPr>
+            <a:picLocks noGrp="1" noChangeAspect="1"/>
+          </p:cNvPicPr>
+          <p:nvPr>
+            <p:ph idx="1"/>
+          </p:nvPr>
+        </p:nvPicPr>
+        <p:blipFill>
+          <a:blip r:embed="rId2"/>
+          <a:stretch>
+            <a:fillRect/>
+          </a:stretch>
+        </p:blipFill>
+        <p:spPr>
+          <a:xfrm>
+            <a:off x="3048000" y="1371600"/>
+            <a:ext cx="6818966" cy="4550824"/>
+          </a:xfrm>
+          <a:prstGeom prst="rect">
+            <a:avLst/>
+          </a:prstGeom>
+        </p:spPr>
+      </p:pic>
+      <p:pic>
+        <p:nvPicPr>
+          <p:cNvPr id="3" name="Picture 4">
+            <a:extLst>
+              <a:ext uri="{FF2B5EF4-FFF2-40B4-BE49-F238E27FC236}">
+                <a16:creationId xmlns:a16="http://schemas.microsoft.com/office/drawing/2014/main" xmlns="" id="{919EE81D-A196-3246-9A9B-D18318DF27F2}"/>
               </a:ext>
             </a:extLst>
           </p:cNvPr>
@@ -9412,7 +9291,7 @@
           <p:nvPr/>
         </p:nvPicPr>
         <p:blipFill>
-          <a:blip r:embed="rId2"/>
+          <a:blip r:embed="rId3"/>
           <a:stretch>
             <a:fillRect/>
           </a:stretch>
@@ -9430,7 +9309,7 @@
     </p:spTree>
     <p:extLst>
       <p:ext uri="{BB962C8B-B14F-4D97-AF65-F5344CB8AC3E}">
-        <p14:creationId xmlns="" xmlns:p14="http://schemas.microsoft.com/office/powerpoint/2010/main" val="3761024448"/>
+        <p14:creationId xmlns:p14="http://schemas.microsoft.com/office/powerpoint/2010/main" xmlns="" val="3427517026"/>
       </p:ext>
     </p:extLst>
   </p:cSld>
@@ -9467,44 +9346,129 @@
           <a:chExt cx="0" cy="0"/>
         </a:xfrm>
       </p:grpSpPr>
-      <p:pic>
-        <p:nvPicPr>
-          <p:cNvPr id="4" name="Picture 4">
+      <p:sp>
+        <p:nvSpPr>
+          <p:cNvPr id="2" name="Title 1">
             <a:extLst>
               <a:ext uri="{FF2B5EF4-FFF2-40B4-BE49-F238E27FC236}">
-                <a16:creationId xmlns="" xmlns:a16="http://schemas.microsoft.com/office/drawing/2014/main" id="{926786E5-DEC7-8F4F-88D7-581531284BF6}"/>
+                <a16:creationId xmlns:a16="http://schemas.microsoft.com/office/drawing/2014/main" xmlns="" id="{63C6167D-34E5-D248-8A97-2AD0EA3CB28C}"/>
               </a:ext>
             </a:extLst>
           </p:cNvPr>
-          <p:cNvPicPr>
-            <a:picLocks noGrp="1" noChangeAspect="1"/>
-          </p:cNvPicPr>
+          <p:cNvSpPr>
+            <a:spLocks noGrp="1"/>
+          </p:cNvSpPr>
+          <p:nvPr>
+            <p:ph type="title"/>
+          </p:nvPr>
+        </p:nvSpPr>
+        <p:spPr>
+          <a:xfrm>
+            <a:off x="2592925" y="624110"/>
+            <a:ext cx="8911687" cy="840359"/>
+          </a:xfrm>
+        </p:spPr>
+        <p:txBody>
+          <a:bodyPr>
+            <a:noAutofit/>
+          </a:bodyPr>
+          <a:lstStyle/>
+          <a:p>
+            <a:r>
+              <a:rPr lang="en-GB" sz="4000" b="1">
+                <a:solidFill>
+                  <a:schemeClr val="tx1">
+                    <a:lumMod val="75000"/>
+                    <a:lumOff val="25000"/>
+                  </a:schemeClr>
+                </a:solidFill>
+              </a:rPr>
+              <a:t>GitHub</a:t>
+            </a:r>
+            <a:br>
+              <a:rPr lang="en-GB" sz="4000" b="1">
+                <a:solidFill>
+                  <a:schemeClr val="tx1">
+                    <a:lumMod val="75000"/>
+                    <a:lumOff val="25000"/>
+                  </a:schemeClr>
+                </a:solidFill>
+              </a:rPr>
+            </a:br>
+            <a:endParaRPr lang="en-US" sz="4000" b="1">
+              <a:solidFill>
+                <a:schemeClr val="tx1">
+                  <a:lumMod val="75000"/>
+                  <a:lumOff val="25000"/>
+                </a:schemeClr>
+              </a:solidFill>
+            </a:endParaRPr>
+          </a:p>
+        </p:txBody>
+      </p:sp>
+      <p:sp>
+        <p:nvSpPr>
+          <p:cNvPr id="4" name="Content Placeholder 3">
+            <a:extLst>
+              <a:ext uri="{FF2B5EF4-FFF2-40B4-BE49-F238E27FC236}">
+                <a16:creationId xmlns:a16="http://schemas.microsoft.com/office/drawing/2014/main" xmlns="" id="{B2C04A67-A315-304C-9E09-4545B6D6F8C3}"/>
+              </a:ext>
+            </a:extLst>
+          </p:cNvPr>
+          <p:cNvSpPr>
+            <a:spLocks noGrp="1"/>
+          </p:cNvSpPr>
           <p:nvPr>
             <p:ph idx="1"/>
           </p:nvPr>
-        </p:nvPicPr>
-        <p:blipFill>
-          <a:blip r:embed="rId2"/>
-          <a:stretch>
-            <a:fillRect/>
-          </a:stretch>
-        </p:blipFill>
-        <p:spPr>
-          <a:xfrm>
-            <a:off x="3048000" y="1371600"/>
-            <a:ext cx="6818966" cy="4550824"/>
-          </a:xfrm>
-          <a:prstGeom prst="rect">
-            <a:avLst/>
-          </a:prstGeom>
-        </p:spPr>
-      </p:pic>
+        </p:nvSpPr>
+        <p:spPr>
+          <a:xfrm>
+            <a:off x="2438400" y="1447800"/>
+            <a:ext cx="8915400" cy="4357687"/>
+          </a:xfrm>
+        </p:spPr>
+        <p:txBody>
+          <a:bodyPr>
+            <a:normAutofit/>
+          </a:bodyPr>
+          <a:lstStyle/>
+          <a:p>
+            <a:pPr marL="0" indent="0">
+              <a:buNone/>
+            </a:pPr>
+            <a:r>
+              <a:rPr lang="en-GB" sz="2000" dirty="0"/>
+              <a:t>GitHub.com is a site for online storage of git repositories.</a:t>
+            </a:r>
+          </a:p>
+          <a:p>
+            <a:r>
+              <a:rPr lang="en-GB" sz="2000" dirty="0"/>
+              <a:t>You can create a remote  repo there and push code to it</a:t>
+            </a:r>
+          </a:p>
+          <a:p>
+            <a:r>
+              <a:rPr lang="en-GB" sz="2000" dirty="0"/>
+              <a:t>Many open source projects  use it, such  as the Linux kernel </a:t>
+            </a:r>
+          </a:p>
+          <a:p>
+            <a:r>
+              <a:rPr lang="en-GB" sz="2000" dirty="0"/>
+              <a:t>You can get free space  for open source projects, or you can pay for private projects. </a:t>
+            </a:r>
+            <a:endParaRPr lang="en-US" sz="2000" dirty="0"/>
+          </a:p>
+        </p:txBody>
+      </p:sp>
       <p:pic>
         <p:nvPicPr>
-          <p:cNvPr id="3" name="Picture 4">
+          <p:cNvPr id="9" name="Picture 9">
             <a:extLst>
               <a:ext uri="{FF2B5EF4-FFF2-40B4-BE49-F238E27FC236}">
-                <a16:creationId xmlns="" xmlns:a16="http://schemas.microsoft.com/office/drawing/2014/main" id="{919EE81D-A196-3246-9A9B-D18318DF27F2}"/>
+                <a16:creationId xmlns:a16="http://schemas.microsoft.com/office/drawing/2014/main" xmlns="" id="{EF51D35D-B21B-5647-AF98-5D8F1972CB57}"/>
               </a:ext>
             </a:extLst>
           </p:cNvPr>
@@ -9514,15 +9478,15 @@
           <p:nvPr/>
         </p:nvPicPr>
         <p:blipFill>
-          <a:blip r:embed="rId3"/>
+          <a:blip r:embed="rId2"/>
           <a:stretch>
             <a:fillRect/>
           </a:stretch>
         </p:blipFill>
         <p:spPr>
           <a:xfrm>
-            <a:off x="11306371" y="157161"/>
-            <a:ext cx="623691" cy="623691"/>
+            <a:off x="4648200" y="3581400"/>
+            <a:ext cx="3480197" cy="1903810"/>
           </a:xfrm>
           <a:prstGeom prst="rect">
             <a:avLst/>
@@ -9532,7 +9496,7 @@
     </p:spTree>
     <p:extLst>
       <p:ext uri="{BB962C8B-B14F-4D97-AF65-F5344CB8AC3E}">
-        <p14:creationId xmlns="" xmlns:p14="http://schemas.microsoft.com/office/powerpoint/2010/main" val="3427517026"/>
+        <p14:creationId xmlns:p14="http://schemas.microsoft.com/office/powerpoint/2010/main" xmlns="" val="4190039171"/>
       </p:ext>
     </p:extLst>
   </p:cSld>
@@ -9571,13 +9535,7 @@
       </p:grpSpPr>
       <p:sp>
         <p:nvSpPr>
-          <p:cNvPr id="2" name="Title 1">
-            <a:extLst>
-              <a:ext uri="{FF2B5EF4-FFF2-40B4-BE49-F238E27FC236}">
-                <a16:creationId xmlns="" xmlns:a16="http://schemas.microsoft.com/office/drawing/2014/main" id="{63C6167D-34E5-D248-8A97-2AD0EA3CB28C}"/>
-              </a:ext>
-            </a:extLst>
-          </p:cNvPr>
+          <p:cNvPr id="2" name="Title 1"/>
           <p:cNvSpPr>
             <a:spLocks noGrp="1"/>
           </p:cNvSpPr>
@@ -9588,17 +9546,17 @@
         <p:spPr>
           <a:xfrm>
             <a:off x="2592925" y="624110"/>
-            <a:ext cx="8911687" cy="840359"/>
+            <a:ext cx="8911687" cy="595090"/>
           </a:xfrm>
         </p:spPr>
         <p:txBody>
           <a:bodyPr>
-            <a:noAutofit/>
+            <a:normAutofit fontScale="90000"/>
           </a:bodyPr>
           <a:lstStyle/>
           <a:p>
             <a:r>
-              <a:rPr lang="en-GB" sz="4000" b="1">
+              <a:rPr lang="en-US" sz="4000" b="1" dirty="0" err="1" smtClean="0">
                 <a:solidFill>
                   <a:schemeClr val="tx1">
                     <a:lumMod val="75000"/>
@@ -9606,19 +9564,9 @@
                   </a:schemeClr>
                 </a:solidFill>
               </a:rPr>
-              <a:t>GitHub</a:t>
-            </a:r>
-            <a:br>
-              <a:rPr lang="en-GB" sz="4000" b="1">
-                <a:solidFill>
-                  <a:schemeClr val="tx1">
-                    <a:lumMod val="75000"/>
-                    <a:lumOff val="25000"/>
-                  </a:schemeClr>
-                </a:solidFill>
-              </a:rPr>
-            </a:br>
-            <a:endParaRPr lang="en-US" sz="4000" b="1">
+              <a:t>BitBucket</a:t>
+            </a:r>
+            <a:endParaRPr lang="en-US" sz="4000" b="1" dirty="0">
               <a:solidFill>
                 <a:schemeClr val="tx1">
                   <a:lumMod val="75000"/>
@@ -9631,13 +9579,7 @@
       </p:sp>
       <p:sp>
         <p:nvSpPr>
-          <p:cNvPr id="4" name="Content Placeholder 3">
-            <a:extLst>
-              <a:ext uri="{FF2B5EF4-FFF2-40B4-BE49-F238E27FC236}">
-                <a16:creationId xmlns="" xmlns:a16="http://schemas.microsoft.com/office/drawing/2014/main" id="{B2C04A67-A315-304C-9E09-4545B6D6F8C3}"/>
-              </a:ext>
-            </a:extLst>
-          </p:cNvPr>
+          <p:cNvPr id="3" name="Content Placeholder 2"/>
           <p:cNvSpPr>
             <a:spLocks noGrp="1"/>
           </p:cNvSpPr>
@@ -9647,8 +9589,8 @@
         </p:nvSpPr>
         <p:spPr>
           <a:xfrm>
-            <a:off x="2438400" y="1447800"/>
-            <a:ext cx="8915400" cy="4357687"/>
+            <a:off x="2589212" y="1371600"/>
+            <a:ext cx="8915400" cy="4539622"/>
           </a:xfrm>
         </p:spPr>
         <p:txBody>
@@ -9657,41 +9599,138 @@
           </a:bodyPr>
           <a:lstStyle/>
           <a:p>
-            <a:pPr marL="0" indent="0">
-              <a:buNone/>
-            </a:pPr>
-            <a:r>
-              <a:rPr lang="en-GB" sz="2000" dirty="0"/>
-              <a:t>GitHub.com is a site for online storage of git repositories.</a:t>
-            </a:r>
-          </a:p>
-          <a:p>
-            <a:r>
-              <a:rPr lang="en-GB" sz="2000" dirty="0"/>
-              <a:t>You can create a remote  repo there and push code to it</a:t>
-            </a:r>
-          </a:p>
-          <a:p>
-            <a:r>
-              <a:rPr lang="en-GB" sz="2000" dirty="0"/>
-              <a:t>Many open source projects  use it, such  as the Linux kernel </a:t>
-            </a:r>
-          </a:p>
-          <a:p>
-            <a:r>
-              <a:rPr lang="en-GB" sz="2000" dirty="0"/>
-              <a:t>You can get free space  for open source projects, or you can pay for private projects. </a:t>
-            </a:r>
-            <a:endParaRPr lang="en-US" sz="2000" dirty="0"/>
+            <a:r>
+              <a:rPr lang="en-US" b="1" dirty="0" smtClean="0"/>
+              <a:t> </a:t>
+            </a:r>
+            <a:r>
+              <a:rPr lang="en-US" b="1" dirty="0" err="1" smtClean="0"/>
+              <a:t>Bitbucket</a:t>
+            </a:r>
+            <a:r>
+              <a:rPr lang="en-US" dirty="0" smtClean="0"/>
+              <a:t> is a web-based hosting service for projects.</a:t>
+            </a:r>
+          </a:p>
+          <a:p>
+            <a:r>
+              <a:rPr lang="en-US" dirty="0" smtClean="0"/>
+              <a:t> </a:t>
+            </a:r>
+            <a:r>
+              <a:rPr lang="en-US" b="1" dirty="0" err="1" smtClean="0"/>
+              <a:t>Bitbucket</a:t>
+            </a:r>
+            <a:r>
+              <a:rPr lang="en-US" dirty="0" smtClean="0"/>
+              <a:t> offers both commercial plans and free accounts.</a:t>
+            </a:r>
+          </a:p>
+          <a:p>
+            <a:r>
+              <a:rPr lang="en-US" dirty="0" err="1" smtClean="0"/>
+              <a:t>GitHub</a:t>
+            </a:r>
+            <a:r>
+              <a:rPr lang="en-US" dirty="0" smtClean="0"/>
+              <a:t> does not offer private repositories with their free plan.</a:t>
+            </a:r>
+          </a:p>
+          <a:p>
+            <a:r>
+              <a:rPr lang="en-US" dirty="0" smtClean="0"/>
+              <a:t> This is where </a:t>
+            </a:r>
+            <a:r>
+              <a:rPr lang="en-US" dirty="0" err="1" smtClean="0"/>
+              <a:t>Bitbucket</a:t>
+            </a:r>
+            <a:r>
+              <a:rPr lang="en-US" dirty="0" smtClean="0"/>
+              <a:t> comes in. With </a:t>
+            </a:r>
+            <a:r>
+              <a:rPr lang="en-US" dirty="0" err="1" smtClean="0"/>
+              <a:t>Bitbucket</a:t>
+            </a:r>
+            <a:r>
+              <a:rPr lang="en-US" dirty="0" smtClean="0"/>
+              <a:t>, you get unlimited private repositories, and they are free for small teams of 5.</a:t>
+            </a:r>
+          </a:p>
+          <a:p>
+            <a:r>
+              <a:rPr lang="en-US" dirty="0" err="1" smtClean="0"/>
+              <a:t>Bitbucket</a:t>
+            </a:r>
+            <a:r>
+              <a:rPr lang="en-US" dirty="0" smtClean="0"/>
+              <a:t> is written in </a:t>
+            </a:r>
+            <a:r>
+              <a:rPr lang="en-US" u="sng" dirty="0" smtClean="0">
+                <a:hlinkClick r:id="rId2"/>
+              </a:rPr>
+              <a:t>Python</a:t>
+            </a:r>
+            <a:r>
+              <a:rPr lang="en-US" dirty="0" smtClean="0"/>
+              <a:t> using the </a:t>
+            </a:r>
+            <a:r>
+              <a:rPr lang="en-US" dirty="0" err="1" smtClean="0">
+                <a:hlinkClick r:id="rId3"/>
+              </a:rPr>
+              <a:t>Django</a:t>
+            </a:r>
+            <a:r>
+              <a:rPr lang="en-US" dirty="0" smtClean="0"/>
+              <a:t> </a:t>
+            </a:r>
+            <a:r>
+              <a:rPr lang="en-US" dirty="0" smtClean="0">
+                <a:hlinkClick r:id="rId4"/>
+              </a:rPr>
+              <a:t>web framework</a:t>
+            </a:r>
+            <a:r>
+              <a:rPr lang="en-US" dirty="0" smtClean="0"/>
+              <a:t>.</a:t>
+            </a:r>
+            <a:endParaRPr lang="en-US" dirty="0"/>
           </a:p>
         </p:txBody>
       </p:sp>
       <p:pic>
         <p:nvPicPr>
-          <p:cNvPr id="9" name="Picture 9">
+          <p:cNvPr id="4" name="Picture 3" descr="bitbucket.jpg"/>
+          <p:cNvPicPr>
+            <a:picLocks noChangeAspect="1"/>
+          </p:cNvPicPr>
+          <p:nvPr/>
+        </p:nvPicPr>
+        <p:blipFill>
+          <a:blip r:embed="rId5"/>
+          <a:stretch>
+            <a:fillRect/>
+          </a:stretch>
+        </p:blipFill>
+        <p:spPr>
+          <a:xfrm>
+            <a:off x="4572000" y="4647303"/>
+            <a:ext cx="3352800" cy="1067697"/>
+          </a:xfrm>
+          <a:prstGeom prst="rect">
+            <a:avLst/>
+          </a:prstGeom>
+        </p:spPr>
+      </p:pic>
+      <p:pic>
+        <p:nvPicPr>
+          <p:cNvPr id="5" name="Picture 4">
             <a:extLst>
               <a:ext uri="{FF2B5EF4-FFF2-40B4-BE49-F238E27FC236}">
-                <a16:creationId xmlns="" xmlns:a16="http://schemas.microsoft.com/office/drawing/2014/main" id="{EF51D35D-B21B-5647-AF98-5D8F1972CB57}"/>
+                <a16:creationId xmlns:a16="http://schemas.microsoft.com/office/drawing/2014/main" xmlns="" id="{919EE81D-A196-3246-9A9B-D18318DF27F2}"/>
               </a:ext>
             </a:extLst>
           </p:cNvPr>
@@ -9701,15 +9740,15 @@
           <p:nvPr/>
         </p:nvPicPr>
         <p:blipFill>
-          <a:blip r:embed="rId2"/>
+          <a:blip r:embed="rId6"/>
           <a:stretch>
             <a:fillRect/>
           </a:stretch>
         </p:blipFill>
         <p:spPr>
           <a:xfrm>
-            <a:off x="4648200" y="3581400"/>
-            <a:ext cx="3480197" cy="1903810"/>
+            <a:off x="11306371" y="157161"/>
+            <a:ext cx="623691" cy="623691"/>
           </a:xfrm>
           <a:prstGeom prst="rect">
             <a:avLst/>
@@ -9717,11 +9756,6 @@
         </p:spPr>
       </p:pic>
     </p:spTree>
-    <p:extLst>
-      <p:ext uri="{BB962C8B-B14F-4D97-AF65-F5344CB8AC3E}">
-        <p14:creationId xmlns="" xmlns:p14="http://schemas.microsoft.com/office/powerpoint/2010/main" val="4190039171"/>
-      </p:ext>
-    </p:extLst>
   </p:cSld>
   <p:clrMapOvr>
     <a:masterClrMapping/>
@@ -9769,34 +9803,20 @@
         <p:spPr>
           <a:xfrm>
             <a:off x="2592925" y="624110"/>
-            <a:ext cx="8911687" cy="595090"/>
+            <a:ext cx="8911687" cy="823690"/>
           </a:xfrm>
         </p:spPr>
         <p:txBody>
           <a:bodyPr>
-            <a:normAutofit fontScale="90000"/>
+            <a:normAutofit/>
           </a:bodyPr>
           <a:lstStyle/>
           <a:p>
             <a:r>
-              <a:rPr lang="en-US" sz="4000" b="1" dirty="0" err="1" smtClean="0">
-                <a:solidFill>
-                  <a:schemeClr val="tx1">
-                    <a:lumMod val="75000"/>
-                    <a:lumOff val="25000"/>
-                  </a:schemeClr>
-                </a:solidFill>
-              </a:rPr>
-              <a:t>BitBucket</a:t>
-            </a:r>
-            <a:endParaRPr lang="en-US" sz="4000" b="1" dirty="0">
-              <a:solidFill>
-                <a:schemeClr val="tx1">
-                  <a:lumMod val="75000"/>
-                  <a:lumOff val="25000"/>
-                </a:schemeClr>
-              </a:solidFill>
-            </a:endParaRPr>
+              <a:rPr lang="en-US" sz="4000" b="1" dirty="0" smtClean="0"/>
+              <a:t>Steps </a:t>
+            </a:r>
+            <a:endParaRPr lang="en-US" sz="4000" b="1" dirty="0"/>
           </a:p>
         </p:txBody>
       </p:sp>
@@ -9812,57 +9832,45 @@
         </p:nvSpPr>
         <p:spPr>
           <a:xfrm>
-            <a:off x="2589212" y="1371600"/>
-            <a:ext cx="8915400" cy="4539622"/>
-          </a:xfrm>
-        </p:spPr>
-        <p:txBody>
-          <a:bodyPr>
-            <a:normAutofit/>
-          </a:bodyPr>
+            <a:off x="2589212" y="1556378"/>
+            <a:ext cx="8915400" cy="4996822"/>
+          </a:xfrm>
+        </p:spPr>
+        <p:txBody>
+          <a:bodyPr/>
           <a:lstStyle/>
           <a:p>
             <a:r>
               <a:rPr lang="en-US" b="1" dirty="0" smtClean="0"/>
-              <a:t> </a:t>
-            </a:r>
-            <a:r>
-              <a:rPr lang="en-US" b="1" dirty="0" err="1" smtClean="0"/>
-              <a:t>Bitbucket</a:t>
-            </a:r>
+              <a:t>Prerequisites</a:t>
+            </a:r>
+          </a:p>
+          <a:p>
+            <a:pPr lvl="1">
+              <a:buFont typeface="Arial" pitchFamily="34" charset="0"/>
+              <a:buChar char="•"/>
+            </a:pPr>
             <a:r>
               <a:rPr lang="en-US" dirty="0" smtClean="0"/>
-              <a:t> is a web-based hosting service for projects.</a:t>
-            </a:r>
-          </a:p>
-          <a:p>
-            <a:r>
-              <a:rPr lang="en-US" dirty="0" smtClean="0"/>
-              <a:t> </a:t>
-            </a:r>
-            <a:r>
-              <a:rPr lang="en-US" b="1" dirty="0" err="1" smtClean="0"/>
-              <a:t>Bitbucket</a:t>
-            </a:r>
-            <a:r>
-              <a:rPr lang="en-US" dirty="0" smtClean="0"/>
-              <a:t> offers both commercial plans and free accounts.</a:t>
-            </a:r>
-          </a:p>
-          <a:p>
+              <a:t>        You already have a </a:t>
+            </a:r>
             <a:r>
               <a:rPr lang="en-US" dirty="0" err="1" smtClean="0"/>
               <a:t>GitHub</a:t>
             </a:r>
             <a:r>
               <a:rPr lang="en-US" dirty="0" smtClean="0"/>
-              <a:t> does not offer private repositories with their free plan.</a:t>
-            </a:r>
-          </a:p>
-          <a:p>
+              <a:t> account</a:t>
+            </a:r>
+          </a:p>
+          <a:p>
+            <a:pPr lvl="1">
+              <a:buFont typeface="Arial" pitchFamily="34" charset="0"/>
+              <a:buChar char="•"/>
+            </a:pPr>
             <a:r>
               <a:rPr lang="en-US" dirty="0" smtClean="0"/>
-              <a:t> This is where </a:t>
+              <a:t>        You already have a </a:t>
             </a:r>
             <a:r>
               <a:rPr lang="en-US" dirty="0" err="1" smtClean="0"/>
@@ -9870,7 +9878,102 @@
             </a:r>
             <a:r>
               <a:rPr lang="en-US" dirty="0" smtClean="0"/>
-              <a:t> comes in. With </a:t>
+              <a:t> account</a:t>
+            </a:r>
+          </a:p>
+          <a:p>
+            <a:pPr lvl="1">
+              <a:buNone/>
+            </a:pPr>
+            <a:endParaRPr lang="en-US" dirty="0" smtClean="0"/>
+          </a:p>
+          <a:p>
+            <a:r>
+              <a:rPr lang="en-US" b="1" dirty="0" smtClean="0"/>
+              <a:t>Step 1: Install </a:t>
+            </a:r>
+            <a:r>
+              <a:rPr lang="en-US" b="1" dirty="0" err="1" smtClean="0"/>
+              <a:t>GitHub</a:t>
+            </a:r>
+            <a:r>
+              <a:rPr lang="en-US" b="1" dirty="0" smtClean="0"/>
+              <a:t> for Windows</a:t>
+            </a:r>
+          </a:p>
+          <a:p>
+            <a:pPr lvl="1">
+              <a:buFont typeface="+mj-lt"/>
+              <a:buAutoNum type="arabicPeriod"/>
+            </a:pPr>
+            <a:r>
+              <a:rPr lang="en-US" dirty="0" smtClean="0"/>
+              <a:t>Download </a:t>
+            </a:r>
+            <a:r>
+              <a:rPr lang="en-US" dirty="0" err="1" smtClean="0">
+                <a:hlinkClick r:id="rId2"/>
+              </a:rPr>
+              <a:t>GitHub</a:t>
+            </a:r>
+            <a:r>
+              <a:rPr lang="en-US" dirty="0" smtClean="0">
+                <a:hlinkClick r:id="rId2"/>
+              </a:rPr>
+              <a:t> for Windows</a:t>
+            </a:r>
+            <a:endParaRPr lang="en-US" dirty="0" smtClean="0"/>
+          </a:p>
+          <a:p>
+            <a:pPr lvl="1">
+              <a:buFont typeface="+mj-lt"/>
+              <a:buAutoNum type="arabicPeriod"/>
+            </a:pPr>
+            <a:r>
+              <a:rPr lang="en-US" dirty="0" smtClean="0"/>
+              <a:t>Log into </a:t>
+            </a:r>
+            <a:r>
+              <a:rPr lang="en-US" dirty="0" err="1" smtClean="0"/>
+              <a:t>GitHub</a:t>
+            </a:r>
+            <a:r>
+              <a:rPr lang="en-US" dirty="0" smtClean="0"/>
+              <a:t> for Windows, using your </a:t>
+            </a:r>
+            <a:r>
+              <a:rPr lang="en-US" dirty="0" err="1" smtClean="0"/>
+              <a:t>GitHub</a:t>
+            </a:r>
+            <a:r>
+              <a:rPr lang="en-US" dirty="0" smtClean="0"/>
+              <a:t> account.</a:t>
+            </a:r>
+          </a:p>
+          <a:p>
+            <a:pPr lvl="1">
+              <a:buFont typeface="+mj-lt"/>
+              <a:buAutoNum type="arabicPeriod"/>
+            </a:pPr>
+            <a:r>
+              <a:rPr lang="en-US" dirty="0" smtClean="0"/>
+              <a:t>Configure </a:t>
+            </a:r>
+            <a:r>
+              <a:rPr lang="en-US" dirty="0" err="1" smtClean="0"/>
+              <a:t>Git</a:t>
+            </a:r>
+            <a:r>
+              <a:rPr lang="en-US" dirty="0" smtClean="0"/>
+              <a:t>. Note: </a:t>
+            </a:r>
+            <a:r>
+              <a:rPr lang="en-US" dirty="0" err="1" smtClean="0"/>
+              <a:t>Git</a:t>
+            </a:r>
+            <a:r>
+              <a:rPr lang="en-US" dirty="0" smtClean="0"/>
+              <a:t> will label your commits with this info (including your </a:t>
             </a:r>
             <a:r>
               <a:rPr lang="en-US" dirty="0" err="1" smtClean="0"/>
@@ -9878,82 +9981,56 @@
             </a:r>
             <a:r>
               <a:rPr lang="en-US" dirty="0" smtClean="0"/>
-              <a:t>, you get unlimited private repositories, and they are free for small teams of 5.</a:t>
-            </a:r>
-          </a:p>
-          <a:p>
+              <a:t> commits).</a:t>
+            </a:r>
+          </a:p>
+          <a:p>
+            <a:pPr lvl="1">
+              <a:buFont typeface="+mj-lt"/>
+              <a:buAutoNum type="arabicPeriod"/>
+            </a:pPr>
+            <a:r>
+              <a:rPr lang="en-US" dirty="0" smtClean="0"/>
+              <a:t>There is no step 4. </a:t>
+            </a:r>
             <a:r>
               <a:rPr lang="en-US" dirty="0" err="1" smtClean="0"/>
-              <a:t>Bitbucket</a:t>
+              <a:t>GitHub</a:t>
             </a:r>
             <a:r>
               <a:rPr lang="en-US" dirty="0" smtClean="0"/>
-              <a:t> is written in </a:t>
-            </a:r>
-            <a:r>
-              <a:rPr lang="en-US" u="sng" dirty="0" smtClean="0">
-                <a:hlinkClick r:id="rId2"/>
-              </a:rPr>
-              <a:t>Python</a:t>
-            </a:r>
-            <a:r>
-              <a:rPr lang="en-US" dirty="0" smtClean="0"/>
-              <a:t> using the </a:t>
-            </a:r>
-            <a:r>
-              <a:rPr lang="en-US" dirty="0" err="1" smtClean="0">
-                <a:hlinkClick r:id="rId3"/>
-              </a:rPr>
-              <a:t>Django</a:t>
-            </a:r>
-            <a:r>
-              <a:rPr lang="en-US" dirty="0" smtClean="0"/>
-              <a:t> </a:t>
-            </a:r>
-            <a:r>
-              <a:rPr lang="en-US" dirty="0" smtClean="0">
-                <a:hlinkClick r:id="rId4"/>
-              </a:rPr>
-              <a:t>web framework</a:t>
-            </a:r>
-            <a:r>
-              <a:rPr lang="en-US" dirty="0" smtClean="0"/>
-              <a:t>.</a:t>
-            </a:r>
+              <a:t> for Windows will automatically add a new public SSH key to your account. Honestly, they have the easiest setup.</a:t>
+            </a:r>
+          </a:p>
+          <a:p>
+            <a:pPr lvl="1">
+              <a:buNone/>
+            </a:pPr>
+            <a:endParaRPr lang="en-US" dirty="0" smtClean="0"/>
+          </a:p>
+          <a:p>
+            <a:pPr lvl="1">
+              <a:buNone/>
+            </a:pPr>
+            <a:endParaRPr lang="en-US" dirty="0" smtClean="0"/>
+          </a:p>
+          <a:p>
+            <a:pPr>
+              <a:buNone/>
+            </a:pPr>
+            <a:endParaRPr lang="en-US" dirty="0" smtClean="0"/>
+          </a:p>
+          <a:p>
             <a:endParaRPr lang="en-US" dirty="0"/>
           </a:p>
         </p:txBody>
       </p:sp>
       <p:pic>
         <p:nvPicPr>
-          <p:cNvPr id="4" name="Picture 3" descr="bitbucket.jpg"/>
-          <p:cNvPicPr>
-            <a:picLocks noChangeAspect="1"/>
-          </p:cNvPicPr>
-          <p:nvPr/>
-        </p:nvPicPr>
-        <p:blipFill>
-          <a:blip r:embed="rId5"/>
-          <a:stretch>
-            <a:fillRect/>
-          </a:stretch>
-        </p:blipFill>
-        <p:spPr>
-          <a:xfrm>
-            <a:off x="4572000" y="4647303"/>
-            <a:ext cx="3352800" cy="1067697"/>
-          </a:xfrm>
-          <a:prstGeom prst="rect">
-            <a:avLst/>
-          </a:prstGeom>
-        </p:spPr>
-      </p:pic>
-      <p:pic>
-        <p:nvPicPr>
-          <p:cNvPr id="5" name="Picture 4">
+          <p:cNvPr id="4" name="Picture 4">
             <a:extLst>
               <a:ext uri="{FF2B5EF4-FFF2-40B4-BE49-F238E27FC236}">
-                <a16:creationId xmlns="" xmlns:a16="http://schemas.microsoft.com/office/drawing/2014/main" id="{919EE81D-A196-3246-9A9B-D18318DF27F2}"/>
+                <a16:creationId xmlns:a16="http://schemas.microsoft.com/office/drawing/2014/main" xmlns="" id="{919EE81D-A196-3246-9A9B-D18318DF27F2}"/>
               </a:ext>
             </a:extLst>
           </p:cNvPr>
@@ -9963,7 +10040,7 @@
           <p:nvPr/>
         </p:nvPicPr>
         <p:blipFill>
-          <a:blip r:embed="rId6"/>
+          <a:blip r:embed="rId3"/>
           <a:stretch>
             <a:fillRect/>
           </a:stretch>
@@ -10026,18 +10103,18 @@
         <p:spPr>
           <a:xfrm>
             <a:off x="2592925" y="624110"/>
-            <a:ext cx="8911687" cy="823690"/>
+            <a:ext cx="8911687" cy="595090"/>
           </a:xfrm>
         </p:spPr>
         <p:txBody>
           <a:bodyPr>
-            <a:normAutofit/>
+            <a:noAutofit/>
           </a:bodyPr>
           <a:lstStyle/>
           <a:p>
             <a:r>
               <a:rPr lang="en-US" sz="4000" b="1" dirty="0" smtClean="0"/>
-              <a:t>Steps </a:t>
+              <a:t>Continue….</a:t>
             </a:r>
             <a:endParaRPr lang="en-US" sz="4000" b="1" dirty="0"/>
           </a:p>
@@ -10055,205 +10132,79 @@
         </p:nvSpPr>
         <p:spPr>
           <a:xfrm>
-            <a:off x="2589212" y="1556378"/>
-            <a:ext cx="8915400" cy="4996822"/>
+            <a:off x="2589212" y="1219200"/>
+            <a:ext cx="8915400" cy="4692022"/>
           </a:xfrm>
         </p:spPr>
         <p:txBody>
           <a:bodyPr/>
           <a:lstStyle/>
-          <a:p>
-            <a:r>
-              <a:rPr lang="en-US" b="1" dirty="0" smtClean="0"/>
-              <a:t>Prerequisites</a:t>
-            </a:r>
-          </a:p>
-          <a:p>
-            <a:pPr lvl="1">
-              <a:buFont typeface="Arial" pitchFamily="34" charset="0"/>
-              <a:buChar char="•"/>
-            </a:pPr>
-            <a:r>
-              <a:rPr lang="en-US" dirty="0" smtClean="0"/>
-              <a:t>        You already have a </a:t>
-            </a:r>
-            <a:r>
-              <a:rPr lang="en-US" dirty="0" err="1" smtClean="0"/>
-              <a:t>GitHub</a:t>
-            </a:r>
-            <a:r>
-              <a:rPr lang="en-US" dirty="0" smtClean="0"/>
-              <a:t> account</a:t>
-            </a:r>
-          </a:p>
-          <a:p>
-            <a:pPr lvl="1">
-              <a:buFont typeface="Arial" pitchFamily="34" charset="0"/>
-              <a:buChar char="•"/>
-            </a:pPr>
-            <a:r>
-              <a:rPr lang="en-US" dirty="0" smtClean="0"/>
-              <a:t>        You already have a </a:t>
-            </a:r>
-            <a:r>
-              <a:rPr lang="en-US" dirty="0" err="1" smtClean="0"/>
-              <a:t>Bitbucket</a:t>
-            </a:r>
-            <a:r>
-              <a:rPr lang="en-US" dirty="0" smtClean="0"/>
-              <a:t> account</a:t>
-            </a:r>
-          </a:p>
-          <a:p>
-            <a:pPr lvl="1">
-              <a:buNone/>
-            </a:pPr>
-            <a:endParaRPr lang="en-US" dirty="0" smtClean="0"/>
-          </a:p>
-          <a:p>
-            <a:r>
-              <a:rPr lang="en-US" b="1" dirty="0" smtClean="0"/>
-              <a:t>Step 1: Install </a:t>
-            </a:r>
-            <a:r>
-              <a:rPr lang="en-US" b="1" dirty="0" err="1" smtClean="0"/>
-              <a:t>GitHub</a:t>
-            </a:r>
-            <a:r>
-              <a:rPr lang="en-US" b="1" dirty="0" smtClean="0"/>
-              <a:t> for Windows</a:t>
-            </a:r>
-          </a:p>
-          <a:p>
-            <a:pPr lvl="1">
-              <a:buFont typeface="+mj-lt"/>
-              <a:buAutoNum type="arabicPeriod"/>
-            </a:pPr>
-            <a:r>
-              <a:rPr lang="en-US" dirty="0" smtClean="0"/>
-              <a:t>Download </a:t>
-            </a:r>
-            <a:r>
-              <a:rPr lang="en-US" dirty="0" err="1" smtClean="0">
-                <a:hlinkClick r:id="rId2"/>
-              </a:rPr>
-              <a:t>GitHub</a:t>
-            </a:r>
-            <a:r>
-              <a:rPr lang="en-US" dirty="0" smtClean="0">
-                <a:hlinkClick r:id="rId2"/>
-              </a:rPr>
-              <a:t> for Windows</a:t>
-            </a:r>
-            <a:endParaRPr lang="en-US" dirty="0" smtClean="0"/>
-          </a:p>
-          <a:p>
-            <a:pPr lvl="1">
-              <a:buFont typeface="+mj-lt"/>
-              <a:buAutoNum type="arabicPeriod"/>
-            </a:pPr>
-            <a:r>
-              <a:rPr lang="en-US" dirty="0" smtClean="0"/>
-              <a:t>Log into </a:t>
-            </a:r>
-            <a:r>
-              <a:rPr lang="en-US" dirty="0" err="1" smtClean="0"/>
-              <a:t>GitHub</a:t>
-            </a:r>
-            <a:r>
-              <a:rPr lang="en-US" dirty="0" smtClean="0"/>
-              <a:t> for Windows, using your </a:t>
-            </a:r>
-            <a:r>
-              <a:rPr lang="en-US" dirty="0" err="1" smtClean="0"/>
-              <a:t>GitHub</a:t>
-            </a:r>
-            <a:r>
-              <a:rPr lang="en-US" dirty="0" smtClean="0"/>
-              <a:t> account.</a:t>
-            </a:r>
-          </a:p>
-          <a:p>
-            <a:pPr lvl="1">
-              <a:buFont typeface="+mj-lt"/>
-              <a:buAutoNum type="arabicPeriod"/>
-            </a:pPr>
-            <a:r>
-              <a:rPr lang="en-US" dirty="0" smtClean="0"/>
-              <a:t>Configure </a:t>
-            </a:r>
-            <a:r>
-              <a:rPr lang="en-US" dirty="0" err="1" smtClean="0"/>
-              <a:t>Git</a:t>
-            </a:r>
-            <a:r>
-              <a:rPr lang="en-US" dirty="0" smtClean="0"/>
-              <a:t>. Note: </a:t>
-            </a:r>
-            <a:r>
-              <a:rPr lang="en-US" dirty="0" err="1" smtClean="0"/>
-              <a:t>Git</a:t>
-            </a:r>
-            <a:r>
-              <a:rPr lang="en-US" dirty="0" smtClean="0"/>
-              <a:t> will label your commits with this info (including your </a:t>
-            </a:r>
-            <a:r>
-              <a:rPr lang="en-US" dirty="0" err="1" smtClean="0"/>
-              <a:t>Bitbucket</a:t>
-            </a:r>
-            <a:r>
-              <a:rPr lang="en-US" dirty="0" smtClean="0"/>
-              <a:t> commits).</a:t>
-            </a:r>
-          </a:p>
-          <a:p>
-            <a:pPr lvl="1">
-              <a:buFont typeface="+mj-lt"/>
-              <a:buAutoNum type="arabicPeriod"/>
-            </a:pPr>
-            <a:r>
-              <a:rPr lang="en-US" dirty="0" smtClean="0"/>
-              <a:t>There is no step 4. </a:t>
-            </a:r>
-            <a:r>
-              <a:rPr lang="en-US" dirty="0" err="1" smtClean="0"/>
-              <a:t>GitHub</a:t>
-            </a:r>
-            <a:r>
-              <a:rPr lang="en-US" dirty="0" smtClean="0"/>
-              <a:t> for Windows will automatically add a new public SSH key to your account. Honestly, they have the easiest setup.</a:t>
-            </a:r>
-          </a:p>
-          <a:p>
-            <a:pPr lvl="1">
-              <a:buNone/>
-            </a:pPr>
-            <a:endParaRPr lang="en-US" dirty="0" smtClean="0"/>
-          </a:p>
-          <a:p>
-            <a:pPr lvl="1">
-              <a:buNone/>
-            </a:pPr>
-            <a:endParaRPr lang="en-US" dirty="0" smtClean="0"/>
-          </a:p>
           <a:p>
             <a:pPr>
               <a:buNone/>
             </a:pPr>
-            <a:endParaRPr lang="en-US" dirty="0" smtClean="0"/>
-          </a:p>
-          <a:p>
+            <a:r>
+              <a:rPr lang="en-US" dirty="0" smtClean="0"/>
+              <a:t>     </a:t>
+            </a:r>
             <a:endParaRPr lang="en-US" dirty="0"/>
           </a:p>
         </p:txBody>
       </p:sp>
       <p:pic>
         <p:nvPicPr>
-          <p:cNvPr id="4" name="Picture 4">
+          <p:cNvPr id="7" name="Picture 6" descr="github.jpg"/>
+          <p:cNvPicPr>
+            <a:picLocks noChangeAspect="1"/>
+          </p:cNvPicPr>
+          <p:nvPr/>
+        </p:nvPicPr>
+        <p:blipFill>
+          <a:blip r:embed="rId2"/>
+          <a:stretch>
+            <a:fillRect/>
+          </a:stretch>
+        </p:blipFill>
+        <p:spPr>
+          <a:xfrm>
+            <a:off x="2819400" y="1447800"/>
+            <a:ext cx="6553200" cy="2032401"/>
+          </a:xfrm>
+          <a:prstGeom prst="rect">
+            <a:avLst/>
+          </a:prstGeom>
+        </p:spPr>
+      </p:pic>
+      <p:pic>
+        <p:nvPicPr>
+          <p:cNvPr id="8" name="Picture 7" descr="github2.jpg"/>
+          <p:cNvPicPr>
+            <a:picLocks noChangeAspect="1"/>
+          </p:cNvPicPr>
+          <p:nvPr/>
+        </p:nvPicPr>
+        <p:blipFill>
+          <a:blip r:embed="rId3"/>
+          <a:stretch>
+            <a:fillRect/>
+          </a:stretch>
+        </p:blipFill>
+        <p:spPr>
+          <a:xfrm>
+            <a:off x="2819400" y="3581400"/>
+            <a:ext cx="6629400" cy="2812592"/>
+          </a:xfrm>
+          <a:prstGeom prst="rect">
+            <a:avLst/>
+          </a:prstGeom>
+        </p:spPr>
+      </p:pic>
+      <p:pic>
+        <p:nvPicPr>
+          <p:cNvPr id="6" name="Picture 4">
             <a:extLst>
               <a:ext uri="{FF2B5EF4-FFF2-40B4-BE49-F238E27FC236}">
-                <a16:creationId xmlns="" xmlns:a16="http://schemas.microsoft.com/office/drawing/2014/main" id="{919EE81D-A196-3246-9A9B-D18318DF27F2}"/>
+                <a16:creationId xmlns:a16="http://schemas.microsoft.com/office/drawing/2014/main" xmlns="" id="{919EE81D-A196-3246-9A9B-D18318DF27F2}"/>
               </a:ext>
             </a:extLst>
           </p:cNvPr>
@@ -10263,7 +10214,7 @@
           <p:nvPr/>
         </p:nvPicPr>
         <p:blipFill>
-          <a:blip r:embed="rId3"/>
+          <a:blip r:embed="rId4"/>
           <a:stretch>
             <a:fillRect/>
           </a:stretch>
@@ -10318,7 +10269,7 @@
           <p:cNvPr id="2" name="Title 1">
             <a:extLst>
               <a:ext uri="{FF2B5EF4-FFF2-40B4-BE49-F238E27FC236}">
-                <a16:creationId xmlns="" xmlns:a16="http://schemas.microsoft.com/office/drawing/2014/main" id="{81D8F0E0-01F9-A749-90E4-A0EB1944BB35}"/>
+                <a16:creationId xmlns:a16="http://schemas.microsoft.com/office/drawing/2014/main" xmlns="" id="{81D8F0E0-01F9-A749-90E4-A0EB1944BB35}"/>
               </a:ext>
             </a:extLst>
           </p:cNvPr>
@@ -10342,7 +10293,7 @@
           <a:lstStyle/>
           <a:p>
             <a:r>
-              <a:rPr lang="en-GB" sz="4000" b="1">
+              <a:rPr lang="en-GB" sz="4000" b="1" dirty="0">
                 <a:solidFill>
                   <a:schemeClr val="bg1">
                     <a:lumMod val="25000"/>
@@ -10351,7 +10302,7 @@
               </a:rPr>
               <a:t>Overview </a:t>
             </a:r>
-            <a:endParaRPr lang="en-US" sz="4000" b="1">
+            <a:endParaRPr lang="en-US" sz="4000" b="1" dirty="0">
               <a:solidFill>
                 <a:schemeClr val="bg1">
                   <a:lumMod val="25000"/>
@@ -10366,7 +10317,7 @@
           <p:cNvPr id="3" name="Content Placeholder 2">
             <a:extLst>
               <a:ext uri="{FF2B5EF4-FFF2-40B4-BE49-F238E27FC236}">
-                <a16:creationId xmlns="" xmlns:a16="http://schemas.microsoft.com/office/drawing/2014/main" id="{A95A41BB-2542-E547-B673-7248DCDE1D23}"/>
+                <a16:creationId xmlns:a16="http://schemas.microsoft.com/office/drawing/2014/main" xmlns="" id="{A95A41BB-2542-E547-B673-7248DCDE1D23}"/>
               </a:ext>
             </a:extLst>
           </p:cNvPr>
@@ -10379,13 +10330,13 @@
         </p:nvSpPr>
         <p:spPr>
           <a:xfrm>
-            <a:off x="2592925" y="1625203"/>
-            <a:ext cx="8915400" cy="3556398"/>
+            <a:off x="2592925" y="1625202"/>
+            <a:ext cx="8915400" cy="3632597"/>
           </a:xfrm>
         </p:spPr>
         <p:txBody>
           <a:bodyPr>
-            <a:normAutofit lnSpcReduction="10000"/>
+            <a:normAutofit fontScale="92500" lnSpcReduction="20000"/>
           </a:bodyPr>
           <a:lstStyle/>
           <a:p>
@@ -10461,6 +10412,17 @@
             <a:r>
               <a:rPr lang="en-GB" sz="2200" dirty="0" err="1" smtClean="0"/>
               <a:t>GitHub</a:t>
+            </a:r>
+            <a:endParaRPr lang="en-GB" sz="2200" dirty="0" smtClean="0"/>
+          </a:p>
+          <a:p>
+            <a:pPr lvl="1">
+              <a:buFont typeface="Wingdings" pitchFamily="2" charset="2"/>
+              <a:buChar char="q"/>
+            </a:pPr>
+            <a:r>
+              <a:rPr lang="en-GB" sz="2200" dirty="0" smtClean="0"/>
+              <a:t>Implementation</a:t>
             </a:r>
             <a:endParaRPr lang="en-GB" sz="2200" dirty="0"/>
           </a:p>
@@ -10480,7 +10442,7 @@
           <p:cNvPr id="4" name="Picture 4">
             <a:extLst>
               <a:ext uri="{FF2B5EF4-FFF2-40B4-BE49-F238E27FC236}">
-                <a16:creationId xmlns="" xmlns:a16="http://schemas.microsoft.com/office/drawing/2014/main" id="{919EE81D-A196-3246-9A9B-D18318DF27F2}"/>
+                <a16:creationId xmlns:a16="http://schemas.microsoft.com/office/drawing/2014/main" xmlns="" id="{919EE81D-A196-3246-9A9B-D18318DF27F2}"/>
               </a:ext>
             </a:extLst>
           </p:cNvPr>
@@ -10508,7 +10470,7 @@
     </p:spTree>
     <p:extLst>
       <p:ext uri="{BB962C8B-B14F-4D97-AF65-F5344CB8AC3E}">
-        <p14:creationId xmlns="" xmlns:p14="http://schemas.microsoft.com/office/powerpoint/2010/main" val="227873599"/>
+        <p14:creationId xmlns:p14="http://schemas.microsoft.com/office/powerpoint/2010/main" xmlns="" val="227873599"/>
       </p:ext>
     </p:extLst>
   </p:cSld>
@@ -10558,20 +10520,18 @@
         <p:spPr>
           <a:xfrm>
             <a:off x="2592925" y="624110"/>
-            <a:ext cx="8911687" cy="595090"/>
-          </a:xfrm>
-        </p:spPr>
-        <p:txBody>
-          <a:bodyPr>
-            <a:noAutofit/>
-          </a:bodyPr>
+            <a:ext cx="8911687" cy="747490"/>
+          </a:xfrm>
+        </p:spPr>
+        <p:txBody>
+          <a:bodyPr/>
           <a:lstStyle/>
           <a:p>
             <a:r>
-              <a:rPr lang="en-US" sz="4000" b="1" dirty="0" smtClean="0"/>
+              <a:rPr lang="en-US" b="1" dirty="0" smtClean="0"/>
               <a:t>Continue….</a:t>
             </a:r>
-            <a:endParaRPr lang="en-US" sz="4000" b="1" dirty="0"/>
+            <a:endParaRPr lang="en-US" dirty="0"/>
           </a:p>
         </p:txBody>
       </p:sp>
@@ -10587,28 +10547,122 @@
         </p:nvSpPr>
         <p:spPr>
           <a:xfrm>
-            <a:off x="2589212" y="1219200"/>
-            <a:ext cx="8915400" cy="4692022"/>
+            <a:off x="2589212" y="1371600"/>
+            <a:ext cx="8915400" cy="4539622"/>
           </a:xfrm>
         </p:spPr>
         <p:txBody>
           <a:bodyPr/>
           <a:lstStyle/>
+          <a:p>
+            <a:r>
+              <a:rPr lang="en-US" b="1" dirty="0" smtClean="0"/>
+              <a:t>Step 2: Create SSH identity for </a:t>
+            </a:r>
+            <a:r>
+              <a:rPr lang="en-US" b="1" dirty="0" err="1" smtClean="0"/>
+              <a:t>Bitbucket</a:t>
+            </a:r>
+            <a:endParaRPr lang="en-US" b="1" dirty="0" smtClean="0"/>
+          </a:p>
           <a:p>
             <a:pPr>
               <a:buNone/>
             </a:pPr>
             <a:r>
               <a:rPr lang="en-US" dirty="0" smtClean="0"/>
-              <a:t>     </a:t>
-            </a:r>
+              <a:t>      To make sure we don’t have to enter our username and password every time we push to or pull from the </a:t>
+            </a:r>
+            <a:r>
+              <a:rPr lang="en-US" dirty="0" err="1" smtClean="0"/>
+              <a:t>Bitbucket</a:t>
+            </a:r>
+            <a:r>
+              <a:rPr lang="en-US" dirty="0" smtClean="0"/>
+              <a:t> repository, we should use SSH (secure shell) to communicate with </a:t>
+            </a:r>
+            <a:r>
+              <a:rPr lang="en-US" dirty="0" err="1" smtClean="0"/>
+              <a:t>Bitbucket</a:t>
+            </a:r>
+            <a:r>
+              <a:rPr lang="en-US" dirty="0" smtClean="0"/>
+              <a:t>. Lets go ahead and create our SSH identity to communicate with </a:t>
+            </a:r>
+            <a:r>
+              <a:rPr lang="en-US" dirty="0" err="1" smtClean="0"/>
+              <a:t>Bitbucket</a:t>
+            </a:r>
+            <a:r>
+              <a:rPr lang="en-US" dirty="0" smtClean="0"/>
+              <a:t>.</a:t>
+            </a:r>
+          </a:p>
+          <a:p>
+            <a:pPr>
+              <a:buFont typeface="+mj-lt"/>
+              <a:buAutoNum type="arabicPeriod"/>
+            </a:pPr>
+            <a:r>
+              <a:rPr lang="en-US" dirty="0" smtClean="0"/>
+              <a:t>      Launch </a:t>
+            </a:r>
+            <a:r>
+              <a:rPr lang="en-US" dirty="0" err="1" smtClean="0"/>
+              <a:t>GitHub</a:t>
+            </a:r>
+            <a:r>
+              <a:rPr lang="en-US" dirty="0" smtClean="0"/>
+              <a:t> for Windows. Click on the gear icon (in the upper-right corner), then click on </a:t>
+            </a:r>
+            <a:r>
+              <a:rPr lang="en-US" i="1" dirty="0" smtClean="0"/>
+              <a:t>Options</a:t>
+            </a:r>
+            <a:r>
+              <a:rPr lang="en-US" dirty="0" smtClean="0"/>
+              <a:t>. Under </a:t>
+            </a:r>
+            <a:r>
+              <a:rPr lang="en-US" b="1" dirty="0" smtClean="0"/>
+              <a:t>Default shell</a:t>
+            </a:r>
+            <a:r>
+              <a:rPr lang="en-US" dirty="0" smtClean="0"/>
+              <a:t>, change that from </a:t>
+            </a:r>
+            <a:r>
+              <a:rPr lang="en-US" i="1" dirty="0" err="1" smtClean="0"/>
+              <a:t>PowerShell</a:t>
+            </a:r>
+            <a:r>
+              <a:rPr lang="en-US" dirty="0" smtClean="0"/>
+              <a:t> to </a:t>
+            </a:r>
+            <a:r>
+              <a:rPr lang="en-US" i="1" dirty="0" err="1" smtClean="0"/>
+              <a:t>Git</a:t>
+            </a:r>
+            <a:r>
+              <a:rPr lang="en-US" i="1" dirty="0" smtClean="0"/>
+              <a:t> Bash</a:t>
+            </a:r>
+            <a:r>
+              <a:rPr lang="en-US" dirty="0" smtClean="0"/>
+              <a:t>.</a:t>
+            </a:r>
+          </a:p>
+          <a:p>
+            <a:pPr>
+              <a:buNone/>
+            </a:pPr>
             <a:endParaRPr lang="en-US" dirty="0"/>
           </a:p>
         </p:txBody>
       </p:sp>
       <p:pic>
         <p:nvPicPr>
-          <p:cNvPr id="7" name="Picture 6" descr="github.jpg"/>
+          <p:cNvPr id="5" name="Picture 4" descr="githubshell.jpg"/>
           <p:cNvPicPr>
             <a:picLocks noChangeAspect="1"/>
           </p:cNvPicPr>
@@ -10622,32 +10676,8 @@
         </p:blipFill>
         <p:spPr>
           <a:xfrm>
-            <a:off x="2819400" y="1447800"/>
-            <a:ext cx="6553200" cy="2032401"/>
-          </a:xfrm>
-          <a:prstGeom prst="rect">
-            <a:avLst/>
-          </a:prstGeom>
-        </p:spPr>
-      </p:pic>
-      <p:pic>
-        <p:nvPicPr>
-          <p:cNvPr id="8" name="Picture 7" descr="github2.jpg"/>
-          <p:cNvPicPr>
-            <a:picLocks noChangeAspect="1"/>
-          </p:cNvPicPr>
-          <p:nvPr/>
-        </p:nvPicPr>
-        <p:blipFill>
-          <a:blip r:embed="rId3"/>
-          <a:stretch>
-            <a:fillRect/>
-          </a:stretch>
-        </p:blipFill>
-        <p:spPr>
-          <a:xfrm>
-            <a:off x="2819400" y="3581400"/>
-            <a:ext cx="6629400" cy="2812592"/>
+            <a:off x="4114800" y="4229100"/>
+            <a:ext cx="4029075" cy="1638300"/>
           </a:xfrm>
           <a:prstGeom prst="rect">
             <a:avLst/>
@@ -10659,7 +10689,7 @@
           <p:cNvPr id="6" name="Picture 4">
             <a:extLst>
               <a:ext uri="{FF2B5EF4-FFF2-40B4-BE49-F238E27FC236}">
-                <a16:creationId xmlns="" xmlns:a16="http://schemas.microsoft.com/office/drawing/2014/main" id="{919EE81D-A196-3246-9A9B-D18318DF27F2}"/>
+                <a16:creationId xmlns:a16="http://schemas.microsoft.com/office/drawing/2014/main" xmlns="" id="{919EE81D-A196-3246-9A9B-D18318DF27F2}"/>
               </a:ext>
             </a:extLst>
           </p:cNvPr>
@@ -10669,7 +10699,7 @@
           <p:nvPr/>
         </p:nvPicPr>
         <p:blipFill>
-          <a:blip r:embed="rId4"/>
+          <a:blip r:embed="rId3"/>
           <a:stretch>
             <a:fillRect/>
           </a:stretch>
@@ -10732,7 +10762,7 @@
         <p:spPr>
           <a:xfrm>
             <a:off x="2592925" y="624110"/>
-            <a:ext cx="8911687" cy="747490"/>
+            <a:ext cx="8911687" cy="671290"/>
           </a:xfrm>
         </p:spPr>
         <p:txBody>
@@ -10759,97 +10789,30 @@
         </p:nvSpPr>
         <p:spPr>
           <a:xfrm>
-            <a:off x="2589212" y="1371600"/>
-            <a:ext cx="8915400" cy="4539622"/>
-          </a:xfrm>
-        </p:spPr>
-        <p:txBody>
-          <a:bodyPr/>
+            <a:off x="2589212" y="1295400"/>
+            <a:ext cx="8915400" cy="4615822"/>
+          </a:xfrm>
+        </p:spPr>
+        <p:txBody>
+          <a:bodyPr>
+            <a:normAutofit/>
+          </a:bodyPr>
           <a:lstStyle/>
-          <a:p>
-            <a:r>
-              <a:rPr lang="en-US" b="1" dirty="0" smtClean="0"/>
-              <a:t>Step 2: Create SSH identity for </a:t>
-            </a:r>
-            <a:r>
-              <a:rPr lang="en-US" b="1" dirty="0" err="1" smtClean="0"/>
-              <a:t>Bitbucket</a:t>
-            </a:r>
-            <a:endParaRPr lang="en-US" b="1" dirty="0" smtClean="0"/>
-          </a:p>
-          <a:p>
-            <a:pPr>
-              <a:buNone/>
-            </a:pPr>
-            <a:r>
-              <a:rPr lang="en-US" dirty="0" smtClean="0"/>
-              <a:t>      To make sure we don’t have to enter our username and password every time we push to or pull from the </a:t>
-            </a:r>
-            <a:r>
-              <a:rPr lang="en-US" dirty="0" err="1" smtClean="0"/>
-              <a:t>Bitbucket</a:t>
-            </a:r>
-            <a:r>
-              <a:rPr lang="en-US" dirty="0" smtClean="0"/>
-              <a:t> repository, we should use SSH (secure shell) to communicate with </a:t>
-            </a:r>
-            <a:r>
-              <a:rPr lang="en-US" dirty="0" err="1" smtClean="0"/>
-              <a:t>Bitbucket</a:t>
-            </a:r>
-            <a:r>
-              <a:rPr lang="en-US" dirty="0" smtClean="0"/>
-              <a:t>. Lets go ahead and create our SSH identity to communicate with </a:t>
-            </a:r>
-            <a:r>
-              <a:rPr lang="en-US" dirty="0" err="1" smtClean="0"/>
-              <a:t>Bitbucket</a:t>
-            </a:r>
-            <a:r>
-              <a:rPr lang="en-US" dirty="0" smtClean="0"/>
-              <a:t>.</a:t>
-            </a:r>
-          </a:p>
           <a:p>
             <a:pPr>
               <a:buFont typeface="+mj-lt"/>
               <a:buAutoNum type="arabicPeriod"/>
             </a:pPr>
+            <a:endParaRPr lang="en-US" dirty="0" smtClean="0"/>
+          </a:p>
+          <a:p>
+            <a:pPr>
+              <a:buFont typeface="+mj-lt"/>
+              <a:buAutoNum type="arabicPeriod" startAt="2"/>
+            </a:pPr>
             <a:r>
               <a:rPr lang="en-US" dirty="0" smtClean="0"/>
-              <a:t>      Launch </a:t>
-            </a:r>
-            <a:r>
-              <a:rPr lang="en-US" dirty="0" err="1" smtClean="0"/>
-              <a:t>GitHub</a:t>
-            </a:r>
-            <a:r>
-              <a:rPr lang="en-US" dirty="0" smtClean="0"/>
-              <a:t> for Windows. Click on the gear icon (in the upper-right corner), then click on </a:t>
-            </a:r>
-            <a:r>
-              <a:rPr lang="en-US" i="1" dirty="0" smtClean="0"/>
-              <a:t>Options</a:t>
-            </a:r>
-            <a:r>
-              <a:rPr lang="en-US" dirty="0" smtClean="0"/>
-              <a:t>. Under </a:t>
-            </a:r>
-            <a:r>
-              <a:rPr lang="en-US" b="1" dirty="0" smtClean="0"/>
-              <a:t>Default shell</a:t>
-            </a:r>
-            <a:r>
-              <a:rPr lang="en-US" dirty="0" smtClean="0"/>
-              <a:t>, change that from </a:t>
-            </a:r>
-            <a:r>
-              <a:rPr lang="en-US" i="1" dirty="0" err="1" smtClean="0"/>
-              <a:t>PowerShell</a:t>
-            </a:r>
-            <a:r>
-              <a:rPr lang="en-US" dirty="0" smtClean="0"/>
-              <a:t> to </a:t>
+              <a:t>Double-click on the shortcut named </a:t>
             </a:r>
             <a:r>
               <a:rPr lang="en-US" i="1" dirty="0" err="1" smtClean="0"/>
@@ -10857,16 +10820,136 @@
             </a:r>
             <a:r>
               <a:rPr lang="en-US" i="1" dirty="0" smtClean="0"/>
-              <a:t> Bash</a:t>
+              <a:t> Shell</a:t>
             </a:r>
             <a:r>
               <a:rPr lang="en-US" dirty="0" smtClean="0"/>
-              <a:t>.</a:t>
+              <a:t> that you see on your Windows desktop.</a:t>
             </a:r>
           </a:p>
           <a:p>
             <a:pPr>
-              <a:buNone/>
+              <a:buFont typeface="+mj-lt"/>
+              <a:buAutoNum type="arabicPeriod" startAt="2"/>
+            </a:pPr>
+            <a:r>
+              <a:rPr lang="en-US" dirty="0" smtClean="0"/>
+              <a:t>Type the following command and press Enter →</a:t>
+            </a:r>
+            <a:br>
+              <a:rPr lang="en-US" dirty="0" smtClean="0"/>
+            </a:br>
+            <a:r>
+              <a:rPr lang="en-US" dirty="0" err="1" smtClean="0"/>
+              <a:t>ssh-keygen</a:t>
+            </a:r>
+            <a:r>
+              <a:rPr lang="en-US" dirty="0" smtClean="0"/>
+              <a:t> -t </a:t>
+            </a:r>
+            <a:r>
+              <a:rPr lang="en-US" dirty="0" err="1" smtClean="0"/>
+              <a:t>rsa</a:t>
+            </a:r>
+            <a:r>
+              <a:rPr lang="en-US" dirty="0" smtClean="0"/>
+              <a:t> -C "johndoe@doebrothers.com"</a:t>
+            </a:r>
+            <a:br>
+              <a:rPr lang="en-US" dirty="0" smtClean="0"/>
+            </a:br>
+            <a:r>
+              <a:rPr lang="en-US" dirty="0" smtClean="0"/>
+              <a:t>(use your email address registered with </a:t>
+            </a:r>
+            <a:r>
+              <a:rPr lang="en-US" dirty="0" err="1" smtClean="0"/>
+              <a:t>Bitbucket</a:t>
+            </a:r>
+            <a:r>
+              <a:rPr lang="en-US" dirty="0" smtClean="0"/>
+              <a:t>)</a:t>
+            </a:r>
+          </a:p>
+          <a:p>
+            <a:pPr>
+              <a:buFont typeface="+mj-lt"/>
+              <a:buAutoNum type="arabicPeriod" startAt="2"/>
+            </a:pPr>
+            <a:r>
+              <a:rPr lang="en-US" dirty="0" smtClean="0"/>
+              <a:t>You will be prompted to provide a file name. Type the following and press Enter →</a:t>
+            </a:r>
+            <a:br>
+              <a:rPr lang="en-US" dirty="0" smtClean="0"/>
+            </a:br>
+            <a:r>
+              <a:rPr lang="en-US" dirty="0" smtClean="0"/>
+              <a:t>/c/Users/&lt;your user name&gt;/.</a:t>
+            </a:r>
+            <a:r>
+              <a:rPr lang="en-US" dirty="0" err="1" smtClean="0"/>
+              <a:t>ssh</a:t>
+            </a:r>
+            <a:r>
+              <a:rPr lang="en-US" dirty="0" smtClean="0"/>
+              <a:t>/</a:t>
+            </a:r>
+            <a:r>
+              <a:rPr lang="en-US" dirty="0" err="1" smtClean="0"/>
+              <a:t>bitbucket_rsa</a:t>
+            </a:r>
+            <a:r>
+              <a:rPr lang="en-US" dirty="0" smtClean="0"/>
+              <a:t/>
+            </a:r>
+            <a:br>
+              <a:rPr lang="en-US" dirty="0" smtClean="0"/>
+            </a:br>
+            <a:r>
+              <a:rPr lang="en-US" dirty="0" smtClean="0"/>
+              <a:t>(use your Windows user name)</a:t>
+            </a:r>
+          </a:p>
+          <a:p>
+            <a:pPr>
+              <a:buFont typeface="+mj-lt"/>
+              <a:buAutoNum type="arabicPeriod" startAt="2"/>
+            </a:pPr>
+            <a:r>
+              <a:rPr lang="en-US" dirty="0" smtClean="0"/>
+              <a:t>You will be prompted to provide a passphrase. Press Enter →</a:t>
+            </a:r>
+          </a:p>
+          <a:p>
+            <a:pPr>
+              <a:buFont typeface="+mj-lt"/>
+              <a:buAutoNum type="arabicPeriod" startAt="2"/>
+            </a:pPr>
+            <a:r>
+              <a:rPr lang="en-US" dirty="0" smtClean="0"/>
+              <a:t>Copy the contents of your newly created public key to the clipboard:</a:t>
+            </a:r>
+            <a:br>
+              <a:rPr lang="en-US" dirty="0" smtClean="0"/>
+            </a:br>
+            <a:r>
+              <a:rPr lang="en-US" dirty="0" smtClean="0"/>
+              <a:t>clip &lt; ~/.</a:t>
+            </a:r>
+            <a:r>
+              <a:rPr lang="en-US" dirty="0" err="1" smtClean="0"/>
+              <a:t>ssh</a:t>
+            </a:r>
+            <a:r>
+              <a:rPr lang="en-US" dirty="0" smtClean="0"/>
+              <a:t>/bitbucket_rsa.pub</a:t>
+            </a:r>
+          </a:p>
+          <a:p>
+            <a:pPr>
+              <a:buFont typeface="+mj-lt"/>
+              <a:buAutoNum type="arabicPeriod" startAt="2"/>
             </a:pPr>
             <a:endParaRPr lang="en-US" dirty="0"/>
           </a:p>
@@ -10874,34 +10957,10 @@
       </p:sp>
       <p:pic>
         <p:nvPicPr>
-          <p:cNvPr id="5" name="Picture 4" descr="githubshell.jpg"/>
-          <p:cNvPicPr>
-            <a:picLocks noChangeAspect="1"/>
-          </p:cNvPicPr>
-          <p:nvPr/>
-        </p:nvPicPr>
-        <p:blipFill>
-          <a:blip r:embed="rId2"/>
-          <a:stretch>
-            <a:fillRect/>
-          </a:stretch>
-        </p:blipFill>
-        <p:spPr>
-          <a:xfrm>
-            <a:off x="4114800" y="4229100"/>
-            <a:ext cx="4029075" cy="1638300"/>
-          </a:xfrm>
-          <a:prstGeom prst="rect">
-            <a:avLst/>
-          </a:prstGeom>
-        </p:spPr>
-      </p:pic>
-      <p:pic>
-        <p:nvPicPr>
-          <p:cNvPr id="6" name="Picture 4">
+          <p:cNvPr id="4" name="Picture 4">
             <a:extLst>
               <a:ext uri="{FF2B5EF4-FFF2-40B4-BE49-F238E27FC236}">
-                <a16:creationId xmlns="" xmlns:a16="http://schemas.microsoft.com/office/drawing/2014/main" id="{919EE81D-A196-3246-9A9B-D18318DF27F2}"/>
+                <a16:creationId xmlns:a16="http://schemas.microsoft.com/office/drawing/2014/main" xmlns="" id="{919EE81D-A196-3246-9A9B-D18318DF27F2}"/>
               </a:ext>
             </a:extLst>
           </p:cNvPr>
@@ -10911,7 +10970,7 @@
           <p:nvPr/>
         </p:nvPicPr>
         <p:blipFill>
-          <a:blip r:embed="rId3"/>
+          <a:blip r:embed="rId2"/>
           <a:stretch>
             <a:fillRect/>
           </a:stretch>
@@ -11001,167 +11060,135 @@
         </p:nvSpPr>
         <p:spPr>
           <a:xfrm>
-            <a:off x="2589212" y="1295400"/>
-            <a:ext cx="8915400" cy="4615822"/>
-          </a:xfrm>
-        </p:spPr>
-        <p:txBody>
-          <a:bodyPr>
-            <a:normAutofit/>
-          </a:bodyPr>
+            <a:off x="2589212" y="1524000"/>
+            <a:ext cx="8915400" cy="3048000"/>
+          </a:xfrm>
+        </p:spPr>
+        <p:txBody>
+          <a:bodyPr/>
           <a:lstStyle/>
+          <a:p>
+            <a:r>
+              <a:rPr lang="en-US" b="1" dirty="0" smtClean="0"/>
+              <a:t>Step 3: Add your public key to </a:t>
+            </a:r>
+            <a:r>
+              <a:rPr lang="en-US" b="1" dirty="0" err="1" smtClean="0"/>
+              <a:t>Bitbucket</a:t>
+            </a:r>
+            <a:endParaRPr lang="en-US" b="1" dirty="0" smtClean="0"/>
+          </a:p>
           <a:p>
             <a:pPr>
               <a:buFont typeface="+mj-lt"/>
               <a:buAutoNum type="arabicPeriod"/>
             </a:pPr>
-            <a:endParaRPr lang="en-US" dirty="0" smtClean="0"/>
+            <a:r>
+              <a:rPr lang="en-US" dirty="0" smtClean="0"/>
+              <a:t>Log into </a:t>
+            </a:r>
+            <a:r>
+              <a:rPr lang="en-US" dirty="0" err="1" smtClean="0"/>
+              <a:t>Bitbucket</a:t>
+            </a:r>
+            <a:r>
+              <a:rPr lang="en-US" dirty="0" smtClean="0"/>
+              <a:t> and click on your avatar (in the upper-right corner), then click on </a:t>
+            </a:r>
+            <a:r>
+              <a:rPr lang="en-US" i="1" dirty="0" err="1" smtClean="0"/>
+              <a:t>Bitbucket</a:t>
+            </a:r>
+            <a:r>
+              <a:rPr lang="en-US" i="1" dirty="0" smtClean="0"/>
+              <a:t> settings</a:t>
+            </a:r>
+            <a:r>
+              <a:rPr lang="en-US" dirty="0" smtClean="0"/>
+              <a:t>.</a:t>
+            </a:r>
           </a:p>
           <a:p>
             <a:pPr>
               <a:buFont typeface="+mj-lt"/>
-              <a:buAutoNum type="arabicPeriod" startAt="2"/>
+              <a:buAutoNum type="arabicPeriod"/>
             </a:pPr>
             <a:r>
               <a:rPr lang="en-US" dirty="0" smtClean="0"/>
-              <a:t>Double-click on the shortcut named </a:t>
-            </a:r>
-            <a:r>
-              <a:rPr lang="en-US" i="1" dirty="0" err="1" smtClean="0"/>
-              <a:t>Git</a:t>
-            </a:r>
-            <a:r>
-              <a:rPr lang="en-US" i="1" dirty="0" smtClean="0"/>
-              <a:t> Shell</a:t>
+              <a:t>Click on </a:t>
+            </a:r>
+            <a:r>
+              <a:rPr lang="en-US" b="1" dirty="0" smtClean="0"/>
+              <a:t>SSH keys</a:t>
             </a:r>
             <a:r>
               <a:rPr lang="en-US" dirty="0" smtClean="0"/>
-              <a:t> that you see on your Windows desktop.</a:t>
+              <a:t> in  the side bar, then click the button </a:t>
+            </a:r>
+            <a:r>
+              <a:rPr lang="en-US" dirty="0" err="1" smtClean="0"/>
+              <a:t>labelled</a:t>
+            </a:r>
+            <a:r>
+              <a:rPr lang="en-US" dirty="0" smtClean="0"/>
+              <a:t> </a:t>
+            </a:r>
+            <a:r>
+              <a:rPr lang="en-US" b="1" dirty="0" smtClean="0"/>
+              <a:t>Add key</a:t>
+            </a:r>
+            <a:r>
+              <a:rPr lang="en-US" dirty="0" smtClean="0"/>
+              <a:t>.</a:t>
             </a:r>
           </a:p>
           <a:p>
             <a:pPr>
               <a:buFont typeface="+mj-lt"/>
-              <a:buAutoNum type="arabicPeriod" startAt="2"/>
+              <a:buAutoNum type="arabicPeriod"/>
             </a:pPr>
             <a:r>
               <a:rPr lang="en-US" dirty="0" smtClean="0"/>
-              <a:t>Type the following command and press Enter →</a:t>
-            </a:r>
-            <a:br>
+              <a:t>In the </a:t>
+            </a:r>
+            <a:r>
+              <a:rPr lang="en-US" b="1" dirty="0" smtClean="0"/>
+              <a:t>Add SSH key</a:t>
+            </a:r>
+            <a:r>
               <a:rPr lang="en-US" dirty="0" smtClean="0"/>
-            </a:br>
-            <a:r>
-              <a:rPr lang="en-US" dirty="0" err="1" smtClean="0"/>
-              <a:t>ssh-keygen</a:t>
+              <a:t> popup that comes up, paste your public key in the text box  labeled </a:t>
+            </a:r>
+            <a:r>
+              <a:rPr lang="en-US" b="1" dirty="0" smtClean="0"/>
+              <a:t>Key</a:t>
             </a:r>
             <a:r>
               <a:rPr lang="en-US" dirty="0" smtClean="0"/>
-              <a:t> -t </a:t>
-            </a:r>
-            <a:r>
-              <a:rPr lang="en-US" dirty="0" err="1" smtClean="0"/>
-              <a:t>rsa</a:t>
-            </a:r>
-            <a:r>
-              <a:rPr lang="en-US" dirty="0" smtClean="0"/>
-              <a:t> -C "johndoe@doebrothers.com"</a:t>
-            </a:r>
-            <a:br>
-              <a:rPr lang="en-US" dirty="0" smtClean="0"/>
-            </a:br>
-            <a:r>
-              <a:rPr lang="en-US" dirty="0" smtClean="0"/>
-              <a:t>(use your email address registered with </a:t>
-            </a:r>
-            <a:r>
-              <a:rPr lang="en-US" dirty="0" err="1" smtClean="0"/>
-              <a:t>Bitbucket</a:t>
-            </a:r>
-            <a:r>
-              <a:rPr lang="en-US" dirty="0" smtClean="0"/>
-              <a:t>)</a:t>
+              <a:t>.</a:t>
             </a:r>
           </a:p>
           <a:p>
             <a:pPr>
               <a:buFont typeface="+mj-lt"/>
-              <a:buAutoNum type="arabicPeriod" startAt="2"/>
+              <a:buAutoNum type="arabicPeriod"/>
             </a:pPr>
             <a:r>
               <a:rPr lang="en-US" dirty="0" smtClean="0"/>
-              <a:t>You will be prompted to provide a file name. Type the following and press Enter →</a:t>
-            </a:r>
-            <a:br>
+              <a:t>Click on the button  labeled </a:t>
+            </a:r>
+            <a:r>
+              <a:rPr lang="en-US" b="1" dirty="0" smtClean="0"/>
+              <a:t>Add key</a:t>
+            </a:r>
+            <a:r>
               <a:rPr lang="en-US" dirty="0" smtClean="0"/>
-            </a:br>
-            <a:r>
-              <a:rPr lang="en-US" dirty="0" smtClean="0"/>
-              <a:t>/c/Users/&lt;your user name&gt;/.</a:t>
-            </a:r>
-            <a:r>
-              <a:rPr lang="en-US" dirty="0" err="1" smtClean="0"/>
-              <a:t>ssh</a:t>
-            </a:r>
-            <a:r>
-              <a:rPr lang="en-US" dirty="0" smtClean="0"/>
-              <a:t>/</a:t>
-            </a:r>
-            <a:r>
-              <a:rPr lang="en-US" dirty="0" err="1" smtClean="0"/>
-              <a:t>bitbucket_rsa</a:t>
-            </a:r>
-            <a:r>
-              <a:rPr lang="en-US" dirty="0" smtClean="0"/>
-              <a:t/>
-            </a:r>
-            <a:br>
-              <a:rPr lang="en-US" dirty="0" smtClean="0"/>
-            </a:br>
-            <a:r>
-              <a:rPr lang="en-US" dirty="0" smtClean="0"/>
-              <a:t>(use your Windows user name)</a:t>
+              <a:t> to save and close the popup.</a:t>
             </a:r>
           </a:p>
           <a:p>
             <a:pPr>
-              <a:buFont typeface="+mj-lt"/>
-              <a:buAutoNum type="arabicPeriod" startAt="2"/>
-            </a:pPr>
-            <a:r>
-              <a:rPr lang="en-US" dirty="0" smtClean="0"/>
-              <a:t>You will be prompted to provide a passphrase. Press Enter →</a:t>
-            </a:r>
-          </a:p>
-          <a:p>
-            <a:pPr>
-              <a:buFont typeface="+mj-lt"/>
-              <a:buAutoNum type="arabicPeriod" startAt="2"/>
-            </a:pPr>
-            <a:r>
-              <a:rPr lang="en-US" dirty="0" smtClean="0"/>
-              <a:t>Copy the contents of your newly created public key to the clipboard:</a:t>
-            </a:r>
-            <a:br>
-              <a:rPr lang="en-US" dirty="0" smtClean="0"/>
-            </a:br>
-            <a:r>
-              <a:rPr lang="en-US" dirty="0" smtClean="0"/>
-              <a:t>clip &lt; ~/.</a:t>
-            </a:r>
-            <a:r>
-              <a:rPr lang="en-US" dirty="0" err="1" smtClean="0"/>
-              <a:t>ssh</a:t>
-            </a:r>
-            <a:r>
-              <a:rPr lang="en-US" dirty="0" smtClean="0"/>
-              <a:t>/bitbucket_rsa.pub</a:t>
-            </a:r>
-          </a:p>
-          <a:p>
-            <a:pPr>
-              <a:buFont typeface="+mj-lt"/>
-              <a:buAutoNum type="arabicPeriod" startAt="2"/>
+              <a:buNone/>
             </a:pPr>
             <a:endParaRPr lang="en-US" dirty="0"/>
           </a:p>
@@ -11172,7 +11199,7 @@
           <p:cNvPr id="4" name="Picture 4">
             <a:extLst>
               <a:ext uri="{FF2B5EF4-FFF2-40B4-BE49-F238E27FC236}">
-                <a16:creationId xmlns="" xmlns:a16="http://schemas.microsoft.com/office/drawing/2014/main" id="{919EE81D-A196-3246-9A9B-D18318DF27F2}"/>
+                <a16:creationId xmlns:a16="http://schemas.microsoft.com/office/drawing/2014/main" xmlns="" id="{919EE81D-A196-3246-9A9B-D18318DF27F2}"/>
               </a:ext>
             </a:extLst>
           </p:cNvPr>
@@ -11245,7 +11272,7 @@
         <p:spPr>
           <a:xfrm>
             <a:off x="2592925" y="624110"/>
-            <a:ext cx="8911687" cy="671290"/>
+            <a:ext cx="8911687" cy="899890"/>
           </a:xfrm>
         </p:spPr>
         <p:txBody>
@@ -11272,23 +11299,28 @@
         </p:nvSpPr>
         <p:spPr>
           <a:xfrm>
-            <a:off x="2589212" y="1524000"/>
-            <a:ext cx="8915400" cy="3048000"/>
-          </a:xfrm>
-        </p:spPr>
-        <p:txBody>
-          <a:bodyPr/>
+            <a:off x="2589212" y="1676400"/>
+            <a:ext cx="8915400" cy="3581400"/>
+          </a:xfrm>
+        </p:spPr>
+        <p:txBody>
+          <a:bodyPr>
+            <a:normAutofit/>
+          </a:bodyPr>
           <a:lstStyle/>
           <a:p>
             <a:r>
               <a:rPr lang="en-US" b="1" dirty="0" smtClean="0"/>
-              <a:t>Step 3: Add your public key to </a:t>
+              <a:t>Step 4. Create a SSH </a:t>
             </a:r>
             <a:r>
               <a:rPr lang="en-US" b="1" dirty="0" err="1" smtClean="0"/>
-              <a:t>Bitbucket</a:t>
-            </a:r>
-            <a:endParaRPr lang="en-US" b="1" dirty="0" smtClean="0"/>
+              <a:t>config</a:t>
+            </a:r>
+            <a:r>
+              <a:rPr lang="en-US" b="1" dirty="0" smtClean="0"/>
+              <a:t> file</a:t>
+            </a:r>
           </a:p>
           <a:p>
             <a:pPr>
@@ -11297,28 +11329,28 @@
             </a:pPr>
             <a:r>
               <a:rPr lang="en-US" dirty="0" smtClean="0"/>
-              <a:t>Log into </a:t>
+              <a:t>Using your favorite text editor, create a new file here or edit the file if it already exists:</a:t>
+            </a:r>
+            <a:br>
+              <a:rPr lang="en-US" dirty="0" smtClean="0"/>
+            </a:br>
+            <a:r>
+              <a:rPr lang="en-US" dirty="0" smtClean="0"/>
+              <a:t>c:\Users\&lt;your user name&gt;\.</a:t>
             </a:r>
             <a:r>
               <a:rPr lang="en-US" dirty="0" err="1" smtClean="0"/>
-              <a:t>Bitbucket</a:t>
+              <a:t>ssh</a:t>
             </a:r>
             <a:r>
               <a:rPr lang="en-US" dirty="0" smtClean="0"/>
-              <a:t> and click on your avatar (in the upper-right corner), then click on </a:t>
-            </a:r>
-            <a:r>
-              <a:rPr lang="en-US" i="1" dirty="0" err="1" smtClean="0"/>
-              <a:t>Bitbucket</a:t>
-            </a:r>
-            <a:r>
-              <a:rPr lang="en-US" i="1" dirty="0" smtClean="0"/>
-              <a:t> settings</a:t>
-            </a:r>
-            <a:r>
-              <a:rPr lang="en-US" dirty="0" smtClean="0"/>
-              <a:t>.</a:t>
-            </a:r>
+              <a:t>\</a:t>
+            </a:r>
+            <a:r>
+              <a:rPr lang="en-US" dirty="0" err="1" smtClean="0"/>
+              <a:t>config</a:t>
+            </a:r>
+            <a:endParaRPr lang="en-US" dirty="0" smtClean="0"/>
           </a:p>
           <a:p>
             <a:pPr>
@@ -11327,31 +11359,15 @@
             </a:pPr>
             <a:r>
               <a:rPr lang="en-US" dirty="0" smtClean="0"/>
-              <a:t>Click on </a:t>
-            </a:r>
-            <a:r>
-              <a:rPr lang="en-US" b="1" dirty="0" smtClean="0"/>
-              <a:t>SSH keys</a:t>
+              <a:t>Add an entry to the configuration file for </a:t>
+            </a:r>
+            <a:r>
+              <a:rPr lang="en-US" dirty="0" err="1" smtClean="0"/>
+              <a:t>GitHub</a:t>
             </a:r>
             <a:r>
               <a:rPr lang="en-US" dirty="0" smtClean="0"/>
-              <a:t> in  the side bar, then click the button </a:t>
-            </a:r>
-            <a:r>
-              <a:rPr lang="en-US" dirty="0" err="1" smtClean="0"/>
-              <a:t>labelled</a:t>
-            </a:r>
-            <a:r>
-              <a:rPr lang="en-US" dirty="0" smtClean="0"/>
-              <a:t> </a:t>
-            </a:r>
-            <a:r>
-              <a:rPr lang="en-US" b="1" dirty="0" smtClean="0"/>
-              <a:t>Add key</a:t>
-            </a:r>
-            <a:r>
-              <a:rPr lang="en-US" dirty="0" smtClean="0"/>
-              <a:t>.</a:t>
+              <a:t> using the following format. Note: the second line is indented. That single space is important, so make sure you include it.</a:t>
             </a:r>
           </a:p>
           <a:p>
@@ -11361,23 +11377,31 @@
             </a:pPr>
             <a:r>
               <a:rPr lang="en-US" dirty="0" smtClean="0"/>
-              <a:t>In the </a:t>
-            </a:r>
-            <a:r>
-              <a:rPr lang="en-US" b="1" dirty="0" smtClean="0"/>
-              <a:t>Add SSH key</a:t>
+              <a:t>Host github.com </a:t>
+            </a:r>
+            <a:r>
+              <a:rPr lang="en-US" dirty="0" err="1" smtClean="0"/>
+              <a:t>IdentityFile</a:t>
             </a:r>
             <a:r>
               <a:rPr lang="en-US" dirty="0" smtClean="0"/>
-              <a:t> popup that comes up, paste your public key in the text box  labeled </a:t>
-            </a:r>
-            <a:r>
-              <a:rPr lang="en-US" b="1" dirty="0" smtClean="0"/>
-              <a:t>Key</a:t>
+              <a:t> ~/.</a:t>
+            </a:r>
+            <a:r>
+              <a:rPr lang="en-US" dirty="0" err="1" smtClean="0"/>
+              <a:t>ssh</a:t>
             </a:r>
             <a:r>
               <a:rPr lang="en-US" dirty="0" smtClean="0"/>
-              <a:t>.</a:t>
+              <a:t>/</a:t>
+            </a:r>
+            <a:r>
+              <a:rPr lang="en-US" dirty="0" err="1" smtClean="0"/>
+              <a:t>github_rsa</a:t>
+            </a:r>
+            <a:r>
+              <a:rPr lang="en-US" dirty="0" smtClean="0"/>
+              <a:t> </a:t>
             </a:r>
           </a:p>
           <a:p>
@@ -11387,21 +11411,10 @@
             </a:pPr>
             <a:r>
               <a:rPr lang="en-US" dirty="0" smtClean="0"/>
-              <a:t>Click on the button  labeled </a:t>
-            </a:r>
-            <a:r>
-              <a:rPr lang="en-US" b="1" dirty="0" smtClean="0"/>
-              <a:t>Add key</a:t>
-            </a:r>
-            <a:r>
-              <a:rPr lang="en-US" dirty="0" smtClean="0"/>
-              <a:t> to save and close the popup.</a:t>
-            </a:r>
-          </a:p>
-          <a:p>
-            <a:pPr>
-              <a:buNone/>
-            </a:pPr>
+              <a:t>Save and close the file.</a:t>
+            </a:r>
+          </a:p>
+          <a:p>
             <a:endParaRPr lang="en-US" dirty="0"/>
           </a:p>
         </p:txBody>
@@ -11411,7 +11424,7 @@
           <p:cNvPr id="4" name="Picture 4">
             <a:extLst>
               <a:ext uri="{FF2B5EF4-FFF2-40B4-BE49-F238E27FC236}">
-                <a16:creationId xmlns="" xmlns:a16="http://schemas.microsoft.com/office/drawing/2014/main" id="{919EE81D-A196-3246-9A9B-D18318DF27F2}"/>
+                <a16:creationId xmlns:a16="http://schemas.microsoft.com/office/drawing/2014/main" xmlns="" id="{919EE81D-A196-3246-9A9B-D18318DF27F2}"/>
               </a:ext>
             </a:extLst>
           </p:cNvPr>
@@ -11484,7 +11497,7 @@
         <p:spPr>
           <a:xfrm>
             <a:off x="2592925" y="624110"/>
-            <a:ext cx="8911687" cy="899890"/>
+            <a:ext cx="8911687" cy="747490"/>
           </a:xfrm>
         </p:spPr>
         <p:txBody>
@@ -11511,28 +11524,23 @@
         </p:nvSpPr>
         <p:spPr>
           <a:xfrm>
-            <a:off x="2589212" y="1676400"/>
-            <a:ext cx="8915400" cy="3581400"/>
-          </a:xfrm>
-        </p:spPr>
-        <p:txBody>
-          <a:bodyPr>
-            <a:normAutofit/>
-          </a:bodyPr>
+            <a:off x="2589212" y="1295400"/>
+            <a:ext cx="8915400" cy="4615822"/>
+          </a:xfrm>
+        </p:spPr>
+        <p:txBody>
+          <a:bodyPr/>
           <a:lstStyle/>
           <a:p>
             <a:r>
               <a:rPr lang="en-US" b="1" dirty="0" smtClean="0"/>
-              <a:t>Step 4. Create a SSH </a:t>
+              <a:t>Step 5. Install </a:t>
             </a:r>
             <a:r>
               <a:rPr lang="en-US" b="1" dirty="0" err="1" smtClean="0"/>
-              <a:t>config</a:t>
-            </a:r>
-            <a:r>
-              <a:rPr lang="en-US" b="1" dirty="0" smtClean="0"/>
-              <a:t> file</a:t>
-            </a:r>
+              <a:t>TortoiseGit</a:t>
+            </a:r>
+            <a:endParaRPr lang="en-US" b="1" dirty="0" smtClean="0"/>
           </a:p>
           <a:p>
             <a:pPr>
@@ -11541,28 +11549,18 @@
             </a:pPr>
             <a:r>
               <a:rPr lang="en-US" dirty="0" smtClean="0"/>
-              <a:t>Using your favorite text editor, create a new file here or edit the file if it already exists:</a:t>
-            </a:r>
-            <a:br>
+              <a:t>Download </a:t>
+            </a:r>
+            <a:r>
+              <a:rPr lang="en-US" dirty="0" err="1" smtClean="0">
+                <a:hlinkClick r:id="rId2"/>
+              </a:rPr>
+              <a:t>TortoiseGit</a:t>
+            </a:r>
+            <a:r>
               <a:rPr lang="en-US" dirty="0" smtClean="0"/>
-            </a:br>
-            <a:r>
-              <a:rPr lang="en-US" dirty="0" smtClean="0"/>
-              <a:t>c:\Users\&lt;your user name&gt;\.</a:t>
-            </a:r>
-            <a:r>
-              <a:rPr lang="en-US" dirty="0" err="1" smtClean="0"/>
-              <a:t>ssh</a:t>
-            </a:r>
-            <a:r>
-              <a:rPr lang="en-US" dirty="0" smtClean="0"/>
-              <a:t>\</a:t>
-            </a:r>
-            <a:r>
-              <a:rPr lang="en-US" dirty="0" err="1" smtClean="0"/>
-              <a:t>config</a:t>
-            </a:r>
-            <a:endParaRPr lang="en-US" dirty="0" smtClean="0"/>
+              <a:t>. </a:t>
+            </a:r>
           </a:p>
           <a:p>
             <a:pPr>
@@ -11571,59 +11569,35 @@
             </a:pPr>
             <a:r>
               <a:rPr lang="en-US" dirty="0" smtClean="0"/>
-              <a:t>Add an entry to the configuration file for </a:t>
-            </a:r>
-            <a:r>
-              <a:rPr lang="en-US" dirty="0" err="1" smtClean="0"/>
-              <a:t>GitHub</a:t>
+              <a:t>Start the installation and keep clicking </a:t>
+            </a:r>
+            <a:r>
+              <a:rPr lang="en-US" b="1" dirty="0" smtClean="0"/>
+              <a:t>Next</a:t>
             </a:r>
             <a:r>
               <a:rPr lang="en-US" dirty="0" smtClean="0"/>
-              <a:t> using the following format. Note: the second line is indented. That single space is important, so make sure you include it.</a:t>
-            </a:r>
-          </a:p>
-          <a:p>
-            <a:pPr>
-              <a:buFont typeface="+mj-lt"/>
-              <a:buAutoNum type="arabicPeriod"/>
-            </a:pPr>
+              <a:t> until you come to the following step. Choose </a:t>
+            </a:r>
+            <a:r>
+              <a:rPr lang="en-US" b="1" dirty="0" err="1" smtClean="0"/>
+              <a:t>OpenSSH</a:t>
+            </a:r>
+            <a:r>
+              <a:rPr lang="en-US" b="1" dirty="0" smtClean="0"/>
+              <a:t>, </a:t>
+            </a:r>
+            <a:r>
+              <a:rPr lang="en-US" b="1" dirty="0" err="1" smtClean="0"/>
+              <a:t>Git</a:t>
+            </a:r>
+            <a:r>
+              <a:rPr lang="en-US" b="1" dirty="0" smtClean="0"/>
+              <a:t> default SSH Client</a:t>
+            </a:r>
             <a:r>
               <a:rPr lang="en-US" dirty="0" smtClean="0"/>
-              <a:t>Host github.com </a:t>
-            </a:r>
-            <a:r>
-              <a:rPr lang="en-US" dirty="0" err="1" smtClean="0"/>
-              <a:t>IdentityFile</a:t>
-            </a:r>
-            <a:r>
-              <a:rPr lang="en-US" dirty="0" smtClean="0"/>
-              <a:t> ~/.</a:t>
-            </a:r>
-            <a:r>
-              <a:rPr lang="en-US" dirty="0" err="1" smtClean="0"/>
-              <a:t>ssh</a:t>
-            </a:r>
-            <a:r>
-              <a:rPr lang="en-US" dirty="0" smtClean="0"/>
-              <a:t>/</a:t>
-            </a:r>
-            <a:r>
-              <a:rPr lang="en-US" dirty="0" err="1" smtClean="0"/>
-              <a:t>github_rsa</a:t>
-            </a:r>
-            <a:r>
-              <a:rPr lang="en-US" dirty="0" smtClean="0"/>
-              <a:t> </a:t>
-            </a:r>
-          </a:p>
-          <a:p>
-            <a:pPr>
-              <a:buFont typeface="+mj-lt"/>
-              <a:buAutoNum type="arabicPeriod"/>
-            </a:pPr>
-            <a:r>
-              <a:rPr lang="en-US" dirty="0" smtClean="0"/>
-              <a:t>Save and close the file.</a:t>
+              <a:t> here.</a:t>
             </a:r>
           </a:p>
           <a:p>
@@ -11633,10 +11607,34 @@
       </p:sp>
       <p:pic>
         <p:nvPicPr>
-          <p:cNvPr id="4" name="Picture 4">
+          <p:cNvPr id="4" name="Picture 3" descr="t1.jpg"/>
+          <p:cNvPicPr>
+            <a:picLocks noChangeAspect="1"/>
+          </p:cNvPicPr>
+          <p:nvPr/>
+        </p:nvPicPr>
+        <p:blipFill>
+          <a:blip r:embed="rId3"/>
+          <a:stretch>
+            <a:fillRect/>
+          </a:stretch>
+        </p:blipFill>
+        <p:spPr>
+          <a:xfrm>
+            <a:off x="3886200" y="2971800"/>
+            <a:ext cx="4667250" cy="3524250"/>
+          </a:xfrm>
+          <a:prstGeom prst="rect">
+            <a:avLst/>
+          </a:prstGeom>
+        </p:spPr>
+      </p:pic>
+      <p:pic>
+        <p:nvPicPr>
+          <p:cNvPr id="5" name="Picture 4">
             <a:extLst>
               <a:ext uri="{FF2B5EF4-FFF2-40B4-BE49-F238E27FC236}">
-                <a16:creationId xmlns="" xmlns:a16="http://schemas.microsoft.com/office/drawing/2014/main" id="{919EE81D-A196-3246-9A9B-D18318DF27F2}"/>
+                <a16:creationId xmlns:a16="http://schemas.microsoft.com/office/drawing/2014/main" xmlns="" id="{919EE81D-A196-3246-9A9B-D18318DF27F2}"/>
               </a:ext>
             </a:extLst>
           </p:cNvPr>
@@ -11646,7 +11644,7 @@
           <p:nvPr/>
         </p:nvPicPr>
         <p:blipFill>
-          <a:blip r:embed="rId2"/>
+          <a:blip r:embed="rId4"/>
           <a:stretch>
             <a:fillRect/>
           </a:stretch>
@@ -11709,7 +11707,7 @@
         <p:spPr>
           <a:xfrm>
             <a:off x="2592925" y="624110"/>
-            <a:ext cx="8911687" cy="747490"/>
+            <a:ext cx="8911687" cy="671290"/>
           </a:xfrm>
         </p:spPr>
         <p:txBody>
@@ -11736,68 +11734,55 @@
         </p:nvSpPr>
         <p:spPr>
           <a:xfrm>
-            <a:off x="2589212" y="1295400"/>
-            <a:ext cx="8915400" cy="4615822"/>
+            <a:off x="2589212" y="1371600"/>
+            <a:ext cx="8915400" cy="4539622"/>
           </a:xfrm>
         </p:spPr>
         <p:txBody>
           <a:bodyPr/>
           <a:lstStyle/>
           <a:p>
-            <a:r>
-              <a:rPr lang="en-US" b="1" dirty="0" smtClean="0"/>
-              <a:t>Step 5. Install </a:t>
-            </a:r>
-            <a:r>
-              <a:rPr lang="en-US" b="1" dirty="0" err="1" smtClean="0"/>
-              <a:t>TortoiseGit</a:t>
-            </a:r>
-            <a:endParaRPr lang="en-US" b="1" dirty="0" smtClean="0"/>
-          </a:p>
-          <a:p>
             <a:pPr>
               <a:buFont typeface="+mj-lt"/>
-              <a:buAutoNum type="arabicPeriod"/>
+              <a:buAutoNum type="arabicPeriod" startAt="3"/>
             </a:pPr>
             <a:r>
               <a:rPr lang="en-US" dirty="0" smtClean="0"/>
-              <a:t>Download </a:t>
-            </a:r>
-            <a:r>
-              <a:rPr lang="en-US" dirty="0" err="1" smtClean="0">
-                <a:hlinkClick r:id="rId2"/>
-              </a:rPr>
-              <a:t>TortoiseGit</a:t>
+              <a:t>Keep clicking </a:t>
+            </a:r>
+            <a:r>
+              <a:rPr lang="en-US" b="1" dirty="0" smtClean="0"/>
+              <a:t>Next</a:t>
             </a:r>
             <a:r>
               <a:rPr lang="en-US" dirty="0" smtClean="0"/>
-              <a:t>. </a:t>
+              <a:t> until you have completed the setup.</a:t>
             </a:r>
           </a:p>
           <a:p>
             <a:pPr>
               <a:buFont typeface="+mj-lt"/>
-              <a:buAutoNum type="arabicPeriod"/>
+              <a:buAutoNum type="arabicPeriod" startAt="3"/>
             </a:pPr>
             <a:r>
               <a:rPr lang="en-US" dirty="0" smtClean="0"/>
-              <a:t>Start the installation and keep clicking </a:t>
+              <a:t>Right-click on your desktop and select </a:t>
+            </a:r>
+            <a:r>
+              <a:rPr lang="en-US" i="1" dirty="0" err="1" smtClean="0"/>
+              <a:t>TortoiseGit</a:t>
+            </a:r>
+            <a:r>
+              <a:rPr lang="en-US" i="1" dirty="0" smtClean="0"/>
+              <a:t> &gt; Settings</a:t>
+            </a:r>
+            <a:r>
+              <a:rPr lang="en-US" dirty="0" smtClean="0"/>
+              <a:t> from the context menu. You should see the following screen. Click on: </a:t>
             </a:r>
             <a:r>
               <a:rPr lang="en-US" b="1" dirty="0" smtClean="0"/>
-              <a:t>Next</a:t>
-            </a:r>
-            <a:r>
-              <a:rPr lang="en-US" dirty="0" smtClean="0"/>
-              <a:t> until you come to the following step. Choose </a:t>
-            </a:r>
-            <a:r>
-              <a:rPr lang="en-US" b="1" dirty="0" err="1" smtClean="0"/>
-              <a:t>OpenSSH</a:t>
-            </a:r>
-            <a:r>
-              <a:rPr lang="en-US" b="1" dirty="0" smtClean="0"/>
-              <a:t>, </a:t>
+              <a:t>Set </a:t>
             </a:r>
             <a:r>
               <a:rPr lang="en-US" b="1" dirty="0" err="1" smtClean="0"/>
@@ -11805,48 +11790,203 @@
             </a:r>
             <a:r>
               <a:rPr lang="en-US" b="1" dirty="0" smtClean="0"/>
-              <a:t> default SSH Client</a:t>
+              <a:t> path</a:t>
             </a:r>
             <a:r>
               <a:rPr lang="en-US" dirty="0" smtClean="0"/>
-              <a:t> here.</a:t>
-            </a:r>
-          </a:p>
-          <a:p>
-            <a:endParaRPr lang="en-US" dirty="0"/>
+              <a:t>.</a:t>
+            </a:r>
+          </a:p>
+          <a:p>
+            <a:pPr>
+              <a:buFont typeface="+mj-lt"/>
+              <a:buAutoNum type="arabicPeriod" startAt="3"/>
+            </a:pPr>
+            <a:endParaRPr lang="en-US" dirty="0" smtClean="0"/>
+          </a:p>
+          <a:p>
+            <a:pPr>
+              <a:buNone/>
+            </a:pPr>
+            <a:endParaRPr lang="en-US" dirty="0" smtClean="0"/>
+          </a:p>
+          <a:p>
+            <a:pPr>
+              <a:buNone/>
+            </a:pPr>
+            <a:endParaRPr lang="en-US" dirty="0" smtClean="0"/>
+          </a:p>
+          <a:p>
+            <a:pPr>
+              <a:buNone/>
+            </a:pPr>
+            <a:endParaRPr lang="en-US" dirty="0" smtClean="0"/>
+          </a:p>
+          <a:p>
+            <a:pPr>
+              <a:buNone/>
+            </a:pPr>
+            <a:endParaRPr lang="en-US" dirty="0" smtClean="0"/>
+          </a:p>
+          <a:p>
+            <a:pPr>
+              <a:buFont typeface="+mj-lt"/>
+              <a:buAutoNum type="arabicPeriod" startAt="5"/>
+            </a:pPr>
+            <a:r>
+              <a:rPr lang="en-US" dirty="0" smtClean="0"/>
+              <a:t>Paste this in the text box </a:t>
+            </a:r>
+            <a:r>
+              <a:rPr lang="en-US" dirty="0" err="1" smtClean="0"/>
+              <a:t>labelled</a:t>
+            </a:r>
+            <a:r>
+              <a:rPr lang="en-US" dirty="0" smtClean="0"/>
+              <a:t> </a:t>
+            </a:r>
+            <a:r>
+              <a:rPr lang="en-US" b="1" dirty="0" smtClean="0"/>
+              <a:t>Git.exe Path</a:t>
+            </a:r>
+            <a:r>
+              <a:rPr lang="en-US" dirty="0" smtClean="0"/>
+              <a:t>:</a:t>
+            </a:r>
+            <a:br>
+              <a:rPr lang="en-US" dirty="0" smtClean="0"/>
+            </a:br>
+            <a:r>
+              <a:rPr lang="en-US" dirty="0" smtClean="0"/>
+              <a:t>C:\Users\&lt;your user name&gt;\</a:t>
+            </a:r>
+            <a:r>
+              <a:rPr lang="en-US" dirty="0" err="1" smtClean="0"/>
+              <a:t>AppData</a:t>
+            </a:r>
+            <a:r>
+              <a:rPr lang="en-US" dirty="0" smtClean="0"/>
+              <a:t>\Local\</a:t>
+            </a:r>
+            <a:r>
+              <a:rPr lang="en-US" dirty="0" err="1" smtClean="0"/>
+              <a:t>GitHub</a:t>
+            </a:r>
+            <a:r>
+              <a:rPr lang="en-US" dirty="0" smtClean="0"/>
+              <a:t>\PORTAB~1\</a:t>
+            </a:r>
+            <a:r>
+              <a:rPr lang="en-US" dirty="0" err="1" smtClean="0"/>
+              <a:t>cmd</a:t>
+            </a:r>
+            <a:r>
+              <a:rPr lang="en-US" dirty="0" smtClean="0"/>
+              <a:t/>
+            </a:r>
+            <a:br>
+              <a:rPr lang="en-US" dirty="0" smtClean="0"/>
+            </a:br>
+            <a:endParaRPr lang="en-US" dirty="0" smtClean="0"/>
           </a:p>
         </p:txBody>
       </p:sp>
       <p:pic>
         <p:nvPicPr>
-          <p:cNvPr id="4" name="Picture 3" descr="t1.jpg"/>
+          <p:cNvPr id="4" name="Picture 3" descr="t2.jpg"/>
           <p:cNvPicPr>
             <a:picLocks noChangeAspect="1"/>
           </p:cNvPicPr>
           <p:nvPr/>
         </p:nvPicPr>
         <p:blipFill>
-          <a:blip r:embed="rId3"/>
+          <a:blip r:embed="rId2"/>
           <a:stretch>
             <a:fillRect/>
           </a:stretch>
         </p:blipFill>
         <p:spPr>
           <a:xfrm>
-            <a:off x="3886200" y="2971800"/>
-            <a:ext cx="4667250" cy="3524250"/>
+            <a:off x="3886200" y="2667000"/>
+            <a:ext cx="3962400" cy="1600200"/>
           </a:xfrm>
           <a:prstGeom prst="rect">
             <a:avLst/>
           </a:prstGeom>
         </p:spPr>
       </p:pic>
+      <p:sp>
+        <p:nvSpPr>
+          <p:cNvPr id="2049" name="Rectangle 1"/>
+          <p:cNvSpPr>
+            <a:spLocks noChangeArrowheads="1"/>
+          </p:cNvSpPr>
+          <p:nvPr/>
+        </p:nvSpPr>
+        <p:spPr bwMode="auto">
+          <a:xfrm>
+            <a:off x="0" y="0"/>
+            <a:ext cx="65" cy="276999"/>
+          </a:xfrm>
+          <a:prstGeom prst="rect">
+            <a:avLst/>
+          </a:prstGeom>
+          <a:solidFill>
+            <a:srgbClr val="FFFFFF"/>
+          </a:solidFill>
+          <a:ln w="9525">
+            <a:noFill/>
+            <a:miter lim="800000"/>
+            <a:headEnd/>
+            <a:tailEnd/>
+          </a:ln>
+          <a:effectLst/>
+        </p:spPr>
+        <p:txBody>
+          <a:bodyPr vert="horz" wrap="none" lIns="0" tIns="0" rIns="0" bIns="0" numCol="1" anchor="ctr" anchorCtr="0" compatLnSpc="1">
+            <a:prstTxWarp prst="textNoShape">
+              <a:avLst/>
+            </a:prstTxWarp>
+            <a:spAutoFit/>
+          </a:bodyPr>
+          <a:lstStyle/>
+          <a:p>
+            <a:pPr marL="0" marR="0" lvl="0" indent="0" algn="l" defTabSz="914400" rtl="0" eaLnBrk="1" fontAlgn="base" latinLnBrk="0" hangingPunct="1">
+              <a:lnSpc>
+                <a:spcPct val="100000"/>
+              </a:lnSpc>
+              <a:spcBef>
+                <a:spcPct val="0"/>
+              </a:spcBef>
+              <a:spcAft>
+                <a:spcPct val="0"/>
+              </a:spcAft>
+              <a:buClrTx/>
+              <a:buSzTx/>
+              <a:buFontTx/>
+              <a:buNone/>
+              <a:tabLst/>
+            </a:pPr>
+            <a:endParaRPr kumimoji="0" lang="en-US" sz="1800" b="0" i="0" u="none" strike="noStrike" cap="none" normalizeH="0" baseline="0" dirty="0" smtClean="0">
+              <a:ln>
+                <a:noFill/>
+              </a:ln>
+              <a:solidFill>
+                <a:schemeClr val="tx1"/>
+              </a:solidFill>
+              <a:effectLst/>
+              <a:latin typeface="Arial" pitchFamily="34" charset="0"/>
+              <a:cs typeface="Arial" pitchFamily="34" charset="0"/>
+            </a:endParaRPr>
+          </a:p>
+        </p:txBody>
+      </p:sp>
       <p:pic>
         <p:nvPicPr>
-          <p:cNvPr id="5" name="Picture 4">
+          <p:cNvPr id="6" name="Picture 4">
             <a:extLst>
               <a:ext uri="{FF2B5EF4-FFF2-40B4-BE49-F238E27FC236}">
-                <a16:creationId xmlns="" xmlns:a16="http://schemas.microsoft.com/office/drawing/2014/main" id="{919EE81D-A196-3246-9A9B-D18318DF27F2}"/>
+                <a16:creationId xmlns:a16="http://schemas.microsoft.com/office/drawing/2014/main" xmlns="" id="{919EE81D-A196-3246-9A9B-D18318DF27F2}"/>
               </a:ext>
             </a:extLst>
           </p:cNvPr>
@@ -11856,7 +11996,7 @@
           <p:nvPr/>
         </p:nvPicPr>
         <p:blipFill>
-          <a:blip r:embed="rId4"/>
+          <a:blip r:embed="rId3"/>
           <a:stretch>
             <a:fillRect/>
           </a:stretch>
@@ -11916,12 +12056,7 @@
             <p:ph type="title"/>
           </p:nvPr>
         </p:nvSpPr>
-        <p:spPr>
-          <a:xfrm>
-            <a:off x="2592925" y="624110"/>
-            <a:ext cx="8911687" cy="671290"/>
-          </a:xfrm>
-        </p:spPr>
+        <p:spPr/>
         <p:txBody>
           <a:bodyPr/>
           <a:lstStyle/>
@@ -11934,182 +12069,15 @@
           </a:p>
         </p:txBody>
       </p:sp>
-      <p:sp>
-        <p:nvSpPr>
-          <p:cNvPr id="3" name="Content Placeholder 2"/>
-          <p:cNvSpPr>
-            <a:spLocks noGrp="1"/>
-          </p:cNvSpPr>
-          <p:nvPr>
-            <p:ph idx="1"/>
-          </p:nvPr>
-        </p:nvSpPr>
-        <p:spPr>
-          <a:xfrm>
-            <a:off x="2589212" y="1371600"/>
-            <a:ext cx="8915400" cy="4539622"/>
-          </a:xfrm>
-        </p:spPr>
-        <p:txBody>
-          <a:bodyPr/>
-          <a:lstStyle/>
-          <a:p>
-            <a:pPr>
-              <a:buFont typeface="+mj-lt"/>
-              <a:buAutoNum type="arabicPeriod" startAt="3"/>
-            </a:pPr>
-            <a:r>
-              <a:rPr lang="en-US" dirty="0" smtClean="0"/>
-              <a:t>Keep clicking </a:t>
-            </a:r>
-            <a:r>
-              <a:rPr lang="en-US" b="1" dirty="0" smtClean="0"/>
-              <a:t>Next</a:t>
-            </a:r>
-            <a:r>
-              <a:rPr lang="en-US" dirty="0" smtClean="0"/>
-              <a:t> until you have completed the setup.</a:t>
-            </a:r>
-          </a:p>
-          <a:p>
-            <a:pPr>
-              <a:buFont typeface="+mj-lt"/>
-              <a:buAutoNum type="arabicPeriod" startAt="3"/>
-            </a:pPr>
-            <a:r>
-              <a:rPr lang="en-US" dirty="0" smtClean="0"/>
-              <a:t>Right-click on your desktop and select </a:t>
-            </a:r>
-            <a:r>
-              <a:rPr lang="en-US" i="1" dirty="0" err="1" smtClean="0"/>
-              <a:t>TortoiseGit</a:t>
-            </a:r>
-            <a:r>
-              <a:rPr lang="en-US" i="1" dirty="0" smtClean="0"/>
-              <a:t> &gt; Settings</a:t>
-            </a:r>
-            <a:r>
-              <a:rPr lang="en-US" dirty="0" smtClean="0"/>
-              <a:t> from the context menu. You should see the following screen. Click on: </a:t>
-            </a:r>
-            <a:r>
-              <a:rPr lang="en-US" b="1" dirty="0" smtClean="0"/>
-              <a:t>Set </a:t>
-            </a:r>
-            <a:r>
-              <a:rPr lang="en-US" b="1" dirty="0" err="1" smtClean="0"/>
-              <a:t>Git</a:t>
-            </a:r>
-            <a:r>
-              <a:rPr lang="en-US" b="1" dirty="0" smtClean="0"/>
-              <a:t> path</a:t>
-            </a:r>
-            <a:r>
-              <a:rPr lang="en-US" dirty="0" smtClean="0"/>
-              <a:t>.</a:t>
-            </a:r>
-          </a:p>
-          <a:p>
-            <a:pPr>
-              <a:buFont typeface="+mj-lt"/>
-              <a:buAutoNum type="arabicPeriod" startAt="3"/>
-            </a:pPr>
-            <a:endParaRPr lang="en-US" dirty="0" smtClean="0"/>
-          </a:p>
-          <a:p>
-            <a:pPr>
-              <a:buNone/>
-            </a:pPr>
-            <a:endParaRPr lang="en-US" dirty="0" smtClean="0"/>
-          </a:p>
-          <a:p>
-            <a:pPr>
-              <a:buNone/>
-            </a:pPr>
-            <a:endParaRPr lang="en-US" dirty="0" smtClean="0"/>
-          </a:p>
-          <a:p>
-            <a:pPr>
-              <a:buNone/>
-            </a:pPr>
-            <a:endParaRPr lang="en-US" dirty="0" smtClean="0"/>
-          </a:p>
-          <a:p>
-            <a:pPr>
-              <a:buNone/>
-            </a:pPr>
-            <a:endParaRPr lang="en-US" dirty="0" smtClean="0"/>
-          </a:p>
-          <a:p>
-            <a:pPr>
-              <a:buFont typeface="+mj-lt"/>
-              <a:buAutoNum type="arabicPeriod" startAt="5"/>
-            </a:pPr>
-            <a:r>
-              <a:rPr lang="en-US" dirty="0" smtClean="0"/>
-              <a:t>Paste this in the text box </a:t>
-            </a:r>
-            <a:r>
-              <a:rPr lang="en-US" dirty="0" err="1" smtClean="0"/>
-              <a:t>labelled</a:t>
-            </a:r>
-            <a:r>
-              <a:rPr lang="en-US" dirty="0" smtClean="0"/>
-              <a:t> </a:t>
-            </a:r>
-            <a:r>
-              <a:rPr lang="en-US" b="1" dirty="0" smtClean="0"/>
-              <a:t>Git.exe Path</a:t>
-            </a:r>
-            <a:r>
-              <a:rPr lang="en-US" dirty="0" smtClean="0"/>
-              <a:t>:</a:t>
-            </a:r>
-            <a:br>
-              <a:rPr lang="en-US" dirty="0" smtClean="0"/>
-            </a:br>
-            <a:r>
-              <a:rPr lang="en-US" dirty="0" smtClean="0"/>
-              <a:t>C:\Users\&lt;your user name&gt;\</a:t>
-            </a:r>
-            <a:r>
-              <a:rPr lang="en-US" dirty="0" err="1" smtClean="0"/>
-              <a:t>AppData</a:t>
-            </a:r>
-            <a:r>
-              <a:rPr lang="en-US" dirty="0" smtClean="0"/>
-              <a:t>\Local\</a:t>
-            </a:r>
-            <a:r>
-              <a:rPr lang="en-US" dirty="0" err="1" smtClean="0"/>
-              <a:t>GitHub</a:t>
-            </a:r>
-            <a:r>
-              <a:rPr lang="en-US" dirty="0" smtClean="0"/>
-              <a:t>\PORTAB~1\</a:t>
-            </a:r>
-            <a:r>
-              <a:rPr lang="en-US" dirty="0" err="1" smtClean="0"/>
-              <a:t>cmd</a:t>
-            </a:r>
-            <a:r>
-              <a:rPr lang="en-US" dirty="0" smtClean="0"/>
-              <a:t/>
-            </a:r>
-            <a:br>
-              <a:rPr lang="en-US" dirty="0" smtClean="0"/>
-            </a:br>
-            <a:endParaRPr lang="en-US" dirty="0" smtClean="0"/>
-          </a:p>
-        </p:txBody>
-      </p:sp>
       <p:pic>
         <p:nvPicPr>
-          <p:cNvPr id="4" name="Picture 3" descr="t2.jpg"/>
+          <p:cNvPr id="8" name="Content Placeholder 7" descr="t3.jpg"/>
           <p:cNvPicPr>
-            <a:picLocks noChangeAspect="1"/>
+            <a:picLocks noGrp="1" noChangeAspect="1"/>
           </p:cNvPicPr>
-          <p:nvPr/>
+          <p:nvPr>
+            <p:ph idx="1"/>
+          </p:nvPr>
         </p:nvPicPr>
         <p:blipFill>
           <a:blip r:embed="rId2"/>
@@ -12119,86 +12087,17 @@
         </p:blipFill>
         <p:spPr>
           <a:xfrm>
-            <a:off x="3886200" y="2667000"/>
-            <a:ext cx="3962400" cy="1600200"/>
-          </a:xfrm>
-          <a:prstGeom prst="rect">
-            <a:avLst/>
-          </a:prstGeom>
+            <a:off x="3581400" y="1676400"/>
+            <a:ext cx="5819775" cy="4076700"/>
+          </a:xfrm>
         </p:spPr>
       </p:pic>
-      <p:sp>
-        <p:nvSpPr>
-          <p:cNvPr id="2049" name="Rectangle 1"/>
-          <p:cNvSpPr>
-            <a:spLocks noChangeArrowheads="1"/>
-          </p:cNvSpPr>
-          <p:nvPr/>
-        </p:nvSpPr>
-        <p:spPr bwMode="auto">
-          <a:xfrm>
-            <a:off x="0" y="0"/>
-            <a:ext cx="65" cy="276999"/>
-          </a:xfrm>
-          <a:prstGeom prst="rect">
-            <a:avLst/>
-          </a:prstGeom>
-          <a:solidFill>
-            <a:srgbClr val="FFFFFF"/>
-          </a:solidFill>
-          <a:ln w="9525">
-            <a:noFill/>
-            <a:miter lim="800000"/>
-            <a:headEnd/>
-            <a:tailEnd/>
-          </a:ln>
-          <a:effectLst/>
-        </p:spPr>
-        <p:txBody>
-          <a:bodyPr vert="horz" wrap="none" lIns="0" tIns="0" rIns="0" bIns="0" numCol="1" anchor="ctr" anchorCtr="0" compatLnSpc="1">
-            <a:prstTxWarp prst="textNoShape">
-              <a:avLst/>
-            </a:prstTxWarp>
-            <a:spAutoFit/>
-          </a:bodyPr>
-          <a:lstStyle/>
-          <a:p>
-            <a:pPr marL="0" marR="0" lvl="0" indent="0" algn="l" defTabSz="914400" rtl="0" eaLnBrk="1" fontAlgn="base" latinLnBrk="0" hangingPunct="1">
-              <a:lnSpc>
-                <a:spcPct val="100000"/>
-              </a:lnSpc>
-              <a:spcBef>
-                <a:spcPct val="0"/>
-              </a:spcBef>
-              <a:spcAft>
-                <a:spcPct val="0"/>
-              </a:spcAft>
-              <a:buClrTx/>
-              <a:buSzTx/>
-              <a:buFontTx/>
-              <a:buNone/>
-              <a:tabLst/>
-            </a:pPr>
-            <a:endParaRPr kumimoji="0" lang="en-US" sz="1800" b="0" i="0" u="none" strike="noStrike" cap="none" normalizeH="0" baseline="0" dirty="0" smtClean="0">
-              <a:ln>
-                <a:noFill/>
-              </a:ln>
-              <a:solidFill>
-                <a:schemeClr val="tx1"/>
-              </a:solidFill>
-              <a:effectLst/>
-              <a:latin typeface="Arial" pitchFamily="34" charset="0"/>
-              <a:cs typeface="Arial" pitchFamily="34" charset="0"/>
-            </a:endParaRPr>
-          </a:p>
-        </p:txBody>
-      </p:sp>
       <p:pic>
         <p:nvPicPr>
-          <p:cNvPr id="6" name="Picture 4">
+          <p:cNvPr id="4" name="Picture 4">
             <a:extLst>
               <a:ext uri="{FF2B5EF4-FFF2-40B4-BE49-F238E27FC236}">
-                <a16:creationId xmlns="" xmlns:a16="http://schemas.microsoft.com/office/drawing/2014/main" id="{919EE81D-A196-3246-9A9B-D18318DF27F2}"/>
+                <a16:creationId xmlns:a16="http://schemas.microsoft.com/office/drawing/2014/main" xmlns="" id="{919EE81D-A196-3246-9A9B-D18318DF27F2}"/>
               </a:ext>
             </a:extLst>
           </p:cNvPr>
@@ -12268,7 +12167,12 @@
             <p:ph type="title"/>
           </p:nvPr>
         </p:nvSpPr>
-        <p:spPr/>
+        <p:spPr>
+          <a:xfrm>
+            <a:off x="2592925" y="624110"/>
+            <a:ext cx="8911687" cy="899890"/>
+          </a:xfrm>
+        </p:spPr>
         <p:txBody>
           <a:bodyPr/>
           <a:lstStyle/>
@@ -12281,35 +12185,187 @@
           </a:p>
         </p:txBody>
       </p:sp>
-      <p:pic>
-        <p:nvPicPr>
-          <p:cNvPr id="8" name="Content Placeholder 7" descr="t3.jpg"/>
-          <p:cNvPicPr>
-            <a:picLocks noGrp="1" noChangeAspect="1"/>
-          </p:cNvPicPr>
+      <p:sp>
+        <p:nvSpPr>
+          <p:cNvPr id="3" name="Content Placeholder 2"/>
+          <p:cNvSpPr>
+            <a:spLocks noGrp="1"/>
+          </p:cNvSpPr>
           <p:nvPr>
             <p:ph idx="1"/>
           </p:nvPr>
-        </p:nvPicPr>
-        <p:blipFill>
-          <a:blip r:embed="rId2"/>
-          <a:stretch>
-            <a:fillRect/>
-          </a:stretch>
-        </p:blipFill>
-        <p:spPr>
-          <a:xfrm>
-            <a:off x="3581400" y="1676400"/>
-            <a:ext cx="5819775" cy="4076700"/>
-          </a:xfrm>
-        </p:spPr>
-      </p:pic>
+        </p:nvSpPr>
+        <p:spPr>
+          <a:xfrm>
+            <a:off x="2589212" y="1600200"/>
+            <a:ext cx="8915400" cy="4495800"/>
+          </a:xfrm>
+        </p:spPr>
+        <p:txBody>
+          <a:bodyPr/>
+          <a:lstStyle/>
+          <a:p>
+            <a:pPr>
+              <a:buFont typeface="+mj-lt"/>
+              <a:buAutoNum type="arabicPeriod" startAt="6"/>
+            </a:pPr>
+            <a:r>
+              <a:rPr lang="en-US" dirty="0" smtClean="0"/>
+              <a:t>Click on the button </a:t>
+            </a:r>
+            <a:r>
+              <a:rPr lang="en-US" dirty="0" err="1" smtClean="0"/>
+              <a:t>labelled</a:t>
+            </a:r>
+            <a:r>
+              <a:rPr lang="en-US" dirty="0" smtClean="0"/>
+              <a:t> </a:t>
+            </a:r>
+            <a:r>
+              <a:rPr lang="en-US" b="1" dirty="0" smtClean="0"/>
+              <a:t>Check now</a:t>
+            </a:r>
+            <a:r>
+              <a:rPr lang="en-US" dirty="0" smtClean="0"/>
+              <a:t> (optional).</a:t>
+            </a:r>
+          </a:p>
+          <a:p>
+            <a:pPr>
+              <a:buFont typeface="+mj-lt"/>
+              <a:buAutoNum type="arabicPeriod" startAt="6"/>
+            </a:pPr>
+            <a:r>
+              <a:rPr lang="en-US" dirty="0" smtClean="0"/>
+              <a:t>Click on </a:t>
+            </a:r>
+            <a:r>
+              <a:rPr lang="en-US" b="1" dirty="0" smtClean="0"/>
+              <a:t>OK</a:t>
+            </a:r>
+            <a:r>
+              <a:rPr lang="en-US" dirty="0" smtClean="0"/>
+              <a:t>.</a:t>
+            </a:r>
+          </a:p>
+          <a:p>
+            <a:pPr>
+              <a:buFont typeface="+mj-lt"/>
+              <a:buAutoNum type="arabicPeriod" startAt="6"/>
+            </a:pPr>
+            <a:r>
+              <a:rPr lang="en-US" dirty="0" smtClean="0"/>
+              <a:t>Right-click on your desktop and select </a:t>
+            </a:r>
+            <a:r>
+              <a:rPr lang="en-US" i="1" dirty="0" err="1" smtClean="0"/>
+              <a:t>TortoiseGit</a:t>
+            </a:r>
+            <a:r>
+              <a:rPr lang="en-US" i="1" dirty="0" smtClean="0"/>
+              <a:t> &gt; Settings</a:t>
+            </a:r>
+            <a:r>
+              <a:rPr lang="en-US" dirty="0" smtClean="0"/>
+              <a:t> from the context menu.</a:t>
+            </a:r>
+          </a:p>
+          <a:p>
+            <a:pPr>
+              <a:buFont typeface="+mj-lt"/>
+              <a:buAutoNum type="arabicPeriod" startAt="6"/>
+            </a:pPr>
+            <a:r>
+              <a:rPr lang="en-US" dirty="0" smtClean="0"/>
+              <a:t>Click on </a:t>
+            </a:r>
+            <a:r>
+              <a:rPr lang="en-US" b="1" dirty="0" smtClean="0"/>
+              <a:t>Network</a:t>
+            </a:r>
+            <a:r>
+              <a:rPr lang="en-US" dirty="0" smtClean="0"/>
+              <a:t> in de side bar.</a:t>
+            </a:r>
+          </a:p>
+          <a:p>
+            <a:pPr>
+              <a:buFont typeface="+mj-lt"/>
+              <a:buAutoNum type="arabicPeriod" startAt="6"/>
+            </a:pPr>
+            <a:r>
+              <a:rPr lang="en-US" dirty="0" smtClean="0"/>
+              <a:t>Paste this in the text box </a:t>
+            </a:r>
+            <a:r>
+              <a:rPr lang="en-US" dirty="0" err="1" smtClean="0"/>
+              <a:t>labelled</a:t>
+            </a:r>
+            <a:r>
+              <a:rPr lang="en-US" dirty="0" smtClean="0"/>
+              <a:t> </a:t>
+            </a:r>
+            <a:r>
+              <a:rPr lang="en-US" b="1" dirty="0" smtClean="0"/>
+              <a:t>SSH client</a:t>
+            </a:r>
+            <a:r>
+              <a:rPr lang="en-US" dirty="0" smtClean="0"/>
+              <a:t>:</a:t>
+            </a:r>
+            <a:br>
+              <a:rPr lang="en-US" dirty="0" smtClean="0"/>
+            </a:br>
+            <a:r>
+              <a:rPr lang="en-US" dirty="0" smtClean="0"/>
+              <a:t>C:\Users\&lt;your user name&gt;\</a:t>
+            </a:r>
+            <a:r>
+              <a:rPr lang="en-US" dirty="0" err="1" smtClean="0"/>
+              <a:t>AppData</a:t>
+            </a:r>
+            <a:r>
+              <a:rPr lang="en-US" dirty="0" smtClean="0"/>
+              <a:t>\Local\</a:t>
+            </a:r>
+            <a:r>
+              <a:rPr lang="en-US" dirty="0" err="1" smtClean="0"/>
+              <a:t>GitHub</a:t>
+            </a:r>
+            <a:r>
+              <a:rPr lang="en-US" dirty="0" smtClean="0"/>
+              <a:t>\PORTAB~1\</a:t>
+            </a:r>
+            <a:r>
+              <a:rPr lang="en-US" dirty="0" err="1" smtClean="0"/>
+              <a:t>usr</a:t>
+            </a:r>
+            <a:r>
+              <a:rPr lang="en-US" dirty="0" smtClean="0"/>
+              <a:t>\bin\ssh.exe</a:t>
+            </a:r>
+            <a:br>
+              <a:rPr lang="en-US" dirty="0" smtClean="0"/>
+            </a:br>
+            <a:r>
+              <a:rPr lang="en-US" dirty="0" smtClean="0"/>
+              <a:t>(use your Windows user name) </a:t>
+            </a:r>
+          </a:p>
+          <a:p>
+            <a:pPr>
+              <a:buNone/>
+            </a:pPr>
+            <a:endParaRPr lang="en-US" dirty="0"/>
+          </a:p>
+        </p:txBody>
+      </p:sp>
       <p:pic>
         <p:nvPicPr>
           <p:cNvPr id="4" name="Picture 4">
             <a:extLst>
               <a:ext uri="{FF2B5EF4-FFF2-40B4-BE49-F238E27FC236}">
-                <a16:creationId xmlns="" xmlns:a16="http://schemas.microsoft.com/office/drawing/2014/main" id="{919EE81D-A196-3246-9A9B-D18318DF27F2}"/>
+                <a16:creationId xmlns:a16="http://schemas.microsoft.com/office/drawing/2014/main" xmlns="" id="{919EE81D-A196-3246-9A9B-D18318DF27F2}"/>
               </a:ext>
             </a:extLst>
           </p:cNvPr>
@@ -12319,7 +12375,7 @@
           <p:nvPr/>
         </p:nvPicPr>
         <p:blipFill>
-          <a:blip r:embed="rId3"/>
+          <a:blip r:embed="rId2"/>
           <a:stretch>
             <a:fillRect/>
           </a:stretch>
@@ -12382,7 +12438,7 @@
         <p:spPr>
           <a:xfrm>
             <a:off x="2592925" y="624110"/>
-            <a:ext cx="8911687" cy="899890"/>
+            <a:ext cx="8911687" cy="747490"/>
           </a:xfrm>
         </p:spPr>
         <p:txBody>
@@ -12393,181 +12449,6 @@
               <a:rPr lang="en-US" b="1" dirty="0" smtClean="0"/>
               <a:t>Continue….</a:t>
             </a:r>
-            <a:endParaRPr lang="en-US" dirty="0"/>
-          </a:p>
-        </p:txBody>
-      </p:sp>
-      <p:sp>
-        <p:nvSpPr>
-          <p:cNvPr id="3" name="Content Placeholder 2"/>
-          <p:cNvSpPr>
-            <a:spLocks noGrp="1"/>
-          </p:cNvSpPr>
-          <p:nvPr>
-            <p:ph idx="1"/>
-          </p:nvPr>
-        </p:nvSpPr>
-        <p:spPr>
-          <a:xfrm>
-            <a:off x="2589212" y="1600200"/>
-            <a:ext cx="8915400" cy="4495800"/>
-          </a:xfrm>
-        </p:spPr>
-        <p:txBody>
-          <a:bodyPr/>
-          <a:lstStyle/>
-          <a:p>
-            <a:pPr>
-              <a:buFont typeface="+mj-lt"/>
-              <a:buAutoNum type="arabicPeriod" startAt="6"/>
-            </a:pPr>
-            <a:r>
-              <a:rPr lang="en-US" dirty="0" smtClean="0"/>
-              <a:t>Click on the button </a:t>
-            </a:r>
-            <a:r>
-              <a:rPr lang="en-US" dirty="0" err="1" smtClean="0"/>
-              <a:t>labelled</a:t>
-            </a:r>
-            <a:r>
-              <a:rPr lang="en-US" dirty="0" smtClean="0"/>
-              <a:t> </a:t>
-            </a:r>
-            <a:r>
-              <a:rPr lang="en-US" b="1" dirty="0" smtClean="0"/>
-              <a:t>Check now</a:t>
-            </a:r>
-            <a:r>
-              <a:rPr lang="en-US" dirty="0" smtClean="0"/>
-              <a:t> (optional).</a:t>
-            </a:r>
-          </a:p>
-          <a:p>
-            <a:pPr>
-              <a:buFont typeface="+mj-lt"/>
-              <a:buAutoNum type="arabicPeriod" startAt="6"/>
-            </a:pPr>
-            <a:r>
-              <a:rPr lang="en-US" dirty="0" smtClean="0"/>
-              <a:t>Click on </a:t>
-            </a:r>
-            <a:r>
-              <a:rPr lang="en-US" b="1" dirty="0" smtClean="0"/>
-              <a:t>OK</a:t>
-            </a:r>
-            <a:r>
-              <a:rPr lang="en-US" dirty="0" smtClean="0"/>
-              <a:t>.</a:t>
-            </a:r>
-          </a:p>
-          <a:p>
-            <a:pPr>
-              <a:buFont typeface="+mj-lt"/>
-              <a:buAutoNum type="arabicPeriod" startAt="6"/>
-            </a:pPr>
-            <a:r>
-              <a:rPr lang="en-US" dirty="0" smtClean="0"/>
-              <a:t>Right-click on your desktop and select </a:t>
-            </a:r>
-            <a:r>
-              <a:rPr lang="en-US" i="1" dirty="0" err="1" smtClean="0"/>
-              <a:t>TortoiseGit</a:t>
-            </a:r>
-            <a:r>
-              <a:rPr lang="en-US" i="1" dirty="0" smtClean="0"/>
-              <a:t> &gt; Settings</a:t>
-            </a:r>
-            <a:r>
-              <a:rPr lang="en-US" dirty="0" smtClean="0"/>
-              <a:t> from the context menu.</a:t>
-            </a:r>
-          </a:p>
-          <a:p>
-            <a:pPr>
-              <a:buFont typeface="+mj-lt"/>
-              <a:buAutoNum type="arabicPeriod" startAt="6"/>
-            </a:pPr>
-            <a:r>
-              <a:rPr lang="en-US" dirty="0" smtClean="0"/>
-              <a:t>Click on </a:t>
-            </a:r>
-            <a:r>
-              <a:rPr lang="en-US" b="1" dirty="0" smtClean="0"/>
-              <a:t>Network</a:t>
-            </a:r>
-            <a:r>
-              <a:rPr lang="en-US" dirty="0" smtClean="0"/>
-              <a:t> in de side bar.</a:t>
-            </a:r>
-          </a:p>
-          <a:p>
-            <a:pPr>
-              <a:buFont typeface="+mj-lt"/>
-              <a:buAutoNum type="arabicPeriod" startAt="6"/>
-            </a:pPr>
-            <a:r>
-              <a:rPr lang="en-US" dirty="0" smtClean="0"/>
-              <a:t>Paste this in the text box </a:t>
-            </a:r>
-            <a:r>
-              <a:rPr lang="en-US" dirty="0" err="1" smtClean="0"/>
-              <a:t>labelled</a:t>
-            </a:r>
-            <a:r>
-              <a:rPr lang="en-US" dirty="0" smtClean="0"/>
-              <a:t> </a:t>
-            </a:r>
-            <a:r>
-              <a:rPr lang="en-US" b="1" dirty="0" smtClean="0"/>
-              <a:t>SSH client</a:t>
-            </a:r>
-            <a:r>
-              <a:rPr lang="en-US" dirty="0" smtClean="0"/>
-              <a:t>:</a:t>
-            </a:r>
-            <a:br>
-              <a:rPr lang="en-US" dirty="0" smtClean="0"/>
-            </a:br>
-            <a:r>
-              <a:rPr lang="en-US" dirty="0" smtClean="0"/>
-              <a:t>C:\Users\&lt;your user name&gt;\</a:t>
-            </a:r>
-            <a:r>
-              <a:rPr lang="en-US" dirty="0" err="1" smtClean="0"/>
-              <a:t>AppData</a:t>
-            </a:r>
-            <a:r>
-              <a:rPr lang="en-US" dirty="0" smtClean="0"/>
-              <a:t>\Local\</a:t>
-            </a:r>
-            <a:r>
-              <a:rPr lang="en-US" dirty="0" err="1" smtClean="0"/>
-              <a:t>GitHub</a:t>
-            </a:r>
-            <a:r>
-              <a:rPr lang="en-US" dirty="0" smtClean="0"/>
-              <a:t>\PORTAB~1\</a:t>
-            </a:r>
-            <a:r>
-              <a:rPr lang="en-US" dirty="0" err="1" smtClean="0"/>
-              <a:t>usr</a:t>
-            </a:r>
-            <a:r>
-              <a:rPr lang="en-US" dirty="0" smtClean="0"/>
-              <a:t>\bin\ssh.exe</a:t>
-            </a:r>
-            <a:br>
-              <a:rPr lang="en-US" dirty="0" smtClean="0"/>
-            </a:br>
-            <a:r>
-              <a:rPr lang="en-US" dirty="0" smtClean="0"/>
-              <a:t>(use your Windows user name) </a:t>
-            </a:r>
-          </a:p>
-          <a:p>
-            <a:pPr>
-              <a:buNone/>
-            </a:pPr>
             <a:endParaRPr lang="en-US" dirty="0"/>
           </a:p>
         </p:txBody>
@@ -12577,7 +12458,7 @@
           <p:cNvPr id="4" name="Picture 4">
             <a:extLst>
               <a:ext uri="{FF2B5EF4-FFF2-40B4-BE49-F238E27FC236}">
-                <a16:creationId xmlns="" xmlns:a16="http://schemas.microsoft.com/office/drawing/2014/main" id="{919EE81D-A196-3246-9A9B-D18318DF27F2}"/>
+                <a16:creationId xmlns:a16="http://schemas.microsoft.com/office/drawing/2014/main" xmlns="" id="{919EE81D-A196-3246-9A9B-D18318DF27F2}"/>
               </a:ext>
             </a:extLst>
           </p:cNvPr>
@@ -12600,6 +12481,29 @@
           <a:prstGeom prst="rect">
             <a:avLst/>
           </a:prstGeom>
+        </p:spPr>
+      </p:pic>
+      <p:pic>
+        <p:nvPicPr>
+          <p:cNvPr id="7" name="Content Placeholder 6" descr="q2.jpg"/>
+          <p:cNvPicPr>
+            <a:picLocks noGrp="1" noChangeAspect="1"/>
+          </p:cNvPicPr>
+          <p:nvPr>
+            <p:ph idx="1"/>
+          </p:nvPr>
+        </p:nvPicPr>
+        <p:blipFill>
+          <a:blip r:embed="rId3"/>
+          <a:stretch>
+            <a:fillRect/>
+          </a:stretch>
+        </p:blipFill>
+        <p:spPr>
+          <a:xfrm>
+            <a:off x="4038600" y="1399309"/>
+            <a:ext cx="5996817" cy="4512541"/>
+          </a:xfrm>
         </p:spPr>
       </p:pic>
     </p:spTree>
@@ -12649,7 +12553,7 @@
         </p:nvSpPr>
         <p:spPr>
           <a:xfrm>
-            <a:off x="2592925" y="624110"/>
+            <a:off x="2514600" y="700310"/>
             <a:ext cx="8911687" cy="747490"/>
           </a:xfrm>
         </p:spPr>
@@ -12662,6 +12566,126 @@
               <a:t>Continue….</a:t>
             </a:r>
             <a:endParaRPr lang="en-US" dirty="0"/>
+          </a:p>
+        </p:txBody>
+      </p:sp>
+      <p:sp>
+        <p:nvSpPr>
+          <p:cNvPr id="3" name="Content Placeholder 2"/>
+          <p:cNvSpPr>
+            <a:spLocks noGrp="1"/>
+          </p:cNvSpPr>
+          <p:nvPr>
+            <p:ph idx="1"/>
+          </p:nvPr>
+        </p:nvSpPr>
+        <p:spPr>
+          <a:xfrm>
+            <a:off x="2514600" y="1752600"/>
+            <a:ext cx="8915400" cy="3352800"/>
+          </a:xfrm>
+        </p:spPr>
+        <p:txBody>
+          <a:bodyPr/>
+          <a:lstStyle/>
+          <a:p>
+            <a:r>
+              <a:rPr lang="en-US" b="1" dirty="0" smtClean="0"/>
+              <a:t>Step 6. Clone a </a:t>
+            </a:r>
+            <a:r>
+              <a:rPr lang="en-US" b="1" dirty="0" err="1" smtClean="0"/>
+              <a:t>Bitbucket</a:t>
+            </a:r>
+            <a:r>
+              <a:rPr lang="en-US" b="1" dirty="0" smtClean="0"/>
+              <a:t> repo</a:t>
+            </a:r>
+          </a:p>
+          <a:p>
+            <a:pPr>
+              <a:buFont typeface="+mj-lt"/>
+              <a:buAutoNum type="arabicPeriod"/>
+            </a:pPr>
+            <a:r>
+              <a:rPr lang="en-US" dirty="0" smtClean="0"/>
+              <a:t>Log into </a:t>
+            </a:r>
+            <a:r>
+              <a:rPr lang="en-US" dirty="0" smtClean="0">
+                <a:hlinkClick r:id="rId2"/>
+              </a:rPr>
+              <a:t>bitbucket.org</a:t>
+            </a:r>
+            <a:endParaRPr lang="en-US" dirty="0" smtClean="0"/>
+          </a:p>
+          <a:p>
+            <a:pPr>
+              <a:buFont typeface="+mj-lt"/>
+              <a:buAutoNum type="arabicPeriod"/>
+            </a:pPr>
+            <a:r>
+              <a:rPr lang="en-US" dirty="0" smtClean="0"/>
+              <a:t>Go to an existing repository or create a new repository.</a:t>
+            </a:r>
+          </a:p>
+          <a:p>
+            <a:pPr>
+              <a:buFont typeface="+mj-lt"/>
+              <a:buAutoNum type="arabicPeriod"/>
+            </a:pPr>
+            <a:r>
+              <a:rPr lang="en-US" dirty="0" smtClean="0"/>
+              <a:t>Click on </a:t>
+            </a:r>
+            <a:r>
+              <a:rPr lang="en-US" b="1" dirty="0" smtClean="0"/>
+              <a:t>Clone</a:t>
+            </a:r>
+            <a:r>
+              <a:rPr lang="en-US" dirty="0" smtClean="0"/>
+              <a:t> in the side bar.</a:t>
+            </a:r>
+          </a:p>
+          <a:p>
+            <a:pPr>
+              <a:buFont typeface="+mj-lt"/>
+              <a:buAutoNum type="arabicPeriod"/>
+            </a:pPr>
+            <a:r>
+              <a:rPr lang="en-US" dirty="0" smtClean="0"/>
+              <a:t>Select </a:t>
+            </a:r>
+            <a:r>
+              <a:rPr lang="en-US" b="1" dirty="0" smtClean="0"/>
+              <a:t>SSH</a:t>
+            </a:r>
+            <a:r>
+              <a:rPr lang="en-US" dirty="0" smtClean="0"/>
+              <a:t> from the drop-down.</a:t>
+            </a:r>
+          </a:p>
+          <a:p>
+            <a:pPr>
+              <a:buFont typeface="+mj-lt"/>
+              <a:buAutoNum type="arabicPeriod"/>
+            </a:pPr>
+            <a:r>
+              <a:rPr lang="en-US" dirty="0" smtClean="0"/>
+              <a:t>You will see a text box to the right with all its text selected. </a:t>
+            </a:r>
+            <a:r>
+              <a:rPr lang="en-US" b="1" dirty="0" err="1" smtClean="0"/>
+              <a:t>git</a:t>
+            </a:r>
+            <a:r>
+              <a:rPr lang="en-US" b="1" dirty="0" smtClean="0"/>
+              <a:t> clone</a:t>
+            </a:r>
+            <a:r>
+              <a:rPr lang="en-US" dirty="0" smtClean="0"/>
+              <a:t> is a command and we don’t need that now. So, copy everything else.</a:t>
+            </a:r>
           </a:p>
         </p:txBody>
       </p:sp>
@@ -12670,7 +12694,7 @@
           <p:cNvPr id="4" name="Picture 4">
             <a:extLst>
               <a:ext uri="{FF2B5EF4-FFF2-40B4-BE49-F238E27FC236}">
-                <a16:creationId xmlns="" xmlns:a16="http://schemas.microsoft.com/office/drawing/2014/main" id="{919EE81D-A196-3246-9A9B-D18318DF27F2}"/>
+                <a16:creationId xmlns:a16="http://schemas.microsoft.com/office/drawing/2014/main" xmlns="" id="{919EE81D-A196-3246-9A9B-D18318DF27F2}"/>
               </a:ext>
             </a:extLst>
           </p:cNvPr>
@@ -12680,32 +12704,6 @@
           <p:nvPr/>
         </p:nvPicPr>
         <p:blipFill>
-          <a:blip r:embed="rId2"/>
-          <a:stretch>
-            <a:fillRect/>
-          </a:stretch>
-        </p:blipFill>
-        <p:spPr>
-          <a:xfrm>
-            <a:off x="11306371" y="157161"/>
-            <a:ext cx="623691" cy="623691"/>
-          </a:xfrm>
-          <a:prstGeom prst="rect">
-            <a:avLst/>
-          </a:prstGeom>
-        </p:spPr>
-      </p:pic>
-      <p:pic>
-        <p:nvPicPr>
-          <p:cNvPr id="7" name="Content Placeholder 6" descr="q2.jpg"/>
-          <p:cNvPicPr>
-            <a:picLocks noGrp="1" noChangeAspect="1"/>
-          </p:cNvPicPr>
-          <p:nvPr>
-            <p:ph idx="1"/>
-          </p:nvPr>
-        </p:nvPicPr>
-        <p:blipFill>
           <a:blip r:embed="rId3"/>
           <a:stretch>
             <a:fillRect/>
@@ -12713,9 +12711,12 @@
         </p:blipFill>
         <p:spPr>
           <a:xfrm>
-            <a:off x="4038600" y="1399309"/>
-            <a:ext cx="5996817" cy="4512541"/>
-          </a:xfrm>
+            <a:off x="11306371" y="157161"/>
+            <a:ext cx="623691" cy="623691"/>
+          </a:xfrm>
+          <a:prstGeom prst="rect">
+            <a:avLst/>
+          </a:prstGeom>
         </p:spPr>
       </p:pic>
     </p:spTree>
@@ -12758,7 +12759,7 @@
           <p:cNvPr id="2" name="Title 1">
             <a:extLst>
               <a:ext uri="{FF2B5EF4-FFF2-40B4-BE49-F238E27FC236}">
-                <a16:creationId xmlns="" xmlns:a16="http://schemas.microsoft.com/office/drawing/2014/main" id="{CD215E14-9161-9B48-92E5-FE9B788C381B}"/>
+                <a16:creationId xmlns:a16="http://schemas.microsoft.com/office/drawing/2014/main" xmlns="" id="{CD215E14-9161-9B48-92E5-FE9B788C381B}"/>
               </a:ext>
             </a:extLst>
           </p:cNvPr>
@@ -12808,7 +12809,7 @@
           <p:cNvPr id="3" name="Content Placeholder 2">
             <a:extLst>
               <a:ext uri="{FF2B5EF4-FFF2-40B4-BE49-F238E27FC236}">
-                <a16:creationId xmlns="" xmlns:a16="http://schemas.microsoft.com/office/drawing/2014/main" id="{FDD0E421-9E3A-5349-80D9-5EC20E4655AC}"/>
+                <a16:creationId xmlns:a16="http://schemas.microsoft.com/office/drawing/2014/main" xmlns="" id="{FDD0E421-9E3A-5349-80D9-5EC20E4655AC}"/>
               </a:ext>
             </a:extLst>
           </p:cNvPr>
@@ -13069,7 +13070,7 @@
           <p:cNvPr id="4" name="Picture 4">
             <a:extLst>
               <a:ext uri="{FF2B5EF4-FFF2-40B4-BE49-F238E27FC236}">
-                <a16:creationId xmlns="" xmlns:a16="http://schemas.microsoft.com/office/drawing/2014/main" id="{919EE81D-A196-3246-9A9B-D18318DF27F2}"/>
+                <a16:creationId xmlns:a16="http://schemas.microsoft.com/office/drawing/2014/main" xmlns="" id="{919EE81D-A196-3246-9A9B-D18318DF27F2}"/>
               </a:ext>
             </a:extLst>
           </p:cNvPr>
@@ -13097,7 +13098,7 @@
     </p:spTree>
     <p:extLst>
       <p:ext uri="{BB962C8B-B14F-4D97-AF65-F5344CB8AC3E}">
-        <p14:creationId xmlns="" xmlns:p14="http://schemas.microsoft.com/office/powerpoint/2010/main" val="618808843"/>
+        <p14:creationId xmlns:p14="http://schemas.microsoft.com/office/powerpoint/2010/main" xmlns="" val="618808843"/>
       </p:ext>
     </p:extLst>
   </p:cSld>
@@ -13146,8 +13147,8 @@
         </p:nvSpPr>
         <p:spPr>
           <a:xfrm>
-            <a:off x="2514600" y="700310"/>
-            <a:ext cx="8911687" cy="747490"/>
+            <a:off x="2592925" y="624110"/>
+            <a:ext cx="8911687" cy="823690"/>
           </a:xfrm>
         </p:spPr>
         <p:txBody>
@@ -13174,111 +13175,133 @@
         </p:nvSpPr>
         <p:spPr>
           <a:xfrm>
-            <a:off x="2514600" y="1752600"/>
-            <a:ext cx="8915400" cy="3352800"/>
+            <a:off x="2589212" y="1447800"/>
+            <a:ext cx="8915400" cy="4463422"/>
           </a:xfrm>
         </p:spPr>
         <p:txBody>
           <a:bodyPr/>
           <a:lstStyle/>
           <a:p>
-            <a:r>
-              <a:rPr lang="en-US" b="1" dirty="0" smtClean="0"/>
-              <a:t>Step 6. Clone a </a:t>
-            </a:r>
-            <a:r>
-              <a:rPr lang="en-US" b="1" dirty="0" err="1" smtClean="0"/>
-              <a:t>Bitbucket</a:t>
-            </a:r>
-            <a:r>
-              <a:rPr lang="en-US" b="1" dirty="0" smtClean="0"/>
-              <a:t> repo</a:t>
-            </a:r>
-          </a:p>
-          <a:p>
             <a:pPr>
               <a:buFont typeface="+mj-lt"/>
-              <a:buAutoNum type="arabicPeriod"/>
+              <a:buAutoNum type="arabicPeriod" startAt="6"/>
             </a:pPr>
             <a:r>
               <a:rPr lang="en-US" dirty="0" smtClean="0"/>
-              <a:t>Log into </a:t>
-            </a:r>
-            <a:r>
-              <a:rPr lang="en-US" dirty="0" smtClean="0">
-                <a:hlinkClick r:id="rId2"/>
-              </a:rPr>
-              <a:t>bitbucket.org</a:t>
-            </a:r>
-            <a:endParaRPr lang="en-US" dirty="0" smtClean="0"/>
+              <a:t>If you paste the copied text to your favorite text editor, it should look something like the following:</a:t>
+            </a:r>
+            <a:br>
+              <a:rPr lang="en-US" dirty="0" smtClean="0"/>
+            </a:br>
+            <a:r>
+              <a:rPr lang="en-US" dirty="0" err="1" smtClean="0"/>
+              <a:t>git@bitbucket.org:svanas</a:t>
+            </a:r>
+            <a:r>
+              <a:rPr lang="en-US" dirty="0" smtClean="0"/>
+              <a:t>/sample-repository.git</a:t>
+            </a:r>
+            <a:br>
+              <a:rPr lang="en-US" dirty="0" smtClean="0"/>
+            </a:br>
+            <a:r>
+              <a:rPr lang="en-US" dirty="0" smtClean="0"/>
+              <a:t>This is our clone URL. Note that there’s no </a:t>
+            </a:r>
+            <a:r>
+              <a:rPr lang="en-US" b="1" dirty="0" err="1" smtClean="0"/>
+              <a:t>git</a:t>
+            </a:r>
+            <a:r>
+              <a:rPr lang="en-US" b="1" dirty="0" smtClean="0"/>
+              <a:t> clone</a:t>
+            </a:r>
+            <a:r>
+              <a:rPr lang="en-US" dirty="0" smtClean="0"/>
+              <a:t> command in it. If you accidentally included that, copy again WITHOUT it. Some parts will be different for you because you will have a different username and repository name.</a:t>
+            </a:r>
           </a:p>
           <a:p>
             <a:pPr>
               <a:buFont typeface="+mj-lt"/>
-              <a:buAutoNum type="arabicPeriod"/>
+              <a:buAutoNum type="arabicPeriod" startAt="6"/>
             </a:pPr>
             <a:r>
               <a:rPr lang="en-US" dirty="0" smtClean="0"/>
-              <a:t>Go to an existing repository or create a new repository.</a:t>
+              <a:t>Right-click on your desktop and select </a:t>
+            </a:r>
+            <a:r>
+              <a:rPr lang="en-US" b="1" dirty="0" err="1" smtClean="0"/>
+              <a:t>Git</a:t>
+            </a:r>
+            <a:r>
+              <a:rPr lang="en-US" b="1" dirty="0" smtClean="0"/>
+              <a:t> Clone…</a:t>
+            </a:r>
+            <a:r>
+              <a:rPr lang="en-US" dirty="0" smtClean="0"/>
+              <a:t> from the context menu.</a:t>
             </a:r>
           </a:p>
           <a:p>
             <a:pPr>
               <a:buFont typeface="+mj-lt"/>
-              <a:buAutoNum type="arabicPeriod"/>
+              <a:buAutoNum type="arabicPeriod" startAt="6"/>
             </a:pPr>
             <a:r>
               <a:rPr lang="en-US" dirty="0" smtClean="0"/>
-              <a:t>Click on </a:t>
+              <a:t>The following window will appear. Paste the copied clone URL in the text box </a:t>
+            </a:r>
+            <a:r>
+              <a:rPr lang="en-US" dirty="0" err="1" smtClean="0"/>
+              <a:t>labelled</a:t>
+            </a:r>
+            <a:r>
+              <a:rPr lang="en-US" dirty="0" smtClean="0"/>
+              <a:t> </a:t>
             </a:r>
             <a:r>
               <a:rPr lang="en-US" b="1" dirty="0" smtClean="0"/>
-              <a:t>Clone</a:t>
+              <a:t>URL</a:t>
             </a:r>
             <a:r>
               <a:rPr lang="en-US" dirty="0" smtClean="0"/>
-              <a:t> in the side bar.</a:t>
+              <a:t> and then click on </a:t>
+            </a:r>
+            <a:r>
+              <a:rPr lang="en-US" b="1" dirty="0" smtClean="0"/>
+              <a:t>OK</a:t>
+            </a:r>
+            <a:r>
+              <a:rPr lang="en-US" dirty="0" smtClean="0"/>
+              <a:t>.</a:t>
             </a:r>
           </a:p>
           <a:p>
             <a:pPr>
               <a:buFont typeface="+mj-lt"/>
-              <a:buAutoNum type="arabicPeriod"/>
+              <a:buAutoNum type="arabicPeriod" startAt="6"/>
             </a:pPr>
             <a:r>
               <a:rPr lang="en-US" dirty="0" smtClean="0"/>
-              <a:t>Select </a:t>
-            </a:r>
-            <a:r>
-              <a:rPr lang="en-US" b="1" dirty="0" smtClean="0"/>
-              <a:t>SSH</a:t>
+              <a:t>If everything went fine, you should see a blue success message at the bottom in </a:t>
+            </a:r>
+            <a:r>
+              <a:rPr lang="en-US" dirty="0" err="1" smtClean="0"/>
+              <a:t>TortoiseGit</a:t>
             </a:r>
             <a:r>
               <a:rPr lang="en-US" dirty="0" smtClean="0"/>
-              <a:t> from the drop-down.</a:t>
+              <a:t> once the cloning is complete.</a:t>
             </a:r>
           </a:p>
           <a:p>
             <a:pPr>
               <a:buFont typeface="+mj-lt"/>
-              <a:buAutoNum type="arabicPeriod"/>
+              <a:buAutoNum type="arabicPeriod" startAt="6"/>
             </a:pPr>
-            <a:r>
-              <a:rPr lang="en-US" dirty="0" smtClean="0"/>
-              <a:t>You will see a text box to the right with all its text selected. </a:t>
-            </a:r>
-            <a:r>
-              <a:rPr lang="en-US" b="1" dirty="0" err="1" smtClean="0"/>
-              <a:t>git</a:t>
-            </a:r>
-            <a:r>
-              <a:rPr lang="en-US" b="1" dirty="0" smtClean="0"/>
-              <a:t> clone</a:t>
-            </a:r>
-            <a:r>
-              <a:rPr lang="en-US" dirty="0" smtClean="0"/>
-              <a:t> is a command and we don’t need that now. So, copy everything else.</a:t>
-            </a:r>
+            <a:endParaRPr lang="en-US" dirty="0"/>
           </a:p>
         </p:txBody>
       </p:sp>
@@ -13287,7 +13310,7 @@
           <p:cNvPr id="4" name="Picture 4">
             <a:extLst>
               <a:ext uri="{FF2B5EF4-FFF2-40B4-BE49-F238E27FC236}">
-                <a16:creationId xmlns="" xmlns:a16="http://schemas.microsoft.com/office/drawing/2014/main" id="{919EE81D-A196-3246-9A9B-D18318DF27F2}"/>
+                <a16:creationId xmlns:a16="http://schemas.microsoft.com/office/drawing/2014/main" xmlns="" id="{919EE81D-A196-3246-9A9B-D18318DF27F2}"/>
               </a:ext>
             </a:extLst>
           </p:cNvPr>
@@ -13297,7 +13320,7 @@
           <p:nvPr/>
         </p:nvPicPr>
         <p:blipFill>
-          <a:blip r:embed="rId3"/>
+          <a:blip r:embed="rId2"/>
           <a:stretch>
             <a:fillRect/>
           </a:stretch>
@@ -13349,180 +13372,62 @@
       </p:grpSpPr>
       <p:sp>
         <p:nvSpPr>
-          <p:cNvPr id="2" name="Title 1"/>
-          <p:cNvSpPr>
-            <a:spLocks noGrp="1"/>
+          <p:cNvPr id="5" name="Title 1"/>
+          <p:cNvSpPr txBox="1">
+            <a:spLocks/>
           </p:cNvSpPr>
-          <p:nvPr>
-            <p:ph type="title"/>
-          </p:nvPr>
-        </p:nvSpPr>
-        <p:spPr>
-          <a:xfrm>
-            <a:off x="2592925" y="624110"/>
+          <p:nvPr/>
+        </p:nvSpPr>
+        <p:spPr>
+          <a:xfrm>
+            <a:off x="2590800" y="533400"/>
             <a:ext cx="8911687" cy="823690"/>
           </a:xfrm>
-        </p:spPr>
-        <p:txBody>
-          <a:bodyPr/>
+          <a:prstGeom prst="rect">
+            <a:avLst/>
+          </a:prstGeom>
+        </p:spPr>
+        <p:txBody>
+          <a:bodyPr vert="horz" lIns="91440" tIns="45720" rIns="91440" bIns="45720" rtlCol="0" anchor="t">
+            <a:normAutofit/>
+          </a:bodyPr>
           <a:lstStyle/>
           <a:p>
-            <a:r>
-              <a:rPr lang="en-US" b="1" dirty="0" smtClean="0"/>
+            <a:pPr lvl="0">
+              <a:spcBef>
+                <a:spcPct val="0"/>
+              </a:spcBef>
+            </a:pPr>
+            <a:r>
+              <a:rPr lang="en-US" sz="3600" b="1" dirty="0" smtClean="0"/>
               <a:t>Continue….</a:t>
             </a:r>
-            <a:endParaRPr lang="en-US" dirty="0"/>
-          </a:p>
-        </p:txBody>
-      </p:sp>
-      <p:sp>
-        <p:nvSpPr>
-          <p:cNvPr id="3" name="Content Placeholder 2"/>
-          <p:cNvSpPr>
-            <a:spLocks noGrp="1"/>
-          </p:cNvSpPr>
-          <p:nvPr>
-            <p:ph idx="1"/>
-          </p:nvPr>
-        </p:nvSpPr>
-        <p:spPr>
-          <a:xfrm>
-            <a:off x="2589212" y="1447800"/>
-            <a:ext cx="8915400" cy="4463422"/>
-          </a:xfrm>
-        </p:spPr>
-        <p:txBody>
-          <a:bodyPr/>
-          <a:lstStyle/>
-          <a:p>
-            <a:pPr>
-              <a:buFont typeface="+mj-lt"/>
-              <a:buAutoNum type="arabicPeriod" startAt="6"/>
-            </a:pPr>
-            <a:r>
-              <a:rPr lang="en-US" dirty="0" smtClean="0"/>
-              <a:t>If you paste the copied text to your favorite text editor, it should look something like the following:</a:t>
-            </a:r>
-            <a:br>
-              <a:rPr lang="en-US" dirty="0" smtClean="0"/>
-            </a:br>
-            <a:r>
-              <a:rPr lang="en-US" dirty="0" err="1" smtClean="0"/>
-              <a:t>git@bitbucket.org:svanas</a:t>
-            </a:r>
-            <a:r>
-              <a:rPr lang="en-US" dirty="0" smtClean="0"/>
-              <a:t>/sample-repository.git</a:t>
-            </a:r>
-            <a:br>
-              <a:rPr lang="en-US" dirty="0" smtClean="0"/>
-            </a:br>
-            <a:r>
-              <a:rPr lang="en-US" dirty="0" smtClean="0"/>
-              <a:t>This is our clone URL. Note that there’s no </a:t>
-            </a:r>
-            <a:r>
-              <a:rPr lang="en-US" b="1" dirty="0" err="1" smtClean="0"/>
-              <a:t>git</a:t>
-            </a:r>
-            <a:r>
-              <a:rPr lang="en-US" b="1" dirty="0" smtClean="0"/>
-              <a:t> clone</a:t>
-            </a:r>
-            <a:r>
-              <a:rPr lang="en-US" dirty="0" smtClean="0"/>
-              <a:t> command in it. If you accidentally included that, copy again WITHOUT it. Some parts will be different for you because you will have a different username and repository name.</a:t>
-            </a:r>
-          </a:p>
-          <a:p>
-            <a:pPr>
-              <a:buFont typeface="+mj-lt"/>
-              <a:buAutoNum type="arabicPeriod" startAt="6"/>
-            </a:pPr>
-            <a:r>
-              <a:rPr lang="en-US" dirty="0" smtClean="0"/>
-              <a:t>Right-click on your desktop and select </a:t>
-            </a:r>
-            <a:r>
-              <a:rPr lang="en-US" b="1" dirty="0" err="1" smtClean="0"/>
-              <a:t>Git</a:t>
-            </a:r>
-            <a:r>
-              <a:rPr lang="en-US" b="1" dirty="0" smtClean="0"/>
-              <a:t> Clone…</a:t>
-            </a:r>
-            <a:r>
-              <a:rPr lang="en-US" dirty="0" smtClean="0"/>
-              <a:t> from the context menu.</a:t>
-            </a:r>
-          </a:p>
-          <a:p>
-            <a:pPr>
-              <a:buFont typeface="+mj-lt"/>
-              <a:buAutoNum type="arabicPeriod" startAt="6"/>
-            </a:pPr>
-            <a:r>
-              <a:rPr lang="en-US" dirty="0" smtClean="0"/>
-              <a:t>The following window will appear. Paste the copied clone URL in the text box </a:t>
-            </a:r>
-            <a:r>
-              <a:rPr lang="en-US" dirty="0" err="1" smtClean="0"/>
-              <a:t>labelled</a:t>
-            </a:r>
-            <a:r>
-              <a:rPr lang="en-US" dirty="0" smtClean="0"/>
-              <a:t> </a:t>
-            </a:r>
-            <a:r>
-              <a:rPr lang="en-US" b="1" dirty="0" smtClean="0"/>
-              <a:t>URL</a:t>
-            </a:r>
-            <a:r>
-              <a:rPr lang="en-US" dirty="0" smtClean="0"/>
-              <a:t> and then click on </a:t>
-            </a:r>
-            <a:r>
-              <a:rPr lang="en-US" b="1" dirty="0" smtClean="0"/>
-              <a:t>OK</a:t>
-            </a:r>
-            <a:r>
-              <a:rPr lang="en-US" dirty="0" smtClean="0"/>
-              <a:t>.</a:t>
-            </a:r>
-          </a:p>
-          <a:p>
-            <a:pPr>
-              <a:buFont typeface="+mj-lt"/>
-              <a:buAutoNum type="arabicPeriod" startAt="6"/>
-            </a:pPr>
-            <a:r>
-              <a:rPr lang="en-US" dirty="0" smtClean="0"/>
-              <a:t>If everything went fine, you should see a blue success message at the bottom in </a:t>
-            </a:r>
-            <a:r>
-              <a:rPr lang="en-US" dirty="0" err="1" smtClean="0"/>
-              <a:t>TortoiseGit</a:t>
-            </a:r>
-            <a:r>
-              <a:rPr lang="en-US" dirty="0" smtClean="0"/>
-              <a:t> once the cloning is complete.</a:t>
-            </a:r>
-          </a:p>
-          <a:p>
-            <a:pPr>
-              <a:buFont typeface="+mj-lt"/>
-              <a:buAutoNum type="arabicPeriod" startAt="6"/>
-            </a:pPr>
-            <a:endParaRPr lang="en-US" dirty="0"/>
+            <a:endParaRPr kumimoji="0" lang="en-US" sz="3600" b="0" i="0" u="none" strike="noStrike" kern="1200" cap="none" spc="0" normalizeH="0" baseline="0" noProof="0" dirty="0">
+              <a:ln>
+                <a:noFill/>
+              </a:ln>
+              <a:solidFill>
+                <a:schemeClr val="tx1">
+                  <a:lumMod val="85000"/>
+                  <a:lumOff val="15000"/>
+                </a:schemeClr>
+              </a:solidFill>
+              <a:effectLst/>
+              <a:uLnTx/>
+              <a:uFillTx/>
+              <a:latin typeface="+mj-lt"/>
+              <a:ea typeface="+mj-ea"/>
+              <a:cs typeface="+mj-cs"/>
+            </a:endParaRPr>
           </a:p>
         </p:txBody>
       </p:sp>
       <p:pic>
         <p:nvPicPr>
-          <p:cNvPr id="4" name="Picture 4">
+          <p:cNvPr id="6" name="Picture 4">
             <a:extLst>
               <a:ext uri="{FF2B5EF4-FFF2-40B4-BE49-F238E27FC236}">
-                <a16:creationId xmlns="" xmlns:a16="http://schemas.microsoft.com/office/drawing/2014/main" id="{919EE81D-A196-3246-9A9B-D18318DF27F2}"/>
+                <a16:creationId xmlns:a16="http://schemas.microsoft.com/office/drawing/2014/main" xmlns="" id="{919EE81D-A196-3246-9A9B-D18318DF27F2}"/>
               </a:ext>
             </a:extLst>
           </p:cNvPr>
@@ -13541,6 +13446,30 @@
           <a:xfrm>
             <a:off x="11306371" y="157161"/>
             <a:ext cx="623691" cy="623691"/>
+          </a:xfrm>
+          <a:prstGeom prst="rect">
+            <a:avLst/>
+          </a:prstGeom>
+        </p:spPr>
+      </p:pic>
+      <p:pic>
+        <p:nvPicPr>
+          <p:cNvPr id="9" name="Picture 8" descr="q3.jpg"/>
+          <p:cNvPicPr>
+            <a:picLocks noChangeAspect="1"/>
+          </p:cNvPicPr>
+          <p:nvPr/>
+        </p:nvPicPr>
+        <p:blipFill>
+          <a:blip r:embed="rId3"/>
+          <a:stretch>
+            <a:fillRect/>
+          </a:stretch>
+        </p:blipFill>
+        <p:spPr>
+          <a:xfrm>
+            <a:off x="3200400" y="1219200"/>
+            <a:ext cx="6529980" cy="4667682"/>
           </a:xfrm>
           <a:prstGeom prst="rect">
             <a:avLst/>
@@ -13584,53 +13513,31 @@
       </p:grpSpPr>
       <p:sp>
         <p:nvSpPr>
-          <p:cNvPr id="5" name="Title 1"/>
-          <p:cNvSpPr txBox="1">
-            <a:spLocks/>
+          <p:cNvPr id="4" name="Title 1"/>
+          <p:cNvSpPr>
+            <a:spLocks noGrp="1"/>
           </p:cNvSpPr>
-          <p:nvPr/>
-        </p:nvSpPr>
-        <p:spPr>
-          <a:xfrm>
-            <a:off x="2590800" y="533400"/>
-            <a:ext cx="8911687" cy="823690"/>
-          </a:xfrm>
-          <a:prstGeom prst="rect">
-            <a:avLst/>
-          </a:prstGeom>
-        </p:spPr>
-        <p:txBody>
-          <a:bodyPr vert="horz" lIns="91440" tIns="45720" rIns="91440" bIns="45720" rtlCol="0" anchor="t">
+          <p:nvPr>
+            <p:ph type="title"/>
+          </p:nvPr>
+        </p:nvSpPr>
+        <p:spPr>
+          <a:xfrm>
+            <a:off x="2592925" y="624110"/>
+            <a:ext cx="8911687" cy="747490"/>
+          </a:xfrm>
+        </p:spPr>
+        <p:txBody>
+          <a:bodyPr>
             <a:normAutofit/>
           </a:bodyPr>
           <a:lstStyle/>
           <a:p>
-            <a:pPr lvl="0">
-              <a:spcBef>
-                <a:spcPct val="0"/>
-              </a:spcBef>
-            </a:pPr>
-            <a:r>
-              <a:rPr lang="en-US" sz="3600" b="1" dirty="0" smtClean="0"/>
+            <a:r>
+              <a:rPr lang="en-US" sz="4000" b="1" dirty="0" smtClean="0"/>
               <a:t>Continue….</a:t>
             </a:r>
-            <a:endParaRPr kumimoji="0" lang="en-US" sz="3600" b="0" i="0" u="none" strike="noStrike" kern="1200" cap="none" spc="0" normalizeH="0" baseline="0" noProof="0" dirty="0">
-              <a:ln>
-                <a:noFill/>
-              </a:ln>
-              <a:solidFill>
-                <a:schemeClr val="tx1">
-                  <a:lumMod val="85000"/>
-                  <a:lumOff val="15000"/>
-                </a:schemeClr>
-              </a:solidFill>
-              <a:effectLst/>
-              <a:uLnTx/>
-              <a:uFillTx/>
-              <a:latin typeface="+mj-lt"/>
-              <a:ea typeface="+mj-ea"/>
-              <a:cs typeface="+mj-cs"/>
-            </a:endParaRPr>
+            <a:endParaRPr lang="en-US" sz="4000" dirty="0"/>
           </a:p>
         </p:txBody>
       </p:sp>
@@ -13639,7 +13546,7 @@
           <p:cNvPr id="6" name="Picture 4">
             <a:extLst>
               <a:ext uri="{FF2B5EF4-FFF2-40B4-BE49-F238E27FC236}">
-                <a16:creationId xmlns="" xmlns:a16="http://schemas.microsoft.com/office/drawing/2014/main" id="{919EE81D-A196-3246-9A9B-D18318DF27F2}"/>
+                <a16:creationId xmlns:a16="http://schemas.microsoft.com/office/drawing/2014/main" xmlns="" id="{919EE81D-A196-3246-9A9B-D18318DF27F2}"/>
               </a:ext>
             </a:extLst>
           </p:cNvPr>
@@ -13666,7 +13573,7 @@
       </p:pic>
       <p:pic>
         <p:nvPicPr>
-          <p:cNvPr id="9" name="Picture 8" descr="q3.jpg"/>
+          <p:cNvPr id="7" name="Content Placeholder 3" descr="t7.jpg"/>
           <p:cNvPicPr>
             <a:picLocks noChangeAspect="1"/>
           </p:cNvPicPr>
@@ -13680,8 +13587,8 @@
         </p:blipFill>
         <p:spPr>
           <a:xfrm>
-            <a:off x="3200400" y="1219200"/>
-            <a:ext cx="6529980" cy="4667682"/>
+            <a:off x="3962400" y="1524000"/>
+            <a:ext cx="5900031" cy="4084637"/>
           </a:xfrm>
           <a:prstGeom prst="rect">
             <a:avLst/>
@@ -13725,7 +13632,7 @@
       </p:grpSpPr>
       <p:sp>
         <p:nvSpPr>
-          <p:cNvPr id="4" name="Title 1"/>
+          <p:cNvPr id="2" name="Title 1"/>
           <p:cNvSpPr>
             <a:spLocks noGrp="1"/>
           </p:cNvSpPr>
@@ -13746,19 +13653,152 @@
           <a:lstStyle/>
           <a:p>
             <a:r>
-              <a:rPr lang="en-US" sz="4000" b="1" dirty="0" smtClean="0"/>
-              <a:t>Continue….</a:t>
-            </a:r>
-            <a:endParaRPr lang="en-US" sz="4000" dirty="0"/>
+              <a:rPr lang="en-US" sz="4000" b="1" dirty="0" smtClean="0">
+                <a:solidFill>
+                  <a:schemeClr val="tx1">
+                    <a:lumMod val="75000"/>
+                    <a:lumOff val="25000"/>
+                  </a:schemeClr>
+                </a:solidFill>
+              </a:rPr>
+              <a:t>Conclusion</a:t>
+            </a:r>
+            <a:endParaRPr lang="en-US" sz="4000" b="1" dirty="0">
+              <a:solidFill>
+                <a:schemeClr val="tx1">
+                  <a:lumMod val="75000"/>
+                  <a:lumOff val="25000"/>
+                </a:schemeClr>
+              </a:solidFill>
+            </a:endParaRPr>
+          </a:p>
+        </p:txBody>
+      </p:sp>
+      <p:sp>
+        <p:nvSpPr>
+          <p:cNvPr id="3" name="Content Placeholder 2"/>
+          <p:cNvSpPr>
+            <a:spLocks noGrp="1"/>
+          </p:cNvSpPr>
+          <p:nvPr>
+            <p:ph idx="1"/>
+          </p:nvPr>
+        </p:nvSpPr>
+        <p:spPr>
+          <a:xfrm>
+            <a:off x="2589212" y="1524000"/>
+            <a:ext cx="8915400" cy="4387222"/>
+          </a:xfrm>
+        </p:spPr>
+        <p:txBody>
+          <a:bodyPr/>
+          <a:lstStyle/>
+          <a:p>
+            <a:r>
+              <a:rPr lang="en-US" dirty="0" smtClean="0"/>
+              <a:t>Version Control System (</a:t>
+            </a:r>
+            <a:r>
+              <a:rPr lang="en-US" b="1" dirty="0" smtClean="0"/>
+              <a:t>VCS</a:t>
+            </a:r>
+            <a:r>
+              <a:rPr lang="en-US" dirty="0" smtClean="0"/>
+              <a:t>) is a software that helps software developers to work together and maintain a complete history of their work.</a:t>
+            </a:r>
+          </a:p>
+          <a:p>
+            <a:r>
+              <a:rPr lang="en-US" dirty="0" smtClean="0"/>
+              <a:t> Two types of VCS:</a:t>
+            </a:r>
+          </a:p>
+          <a:p>
+            <a:pPr>
+              <a:buNone/>
+            </a:pPr>
+            <a:r>
+              <a:rPr lang="en-US" dirty="0" smtClean="0"/>
+              <a:t>            Centralized version control system (CVCS).</a:t>
+            </a:r>
+          </a:p>
+          <a:p>
+            <a:pPr>
+              <a:buNone/>
+            </a:pPr>
+            <a:r>
+              <a:rPr lang="en-US" dirty="0" smtClean="0"/>
+              <a:t>            Distributed/Decentralized version control system (DVCS).</a:t>
+            </a:r>
+          </a:p>
+          <a:p>
+            <a:r>
+              <a:rPr lang="en-GB" dirty="0" smtClean="0"/>
+              <a:t>Most widely used modern version  control system  in the world  today  is Git.</a:t>
+            </a:r>
+          </a:p>
+          <a:p>
+            <a:r>
+              <a:rPr lang="en-GB" dirty="0" smtClean="0"/>
+              <a:t>GitHub.com is a site for online storage of git repositories.</a:t>
+            </a:r>
+          </a:p>
+          <a:p>
+            <a:r>
+              <a:rPr lang="en-US" b="1" dirty="0" err="1" smtClean="0"/>
+              <a:t>Bitbucket</a:t>
+            </a:r>
+            <a:r>
+              <a:rPr lang="en-US" dirty="0" smtClean="0"/>
+              <a:t> is a web-based hosting service, </a:t>
+            </a:r>
+            <a:r>
+              <a:rPr lang="en-US" dirty="0" err="1" smtClean="0"/>
+              <a:t>Bitbucket</a:t>
+            </a:r>
+            <a:r>
+              <a:rPr lang="en-US" dirty="0" smtClean="0"/>
+              <a:t>, you get unlimited private repositories, and they are free for small teams of 5.</a:t>
+            </a:r>
+          </a:p>
+          <a:p>
+            <a:r>
+              <a:rPr lang="en-GB" dirty="0" smtClean="0"/>
+              <a:t> Tortoise git is</a:t>
+            </a:r>
+            <a:r>
+              <a:rPr lang="en-GB" smtClean="0"/>
+              <a:t>, Free </a:t>
+            </a:r>
+            <a:r>
+              <a:rPr lang="en-GB" dirty="0" smtClean="0"/>
+              <a:t>Open source  client  for git Version control system</a:t>
+            </a:r>
+            <a:endParaRPr lang="en-US" dirty="0" smtClean="0"/>
+          </a:p>
+          <a:p>
+            <a:endParaRPr lang="en-GB" dirty="0" smtClean="0"/>
+          </a:p>
+          <a:p>
+            <a:endParaRPr lang="en-GB" dirty="0" smtClean="0"/>
+          </a:p>
+          <a:p>
+            <a:endParaRPr lang="en-US" dirty="0" smtClean="0"/>
+          </a:p>
+          <a:p>
+            <a:pPr>
+              <a:buNone/>
+            </a:pPr>
+            <a:endParaRPr lang="en-US" dirty="0"/>
           </a:p>
         </p:txBody>
       </p:sp>
       <p:pic>
         <p:nvPicPr>
-          <p:cNvPr id="6" name="Picture 4">
+          <p:cNvPr id="4" name="Picture 4">
             <a:extLst>
               <a:ext uri="{FF2B5EF4-FFF2-40B4-BE49-F238E27FC236}">
-                <a16:creationId xmlns="" xmlns:a16="http://schemas.microsoft.com/office/drawing/2014/main" id="{919EE81D-A196-3246-9A9B-D18318DF27F2}"/>
+                <a16:creationId xmlns:a16="http://schemas.microsoft.com/office/drawing/2014/main" xmlns="" id="{919EE81D-A196-3246-9A9B-D18318DF27F2}"/>
               </a:ext>
             </a:extLst>
           </p:cNvPr>
@@ -13777,30 +13817,6 @@
           <a:xfrm>
             <a:off x="11306371" y="157161"/>
             <a:ext cx="623691" cy="623691"/>
-          </a:xfrm>
-          <a:prstGeom prst="rect">
-            <a:avLst/>
-          </a:prstGeom>
-        </p:spPr>
-      </p:pic>
-      <p:pic>
-        <p:nvPicPr>
-          <p:cNvPr id="7" name="Content Placeholder 3" descr="t7.jpg"/>
-          <p:cNvPicPr>
-            <a:picLocks noChangeAspect="1"/>
-          </p:cNvPicPr>
-          <p:nvPr/>
-        </p:nvPicPr>
-        <p:blipFill>
-          <a:blip r:embed="rId3"/>
-          <a:stretch>
-            <a:fillRect/>
-          </a:stretch>
-        </p:blipFill>
-        <p:spPr>
-          <a:xfrm>
-            <a:off x="3962400" y="1524000"/>
-            <a:ext cx="5900031" cy="4084637"/>
           </a:xfrm>
           <a:prstGeom prst="rect">
             <a:avLst/>
@@ -13844,161 +13860,99 @@
       </p:grpSpPr>
       <p:sp>
         <p:nvSpPr>
-          <p:cNvPr id="2" name="Title 1"/>
+          <p:cNvPr id="3" name="Content Placeholder 2">
+            <a:extLst>
+              <a:ext uri="{FF2B5EF4-FFF2-40B4-BE49-F238E27FC236}">
+                <a16:creationId xmlns:a16="http://schemas.microsoft.com/office/drawing/2014/main" xmlns="" id="{2A982857-83D7-354C-8F48-1BE630907818}"/>
+              </a:ext>
+            </a:extLst>
+          </p:cNvPr>
           <p:cNvSpPr>
             <a:spLocks noGrp="1"/>
           </p:cNvSpPr>
           <p:nvPr>
-            <p:ph type="title"/>
-          </p:nvPr>
-        </p:nvSpPr>
-        <p:spPr>
-          <a:xfrm>
-            <a:off x="2592925" y="624110"/>
-            <a:ext cx="8911687" cy="747490"/>
-          </a:xfrm>
-        </p:spPr>
-        <p:txBody>
-          <a:bodyPr>
-            <a:normAutofit/>
-          </a:bodyPr>
+            <p:ph idx="1"/>
+          </p:nvPr>
+        </p:nvSpPr>
+        <p:spPr>
+          <a:xfrm>
+            <a:off x="2517774" y="1204912"/>
+            <a:ext cx="8915400" cy="3777622"/>
+          </a:xfrm>
+        </p:spPr>
+        <p:txBody>
+          <a:bodyPr/>
           <a:lstStyle/>
           <a:p>
-            <a:r>
-              <a:rPr lang="en-US" sz="4000" b="1" dirty="0" smtClean="0">
+            <a:pPr marL="0" indent="0">
+              <a:buNone/>
+            </a:pPr>
+            <a:r>
+              <a:rPr lang="en-GB" dirty="0"/>
+              <a:t>   </a:t>
+            </a:r>
+          </a:p>
+          <a:p>
+            <a:pPr marL="0" indent="0">
+              <a:buNone/>
+            </a:pPr>
+            <a:endParaRPr lang="en-GB" dirty="0"/>
+          </a:p>
+          <a:p>
+            <a:pPr marL="0" indent="0">
+              <a:buNone/>
+            </a:pPr>
+            <a:endParaRPr lang="en-GB" dirty="0"/>
+          </a:p>
+          <a:p>
+            <a:pPr marL="0" indent="0">
+              <a:buNone/>
+            </a:pPr>
+            <a:endParaRPr lang="en-GB" dirty="0"/>
+          </a:p>
+          <a:p>
+            <a:pPr marL="0" indent="0">
+              <a:buNone/>
+            </a:pPr>
+            <a:r>
+              <a:rPr lang="en-GB" sz="5400" b="1">
                 <a:solidFill>
-                  <a:schemeClr val="tx1">
-                    <a:lumMod val="75000"/>
-                    <a:lumOff val="25000"/>
-                  </a:schemeClr>
+                  <a:schemeClr val="accent2"/>
                 </a:solidFill>
               </a:rPr>
-              <a:t>Conclusion</a:t>
-            </a:r>
-            <a:endParaRPr lang="en-US" sz="4000" b="1" dirty="0">
-              <a:solidFill>
-                <a:schemeClr val="tx1">
-                  <a:lumMod val="75000"/>
-                  <a:lumOff val="25000"/>
-                </a:schemeClr>
-              </a:solidFill>
-            </a:endParaRPr>
-          </a:p>
-        </p:txBody>
-      </p:sp>
-      <p:sp>
-        <p:nvSpPr>
-          <p:cNvPr id="3" name="Content Placeholder 2"/>
-          <p:cNvSpPr>
-            <a:spLocks noGrp="1"/>
-          </p:cNvSpPr>
-          <p:nvPr>
-            <p:ph idx="1"/>
-          </p:nvPr>
-        </p:nvSpPr>
-        <p:spPr>
-          <a:xfrm>
-            <a:off x="2589212" y="1524000"/>
-            <a:ext cx="8915400" cy="4387222"/>
-          </a:xfrm>
-        </p:spPr>
-        <p:txBody>
-          <a:bodyPr/>
-          <a:lstStyle/>
-          <a:p>
-            <a:r>
-              <a:rPr lang="en-US" dirty="0" smtClean="0"/>
-              <a:t>Version Control System (</a:t>
-            </a:r>
-            <a:r>
-              <a:rPr lang="en-US" b="1" dirty="0" smtClean="0"/>
-              <a:t>VCS</a:t>
-            </a:r>
-            <a:r>
-              <a:rPr lang="en-US" dirty="0" smtClean="0"/>
-              <a:t>) is a software that helps software developers to work together and maintain a complete history of their work.</a:t>
-            </a:r>
-          </a:p>
-          <a:p>
-            <a:r>
-              <a:rPr lang="en-US" dirty="0" smtClean="0"/>
-              <a:t> Two types of VCS:</a:t>
-            </a:r>
-          </a:p>
-          <a:p>
-            <a:pPr>
+              <a:t>             </a:t>
+            </a:r>
+            <a:r>
+              <a:rPr lang="en-GB" sz="5400" b="1" smtClean="0">
+                <a:solidFill>
+                  <a:schemeClr val="accent2"/>
+                </a:solidFill>
+              </a:rPr>
+              <a:t>Thank </a:t>
+            </a:r>
+            <a:r>
+              <a:rPr lang="en-GB" sz="5400" b="1">
+                <a:solidFill>
+                  <a:schemeClr val="accent2"/>
+                </a:solidFill>
+              </a:rPr>
+              <a:t>you. </a:t>
+            </a:r>
+          </a:p>
+          <a:p>
+            <a:pPr marL="0" indent="0">
               <a:buNone/>
             </a:pPr>
-            <a:r>
-              <a:rPr lang="en-US" dirty="0" smtClean="0"/>
-              <a:t>            Centralized version control system (CVCS).</a:t>
-            </a:r>
-          </a:p>
-          <a:p>
-            <a:pPr>
+            <a:endParaRPr lang="en-GB" dirty="0"/>
+          </a:p>
+          <a:p>
+            <a:pPr marL="0" indent="0">
               <a:buNone/>
             </a:pPr>
-            <a:r>
-              <a:rPr lang="en-US" dirty="0" smtClean="0"/>
-              <a:t>            Distributed/Decentralized version control system (DVCS).</a:t>
-            </a:r>
-          </a:p>
-          <a:p>
-            <a:r>
-              <a:rPr lang="en-GB" dirty="0" smtClean="0"/>
-              <a:t>Most widely used modern version  control system  in the world  today  is Git.</a:t>
-            </a:r>
-          </a:p>
-          <a:p>
-            <a:r>
-              <a:rPr lang="en-GB" dirty="0" smtClean="0"/>
-              <a:t>GitHub.com is a site for online storage of git repositories.</a:t>
-            </a:r>
-          </a:p>
-          <a:p>
-            <a:r>
-              <a:rPr lang="en-US" b="1" dirty="0" err="1" smtClean="0"/>
-              <a:t>Bitbucket</a:t>
-            </a:r>
-            <a:r>
-              <a:rPr lang="en-US" dirty="0" smtClean="0"/>
-              <a:t> is a web-based hosting service, </a:t>
-            </a:r>
-            <a:r>
-              <a:rPr lang="en-US" dirty="0" err="1" smtClean="0"/>
-              <a:t>Bitbucket</a:t>
-            </a:r>
-            <a:r>
-              <a:rPr lang="en-US" dirty="0" smtClean="0"/>
-              <a:t>, you get unlimited private repositories, and they are free for small teams of 5.</a:t>
-            </a:r>
-          </a:p>
-          <a:p>
-            <a:r>
-              <a:rPr lang="en-GB" dirty="0" smtClean="0"/>
-              <a:t> Tortoise git is</a:t>
-            </a:r>
-            <a:r>
-              <a:rPr lang="en-GB" smtClean="0"/>
-              <a:t>, Free </a:t>
-            </a:r>
-            <a:r>
-              <a:rPr lang="en-GB" dirty="0" smtClean="0"/>
-              <a:t>Open source  client  for git Version control system</a:t>
-            </a:r>
-            <a:endParaRPr lang="en-US" dirty="0" smtClean="0"/>
-          </a:p>
-          <a:p>
-            <a:endParaRPr lang="en-GB" dirty="0" smtClean="0"/>
-          </a:p>
-          <a:p>
-            <a:endParaRPr lang="en-GB" dirty="0" smtClean="0"/>
-          </a:p>
-          <a:p>
-            <a:endParaRPr lang="en-US" dirty="0" smtClean="0"/>
-          </a:p>
-          <a:p>
-            <a:pPr>
+            <a:endParaRPr lang="en-GB" dirty="0"/>
+          </a:p>
+          <a:p>
+            <a:pPr marL="0" indent="0">
               <a:buNone/>
             </a:pPr>
             <a:endParaRPr lang="en-US" dirty="0"/>
@@ -14010,7 +13964,7 @@
           <p:cNvPr id="4" name="Picture 4">
             <a:extLst>
               <a:ext uri="{FF2B5EF4-FFF2-40B4-BE49-F238E27FC236}">
-                <a16:creationId xmlns="" xmlns:a16="http://schemas.microsoft.com/office/drawing/2014/main" id="{919EE81D-A196-3246-9A9B-D18318DF27F2}"/>
+                <a16:creationId xmlns:a16="http://schemas.microsoft.com/office/drawing/2014/main" xmlns="" id="{919EE81D-A196-3246-9A9B-D18318DF27F2}"/>
               </a:ext>
             </a:extLst>
           </p:cNvPr>
@@ -14036,175 +13990,9 @@
         </p:spPr>
       </p:pic>
     </p:spTree>
-  </p:cSld>
-  <p:clrMapOvr>
-    <a:masterClrMapping/>
-  </p:clrMapOvr>
-  <p:transition>
-    <p:wipe dir="d"/>
-  </p:transition>
-  <p:timing>
-    <p:tnLst>
-      <p:par>
-        <p:cTn id="1" dur="indefinite" restart="never" nodeType="tmRoot"/>
-      </p:par>
-    </p:tnLst>
-  </p:timing>
-</p:sld>
-</file>
-
-<file path=ppt/slides/slide35.xml><?xml version="1.0" encoding="utf-8"?>
-<p:sld xmlns:a="http://schemas.openxmlformats.org/drawingml/2006/main" xmlns:r="http://schemas.openxmlformats.org/officeDocument/2006/relationships" xmlns:p="http://schemas.openxmlformats.org/presentationml/2006/main">
-  <p:cSld>
-    <p:spTree>
-      <p:nvGrpSpPr>
-        <p:cNvPr id="1" name=""/>
-        <p:cNvGrpSpPr/>
-        <p:nvPr/>
-      </p:nvGrpSpPr>
-      <p:grpSpPr>
-        <a:xfrm>
-          <a:off x="0" y="0"/>
-          <a:ext cx="0" cy="0"/>
-          <a:chOff x="0" y="0"/>
-          <a:chExt cx="0" cy="0"/>
-        </a:xfrm>
-      </p:grpSpPr>
-      <p:sp>
-        <p:nvSpPr>
-          <p:cNvPr id="3" name="Content Placeholder 2">
-            <a:extLst>
-              <a:ext uri="{FF2B5EF4-FFF2-40B4-BE49-F238E27FC236}">
-                <a16:creationId xmlns="" xmlns:a16="http://schemas.microsoft.com/office/drawing/2014/main" id="{2A982857-83D7-354C-8F48-1BE630907818}"/>
-              </a:ext>
-            </a:extLst>
-          </p:cNvPr>
-          <p:cNvSpPr>
-            <a:spLocks noGrp="1"/>
-          </p:cNvSpPr>
-          <p:nvPr>
-            <p:ph idx="1"/>
-          </p:nvPr>
-        </p:nvSpPr>
-        <p:spPr>
-          <a:xfrm>
-            <a:off x="2517774" y="1204912"/>
-            <a:ext cx="8915400" cy="3777622"/>
-          </a:xfrm>
-        </p:spPr>
-        <p:txBody>
-          <a:bodyPr/>
-          <a:lstStyle/>
-          <a:p>
-            <a:pPr marL="0" indent="0">
-              <a:buNone/>
-            </a:pPr>
-            <a:r>
-              <a:rPr lang="en-GB" dirty="0"/>
-              <a:t>   </a:t>
-            </a:r>
-          </a:p>
-          <a:p>
-            <a:pPr marL="0" indent="0">
-              <a:buNone/>
-            </a:pPr>
-            <a:endParaRPr lang="en-GB" dirty="0"/>
-          </a:p>
-          <a:p>
-            <a:pPr marL="0" indent="0">
-              <a:buNone/>
-            </a:pPr>
-            <a:endParaRPr lang="en-GB" dirty="0"/>
-          </a:p>
-          <a:p>
-            <a:pPr marL="0" indent="0">
-              <a:buNone/>
-            </a:pPr>
-            <a:endParaRPr lang="en-GB" dirty="0"/>
-          </a:p>
-          <a:p>
-            <a:pPr marL="0" indent="0">
-              <a:buNone/>
-            </a:pPr>
-            <a:r>
-              <a:rPr lang="en-GB" sz="5400" b="1">
-                <a:solidFill>
-                  <a:schemeClr val="accent2"/>
-                </a:solidFill>
-              </a:rPr>
-              <a:t>             </a:t>
-            </a:r>
-            <a:r>
-              <a:rPr lang="en-GB" sz="5400" b="1" smtClean="0">
-                <a:solidFill>
-                  <a:schemeClr val="accent2"/>
-                </a:solidFill>
-              </a:rPr>
-              <a:t>Thank </a:t>
-            </a:r>
-            <a:r>
-              <a:rPr lang="en-GB" sz="5400" b="1">
-                <a:solidFill>
-                  <a:schemeClr val="accent2"/>
-                </a:solidFill>
-              </a:rPr>
-              <a:t>you. </a:t>
-            </a:r>
-          </a:p>
-          <a:p>
-            <a:pPr marL="0" indent="0">
-              <a:buNone/>
-            </a:pPr>
-            <a:endParaRPr lang="en-GB" dirty="0"/>
-          </a:p>
-          <a:p>
-            <a:pPr marL="0" indent="0">
-              <a:buNone/>
-            </a:pPr>
-            <a:endParaRPr lang="en-GB" dirty="0"/>
-          </a:p>
-          <a:p>
-            <a:pPr marL="0" indent="0">
-              <a:buNone/>
-            </a:pPr>
-            <a:endParaRPr lang="en-US" dirty="0"/>
-          </a:p>
-        </p:txBody>
-      </p:sp>
-      <p:pic>
-        <p:nvPicPr>
-          <p:cNvPr id="4" name="Picture 4">
-            <a:extLst>
-              <a:ext uri="{FF2B5EF4-FFF2-40B4-BE49-F238E27FC236}">
-                <a16:creationId xmlns="" xmlns:a16="http://schemas.microsoft.com/office/drawing/2014/main" id="{919EE81D-A196-3246-9A9B-D18318DF27F2}"/>
-              </a:ext>
-            </a:extLst>
-          </p:cNvPr>
-          <p:cNvPicPr>
-            <a:picLocks noChangeAspect="1"/>
-          </p:cNvPicPr>
-          <p:nvPr/>
-        </p:nvPicPr>
-        <p:blipFill>
-          <a:blip r:embed="rId2"/>
-          <a:stretch>
-            <a:fillRect/>
-          </a:stretch>
-        </p:blipFill>
-        <p:spPr>
-          <a:xfrm>
-            <a:off x="11306371" y="157161"/>
-            <a:ext cx="623691" cy="623691"/>
-          </a:xfrm>
-          <a:prstGeom prst="rect">
-            <a:avLst/>
-          </a:prstGeom>
-        </p:spPr>
-      </p:pic>
-    </p:spTree>
     <p:extLst>
       <p:ext uri="{BB962C8B-B14F-4D97-AF65-F5344CB8AC3E}">
-        <p14:creationId xmlns="" xmlns:p14="http://schemas.microsoft.com/office/powerpoint/2010/main" val="1641204213"/>
+        <p14:creationId xmlns:p14="http://schemas.microsoft.com/office/powerpoint/2010/main" xmlns="" val="1641204213"/>
       </p:ext>
     </p:extLst>
   </p:cSld>
@@ -14246,7 +14034,7 @@
           <p:cNvPr id="2" name="Title 1">
             <a:extLst>
               <a:ext uri="{FF2B5EF4-FFF2-40B4-BE49-F238E27FC236}">
-                <a16:creationId xmlns="" xmlns:a16="http://schemas.microsoft.com/office/drawing/2014/main" id="{D8469835-18DA-B844-BABB-1D347A9C5F7C}"/>
+                <a16:creationId xmlns:a16="http://schemas.microsoft.com/office/drawing/2014/main" xmlns="" id="{D8469835-18DA-B844-BABB-1D347A9C5F7C}"/>
               </a:ext>
             </a:extLst>
           </p:cNvPr>
@@ -14296,7 +14084,7 @@
           <p:cNvPr id="3" name="Content Placeholder 2">
             <a:extLst>
               <a:ext uri="{FF2B5EF4-FFF2-40B4-BE49-F238E27FC236}">
-                <a16:creationId xmlns="" xmlns:a16="http://schemas.microsoft.com/office/drawing/2014/main" id="{8CF7F8E8-BB75-954D-A228-84DE7F339717}"/>
+                <a16:creationId xmlns:a16="http://schemas.microsoft.com/office/drawing/2014/main" xmlns="" id="{8CF7F8E8-BB75-954D-A228-84DE7F339717}"/>
               </a:ext>
             </a:extLst>
           </p:cNvPr>
@@ -14405,7 +14193,7 @@
           <p:cNvPr id="4" name="Picture 4">
             <a:extLst>
               <a:ext uri="{FF2B5EF4-FFF2-40B4-BE49-F238E27FC236}">
-                <a16:creationId xmlns="" xmlns:a16="http://schemas.microsoft.com/office/drawing/2014/main" id="{919EE81D-A196-3246-9A9B-D18318DF27F2}"/>
+                <a16:creationId xmlns:a16="http://schemas.microsoft.com/office/drawing/2014/main" xmlns="" id="{919EE81D-A196-3246-9A9B-D18318DF27F2}"/>
               </a:ext>
             </a:extLst>
           </p:cNvPr>
@@ -14433,7 +14221,7 @@
     </p:spTree>
     <p:extLst>
       <p:ext uri="{BB962C8B-B14F-4D97-AF65-F5344CB8AC3E}">
-        <p14:creationId xmlns="" xmlns:p14="http://schemas.microsoft.com/office/powerpoint/2010/main" val="483168689"/>
+        <p14:creationId xmlns:p14="http://schemas.microsoft.com/office/powerpoint/2010/main" xmlns="" val="483168689"/>
       </p:ext>
     </p:extLst>
   </p:cSld>
@@ -14475,7 +14263,7 @@
           <p:cNvPr id="2" name="Title 1">
             <a:extLst>
               <a:ext uri="{FF2B5EF4-FFF2-40B4-BE49-F238E27FC236}">
-                <a16:creationId xmlns="" xmlns:a16="http://schemas.microsoft.com/office/drawing/2014/main" id="{44077FE5-E41E-D043-A57F-FEF6259AD2E5}"/>
+                <a16:creationId xmlns:a16="http://schemas.microsoft.com/office/drawing/2014/main" xmlns="" id="{44077FE5-E41E-D043-A57F-FEF6259AD2E5}"/>
               </a:ext>
             </a:extLst>
           </p:cNvPr>
@@ -14525,7 +14313,7 @@
           <p:cNvPr id="3" name="Content Placeholder 2">
             <a:extLst>
               <a:ext uri="{FF2B5EF4-FFF2-40B4-BE49-F238E27FC236}">
-                <a16:creationId xmlns="" xmlns:a16="http://schemas.microsoft.com/office/drawing/2014/main" id="{84811C69-2325-C845-B6D1-1DC84707F8FD}"/>
+                <a16:creationId xmlns:a16="http://schemas.microsoft.com/office/drawing/2014/main" xmlns="" id="{84811C69-2325-C845-B6D1-1DC84707F8FD}"/>
               </a:ext>
             </a:extLst>
           </p:cNvPr>
@@ -14656,7 +14444,7 @@
           <p:cNvPr id="4" name="Picture 4">
             <a:extLst>
               <a:ext uri="{FF2B5EF4-FFF2-40B4-BE49-F238E27FC236}">
-                <a16:creationId xmlns="" xmlns:a16="http://schemas.microsoft.com/office/drawing/2014/main" id="{919EE81D-A196-3246-9A9B-D18318DF27F2}"/>
+                <a16:creationId xmlns:a16="http://schemas.microsoft.com/office/drawing/2014/main" xmlns="" id="{919EE81D-A196-3246-9A9B-D18318DF27F2}"/>
               </a:ext>
             </a:extLst>
           </p:cNvPr>
@@ -14684,7 +14472,7 @@
     </p:spTree>
     <p:extLst>
       <p:ext uri="{BB962C8B-B14F-4D97-AF65-F5344CB8AC3E}">
-        <p14:creationId xmlns="" xmlns:p14="http://schemas.microsoft.com/office/powerpoint/2010/main" val="3445580002"/>
+        <p14:creationId xmlns:p14="http://schemas.microsoft.com/office/powerpoint/2010/main" xmlns="" val="3445580002"/>
       </p:ext>
     </p:extLst>
   </p:cSld>
@@ -14850,7 +14638,7 @@
           <p:cNvPr id="4" name="Picture 4">
             <a:extLst>
               <a:ext uri="{FF2B5EF4-FFF2-40B4-BE49-F238E27FC236}">
-                <a16:creationId xmlns="" xmlns:a16="http://schemas.microsoft.com/office/drawing/2014/main" id="{919EE81D-A196-3246-9A9B-D18318DF27F2}"/>
+                <a16:creationId xmlns:a16="http://schemas.microsoft.com/office/drawing/2014/main" xmlns="" id="{919EE81D-A196-3246-9A9B-D18318DF27F2}"/>
               </a:ext>
             </a:extLst>
           </p:cNvPr>
@@ -15000,7 +14788,7 @@
           <p:cNvPr id="6" name="Picture 4">
             <a:extLst>
               <a:ext uri="{FF2B5EF4-FFF2-40B4-BE49-F238E27FC236}">
-                <a16:creationId xmlns="" xmlns:a16="http://schemas.microsoft.com/office/drawing/2014/main" id="{919EE81D-A196-3246-9A9B-D18318DF27F2}"/>
+                <a16:creationId xmlns:a16="http://schemas.microsoft.com/office/drawing/2014/main" xmlns="" id="{919EE81D-A196-3246-9A9B-D18318DF27F2}"/>
               </a:ext>
             </a:extLst>
           </p:cNvPr>
@@ -15065,7 +14853,7 @@
           <p:cNvPr id="2" name="Title 1">
             <a:extLst>
               <a:ext uri="{FF2B5EF4-FFF2-40B4-BE49-F238E27FC236}">
-                <a16:creationId xmlns="" xmlns:a16="http://schemas.microsoft.com/office/drawing/2014/main" id="{A495C02E-F767-FD49-9C8C-27906CCC87A1}"/>
+                <a16:creationId xmlns:a16="http://schemas.microsoft.com/office/drawing/2014/main" xmlns="" id="{57DAA2E9-153D-6B41-B67A-BC1F22BA0704}"/>
               </a:ext>
             </a:extLst>
           </p:cNvPr>
@@ -15073,18 +14861,16 @@
             <a:spLocks noGrp="1"/>
           </p:cNvSpPr>
           <p:nvPr>
-            <p:ph type="title"/>
+            <p:ph type="ctrTitle"/>
           </p:nvPr>
         </p:nvSpPr>
         <p:spPr/>
         <p:txBody>
-          <a:bodyPr>
-            <a:normAutofit/>
-          </a:bodyPr>
+          <a:bodyPr/>
           <a:lstStyle/>
           <a:p>
             <a:r>
-              <a:rPr lang="en-GB" sz="4000" b="1">
+              <a:rPr lang="en-GB" b="1">
                 <a:solidFill>
                   <a:schemeClr val="tx1">
                     <a:lumMod val="75000"/>
@@ -15092,9 +14878,9 @@
                   </a:schemeClr>
                 </a:solidFill>
               </a:rPr>
-              <a:t>Installation </a:t>
-            </a:r>
-            <a:endParaRPr lang="en-US" sz="4000" b="1">
+              <a:t>Tortoise  git</a:t>
+            </a:r>
+            <a:endParaRPr lang="en-US" b="1">
               <a:solidFill>
                 <a:schemeClr val="tx1">
                   <a:lumMod val="75000"/>
@@ -15105,305 +14891,70 @@
           </a:p>
         </p:txBody>
       </p:sp>
-      <p:sp>
-        <p:nvSpPr>
-          <p:cNvPr id="7" name="Text Placeholder 6">
+      <p:pic>
+        <p:nvPicPr>
+          <p:cNvPr id="3" name="Picture 4">
             <a:extLst>
               <a:ext uri="{FF2B5EF4-FFF2-40B4-BE49-F238E27FC236}">
-                <a16:creationId xmlns="" xmlns:a16="http://schemas.microsoft.com/office/drawing/2014/main" id="{65BF86C4-93BF-AC43-B961-5BECA12DA56B}"/>
+                <a16:creationId xmlns:a16="http://schemas.microsoft.com/office/drawing/2014/main" xmlns="" id="{E87C10B4-0391-5647-86FD-E2A0C349195B}"/>
               </a:ext>
             </a:extLst>
           </p:cNvPr>
-          <p:cNvSpPr>
-            <a:spLocks noGrp="1"/>
-          </p:cNvSpPr>
-          <p:nvPr>
-            <p:ph type="body" idx="1"/>
-          </p:nvPr>
-        </p:nvSpPr>
-        <p:spPr>
-          <a:xfrm rot="10800000" flipV="1">
-            <a:off x="2051381" y="1371601"/>
-            <a:ext cx="3992732" cy="535780"/>
-          </a:xfrm>
-        </p:spPr>
-        <p:txBody>
-          <a:bodyPr/>
-          <a:lstStyle/>
-          <a:p>
-            <a:r>
-              <a:rPr lang="en-GB" b="1" dirty="0">
-                <a:solidFill>
-                  <a:schemeClr val="accent2"/>
-                </a:solidFill>
-              </a:rPr>
-              <a:t>Windows </a:t>
-            </a:r>
-            <a:endParaRPr lang="en-US" b="1" dirty="0">
-              <a:solidFill>
-                <a:schemeClr val="accent2"/>
-              </a:solidFill>
-            </a:endParaRPr>
-          </a:p>
-        </p:txBody>
-      </p:sp>
-      <p:sp>
-        <p:nvSpPr>
-          <p:cNvPr id="5" name="Content Placeholder 4">
+          <p:cNvPicPr>
+            <a:picLocks noChangeAspect="1"/>
+          </p:cNvPicPr>
+          <p:nvPr/>
+        </p:nvPicPr>
+        <p:blipFill>
+          <a:blip r:embed="rId2"/>
+          <a:stretch>
+            <a:fillRect/>
+          </a:stretch>
+        </p:blipFill>
+        <p:spPr>
+          <a:xfrm>
+            <a:off x="2964924" y="2354132"/>
+            <a:ext cx="2327672" cy="1291858"/>
+          </a:xfrm>
+          <a:prstGeom prst="rect">
+            <a:avLst/>
+          </a:prstGeom>
+        </p:spPr>
+      </p:pic>
+      <p:pic>
+        <p:nvPicPr>
+          <p:cNvPr id="5" name="Picture 4">
             <a:extLst>
               <a:ext uri="{FF2B5EF4-FFF2-40B4-BE49-F238E27FC236}">
-                <a16:creationId xmlns="" xmlns:a16="http://schemas.microsoft.com/office/drawing/2014/main" id="{11205ABB-9BC5-9345-99B6-5B3317A927D4}"/>
+                <a16:creationId xmlns:a16="http://schemas.microsoft.com/office/drawing/2014/main" xmlns="" id="{919EE81D-A196-3246-9A9B-D18318DF27F2}"/>
               </a:ext>
             </a:extLst>
           </p:cNvPr>
-          <p:cNvSpPr>
-            <a:spLocks noGrp="1"/>
-          </p:cNvSpPr>
-          <p:nvPr>
-            <p:ph sz="half" idx="2"/>
-          </p:nvPr>
-        </p:nvSpPr>
-        <p:spPr>
-          <a:xfrm rot="10800000" flipV="1">
-            <a:off x="2278439" y="1828800"/>
-            <a:ext cx="5000114" cy="4888525"/>
-          </a:xfrm>
-        </p:spPr>
-        <p:txBody>
-          <a:bodyPr>
-            <a:noAutofit/>
-          </a:bodyPr>
-          <a:lstStyle/>
-          <a:p>
-            <a:r>
-              <a:rPr lang="en-GB" sz="2000" dirty="0"/>
-              <a:t>Download   the git for windows installation </a:t>
-            </a:r>
-          </a:p>
-          <a:p>
-            <a:r>
-              <a:rPr lang="en-GB" sz="2000" dirty="0"/>
-              <a:t>Follow the Next and Finish prompts to complete  the installation </a:t>
-            </a:r>
-          </a:p>
-          <a:p>
-            <a:r>
-              <a:rPr lang="en-GB" sz="2000" dirty="0"/>
-              <a:t>Open Command prompt </a:t>
-            </a:r>
-          </a:p>
-          <a:p>
-            <a:r>
-              <a:rPr lang="en-GB" sz="2000" dirty="0"/>
-              <a:t>Run the following  commands to configure your git username and email with the  commands.  These details will be associated with any commits that you create</a:t>
-            </a:r>
-          </a:p>
-          <a:p>
-            <a:pPr marL="0" indent="0">
-              <a:buNone/>
-            </a:pPr>
-            <a:r>
-              <a:rPr lang="en-GB" sz="2000" dirty="0"/>
-              <a:t>  $ git </a:t>
-            </a:r>
-            <a:r>
-              <a:rPr lang="en-GB" sz="2000" dirty="0" err="1"/>
-              <a:t>config</a:t>
-            </a:r>
-            <a:r>
-              <a:rPr lang="en-GB" sz="2000" dirty="0"/>
-              <a:t>  - - global user. Name “name” </a:t>
-            </a:r>
-          </a:p>
-          <a:p>
-            <a:pPr marL="0" indent="0">
-              <a:buNone/>
-            </a:pPr>
-            <a:r>
-              <a:rPr lang="en-GB" sz="2000" dirty="0"/>
-              <a:t>  $ git </a:t>
-            </a:r>
-            <a:r>
-              <a:rPr lang="en-GB" sz="2000" dirty="0" err="1"/>
-              <a:t>config</a:t>
-            </a:r>
-            <a:r>
-              <a:rPr lang="en-GB" sz="2000" dirty="0"/>
-              <a:t>  - - global user. Email “test@gmail.com”</a:t>
-            </a:r>
-            <a:endParaRPr lang="en-US" sz="2000" dirty="0"/>
-          </a:p>
-        </p:txBody>
-      </p:sp>
-      <p:sp>
-        <p:nvSpPr>
-          <p:cNvPr id="9" name="Text Placeholder 8">
-            <a:extLst>
-              <a:ext uri="{FF2B5EF4-FFF2-40B4-BE49-F238E27FC236}">
-                <a16:creationId xmlns="" xmlns:a16="http://schemas.microsoft.com/office/drawing/2014/main" id="{D45D5DAC-7932-D04D-946D-F43B52808DC7}"/>
-              </a:ext>
-            </a:extLst>
-          </p:cNvPr>
-          <p:cNvSpPr>
-            <a:spLocks noGrp="1"/>
-          </p:cNvSpPr>
-          <p:nvPr>
-            <p:ph type="body" sz="quarter" idx="3"/>
-          </p:nvPr>
-        </p:nvSpPr>
-        <p:spPr>
-          <a:xfrm>
-            <a:off x="7505610" y="1295400"/>
-            <a:ext cx="3999001" cy="576262"/>
-          </a:xfrm>
-        </p:spPr>
-        <p:txBody>
-          <a:bodyPr/>
-          <a:lstStyle/>
-          <a:p>
-            <a:r>
-              <a:rPr lang="en-GB" b="1" dirty="0">
-                <a:solidFill>
-                  <a:schemeClr val="accent2"/>
-                </a:solidFill>
-              </a:rPr>
-              <a:t>Linux</a:t>
-            </a:r>
-            <a:endParaRPr lang="en-US" b="1" dirty="0">
-              <a:solidFill>
-                <a:schemeClr val="accent2"/>
-              </a:solidFill>
-            </a:endParaRPr>
-          </a:p>
-        </p:txBody>
-      </p:sp>
-      <p:sp>
-        <p:nvSpPr>
-          <p:cNvPr id="11" name="Content Placeholder 10">
-            <a:extLst>
-              <a:ext uri="{FF2B5EF4-FFF2-40B4-BE49-F238E27FC236}">
-                <a16:creationId xmlns="" xmlns:a16="http://schemas.microsoft.com/office/drawing/2014/main" id="{8BE4A7DF-540A-6D43-B29D-FAFF62B21D4E}"/>
-              </a:ext>
-            </a:extLst>
-          </p:cNvPr>
-          <p:cNvSpPr>
-            <a:spLocks noGrp="1"/>
-          </p:cNvSpPr>
-          <p:nvPr>
-            <p:ph sz="quarter" idx="4"/>
-          </p:nvPr>
-        </p:nvSpPr>
-        <p:spPr>
-          <a:xfrm>
-            <a:off x="7853326" y="1905000"/>
-            <a:ext cx="4338674" cy="4953000"/>
-          </a:xfrm>
-        </p:spPr>
-        <p:txBody>
-          <a:bodyPr>
-            <a:noAutofit/>
-          </a:bodyPr>
-          <a:lstStyle/>
-          <a:p>
-            <a:pPr marL="0" indent="0">
-              <a:buNone/>
-            </a:pPr>
-            <a:r>
-              <a:rPr lang="en-GB" sz="2000" dirty="0"/>
-              <a:t>Git packages  are available via apt</a:t>
-            </a:r>
-          </a:p>
-          <a:p>
-            <a:r>
-              <a:rPr lang="en-GB" sz="2000" dirty="0"/>
-              <a:t> From your shell install git using apt-get</a:t>
-            </a:r>
-          </a:p>
-          <a:p>
-            <a:pPr marL="0" indent="0">
-              <a:buNone/>
-            </a:pPr>
-            <a:r>
-              <a:rPr lang="en-GB" sz="2000" dirty="0"/>
-              <a:t>            $ </a:t>
-            </a:r>
-            <a:r>
-              <a:rPr lang="en-GB" sz="2000" dirty="0" err="1"/>
-              <a:t>sudo</a:t>
-            </a:r>
-            <a:r>
-              <a:rPr lang="en-GB" sz="2000" dirty="0"/>
-              <a:t> apt-get update</a:t>
-            </a:r>
-          </a:p>
-          <a:p>
-            <a:pPr marL="0" indent="0">
-              <a:buNone/>
-            </a:pPr>
-            <a:r>
-              <a:rPr lang="en-GB" sz="2000" dirty="0"/>
-              <a:t>            $ </a:t>
-            </a:r>
-            <a:r>
-              <a:rPr lang="en-GB" sz="2000" dirty="0" err="1"/>
-              <a:t>sudo</a:t>
-            </a:r>
-            <a:r>
-              <a:rPr lang="en-GB" sz="2000" dirty="0"/>
-              <a:t> apt-get install git</a:t>
-            </a:r>
-          </a:p>
-          <a:p>
-            <a:r>
-              <a:rPr lang="en-GB" sz="2000" dirty="0"/>
-              <a:t>Verify  the installation was successful by typing git  -- version </a:t>
-            </a:r>
-          </a:p>
-          <a:p>
-            <a:pPr marL="0" indent="0">
-              <a:buNone/>
-            </a:pPr>
-            <a:r>
-              <a:rPr lang="en-GB" sz="2000" dirty="0"/>
-              <a:t>     $ git  --version </a:t>
-            </a:r>
-          </a:p>
-          <a:p>
-            <a:pPr marL="0" indent="0">
-              <a:buNone/>
-            </a:pPr>
-            <a:r>
-              <a:rPr lang="en-GB" sz="2000" dirty="0"/>
-              <a:t>     git  version  2.9.2</a:t>
-            </a:r>
-          </a:p>
-          <a:p>
-            <a:r>
-              <a:rPr lang="en-GB" sz="2000" dirty="0"/>
-              <a:t>Configure  your git username  and email </a:t>
-            </a:r>
-          </a:p>
-          <a:p>
-            <a:pPr marL="0" indent="0">
-              <a:buNone/>
-            </a:pPr>
-            <a:endParaRPr lang="en-GB" sz="2000" dirty="0"/>
-          </a:p>
-          <a:p>
-            <a:pPr marL="0" indent="0">
-              <a:buNone/>
-            </a:pPr>
-            <a:endParaRPr lang="en-GB" sz="2000" dirty="0"/>
-          </a:p>
-          <a:p>
-            <a:endParaRPr lang="en-US" sz="2000" dirty="0"/>
-          </a:p>
-        </p:txBody>
-      </p:sp>
+          <p:cNvPicPr>
+            <a:picLocks noChangeAspect="1"/>
+          </p:cNvPicPr>
+          <p:nvPr/>
+        </p:nvPicPr>
+        <p:blipFill>
+          <a:blip r:embed="rId3"/>
+          <a:stretch>
+            <a:fillRect/>
+          </a:stretch>
+        </p:blipFill>
+        <p:spPr>
+          <a:xfrm>
+            <a:off x="11306371" y="157161"/>
+            <a:ext cx="623691" cy="623691"/>
+          </a:xfrm>
+          <a:prstGeom prst="rect">
+            <a:avLst/>
+          </a:prstGeom>
+        </p:spPr>
+      </p:pic>
     </p:spTree>
     <p:extLst>
       <p:ext uri="{BB962C8B-B14F-4D97-AF65-F5344CB8AC3E}">
-        <p14:creationId xmlns="" xmlns:p14="http://schemas.microsoft.com/office/powerpoint/2010/main" val="1376842953"/>
+        <p14:creationId xmlns:p14="http://schemas.microsoft.com/office/powerpoint/2010/main" xmlns="" val="1059623276"/>
       </p:ext>
     </p:extLst>
   </p:cSld>
@@ -15445,7 +14996,7 @@
           <p:cNvPr id="2" name="Title 1">
             <a:extLst>
               <a:ext uri="{FF2B5EF4-FFF2-40B4-BE49-F238E27FC236}">
-                <a16:creationId xmlns="" xmlns:a16="http://schemas.microsoft.com/office/drawing/2014/main" id="{57DAA2E9-153D-6B41-B67A-BC1F22BA0704}"/>
+                <a16:creationId xmlns:a16="http://schemas.microsoft.com/office/drawing/2014/main" xmlns="" id="{638A7DE2-8852-BA42-BC80-A9DB8461B70A}"/>
               </a:ext>
             </a:extLst>
           </p:cNvPr>
@@ -15453,16 +15004,23 @@
             <a:spLocks noGrp="1"/>
           </p:cNvSpPr>
           <p:nvPr>
-            <p:ph type="ctrTitle"/>
-          </p:nvPr>
-        </p:nvSpPr>
-        <p:spPr/>
-        <p:txBody>
-          <a:bodyPr/>
+            <p:ph type="title"/>
+          </p:nvPr>
+        </p:nvSpPr>
+        <p:spPr>
+          <a:xfrm>
+            <a:off x="2592925" y="624110"/>
+            <a:ext cx="8911687" cy="786781"/>
+          </a:xfrm>
+        </p:spPr>
+        <p:txBody>
+          <a:bodyPr>
+            <a:normAutofit/>
+          </a:bodyPr>
           <a:lstStyle/>
           <a:p>
             <a:r>
-              <a:rPr lang="en-GB" b="1">
+              <a:rPr lang="en-GB" sz="4000" b="1">
                 <a:solidFill>
                   <a:schemeClr val="tx1">
                     <a:lumMod val="75000"/>
@@ -15470,9 +15028,9 @@
                   </a:schemeClr>
                 </a:solidFill>
               </a:rPr>
-              <a:t>Tortoise  git</a:t>
-            </a:r>
-            <a:endParaRPr lang="en-US" b="1">
+              <a:t>Tortoise  Git</a:t>
+            </a:r>
+            <a:endParaRPr lang="en-US" sz="4000" b="1">
               <a:solidFill>
                 <a:schemeClr val="tx1">
                   <a:lumMod val="75000"/>
@@ -15483,12 +15041,114 @@
           </a:p>
         </p:txBody>
       </p:sp>
+      <p:sp>
+        <p:nvSpPr>
+          <p:cNvPr id="3" name="Content Placeholder 2">
+            <a:extLst>
+              <a:ext uri="{FF2B5EF4-FFF2-40B4-BE49-F238E27FC236}">
+                <a16:creationId xmlns:a16="http://schemas.microsoft.com/office/drawing/2014/main" xmlns="" id="{CDFFEF69-5098-A84F-94BE-B8FEF211AC6D}"/>
+              </a:ext>
+            </a:extLst>
+          </p:cNvPr>
+          <p:cNvSpPr>
+            <a:spLocks noGrp="1"/>
+          </p:cNvSpPr>
+          <p:nvPr>
+            <p:ph idx="1"/>
+          </p:nvPr>
+        </p:nvSpPr>
+        <p:spPr>
+          <a:xfrm>
+            <a:off x="2589212" y="1571625"/>
+            <a:ext cx="8915400" cy="4339597"/>
+          </a:xfrm>
+        </p:spPr>
+        <p:txBody>
+          <a:bodyPr>
+            <a:normAutofit/>
+          </a:bodyPr>
+          <a:lstStyle/>
+          <a:p>
+            <a:r>
+              <a:rPr lang="en-GB" sz="2000" dirty="0"/>
+              <a:t> Free Open source  client  for git Version control system </a:t>
+            </a:r>
+          </a:p>
+          <a:p>
+            <a:r>
+              <a:rPr lang="en-GB" sz="2000" dirty="0"/>
+              <a:t>Founder -  Frank Li</a:t>
+            </a:r>
+          </a:p>
+          <a:p>
+            <a:r>
+              <a:rPr lang="en-GB" sz="2000" dirty="0"/>
+              <a:t>It manages files over time</a:t>
+            </a:r>
+          </a:p>
+          <a:p>
+            <a:r>
+              <a:rPr lang="en-GB" sz="2000" dirty="0"/>
+              <a:t>Files are stored in local repository  </a:t>
+            </a:r>
+          </a:p>
+          <a:p>
+            <a:pPr marL="0" indent="0">
+              <a:buNone/>
+            </a:pPr>
+            <a:r>
+              <a:rPr lang="en-GB" sz="2000" b="1" dirty="0"/>
+              <a:t> Repository :</a:t>
+            </a:r>
+            <a:r>
+              <a:rPr lang="en-GB" sz="2000" dirty="0"/>
+              <a:t> It is like an ordinary  file server, except  that it remembers every change ever made to your files and directories. </a:t>
+            </a:r>
+          </a:p>
+          <a:p>
+            <a:pPr marL="0" indent="0">
+              <a:buNone/>
+            </a:pPr>
+            <a:r>
+              <a:rPr lang="en-GB" sz="2000" b="1" dirty="0"/>
+              <a:t>Git Clone</a:t>
+            </a:r>
+          </a:p>
+          <a:p>
+            <a:pPr marL="0" indent="0">
+              <a:buNone/>
+            </a:pPr>
+            <a:r>
+              <a:rPr lang="en-GB" sz="2000" dirty="0"/>
+              <a:t>Git clone is a full fledged repository with complete  history and full version  tracking  capabilities, not dependent  on network access or a central server. </a:t>
+            </a:r>
+          </a:p>
+          <a:p>
+            <a:endParaRPr lang="en-GB" sz="2000" b="1" dirty="0"/>
+          </a:p>
+          <a:p>
+            <a:endParaRPr lang="en-GB" sz="2000" dirty="0"/>
+          </a:p>
+          <a:p>
+            <a:pPr marL="0" indent="0">
+              <a:buNone/>
+            </a:pPr>
+            <a:endParaRPr lang="en-GB" sz="2000" dirty="0"/>
+          </a:p>
+          <a:p>
+            <a:pPr marL="0" indent="0">
+              <a:buNone/>
+            </a:pPr>
+            <a:endParaRPr lang="en-US" sz="2000" dirty="0"/>
+          </a:p>
+        </p:txBody>
+      </p:sp>
       <p:pic>
         <p:nvPicPr>
-          <p:cNvPr id="3" name="Picture 4">
+          <p:cNvPr id="4" name="Picture 4">
             <a:extLst>
               <a:ext uri="{FF2B5EF4-FFF2-40B4-BE49-F238E27FC236}">
-                <a16:creationId xmlns="" xmlns:a16="http://schemas.microsoft.com/office/drawing/2014/main" id="{E87C10B4-0391-5647-86FD-E2A0C349195B}"/>
+                <a16:creationId xmlns:a16="http://schemas.microsoft.com/office/drawing/2014/main" xmlns="" id="{919EE81D-A196-3246-9A9B-D18318DF27F2}"/>
               </a:ext>
             </a:extLst>
           </p:cNvPr>
@@ -15505,36 +15165,6 @@
         </p:blipFill>
         <p:spPr>
           <a:xfrm>
-            <a:off x="2964924" y="2354132"/>
-            <a:ext cx="2327672" cy="1291858"/>
-          </a:xfrm>
-          <a:prstGeom prst="rect">
-            <a:avLst/>
-          </a:prstGeom>
-        </p:spPr>
-      </p:pic>
-      <p:pic>
-        <p:nvPicPr>
-          <p:cNvPr id="5" name="Picture 4">
-            <a:extLst>
-              <a:ext uri="{FF2B5EF4-FFF2-40B4-BE49-F238E27FC236}">
-                <a16:creationId xmlns="" xmlns:a16="http://schemas.microsoft.com/office/drawing/2014/main" id="{919EE81D-A196-3246-9A9B-D18318DF27F2}"/>
-              </a:ext>
-            </a:extLst>
-          </p:cNvPr>
-          <p:cNvPicPr>
-            <a:picLocks noChangeAspect="1"/>
-          </p:cNvPicPr>
-          <p:nvPr/>
-        </p:nvPicPr>
-        <p:blipFill>
-          <a:blip r:embed="rId3"/>
-          <a:stretch>
-            <a:fillRect/>
-          </a:stretch>
-        </p:blipFill>
-        <p:spPr>
-          <a:xfrm>
             <a:off x="11306371" y="157161"/>
             <a:ext cx="623691" cy="623691"/>
           </a:xfrm>
@@ -15546,7 +15176,7 @@
     </p:spTree>
     <p:extLst>
       <p:ext uri="{BB962C8B-B14F-4D97-AF65-F5344CB8AC3E}">
-        <p14:creationId xmlns="" xmlns:p14="http://schemas.microsoft.com/office/powerpoint/2010/main" val="1059623276"/>
+        <p14:creationId xmlns:p14="http://schemas.microsoft.com/office/powerpoint/2010/main" xmlns="" val="3103352297"/>
       </p:ext>
     </p:extLst>
   </p:cSld>
@@ -15803,7 +15433,7 @@
   <a:extraClrSchemeLst/>
   <a:extLst>
     <a:ext uri="{05A4C25C-085E-4340-85A3-A5531E510DB2}">
-      <thm15:themeFamily xmlns="" xmlns:thm15="http://schemas.microsoft.com/office/thememl/2012/main" name="Wisp" id="{7CB32D59-10C0-40DD-B7BD-2E94284A981C}" vid="{24B1A44C-C006-48B2-A4D7-E5549B3D8CD4}"/>
+      <thm15:themeFamily xmlns:thm15="http://schemas.microsoft.com/office/thememl/2012/main" xmlns="" name="Wisp" id="{7CB32D59-10C0-40DD-B7BD-2E94284A981C}" vid="{24B1A44C-C006-48B2-A4D7-E5549B3D8CD4}"/>
     </a:ext>
   </a:extLst>
 </a:theme>
@@ -16098,7 +15728,7 @@
   <a:extraClrSchemeLst/>
   <a:extLst>
     <a:ext uri="{05A4C25C-085E-4340-85A3-A5531E510DB2}">
-      <thm15:themeFamily xmlns="" xmlns:thm15="http://schemas.microsoft.com/office/thememl/2012/main" name="Office Theme" id="{62F939B6-93AF-4DB8-9C6B-D6C7DFDC589F}" vid="{4A3C46E8-61CC-4603-A589-7422A47A8E4A}"/>
+      <thm15:themeFamily xmlns:thm15="http://schemas.microsoft.com/office/thememl/2012/main" xmlns="" name="Office Theme" id="{62F939B6-93AF-4DB8-9C6B-D6C7DFDC589F}" vid="{4A3C46E8-61CC-4603-A589-7422A47A8E4A}"/>
     </a:ext>
   </a:extLst>
 </a:theme>

--- a/Git.pptx
+++ b/Git.pptx
@@ -5,7 +5,7 @@
     <p:sldMasterId id="2147483648" r:id="rId1"/>
   </p:sldMasterIdLst>
   <p:notesMasterIdLst>
-    <p:notesMasterId r:id="rId36"/>
+    <p:notesMasterId r:id="rId52"/>
   </p:notesMasterIdLst>
   <p:sldIdLst>
     <p:sldId id="268" r:id="rId2"/>
@@ -42,6 +42,22 @@
     <p:sldId id="287" r:id="rId33"/>
     <p:sldId id="291" r:id="rId34"/>
     <p:sldId id="267" r:id="rId35"/>
+    <p:sldId id="294" r:id="rId36"/>
+    <p:sldId id="295" r:id="rId37"/>
+    <p:sldId id="293" r:id="rId38"/>
+    <p:sldId id="305" r:id="rId39"/>
+    <p:sldId id="306" r:id="rId40"/>
+    <p:sldId id="296" r:id="rId41"/>
+    <p:sldId id="297" r:id="rId42"/>
+    <p:sldId id="298" r:id="rId43"/>
+    <p:sldId id="299" r:id="rId44"/>
+    <p:sldId id="300" r:id="rId45"/>
+    <p:sldId id="307" r:id="rId46"/>
+    <p:sldId id="308" r:id="rId47"/>
+    <p:sldId id="301" r:id="rId48"/>
+    <p:sldId id="302" r:id="rId49"/>
+    <p:sldId id="303" r:id="rId50"/>
+    <p:sldId id="304" r:id="rId51"/>
   </p:sldIdLst>
   <p:sldSz cx="12192000" cy="6858000"/>
   <p:notesSz cx="6858000" cy="9144000"/>
@@ -238,7 +254,7 @@
             <a:fld id="{298FDC76-6B69-0F4E-82C8-A2DBB87F8B69}" type="datetimeFigureOut">
               <a:rPr lang="en-US"/>
               <a:pPr/>
-              <a:t>30-Oct-2017</a:t>
+              <a:t>01-Nov-2017</a:t>
             </a:fld>
             <a:endParaRPr lang="en-US"/>
           </a:p>
@@ -696,7 +712,7 @@
             <a:fld id="{B61BEF0D-F0BB-DE4B-95CE-6DB70DBA9567}" type="datetimeFigureOut">
               <a:rPr lang="en-US" dirty="0"/>
               <a:pPr/>
-              <a:t>30-Oct-2017</a:t>
+              <a:t>01-Nov-2017</a:t>
             </a:fld>
             <a:endParaRPr lang="en-US" dirty="0"/>
           </a:p>
@@ -1031,7 +1047,7 @@
             <a:fld id="{B61BEF0D-F0BB-DE4B-95CE-6DB70DBA9567}" type="datetimeFigureOut">
               <a:rPr lang="en-US" dirty="0"/>
               <a:pPr/>
-              <a:t>30-Oct-2017</a:t>
+              <a:t>01-Nov-2017</a:t>
             </a:fld>
             <a:endParaRPr lang="en-US" dirty="0"/>
           </a:p>
@@ -1429,7 +1445,7 @@
             <a:fld id="{B61BEF0D-F0BB-DE4B-95CE-6DB70DBA9567}" type="datetimeFigureOut">
               <a:rPr lang="en-US" dirty="0"/>
               <a:pPr/>
-              <a:t>30-Oct-2017</a:t>
+              <a:t>01-Nov-2017</a:t>
             </a:fld>
             <a:endParaRPr lang="en-US" dirty="0"/>
           </a:p>
@@ -1762,7 +1778,7 @@
             <a:fld id="{B61BEF0D-F0BB-DE4B-95CE-6DB70DBA9567}" type="datetimeFigureOut">
               <a:rPr lang="en-US" dirty="0"/>
               <a:pPr/>
-              <a:t>30-Oct-2017</a:t>
+              <a:t>01-Nov-2017</a:t>
             </a:fld>
             <a:endParaRPr lang="en-US" dirty="0"/>
           </a:p>
@@ -2079,7 +2095,7 @@
             <a:fld id="{B61BEF0D-F0BB-DE4B-95CE-6DB70DBA9567}" type="datetimeFigureOut">
               <a:rPr lang="en-US" dirty="0"/>
               <a:pPr/>
-              <a:t>30-Oct-2017</a:t>
+              <a:t>01-Nov-2017</a:t>
             </a:fld>
             <a:endParaRPr lang="en-US" dirty="0"/>
           </a:p>
@@ -2472,7 +2488,7 @@
             <a:fld id="{B61BEF0D-F0BB-DE4B-95CE-6DB70DBA9567}" type="datetimeFigureOut">
               <a:rPr lang="en-US" dirty="0"/>
               <a:pPr/>
-              <a:t>30-Oct-2017</a:t>
+              <a:t>01-Nov-2017</a:t>
             </a:fld>
             <a:endParaRPr lang="en-US" dirty="0"/>
           </a:p>
@@ -2726,7 +2742,7 @@
             <a:fld id="{B61BEF0D-F0BB-DE4B-95CE-6DB70DBA9567}" type="datetimeFigureOut">
               <a:rPr lang="en-US" dirty="0"/>
               <a:pPr/>
-              <a:t>30-Oct-2017</a:t>
+              <a:t>01-Nov-2017</a:t>
             </a:fld>
             <a:endParaRPr lang="en-US" dirty="0"/>
           </a:p>
@@ -2985,7 +3001,7 @@
             <a:fld id="{B61BEF0D-F0BB-DE4B-95CE-6DB70DBA9567}" type="datetimeFigureOut">
               <a:rPr lang="en-US" dirty="0"/>
               <a:pPr/>
-              <a:t>30-Oct-2017</a:t>
+              <a:t>01-Nov-2017</a:t>
             </a:fld>
             <a:endParaRPr lang="en-US" dirty="0"/>
           </a:p>
@@ -3244,7 +3260,7 @@
             <a:fld id="{B61BEF0D-F0BB-DE4B-95CE-6DB70DBA9567}" type="datetimeFigureOut">
               <a:rPr lang="en-US" dirty="0"/>
               <a:pPr/>
-              <a:t>30-Oct-2017</a:t>
+              <a:t>01-Nov-2017</a:t>
             </a:fld>
             <a:endParaRPr lang="en-US" dirty="0"/>
           </a:p>
@@ -3570,7 +3586,7 @@
             <a:fld id="{B61BEF0D-F0BB-DE4B-95CE-6DB70DBA9567}" type="datetimeFigureOut">
               <a:rPr lang="en-US" dirty="0"/>
               <a:pPr/>
-              <a:t>30-Oct-2017</a:t>
+              <a:t>01-Nov-2017</a:t>
             </a:fld>
             <a:endParaRPr lang="en-US" dirty="0"/>
           </a:p>
@@ -3890,7 +3906,7 @@
             <a:fld id="{B61BEF0D-F0BB-DE4B-95CE-6DB70DBA9567}" type="datetimeFigureOut">
               <a:rPr lang="en-US" dirty="0"/>
               <a:pPr/>
-              <a:t>30-Oct-2017</a:t>
+              <a:t>01-Nov-2017</a:t>
             </a:fld>
             <a:endParaRPr lang="en-US" dirty="0"/>
           </a:p>
@@ -4344,7 +4360,7 @@
             <a:fld id="{B61BEF0D-F0BB-DE4B-95CE-6DB70DBA9567}" type="datetimeFigureOut">
               <a:rPr lang="en-US" dirty="0"/>
               <a:pPr/>
-              <a:t>30-Oct-2017</a:t>
+              <a:t>01-Nov-2017</a:t>
             </a:fld>
             <a:endParaRPr lang="en-US" dirty="0"/>
           </a:p>
@@ -4546,7 +4562,7 @@
             <a:fld id="{B61BEF0D-F0BB-DE4B-95CE-6DB70DBA9567}" type="datetimeFigureOut">
               <a:rPr lang="en-US" dirty="0"/>
               <a:pPr/>
-              <a:t>30-Oct-2017</a:t>
+              <a:t>01-Nov-2017</a:t>
             </a:fld>
             <a:endParaRPr lang="en-US" dirty="0"/>
           </a:p>
@@ -4720,7 +4736,7 @@
             <a:fld id="{B61BEF0D-F0BB-DE4B-95CE-6DB70DBA9567}" type="datetimeFigureOut">
               <a:rPr lang="en-US" dirty="0"/>
               <a:pPr/>
-              <a:t>30-Oct-2017</a:t>
+              <a:t>01-Nov-2017</a:t>
             </a:fld>
             <a:endParaRPr lang="en-US" dirty="0"/>
           </a:p>
@@ -5050,7 +5066,7 @@
             <a:fld id="{B61BEF0D-F0BB-DE4B-95CE-6DB70DBA9567}" type="datetimeFigureOut">
               <a:rPr lang="en-US" dirty="0"/>
               <a:pPr/>
-              <a:t>30-Oct-2017</a:t>
+              <a:t>01-Nov-2017</a:t>
             </a:fld>
             <a:endParaRPr lang="en-US" dirty="0"/>
           </a:p>
@@ -5392,7 +5408,7 @@
             <a:fld id="{B61BEF0D-F0BB-DE4B-95CE-6DB70DBA9567}" type="datetimeFigureOut">
               <a:rPr lang="en-US" dirty="0"/>
               <a:pPr/>
-              <a:t>30-Oct-2017</a:t>
+              <a:t>01-Nov-2017</a:t>
             </a:fld>
             <a:endParaRPr lang="en-US" dirty="0"/>
           </a:p>
@@ -7506,7 +7522,7 @@
             <a:fld id="{B61BEF0D-F0BB-DE4B-95CE-6DB70DBA9567}" type="datetimeFigureOut">
               <a:rPr lang="en-US" dirty="0"/>
               <a:pPr/>
-              <a:t>30-Oct-2017</a:t>
+              <a:t>01-Nov-2017</a:t>
             </a:fld>
             <a:endParaRPr lang="en-US" dirty="0"/>
           </a:p>
@@ -10330,19 +10346,23 @@
         </p:nvSpPr>
         <p:spPr>
           <a:xfrm>
-            <a:off x="2592925" y="1625202"/>
+            <a:off x="2592925" y="1676400"/>
             <a:ext cx="8915400" cy="3632597"/>
           </a:xfrm>
         </p:spPr>
         <p:txBody>
           <a:bodyPr>
-            <a:normAutofit fontScale="92500" lnSpcReduction="20000"/>
+            <a:normAutofit lnSpcReduction="10000"/>
           </a:bodyPr>
           <a:lstStyle/>
           <a:p>
             <a:r>
+              <a:rPr lang="en-GB" sz="2400" dirty="0" smtClean="0"/>
+              <a:t>What </a:t>
+            </a:r>
+            <a:r>
               <a:rPr lang="en-GB" sz="2400" dirty="0"/>
-              <a:t> What is version control </a:t>
+              <a:t>is version control </a:t>
             </a:r>
             <a:r>
               <a:rPr lang="en-GB" sz="2400" dirty="0" smtClean="0"/>
@@ -10353,13 +10373,11 @@
           <a:p>
             <a:r>
               <a:rPr lang="en-GB" sz="2400" dirty="0"/>
-              <a:t>What  is Git?</a:t>
-            </a:r>
-          </a:p>
-          <a:p>
+              <a:t>What  is Git</a:t>
+            </a:r>
             <a:r>
               <a:rPr lang="en-GB" sz="2400" dirty="0" smtClean="0"/>
-              <a:t>Installation</a:t>
+              <a:t>?</a:t>
             </a:r>
             <a:endParaRPr lang="en-GB" sz="2400" dirty="0"/>
           </a:p>
@@ -10425,15 +10443,6 @@
               <a:t>Implementation</a:t>
             </a:r>
             <a:endParaRPr lang="en-GB" sz="2200" dirty="0"/>
-          </a:p>
-          <a:p>
-            <a:endParaRPr lang="en-GB" sz="2400" dirty="0"/>
-          </a:p>
-          <a:p>
-            <a:endParaRPr lang="en-GB" sz="2400" dirty="0"/>
-          </a:p>
-          <a:p>
-            <a:endParaRPr lang="en-US" sz="2400" dirty="0"/>
           </a:p>
         </p:txBody>
       </p:sp>
@@ -14012,6 +14021,758 @@
 </p:sld>
 </file>
 
+<file path=ppt/slides/slide35.xml><?xml version="1.0" encoding="utf-8"?>
+<p:sld xmlns:a="http://schemas.openxmlformats.org/drawingml/2006/main" xmlns:r="http://schemas.openxmlformats.org/officeDocument/2006/relationships" xmlns:p="http://schemas.openxmlformats.org/presentationml/2006/main">
+  <p:cSld>
+    <p:spTree>
+      <p:nvGrpSpPr>
+        <p:cNvPr id="1" name=""/>
+        <p:cNvGrpSpPr/>
+        <p:nvPr/>
+      </p:nvGrpSpPr>
+      <p:grpSpPr>
+        <a:xfrm>
+          <a:off x="0" y="0"/>
+          <a:ext cx="0" cy="0"/>
+          <a:chOff x="0" y="0"/>
+          <a:chExt cx="0" cy="0"/>
+        </a:xfrm>
+      </p:grpSpPr>
+      <p:sp>
+        <p:nvSpPr>
+          <p:cNvPr id="2" name="Title 1"/>
+          <p:cNvSpPr>
+            <a:spLocks noGrp="1"/>
+          </p:cNvSpPr>
+          <p:nvPr>
+            <p:ph type="title"/>
+          </p:nvPr>
+        </p:nvSpPr>
+        <p:spPr>
+          <a:xfrm>
+            <a:off x="2592925" y="624110"/>
+            <a:ext cx="8911687" cy="747490"/>
+          </a:xfrm>
+        </p:spPr>
+        <p:txBody>
+          <a:bodyPr>
+            <a:normAutofit/>
+          </a:bodyPr>
+          <a:lstStyle/>
+          <a:p>
+            <a:r>
+              <a:rPr lang="en-US" sz="4000" b="1" dirty="0" err="1" smtClean="0"/>
+              <a:t>Github</a:t>
+            </a:r>
+            <a:r>
+              <a:rPr lang="en-US" sz="4000" b="1" dirty="0" smtClean="0"/>
+              <a:t> account creation</a:t>
+            </a:r>
+            <a:endParaRPr lang="en-US" sz="4000" b="1" dirty="0"/>
+          </a:p>
+        </p:txBody>
+      </p:sp>
+      <p:sp>
+        <p:nvSpPr>
+          <p:cNvPr id="3" name="Content Placeholder 2"/>
+          <p:cNvSpPr>
+            <a:spLocks noGrp="1"/>
+          </p:cNvSpPr>
+          <p:nvPr>
+            <p:ph idx="1"/>
+          </p:nvPr>
+        </p:nvSpPr>
+        <p:spPr>
+          <a:xfrm>
+            <a:off x="2589212" y="1447800"/>
+            <a:ext cx="8915400" cy="4463422"/>
+          </a:xfrm>
+        </p:spPr>
+        <p:txBody>
+          <a:bodyPr/>
+          <a:lstStyle/>
+          <a:p>
+            <a:r>
+              <a:rPr lang="en-US" dirty="0" smtClean="0"/>
+              <a:t>Go </a:t>
+            </a:r>
+            <a:r>
+              <a:rPr lang="en-US" dirty="0" smtClean="0"/>
+              <a:t>to link : </a:t>
+            </a:r>
+            <a:r>
+              <a:rPr lang="en-US" dirty="0" smtClean="0">
+                <a:hlinkClick r:id="rId2"/>
+              </a:rPr>
+              <a:t>https://github.com</a:t>
+            </a:r>
+            <a:r>
+              <a:rPr lang="en-US" dirty="0" smtClean="0">
+                <a:hlinkClick r:id="rId2"/>
+              </a:rPr>
+              <a:t>/</a:t>
+            </a:r>
+            <a:endParaRPr lang="en-US" dirty="0" smtClean="0"/>
+          </a:p>
+          <a:p>
+            <a:r>
+              <a:rPr lang="en-US" dirty="0" smtClean="0"/>
+              <a:t>Provide username ,e-mail and a password  for creating account</a:t>
+            </a:r>
+          </a:p>
+          <a:p>
+            <a:endParaRPr lang="en-US" dirty="0" smtClean="0"/>
+          </a:p>
+        </p:txBody>
+      </p:sp>
+      <p:pic>
+        <p:nvPicPr>
+          <p:cNvPr id="4" name="Picture 3" descr="Untitled.png"/>
+          <p:cNvPicPr>
+            <a:picLocks noChangeAspect="1"/>
+          </p:cNvPicPr>
+          <p:nvPr/>
+        </p:nvPicPr>
+        <p:blipFill>
+          <a:blip r:embed="rId3"/>
+          <a:stretch>
+            <a:fillRect/>
+          </a:stretch>
+        </p:blipFill>
+        <p:spPr>
+          <a:xfrm>
+            <a:off x="2819400" y="2362200"/>
+            <a:ext cx="7467600" cy="3786587"/>
+          </a:xfrm>
+          <a:prstGeom prst="rect">
+            <a:avLst/>
+          </a:prstGeom>
+        </p:spPr>
+      </p:pic>
+    </p:spTree>
+  </p:cSld>
+  <p:clrMapOvr>
+    <a:masterClrMapping/>
+  </p:clrMapOvr>
+</p:sld>
+</file>
+
+<file path=ppt/slides/slide36.xml><?xml version="1.0" encoding="utf-8"?>
+<p:sld xmlns:a="http://schemas.openxmlformats.org/drawingml/2006/main" xmlns:r="http://schemas.openxmlformats.org/officeDocument/2006/relationships" xmlns:p="http://schemas.openxmlformats.org/presentationml/2006/main">
+  <p:cSld>
+    <p:spTree>
+      <p:nvGrpSpPr>
+        <p:cNvPr id="1" name=""/>
+        <p:cNvGrpSpPr/>
+        <p:nvPr/>
+      </p:nvGrpSpPr>
+      <p:grpSpPr>
+        <a:xfrm>
+          <a:off x="0" y="0"/>
+          <a:ext cx="0" cy="0"/>
+          <a:chOff x="0" y="0"/>
+          <a:chExt cx="0" cy="0"/>
+        </a:xfrm>
+      </p:grpSpPr>
+      <p:sp>
+        <p:nvSpPr>
+          <p:cNvPr id="2" name="Title 1"/>
+          <p:cNvSpPr>
+            <a:spLocks noGrp="1"/>
+          </p:cNvSpPr>
+          <p:nvPr>
+            <p:ph type="title"/>
+          </p:nvPr>
+        </p:nvSpPr>
+        <p:spPr>
+          <a:xfrm>
+            <a:off x="2592925" y="624110"/>
+            <a:ext cx="8911687" cy="823690"/>
+          </a:xfrm>
+        </p:spPr>
+        <p:txBody>
+          <a:bodyPr/>
+          <a:lstStyle/>
+          <a:p>
+            <a:r>
+              <a:rPr lang="en-US" b="1" dirty="0" smtClean="0"/>
+              <a:t>Continue….</a:t>
+            </a:r>
+            <a:endParaRPr lang="en-US" dirty="0"/>
+          </a:p>
+        </p:txBody>
+      </p:sp>
+      <p:sp>
+        <p:nvSpPr>
+          <p:cNvPr id="3" name="Content Placeholder 2"/>
+          <p:cNvSpPr>
+            <a:spLocks noGrp="1"/>
+          </p:cNvSpPr>
+          <p:nvPr>
+            <p:ph idx="1"/>
+          </p:nvPr>
+        </p:nvSpPr>
+        <p:spPr>
+          <a:xfrm>
+            <a:off x="2589212" y="1371600"/>
+            <a:ext cx="8915400" cy="4539622"/>
+          </a:xfrm>
+        </p:spPr>
+        <p:txBody>
+          <a:bodyPr/>
+          <a:lstStyle/>
+          <a:p>
+            <a:r>
+              <a:rPr lang="en-US" dirty="0" smtClean="0"/>
+              <a:t>Sign in to </a:t>
+            </a:r>
+            <a:r>
+              <a:rPr lang="en-US" dirty="0" err="1" smtClean="0"/>
+              <a:t>GitHub</a:t>
+            </a:r>
+            <a:endParaRPr lang="en-US" dirty="0" smtClean="0"/>
+          </a:p>
+          <a:p>
+            <a:r>
+              <a:rPr lang="en-US" dirty="0" smtClean="0"/>
+              <a:t>You can create repositories there</a:t>
+            </a:r>
+            <a:endParaRPr lang="en-US" dirty="0"/>
+          </a:p>
+        </p:txBody>
+      </p:sp>
+      <p:pic>
+        <p:nvPicPr>
+          <p:cNvPr id="4" name="Picture 3" descr="Untitled2.png"/>
+          <p:cNvPicPr>
+            <a:picLocks noChangeAspect="1"/>
+          </p:cNvPicPr>
+          <p:nvPr/>
+        </p:nvPicPr>
+        <p:blipFill>
+          <a:blip r:embed="rId2"/>
+          <a:stretch>
+            <a:fillRect/>
+          </a:stretch>
+        </p:blipFill>
+        <p:spPr>
+          <a:xfrm>
+            <a:off x="2438400" y="2286000"/>
+            <a:ext cx="8954165" cy="2972783"/>
+          </a:xfrm>
+          <a:prstGeom prst="rect">
+            <a:avLst/>
+          </a:prstGeom>
+        </p:spPr>
+      </p:pic>
+    </p:spTree>
+  </p:cSld>
+  <p:clrMapOvr>
+    <a:masterClrMapping/>
+  </p:clrMapOvr>
+</p:sld>
+</file>
+
+<file path=ppt/slides/slide37.xml><?xml version="1.0" encoding="utf-8"?>
+<p:sld xmlns:a="http://schemas.openxmlformats.org/drawingml/2006/main" xmlns:r="http://schemas.openxmlformats.org/officeDocument/2006/relationships" xmlns:p="http://schemas.openxmlformats.org/presentationml/2006/main">
+  <p:cSld>
+    <p:spTree>
+      <p:nvGrpSpPr>
+        <p:cNvPr id="1" name=""/>
+        <p:cNvGrpSpPr/>
+        <p:nvPr/>
+      </p:nvGrpSpPr>
+      <p:grpSpPr>
+        <a:xfrm>
+          <a:off x="0" y="0"/>
+          <a:ext cx="0" cy="0"/>
+          <a:chOff x="0" y="0"/>
+          <a:chExt cx="0" cy="0"/>
+        </a:xfrm>
+      </p:grpSpPr>
+      <p:sp>
+        <p:nvSpPr>
+          <p:cNvPr id="2" name="Title 1"/>
+          <p:cNvSpPr>
+            <a:spLocks noGrp="1"/>
+          </p:cNvSpPr>
+          <p:nvPr>
+            <p:ph type="title"/>
+          </p:nvPr>
+        </p:nvSpPr>
+        <p:spPr>
+          <a:xfrm>
+            <a:off x="2592925" y="624110"/>
+            <a:ext cx="8911687" cy="823690"/>
+          </a:xfrm>
+        </p:spPr>
+        <p:txBody>
+          <a:bodyPr>
+            <a:normAutofit/>
+          </a:bodyPr>
+          <a:lstStyle/>
+          <a:p>
+            <a:r>
+              <a:rPr lang="en-US" sz="4000" b="1" dirty="0" smtClean="0"/>
+              <a:t>Install </a:t>
+            </a:r>
+            <a:r>
+              <a:rPr lang="en-US" sz="4000" b="1" dirty="0" err="1" smtClean="0"/>
+              <a:t>Git</a:t>
+            </a:r>
+            <a:endParaRPr lang="en-US" sz="4000" b="1" dirty="0"/>
+          </a:p>
+        </p:txBody>
+      </p:sp>
+      <p:sp>
+        <p:nvSpPr>
+          <p:cNvPr id="3" name="Content Placeholder 2"/>
+          <p:cNvSpPr>
+            <a:spLocks noGrp="1"/>
+          </p:cNvSpPr>
+          <p:nvPr>
+            <p:ph idx="1"/>
+          </p:nvPr>
+        </p:nvSpPr>
+        <p:spPr>
+          <a:xfrm>
+            <a:off x="2589212" y="1447800"/>
+            <a:ext cx="8915400" cy="5105400"/>
+          </a:xfrm>
+        </p:spPr>
+        <p:txBody>
+          <a:bodyPr/>
+          <a:lstStyle/>
+          <a:p>
+            <a:r>
+              <a:rPr lang="en-US" dirty="0" smtClean="0"/>
+              <a:t>Go to  </a:t>
+            </a:r>
+            <a:r>
+              <a:rPr lang="en-US" dirty="0" err="1" smtClean="0"/>
+              <a:t>url</a:t>
+            </a:r>
+            <a:r>
+              <a:rPr lang="en-US" dirty="0" smtClean="0"/>
+              <a:t> : </a:t>
+            </a:r>
+            <a:r>
+              <a:rPr lang="en-US" dirty="0" smtClean="0">
+                <a:hlinkClick r:id="rId2"/>
+              </a:rPr>
+              <a:t>https</a:t>
+            </a:r>
+            <a:r>
+              <a:rPr lang="en-US" dirty="0" smtClean="0">
+                <a:hlinkClick r:id="rId2"/>
+              </a:rPr>
+              <a:t>://</a:t>
+            </a:r>
+            <a:r>
+              <a:rPr lang="en-US" dirty="0" smtClean="0">
+                <a:hlinkClick r:id="rId2"/>
+              </a:rPr>
+              <a:t>git-scm.com/download/win</a:t>
+            </a:r>
+            <a:endParaRPr lang="en-US" dirty="0" smtClean="0"/>
+          </a:p>
+          <a:p>
+            <a:r>
+              <a:rPr lang="en-US" dirty="0" smtClean="0"/>
+              <a:t>Download </a:t>
+            </a:r>
+            <a:r>
+              <a:rPr lang="en-US" dirty="0" err="1" smtClean="0"/>
+              <a:t>git</a:t>
+            </a:r>
+            <a:r>
+              <a:rPr lang="en-US" dirty="0" smtClean="0"/>
+              <a:t>  for your windows .current version  2.15.0</a:t>
+            </a:r>
+          </a:p>
+          <a:p>
+            <a:r>
+              <a:rPr lang="en-US" dirty="0" smtClean="0"/>
+              <a:t>Install </a:t>
+            </a:r>
+            <a:r>
+              <a:rPr lang="en-US" dirty="0" err="1" smtClean="0"/>
+              <a:t>git</a:t>
+            </a:r>
+            <a:r>
+              <a:rPr lang="en-US" dirty="0" smtClean="0"/>
+              <a:t>   on your system</a:t>
+            </a:r>
+          </a:p>
+          <a:p>
+            <a:endParaRPr lang="en-US" dirty="0"/>
+          </a:p>
+        </p:txBody>
+      </p:sp>
+      <p:pic>
+        <p:nvPicPr>
+          <p:cNvPr id="4" name="Picture 3" descr="Untitled22.png"/>
+          <p:cNvPicPr>
+            <a:picLocks noChangeAspect="1"/>
+          </p:cNvPicPr>
+          <p:nvPr/>
+        </p:nvPicPr>
+        <p:blipFill>
+          <a:blip r:embed="rId3"/>
+          <a:stretch>
+            <a:fillRect/>
+          </a:stretch>
+        </p:blipFill>
+        <p:spPr>
+          <a:xfrm>
+            <a:off x="3200400" y="2743200"/>
+            <a:ext cx="4867955" cy="3762900"/>
+          </a:xfrm>
+          <a:prstGeom prst="rect">
+            <a:avLst/>
+          </a:prstGeom>
+        </p:spPr>
+      </p:pic>
+    </p:spTree>
+  </p:cSld>
+  <p:clrMapOvr>
+    <a:masterClrMapping/>
+  </p:clrMapOvr>
+</p:sld>
+</file>
+
+<file path=ppt/slides/slide38.xml><?xml version="1.0" encoding="utf-8"?>
+<p:sld xmlns:a="http://schemas.openxmlformats.org/drawingml/2006/main" xmlns:r="http://schemas.openxmlformats.org/officeDocument/2006/relationships" xmlns:p="http://schemas.openxmlformats.org/presentationml/2006/main">
+  <p:cSld>
+    <p:spTree>
+      <p:nvGrpSpPr>
+        <p:cNvPr id="1" name=""/>
+        <p:cNvGrpSpPr/>
+        <p:nvPr/>
+      </p:nvGrpSpPr>
+      <p:grpSpPr>
+        <a:xfrm>
+          <a:off x="0" y="0"/>
+          <a:ext cx="0" cy="0"/>
+          <a:chOff x="0" y="0"/>
+          <a:chExt cx="0" cy="0"/>
+        </a:xfrm>
+      </p:grpSpPr>
+      <p:pic>
+        <p:nvPicPr>
+          <p:cNvPr id="4" name="Content Placeholder 3" descr="Untitled23.png"/>
+          <p:cNvPicPr>
+            <a:picLocks noGrp="1" noChangeAspect="1"/>
+          </p:cNvPicPr>
+          <p:nvPr>
+            <p:ph idx="1"/>
+          </p:nvPr>
+        </p:nvPicPr>
+        <p:blipFill>
+          <a:blip r:embed="rId2"/>
+          <a:stretch>
+            <a:fillRect/>
+          </a:stretch>
+        </p:blipFill>
+        <p:spPr>
+          <a:xfrm>
+            <a:off x="2514600" y="1600200"/>
+            <a:ext cx="4572000" cy="4136148"/>
+          </a:xfrm>
+        </p:spPr>
+      </p:pic>
+      <p:pic>
+        <p:nvPicPr>
+          <p:cNvPr id="5" name="Picture 4" descr="Untitled24.png"/>
+          <p:cNvPicPr>
+            <a:picLocks noChangeAspect="1"/>
+          </p:cNvPicPr>
+          <p:nvPr/>
+        </p:nvPicPr>
+        <p:blipFill>
+          <a:blip r:embed="rId3"/>
+          <a:stretch>
+            <a:fillRect/>
+          </a:stretch>
+        </p:blipFill>
+        <p:spPr>
+          <a:xfrm>
+            <a:off x="7266898" y="1642537"/>
+            <a:ext cx="4391702" cy="4072463"/>
+          </a:xfrm>
+          <a:prstGeom prst="rect">
+            <a:avLst/>
+          </a:prstGeom>
+        </p:spPr>
+      </p:pic>
+      <p:sp>
+        <p:nvSpPr>
+          <p:cNvPr id="8" name="Title 1"/>
+          <p:cNvSpPr txBox="1">
+            <a:spLocks noGrp="1"/>
+          </p:cNvSpPr>
+          <p:nvPr>
+            <p:ph type="title"/>
+          </p:nvPr>
+        </p:nvSpPr>
+        <p:spPr>
+          <a:xfrm>
+            <a:off x="2592925" y="624110"/>
+            <a:ext cx="8911687" cy="747490"/>
+          </a:xfrm>
+          <a:prstGeom prst="rect">
+            <a:avLst/>
+          </a:prstGeom>
+        </p:spPr>
+        <p:txBody>
+          <a:bodyPr vert="horz" lIns="91440" tIns="45720" rIns="91440" bIns="45720" rtlCol="0" anchor="t">
+            <a:normAutofit/>
+          </a:bodyPr>
+          <a:lstStyle/>
+          <a:p>
+            <a:pPr marL="0" marR="0" lvl="0" indent="0" algn="l" defTabSz="457200" rtl="0" eaLnBrk="1" fontAlgn="auto" latinLnBrk="0" hangingPunct="1">
+              <a:lnSpc>
+                <a:spcPct val="100000"/>
+              </a:lnSpc>
+              <a:spcBef>
+                <a:spcPct val="0"/>
+              </a:spcBef>
+              <a:spcAft>
+                <a:spcPts val="0"/>
+              </a:spcAft>
+              <a:buClrTx/>
+              <a:buSzTx/>
+              <a:buFontTx/>
+              <a:buNone/>
+              <a:tabLst/>
+              <a:defRPr/>
+            </a:pPr>
+            <a:r>
+              <a:rPr kumimoji="0" lang="en-US" sz="3600" b="1" i="0" u="none" strike="noStrike" kern="1200" cap="none" spc="0" normalizeH="0" baseline="0" noProof="0" dirty="0" smtClean="0">
+                <a:ln>
+                  <a:noFill/>
+                </a:ln>
+                <a:solidFill>
+                  <a:schemeClr val="tx1">
+                    <a:lumMod val="85000"/>
+                    <a:lumOff val="15000"/>
+                  </a:schemeClr>
+                </a:solidFill>
+                <a:effectLst/>
+                <a:uLnTx/>
+                <a:uFillTx/>
+                <a:latin typeface="+mj-lt"/>
+                <a:ea typeface="+mj-ea"/>
+                <a:cs typeface="+mj-cs"/>
+              </a:rPr>
+              <a:t>Continue….</a:t>
+            </a:r>
+            <a:endParaRPr kumimoji="0" lang="en-US" sz="3600" b="0" i="0" u="none" strike="noStrike" kern="1200" cap="none" spc="0" normalizeH="0" baseline="0" noProof="0" dirty="0">
+              <a:ln>
+                <a:noFill/>
+              </a:ln>
+              <a:solidFill>
+                <a:schemeClr val="tx1">
+                  <a:lumMod val="85000"/>
+                  <a:lumOff val="15000"/>
+                </a:schemeClr>
+              </a:solidFill>
+              <a:effectLst/>
+              <a:uLnTx/>
+              <a:uFillTx/>
+              <a:latin typeface="+mj-lt"/>
+              <a:ea typeface="+mj-ea"/>
+              <a:cs typeface="+mj-cs"/>
+            </a:endParaRPr>
+          </a:p>
+        </p:txBody>
+      </p:sp>
+    </p:spTree>
+  </p:cSld>
+  <p:clrMapOvr>
+    <a:masterClrMapping/>
+  </p:clrMapOvr>
+</p:sld>
+</file>
+
+<file path=ppt/slides/slide39.xml><?xml version="1.0" encoding="utf-8"?>
+<p:sld xmlns:a="http://schemas.openxmlformats.org/drawingml/2006/main" xmlns:r="http://schemas.openxmlformats.org/officeDocument/2006/relationships" xmlns:p="http://schemas.openxmlformats.org/presentationml/2006/main">
+  <p:cSld>
+    <p:spTree>
+      <p:nvGrpSpPr>
+        <p:cNvPr id="1" name=""/>
+        <p:cNvGrpSpPr/>
+        <p:nvPr/>
+      </p:nvGrpSpPr>
+      <p:grpSpPr>
+        <a:xfrm>
+          <a:off x="0" y="0"/>
+          <a:ext cx="0" cy="0"/>
+          <a:chOff x="0" y="0"/>
+          <a:chExt cx="0" cy="0"/>
+        </a:xfrm>
+      </p:grpSpPr>
+      <p:pic>
+        <p:nvPicPr>
+          <p:cNvPr id="5" name="Content Placeholder 4" descr="m.png"/>
+          <p:cNvPicPr>
+            <a:picLocks noGrp="1" noChangeAspect="1"/>
+          </p:cNvPicPr>
+          <p:nvPr>
+            <p:ph idx="1"/>
+          </p:nvPr>
+        </p:nvPicPr>
+        <p:blipFill>
+          <a:blip r:embed="rId2"/>
+          <a:stretch>
+            <a:fillRect/>
+          </a:stretch>
+        </p:blipFill>
+        <p:spPr>
+          <a:xfrm>
+            <a:off x="2971800" y="1803138"/>
+            <a:ext cx="2248214" cy="3753374"/>
+          </a:xfrm>
+        </p:spPr>
+      </p:pic>
+      <p:sp>
+        <p:nvSpPr>
+          <p:cNvPr id="4" name="Title 1"/>
+          <p:cNvSpPr txBox="1">
+            <a:spLocks noGrp="1"/>
+          </p:cNvSpPr>
+          <p:nvPr>
+            <p:ph type="title"/>
+          </p:nvPr>
+        </p:nvSpPr>
+        <p:spPr>
+          <a:xfrm>
+            <a:off x="2592925" y="624110"/>
+            <a:ext cx="8911687" cy="823690"/>
+          </a:xfrm>
+          <a:prstGeom prst="rect">
+            <a:avLst/>
+          </a:prstGeom>
+        </p:spPr>
+        <p:txBody>
+          <a:bodyPr vert="horz" lIns="91440" tIns="45720" rIns="91440" bIns="45720" rtlCol="0" anchor="t">
+            <a:normAutofit/>
+          </a:bodyPr>
+          <a:lstStyle/>
+          <a:p>
+            <a:pPr marL="0" marR="0" lvl="0" indent="0" algn="l" defTabSz="457200" rtl="0" eaLnBrk="1" fontAlgn="auto" latinLnBrk="0" hangingPunct="1">
+              <a:lnSpc>
+                <a:spcPct val="100000"/>
+              </a:lnSpc>
+              <a:spcBef>
+                <a:spcPct val="0"/>
+              </a:spcBef>
+              <a:spcAft>
+                <a:spcPts val="0"/>
+              </a:spcAft>
+              <a:buClrTx/>
+              <a:buSzTx/>
+              <a:buFontTx/>
+              <a:buNone/>
+              <a:tabLst/>
+              <a:defRPr/>
+            </a:pPr>
+            <a:r>
+              <a:rPr kumimoji="0" lang="en-US" sz="3600" b="1" i="0" u="none" strike="noStrike" kern="1200" cap="none" spc="0" normalizeH="0" baseline="0" noProof="0" dirty="0" smtClean="0">
+                <a:ln>
+                  <a:noFill/>
+                </a:ln>
+                <a:solidFill>
+                  <a:schemeClr val="tx1">
+                    <a:lumMod val="85000"/>
+                    <a:lumOff val="15000"/>
+                  </a:schemeClr>
+                </a:solidFill>
+                <a:effectLst/>
+                <a:uLnTx/>
+                <a:uFillTx/>
+                <a:latin typeface="+mj-lt"/>
+                <a:ea typeface="+mj-ea"/>
+                <a:cs typeface="+mj-cs"/>
+              </a:rPr>
+              <a:t>Continue….</a:t>
+            </a:r>
+            <a:endParaRPr kumimoji="0" lang="en-US" sz="3600" b="0" i="0" u="none" strike="noStrike" kern="1200" cap="none" spc="0" normalizeH="0" baseline="0" noProof="0" dirty="0">
+              <a:ln>
+                <a:noFill/>
+              </a:ln>
+              <a:solidFill>
+                <a:schemeClr val="tx1">
+                  <a:lumMod val="85000"/>
+                  <a:lumOff val="15000"/>
+                </a:schemeClr>
+              </a:solidFill>
+              <a:effectLst/>
+              <a:uLnTx/>
+              <a:uFillTx/>
+              <a:latin typeface="+mj-lt"/>
+              <a:ea typeface="+mj-ea"/>
+              <a:cs typeface="+mj-cs"/>
+            </a:endParaRPr>
+          </a:p>
+        </p:txBody>
+      </p:sp>
+      <p:pic>
+        <p:nvPicPr>
+          <p:cNvPr id="6" name="Picture 5" descr="bash1.png"/>
+          <p:cNvPicPr>
+            <a:picLocks noChangeAspect="1"/>
+          </p:cNvPicPr>
+          <p:nvPr/>
+        </p:nvPicPr>
+        <p:blipFill>
+          <a:blip r:embed="rId3"/>
+          <a:stretch>
+            <a:fillRect/>
+          </a:stretch>
+        </p:blipFill>
+        <p:spPr>
+          <a:xfrm>
+            <a:off x="6096000" y="1295400"/>
+            <a:ext cx="4572000" cy="2057400"/>
+          </a:xfrm>
+          <a:prstGeom prst="rect">
+            <a:avLst/>
+          </a:prstGeom>
+        </p:spPr>
+      </p:pic>
+      <p:pic>
+        <p:nvPicPr>
+          <p:cNvPr id="7" name="Picture 6" descr="bash gui.png"/>
+          <p:cNvPicPr>
+            <a:picLocks noChangeAspect="1"/>
+          </p:cNvPicPr>
+          <p:nvPr/>
+        </p:nvPicPr>
+        <p:blipFill>
+          <a:blip r:embed="rId4"/>
+          <a:stretch>
+            <a:fillRect/>
+          </a:stretch>
+        </p:blipFill>
+        <p:spPr>
+          <a:xfrm>
+            <a:off x="6172200" y="3733800"/>
+            <a:ext cx="4572000" cy="2343647"/>
+          </a:xfrm>
+          <a:prstGeom prst="rect">
+            <a:avLst/>
+          </a:prstGeom>
+        </p:spPr>
+      </p:pic>
+    </p:spTree>
+  </p:cSld>
+  <p:clrMapOvr>
+    <a:masterClrMapping/>
+  </p:clrMapOvr>
+</p:sld>
+</file>
+
 <file path=ppt/slides/slide4.xml><?xml version="1.0" encoding="utf-8"?>
 <p:sld xmlns:a="http://schemas.openxmlformats.org/drawingml/2006/main" xmlns:r="http://schemas.openxmlformats.org/officeDocument/2006/relationships" xmlns:p="http://schemas.openxmlformats.org/presentationml/2006/main">
   <p:cSld>
@@ -14224,6 +14985,1933 @@
         <p14:creationId xmlns:p14="http://schemas.microsoft.com/office/powerpoint/2010/main" xmlns="" val="483168689"/>
       </p:ext>
     </p:extLst>
+  </p:cSld>
+  <p:clrMapOvr>
+    <a:masterClrMapping/>
+  </p:clrMapOvr>
+  <p:transition>
+    <p:wipe dir="d"/>
+  </p:transition>
+  <p:timing>
+    <p:tnLst>
+      <p:par>
+        <p:cTn id="1" dur="indefinite" restart="never" nodeType="tmRoot"/>
+      </p:par>
+    </p:tnLst>
+  </p:timing>
+</p:sld>
+</file>
+
+<file path=ppt/slides/slide40.xml><?xml version="1.0" encoding="utf-8"?>
+<p:sld xmlns:a="http://schemas.openxmlformats.org/drawingml/2006/main" xmlns:r="http://schemas.openxmlformats.org/officeDocument/2006/relationships" xmlns:p="http://schemas.openxmlformats.org/presentationml/2006/main">
+  <p:cSld>
+    <p:spTree>
+      <p:nvGrpSpPr>
+        <p:cNvPr id="1" name=""/>
+        <p:cNvGrpSpPr/>
+        <p:nvPr/>
+      </p:nvGrpSpPr>
+      <p:grpSpPr>
+        <a:xfrm>
+          <a:off x="0" y="0"/>
+          <a:ext cx="0" cy="0"/>
+          <a:chOff x="0" y="0"/>
+          <a:chExt cx="0" cy="0"/>
+        </a:xfrm>
+      </p:grpSpPr>
+      <p:sp>
+        <p:nvSpPr>
+          <p:cNvPr id="2" name="Title 1"/>
+          <p:cNvSpPr>
+            <a:spLocks noGrp="1"/>
+          </p:cNvSpPr>
+          <p:nvPr>
+            <p:ph type="title"/>
+          </p:nvPr>
+        </p:nvSpPr>
+        <p:spPr>
+          <a:xfrm>
+            <a:off x="2592925" y="624110"/>
+            <a:ext cx="8911687" cy="747490"/>
+          </a:xfrm>
+        </p:spPr>
+        <p:txBody>
+          <a:bodyPr/>
+          <a:lstStyle/>
+          <a:p>
+            <a:r>
+              <a:rPr lang="en-US" b="1" dirty="0" smtClean="0"/>
+              <a:t>Continue….</a:t>
+            </a:r>
+            <a:endParaRPr lang="en-US" dirty="0"/>
+          </a:p>
+        </p:txBody>
+      </p:sp>
+      <p:sp>
+        <p:nvSpPr>
+          <p:cNvPr id="3" name="Content Placeholder 2"/>
+          <p:cNvSpPr>
+            <a:spLocks noGrp="1"/>
+          </p:cNvSpPr>
+          <p:nvPr>
+            <p:ph idx="1"/>
+          </p:nvPr>
+        </p:nvSpPr>
+        <p:spPr>
+          <a:xfrm>
+            <a:off x="2589212" y="1295400"/>
+            <a:ext cx="8915400" cy="4615822"/>
+          </a:xfrm>
+        </p:spPr>
+        <p:txBody>
+          <a:bodyPr/>
+          <a:lstStyle/>
+          <a:p>
+            <a:r>
+              <a:rPr lang="en-US" b="1" dirty="0" smtClean="0"/>
+              <a:t>Step 5. Install </a:t>
+            </a:r>
+            <a:r>
+              <a:rPr lang="en-US" b="1" dirty="0" err="1" smtClean="0"/>
+              <a:t>TortoiseGit</a:t>
+            </a:r>
+            <a:endParaRPr lang="en-US" b="1" dirty="0" smtClean="0"/>
+          </a:p>
+          <a:p>
+            <a:pPr>
+              <a:buFont typeface="+mj-lt"/>
+              <a:buAutoNum type="arabicPeriod"/>
+            </a:pPr>
+            <a:r>
+              <a:rPr lang="en-US" dirty="0" smtClean="0"/>
+              <a:t>Download </a:t>
+            </a:r>
+            <a:r>
+              <a:rPr lang="en-US" dirty="0" err="1" smtClean="0">
+                <a:hlinkClick r:id="rId2"/>
+              </a:rPr>
+              <a:t>TortoiseGit</a:t>
+            </a:r>
+            <a:r>
+              <a:rPr lang="en-US" dirty="0" smtClean="0"/>
+              <a:t>. </a:t>
+            </a:r>
+          </a:p>
+          <a:p>
+            <a:pPr>
+              <a:buFont typeface="+mj-lt"/>
+              <a:buAutoNum type="arabicPeriod"/>
+            </a:pPr>
+            <a:r>
+              <a:rPr lang="en-US" dirty="0" smtClean="0"/>
+              <a:t>Start the installation and keep clicking </a:t>
+            </a:r>
+            <a:r>
+              <a:rPr lang="en-US" b="1" dirty="0" smtClean="0"/>
+              <a:t>Next</a:t>
+            </a:r>
+            <a:r>
+              <a:rPr lang="en-US" dirty="0" smtClean="0"/>
+              <a:t> until you come to the following step. Choose </a:t>
+            </a:r>
+            <a:r>
+              <a:rPr lang="en-US" b="1" dirty="0" err="1" smtClean="0"/>
+              <a:t>OpenSSH</a:t>
+            </a:r>
+            <a:r>
+              <a:rPr lang="en-US" b="1" dirty="0" smtClean="0"/>
+              <a:t>, </a:t>
+            </a:r>
+            <a:r>
+              <a:rPr lang="en-US" b="1" dirty="0" err="1" smtClean="0"/>
+              <a:t>Git</a:t>
+            </a:r>
+            <a:r>
+              <a:rPr lang="en-US" b="1" dirty="0" smtClean="0"/>
+              <a:t> default SSH Client</a:t>
+            </a:r>
+            <a:r>
+              <a:rPr lang="en-US" dirty="0" smtClean="0"/>
+              <a:t> here.</a:t>
+            </a:r>
+          </a:p>
+          <a:p>
+            <a:endParaRPr lang="en-US" dirty="0"/>
+          </a:p>
+        </p:txBody>
+      </p:sp>
+      <p:pic>
+        <p:nvPicPr>
+          <p:cNvPr id="4" name="Picture 3" descr="t1.jpg"/>
+          <p:cNvPicPr>
+            <a:picLocks noChangeAspect="1"/>
+          </p:cNvPicPr>
+          <p:nvPr/>
+        </p:nvPicPr>
+        <p:blipFill>
+          <a:blip r:embed="rId3"/>
+          <a:stretch>
+            <a:fillRect/>
+          </a:stretch>
+        </p:blipFill>
+        <p:spPr>
+          <a:xfrm>
+            <a:off x="3886200" y="2971800"/>
+            <a:ext cx="4667250" cy="3524250"/>
+          </a:xfrm>
+          <a:prstGeom prst="rect">
+            <a:avLst/>
+          </a:prstGeom>
+        </p:spPr>
+      </p:pic>
+      <p:pic>
+        <p:nvPicPr>
+          <p:cNvPr id="5" name="Picture 4">
+            <a:extLst>
+              <a:ext uri="{FF2B5EF4-FFF2-40B4-BE49-F238E27FC236}">
+                <a16:creationId xmlns:a16="http://schemas.microsoft.com/office/drawing/2014/main" xmlns="" id="{919EE81D-A196-3246-9A9B-D18318DF27F2}"/>
+              </a:ext>
+            </a:extLst>
+          </p:cNvPr>
+          <p:cNvPicPr>
+            <a:picLocks noChangeAspect="1"/>
+          </p:cNvPicPr>
+          <p:nvPr/>
+        </p:nvPicPr>
+        <p:blipFill>
+          <a:blip r:embed="rId4"/>
+          <a:stretch>
+            <a:fillRect/>
+          </a:stretch>
+        </p:blipFill>
+        <p:spPr>
+          <a:xfrm>
+            <a:off x="11306371" y="157161"/>
+            <a:ext cx="623691" cy="623691"/>
+          </a:xfrm>
+          <a:prstGeom prst="rect">
+            <a:avLst/>
+          </a:prstGeom>
+        </p:spPr>
+      </p:pic>
+    </p:spTree>
+  </p:cSld>
+  <p:clrMapOvr>
+    <a:masterClrMapping/>
+  </p:clrMapOvr>
+  <p:transition>
+    <p:wipe dir="d"/>
+  </p:transition>
+  <p:timing>
+    <p:tnLst>
+      <p:par>
+        <p:cTn id="1" dur="indefinite" restart="never" nodeType="tmRoot"/>
+      </p:par>
+    </p:tnLst>
+  </p:timing>
+</p:sld>
+</file>
+
+<file path=ppt/slides/slide41.xml><?xml version="1.0" encoding="utf-8"?>
+<p:sld xmlns:a="http://schemas.openxmlformats.org/drawingml/2006/main" xmlns:r="http://schemas.openxmlformats.org/officeDocument/2006/relationships" xmlns:p="http://schemas.openxmlformats.org/presentationml/2006/main">
+  <p:cSld>
+    <p:spTree>
+      <p:nvGrpSpPr>
+        <p:cNvPr id="1" name=""/>
+        <p:cNvGrpSpPr/>
+        <p:nvPr/>
+      </p:nvGrpSpPr>
+      <p:grpSpPr>
+        <a:xfrm>
+          <a:off x="0" y="0"/>
+          <a:ext cx="0" cy="0"/>
+          <a:chOff x="0" y="0"/>
+          <a:chExt cx="0" cy="0"/>
+        </a:xfrm>
+      </p:grpSpPr>
+      <p:sp>
+        <p:nvSpPr>
+          <p:cNvPr id="2" name="Title 1"/>
+          <p:cNvSpPr>
+            <a:spLocks noGrp="1"/>
+          </p:cNvSpPr>
+          <p:nvPr>
+            <p:ph type="title"/>
+          </p:nvPr>
+        </p:nvSpPr>
+        <p:spPr>
+          <a:xfrm>
+            <a:off x="2592925" y="624110"/>
+            <a:ext cx="8911687" cy="671290"/>
+          </a:xfrm>
+        </p:spPr>
+        <p:txBody>
+          <a:bodyPr/>
+          <a:lstStyle/>
+          <a:p>
+            <a:r>
+              <a:rPr lang="en-US" b="1" dirty="0" smtClean="0"/>
+              <a:t>Continue….</a:t>
+            </a:r>
+            <a:endParaRPr lang="en-US" dirty="0"/>
+          </a:p>
+        </p:txBody>
+      </p:sp>
+      <p:sp>
+        <p:nvSpPr>
+          <p:cNvPr id="3" name="Content Placeholder 2"/>
+          <p:cNvSpPr>
+            <a:spLocks noGrp="1"/>
+          </p:cNvSpPr>
+          <p:nvPr>
+            <p:ph idx="1"/>
+          </p:nvPr>
+        </p:nvSpPr>
+        <p:spPr>
+          <a:xfrm>
+            <a:off x="2589212" y="1371600"/>
+            <a:ext cx="8915400" cy="4539622"/>
+          </a:xfrm>
+        </p:spPr>
+        <p:txBody>
+          <a:bodyPr/>
+          <a:lstStyle/>
+          <a:p>
+            <a:pPr>
+              <a:buFont typeface="+mj-lt"/>
+              <a:buAutoNum type="arabicPeriod" startAt="3"/>
+            </a:pPr>
+            <a:r>
+              <a:rPr lang="en-US" dirty="0" smtClean="0"/>
+              <a:t>Keep clicking </a:t>
+            </a:r>
+            <a:r>
+              <a:rPr lang="en-US" b="1" dirty="0" smtClean="0"/>
+              <a:t>Next</a:t>
+            </a:r>
+            <a:r>
+              <a:rPr lang="en-US" dirty="0" smtClean="0"/>
+              <a:t> until you have completed the setup.</a:t>
+            </a:r>
+          </a:p>
+          <a:p>
+            <a:pPr>
+              <a:buFont typeface="+mj-lt"/>
+              <a:buAutoNum type="arabicPeriod" startAt="3"/>
+            </a:pPr>
+            <a:r>
+              <a:rPr lang="en-US" dirty="0" smtClean="0"/>
+              <a:t>Right-click on your desktop and select </a:t>
+            </a:r>
+            <a:r>
+              <a:rPr lang="en-US" i="1" dirty="0" err="1" smtClean="0"/>
+              <a:t>TortoiseGit</a:t>
+            </a:r>
+            <a:r>
+              <a:rPr lang="en-US" i="1" dirty="0" smtClean="0"/>
+              <a:t> &gt; Settings</a:t>
+            </a:r>
+            <a:r>
+              <a:rPr lang="en-US" dirty="0" smtClean="0"/>
+              <a:t> from the context menu. You should see the following screen. Click on: </a:t>
+            </a:r>
+            <a:r>
+              <a:rPr lang="en-US" b="1" dirty="0" smtClean="0"/>
+              <a:t>Set </a:t>
+            </a:r>
+            <a:r>
+              <a:rPr lang="en-US" b="1" dirty="0" err="1" smtClean="0"/>
+              <a:t>Git</a:t>
+            </a:r>
+            <a:r>
+              <a:rPr lang="en-US" b="1" dirty="0" smtClean="0"/>
+              <a:t> path</a:t>
+            </a:r>
+            <a:r>
+              <a:rPr lang="en-US" dirty="0" smtClean="0"/>
+              <a:t>.</a:t>
+            </a:r>
+          </a:p>
+          <a:p>
+            <a:pPr>
+              <a:buFont typeface="+mj-lt"/>
+              <a:buAutoNum type="arabicPeriod" startAt="3"/>
+            </a:pPr>
+            <a:endParaRPr lang="en-US" dirty="0" smtClean="0"/>
+          </a:p>
+          <a:p>
+            <a:pPr>
+              <a:buNone/>
+            </a:pPr>
+            <a:endParaRPr lang="en-US" dirty="0" smtClean="0"/>
+          </a:p>
+          <a:p>
+            <a:pPr>
+              <a:buNone/>
+            </a:pPr>
+            <a:endParaRPr lang="en-US" dirty="0" smtClean="0"/>
+          </a:p>
+          <a:p>
+            <a:pPr>
+              <a:buNone/>
+            </a:pPr>
+            <a:endParaRPr lang="en-US" dirty="0" smtClean="0"/>
+          </a:p>
+          <a:p>
+            <a:pPr>
+              <a:buNone/>
+            </a:pPr>
+            <a:endParaRPr lang="en-US" dirty="0" smtClean="0"/>
+          </a:p>
+          <a:p>
+            <a:pPr>
+              <a:buFont typeface="+mj-lt"/>
+              <a:buAutoNum type="arabicPeriod" startAt="5"/>
+            </a:pPr>
+            <a:r>
+              <a:rPr lang="en-US" dirty="0" smtClean="0"/>
+              <a:t>Paste this in the text box </a:t>
+            </a:r>
+            <a:r>
+              <a:rPr lang="en-US" dirty="0" err="1" smtClean="0"/>
+              <a:t>labelled</a:t>
+            </a:r>
+            <a:r>
+              <a:rPr lang="en-US" dirty="0" smtClean="0"/>
+              <a:t> </a:t>
+            </a:r>
+            <a:r>
+              <a:rPr lang="en-US" b="1" dirty="0" smtClean="0"/>
+              <a:t>Git.exe Path</a:t>
+            </a:r>
+            <a:r>
+              <a:rPr lang="en-US" dirty="0" smtClean="0"/>
+              <a:t>:</a:t>
+            </a:r>
+            <a:br>
+              <a:rPr lang="en-US" dirty="0" smtClean="0"/>
+            </a:br>
+            <a:r>
+              <a:rPr lang="en-US" dirty="0" smtClean="0"/>
+              <a:t>C:\Users\&lt;your user name&gt;\</a:t>
+            </a:r>
+            <a:r>
+              <a:rPr lang="en-US" dirty="0" err="1" smtClean="0"/>
+              <a:t>AppData</a:t>
+            </a:r>
+            <a:r>
+              <a:rPr lang="en-US" dirty="0" smtClean="0"/>
+              <a:t>\Local\</a:t>
+            </a:r>
+            <a:r>
+              <a:rPr lang="en-US" dirty="0" err="1" smtClean="0"/>
+              <a:t>GitHub</a:t>
+            </a:r>
+            <a:r>
+              <a:rPr lang="en-US" dirty="0" smtClean="0"/>
+              <a:t>\PORTAB~1\</a:t>
+            </a:r>
+            <a:r>
+              <a:rPr lang="en-US" dirty="0" err="1" smtClean="0"/>
+              <a:t>cmd</a:t>
+            </a:r>
+            <a:r>
+              <a:rPr lang="en-US" dirty="0" smtClean="0"/>
+              <a:t/>
+            </a:r>
+            <a:br>
+              <a:rPr lang="en-US" dirty="0" smtClean="0"/>
+            </a:br>
+            <a:endParaRPr lang="en-US" dirty="0" smtClean="0"/>
+          </a:p>
+        </p:txBody>
+      </p:sp>
+      <p:pic>
+        <p:nvPicPr>
+          <p:cNvPr id="4" name="Picture 3" descr="t2.jpg"/>
+          <p:cNvPicPr>
+            <a:picLocks noChangeAspect="1"/>
+          </p:cNvPicPr>
+          <p:nvPr/>
+        </p:nvPicPr>
+        <p:blipFill>
+          <a:blip r:embed="rId2"/>
+          <a:stretch>
+            <a:fillRect/>
+          </a:stretch>
+        </p:blipFill>
+        <p:spPr>
+          <a:xfrm>
+            <a:off x="3886200" y="2667000"/>
+            <a:ext cx="3962400" cy="1600200"/>
+          </a:xfrm>
+          <a:prstGeom prst="rect">
+            <a:avLst/>
+          </a:prstGeom>
+        </p:spPr>
+      </p:pic>
+      <p:sp>
+        <p:nvSpPr>
+          <p:cNvPr id="2049" name="Rectangle 1"/>
+          <p:cNvSpPr>
+            <a:spLocks noChangeArrowheads="1"/>
+          </p:cNvSpPr>
+          <p:nvPr/>
+        </p:nvSpPr>
+        <p:spPr bwMode="auto">
+          <a:xfrm>
+            <a:off x="0" y="0"/>
+            <a:ext cx="65" cy="276999"/>
+          </a:xfrm>
+          <a:prstGeom prst="rect">
+            <a:avLst/>
+          </a:prstGeom>
+          <a:solidFill>
+            <a:srgbClr val="FFFFFF"/>
+          </a:solidFill>
+          <a:ln w="9525">
+            <a:noFill/>
+            <a:miter lim="800000"/>
+            <a:headEnd/>
+            <a:tailEnd/>
+          </a:ln>
+          <a:effectLst/>
+        </p:spPr>
+        <p:txBody>
+          <a:bodyPr vert="horz" wrap="none" lIns="0" tIns="0" rIns="0" bIns="0" numCol="1" anchor="ctr" anchorCtr="0" compatLnSpc="1">
+            <a:prstTxWarp prst="textNoShape">
+              <a:avLst/>
+            </a:prstTxWarp>
+            <a:spAutoFit/>
+          </a:bodyPr>
+          <a:lstStyle/>
+          <a:p>
+            <a:pPr marL="0" marR="0" lvl="0" indent="0" algn="l" defTabSz="914400" rtl="0" eaLnBrk="1" fontAlgn="base" latinLnBrk="0" hangingPunct="1">
+              <a:lnSpc>
+                <a:spcPct val="100000"/>
+              </a:lnSpc>
+              <a:spcBef>
+                <a:spcPct val="0"/>
+              </a:spcBef>
+              <a:spcAft>
+                <a:spcPct val="0"/>
+              </a:spcAft>
+              <a:buClrTx/>
+              <a:buSzTx/>
+              <a:buFontTx/>
+              <a:buNone/>
+              <a:tabLst/>
+            </a:pPr>
+            <a:endParaRPr kumimoji="0" lang="en-US" sz="1800" b="0" i="0" u="none" strike="noStrike" cap="none" normalizeH="0" baseline="0" dirty="0" smtClean="0">
+              <a:ln>
+                <a:noFill/>
+              </a:ln>
+              <a:solidFill>
+                <a:schemeClr val="tx1"/>
+              </a:solidFill>
+              <a:effectLst/>
+              <a:latin typeface="Arial" pitchFamily="34" charset="0"/>
+              <a:cs typeface="Arial" pitchFamily="34" charset="0"/>
+            </a:endParaRPr>
+          </a:p>
+        </p:txBody>
+      </p:sp>
+      <p:pic>
+        <p:nvPicPr>
+          <p:cNvPr id="6" name="Picture 4">
+            <a:extLst>
+              <a:ext uri="{FF2B5EF4-FFF2-40B4-BE49-F238E27FC236}">
+                <a16:creationId xmlns:a16="http://schemas.microsoft.com/office/drawing/2014/main" xmlns="" id="{919EE81D-A196-3246-9A9B-D18318DF27F2}"/>
+              </a:ext>
+            </a:extLst>
+          </p:cNvPr>
+          <p:cNvPicPr>
+            <a:picLocks noChangeAspect="1"/>
+          </p:cNvPicPr>
+          <p:nvPr/>
+        </p:nvPicPr>
+        <p:blipFill>
+          <a:blip r:embed="rId3"/>
+          <a:stretch>
+            <a:fillRect/>
+          </a:stretch>
+        </p:blipFill>
+        <p:spPr>
+          <a:xfrm>
+            <a:off x="11306371" y="157161"/>
+            <a:ext cx="623691" cy="623691"/>
+          </a:xfrm>
+          <a:prstGeom prst="rect">
+            <a:avLst/>
+          </a:prstGeom>
+        </p:spPr>
+      </p:pic>
+    </p:spTree>
+  </p:cSld>
+  <p:clrMapOvr>
+    <a:masterClrMapping/>
+  </p:clrMapOvr>
+  <p:transition>
+    <p:wipe dir="d"/>
+  </p:transition>
+  <p:timing>
+    <p:tnLst>
+      <p:par>
+        <p:cTn id="1" dur="indefinite" restart="never" nodeType="tmRoot"/>
+      </p:par>
+    </p:tnLst>
+  </p:timing>
+</p:sld>
+</file>
+
+<file path=ppt/slides/slide42.xml><?xml version="1.0" encoding="utf-8"?>
+<p:sld xmlns:a="http://schemas.openxmlformats.org/drawingml/2006/main" xmlns:r="http://schemas.openxmlformats.org/officeDocument/2006/relationships" xmlns:p="http://schemas.openxmlformats.org/presentationml/2006/main">
+  <p:cSld>
+    <p:spTree>
+      <p:nvGrpSpPr>
+        <p:cNvPr id="1" name=""/>
+        <p:cNvGrpSpPr/>
+        <p:nvPr/>
+      </p:nvGrpSpPr>
+      <p:grpSpPr>
+        <a:xfrm>
+          <a:off x="0" y="0"/>
+          <a:ext cx="0" cy="0"/>
+          <a:chOff x="0" y="0"/>
+          <a:chExt cx="0" cy="0"/>
+        </a:xfrm>
+      </p:grpSpPr>
+      <p:sp>
+        <p:nvSpPr>
+          <p:cNvPr id="2" name="Title 1"/>
+          <p:cNvSpPr>
+            <a:spLocks noGrp="1"/>
+          </p:cNvSpPr>
+          <p:nvPr>
+            <p:ph type="title"/>
+          </p:nvPr>
+        </p:nvSpPr>
+        <p:spPr/>
+        <p:txBody>
+          <a:bodyPr/>
+          <a:lstStyle/>
+          <a:p>
+            <a:r>
+              <a:rPr lang="en-US" b="1" dirty="0" smtClean="0"/>
+              <a:t>Continue….</a:t>
+            </a:r>
+            <a:endParaRPr lang="en-US" dirty="0"/>
+          </a:p>
+        </p:txBody>
+      </p:sp>
+      <p:pic>
+        <p:nvPicPr>
+          <p:cNvPr id="4" name="Picture 4">
+            <a:extLst>
+              <a:ext uri="{FF2B5EF4-FFF2-40B4-BE49-F238E27FC236}">
+                <a16:creationId xmlns:a16="http://schemas.microsoft.com/office/drawing/2014/main" xmlns="" id="{919EE81D-A196-3246-9A9B-D18318DF27F2}"/>
+              </a:ext>
+            </a:extLst>
+          </p:cNvPr>
+          <p:cNvPicPr>
+            <a:picLocks noChangeAspect="1"/>
+          </p:cNvPicPr>
+          <p:nvPr/>
+        </p:nvPicPr>
+        <p:blipFill>
+          <a:blip r:embed="rId2"/>
+          <a:stretch>
+            <a:fillRect/>
+          </a:stretch>
+        </p:blipFill>
+        <p:spPr>
+          <a:xfrm>
+            <a:off x="11306371" y="157161"/>
+            <a:ext cx="623691" cy="623691"/>
+          </a:xfrm>
+          <a:prstGeom prst="rect">
+            <a:avLst/>
+          </a:prstGeom>
+        </p:spPr>
+      </p:pic>
+      <p:pic>
+        <p:nvPicPr>
+          <p:cNvPr id="6" name="Content Placeholder 5" descr="qq23.png"/>
+          <p:cNvPicPr>
+            <a:picLocks noGrp="1" noChangeAspect="1"/>
+          </p:cNvPicPr>
+          <p:nvPr>
+            <p:ph idx="1"/>
+          </p:nvPr>
+        </p:nvPicPr>
+        <p:blipFill>
+          <a:blip r:embed="rId3"/>
+          <a:stretch>
+            <a:fillRect/>
+          </a:stretch>
+        </p:blipFill>
+        <p:spPr>
+          <a:xfrm>
+            <a:off x="3200400" y="1371600"/>
+            <a:ext cx="5791200" cy="4507970"/>
+          </a:xfrm>
+        </p:spPr>
+      </p:pic>
+    </p:spTree>
+  </p:cSld>
+  <p:clrMapOvr>
+    <a:masterClrMapping/>
+  </p:clrMapOvr>
+  <p:transition>
+    <p:wipe dir="d"/>
+  </p:transition>
+  <p:timing>
+    <p:tnLst>
+      <p:par>
+        <p:cTn id="1" dur="indefinite" restart="never" nodeType="tmRoot"/>
+      </p:par>
+    </p:tnLst>
+  </p:timing>
+</p:sld>
+</file>
+
+<file path=ppt/slides/slide43.xml><?xml version="1.0" encoding="utf-8"?>
+<p:sld xmlns:a="http://schemas.openxmlformats.org/drawingml/2006/main" xmlns:r="http://schemas.openxmlformats.org/officeDocument/2006/relationships" xmlns:p="http://schemas.openxmlformats.org/presentationml/2006/main">
+  <p:cSld>
+    <p:spTree>
+      <p:nvGrpSpPr>
+        <p:cNvPr id="1" name=""/>
+        <p:cNvGrpSpPr/>
+        <p:nvPr/>
+      </p:nvGrpSpPr>
+      <p:grpSpPr>
+        <a:xfrm>
+          <a:off x="0" y="0"/>
+          <a:ext cx="0" cy="0"/>
+          <a:chOff x="0" y="0"/>
+          <a:chExt cx="0" cy="0"/>
+        </a:xfrm>
+      </p:grpSpPr>
+      <p:sp>
+        <p:nvSpPr>
+          <p:cNvPr id="2" name="Title 1"/>
+          <p:cNvSpPr>
+            <a:spLocks noGrp="1"/>
+          </p:cNvSpPr>
+          <p:nvPr>
+            <p:ph type="title"/>
+          </p:nvPr>
+        </p:nvSpPr>
+        <p:spPr>
+          <a:xfrm>
+            <a:off x="2592925" y="624110"/>
+            <a:ext cx="8911687" cy="899890"/>
+          </a:xfrm>
+        </p:spPr>
+        <p:txBody>
+          <a:bodyPr/>
+          <a:lstStyle/>
+          <a:p>
+            <a:r>
+              <a:rPr lang="en-US" b="1" dirty="0" smtClean="0"/>
+              <a:t>Continue….</a:t>
+            </a:r>
+            <a:endParaRPr lang="en-US" dirty="0"/>
+          </a:p>
+        </p:txBody>
+      </p:sp>
+      <p:sp>
+        <p:nvSpPr>
+          <p:cNvPr id="3" name="Content Placeholder 2"/>
+          <p:cNvSpPr>
+            <a:spLocks noGrp="1"/>
+          </p:cNvSpPr>
+          <p:nvPr>
+            <p:ph idx="1"/>
+          </p:nvPr>
+        </p:nvSpPr>
+        <p:spPr>
+          <a:xfrm>
+            <a:off x="2589212" y="1600200"/>
+            <a:ext cx="8915400" cy="4495800"/>
+          </a:xfrm>
+        </p:spPr>
+        <p:txBody>
+          <a:bodyPr/>
+          <a:lstStyle/>
+          <a:p>
+            <a:pPr>
+              <a:buFont typeface="+mj-lt"/>
+              <a:buAutoNum type="arabicPeriod" startAt="6"/>
+            </a:pPr>
+            <a:r>
+              <a:rPr lang="en-US" dirty="0" smtClean="0"/>
+              <a:t>Click on the button </a:t>
+            </a:r>
+            <a:r>
+              <a:rPr lang="en-US" dirty="0" err="1" smtClean="0"/>
+              <a:t>labelled</a:t>
+            </a:r>
+            <a:r>
+              <a:rPr lang="en-US" dirty="0" smtClean="0"/>
+              <a:t> </a:t>
+            </a:r>
+            <a:r>
+              <a:rPr lang="en-US" b="1" dirty="0" smtClean="0"/>
+              <a:t>Check now</a:t>
+            </a:r>
+            <a:r>
+              <a:rPr lang="en-US" dirty="0" smtClean="0"/>
+              <a:t> (optional).</a:t>
+            </a:r>
+          </a:p>
+          <a:p>
+            <a:pPr>
+              <a:buFont typeface="+mj-lt"/>
+              <a:buAutoNum type="arabicPeriod" startAt="6"/>
+            </a:pPr>
+            <a:r>
+              <a:rPr lang="en-US" dirty="0" smtClean="0"/>
+              <a:t>Click on </a:t>
+            </a:r>
+            <a:r>
+              <a:rPr lang="en-US" b="1" dirty="0" smtClean="0"/>
+              <a:t>OK</a:t>
+            </a:r>
+            <a:r>
+              <a:rPr lang="en-US" dirty="0" smtClean="0"/>
+              <a:t>.</a:t>
+            </a:r>
+          </a:p>
+          <a:p>
+            <a:pPr>
+              <a:buFont typeface="+mj-lt"/>
+              <a:buAutoNum type="arabicPeriod" startAt="6"/>
+            </a:pPr>
+            <a:r>
+              <a:rPr lang="en-US" dirty="0" smtClean="0"/>
+              <a:t>Right-click on your desktop and select </a:t>
+            </a:r>
+            <a:r>
+              <a:rPr lang="en-US" i="1" dirty="0" err="1" smtClean="0"/>
+              <a:t>TortoiseGit</a:t>
+            </a:r>
+            <a:r>
+              <a:rPr lang="en-US" i="1" dirty="0" smtClean="0"/>
+              <a:t> &gt; Settings</a:t>
+            </a:r>
+            <a:r>
+              <a:rPr lang="en-US" dirty="0" smtClean="0"/>
+              <a:t> from the context menu.</a:t>
+            </a:r>
+          </a:p>
+          <a:p>
+            <a:pPr>
+              <a:buFont typeface="+mj-lt"/>
+              <a:buAutoNum type="arabicPeriod" startAt="6"/>
+            </a:pPr>
+            <a:r>
+              <a:rPr lang="en-US" dirty="0" smtClean="0"/>
+              <a:t>Click on </a:t>
+            </a:r>
+            <a:r>
+              <a:rPr lang="en-US" b="1" dirty="0" smtClean="0"/>
+              <a:t>Network</a:t>
+            </a:r>
+            <a:r>
+              <a:rPr lang="en-US" dirty="0" smtClean="0"/>
+              <a:t> in de side bar.</a:t>
+            </a:r>
+          </a:p>
+          <a:p>
+            <a:pPr>
+              <a:buFont typeface="+mj-lt"/>
+              <a:buAutoNum type="arabicPeriod" startAt="6"/>
+            </a:pPr>
+            <a:r>
+              <a:rPr lang="en-US" dirty="0" smtClean="0"/>
+              <a:t>Paste this in the text box </a:t>
+            </a:r>
+            <a:r>
+              <a:rPr lang="en-US" dirty="0" err="1" smtClean="0"/>
+              <a:t>labelled</a:t>
+            </a:r>
+            <a:r>
+              <a:rPr lang="en-US" dirty="0" smtClean="0"/>
+              <a:t> </a:t>
+            </a:r>
+            <a:r>
+              <a:rPr lang="en-US" b="1" dirty="0" smtClean="0"/>
+              <a:t>SSH client</a:t>
+            </a:r>
+            <a:r>
+              <a:rPr lang="en-US" dirty="0" smtClean="0"/>
+              <a:t>:</a:t>
+            </a:r>
+            <a:br>
+              <a:rPr lang="en-US" dirty="0" smtClean="0"/>
+            </a:br>
+            <a:r>
+              <a:rPr lang="en-US" dirty="0" smtClean="0"/>
+              <a:t>C:\Users\&lt;your user name&gt;\</a:t>
+            </a:r>
+            <a:r>
+              <a:rPr lang="en-US" dirty="0" err="1" smtClean="0"/>
+              <a:t>AppData</a:t>
+            </a:r>
+            <a:r>
+              <a:rPr lang="en-US" dirty="0" smtClean="0"/>
+              <a:t>\Local\</a:t>
+            </a:r>
+            <a:r>
+              <a:rPr lang="en-US" dirty="0" err="1" smtClean="0"/>
+              <a:t>GitHub</a:t>
+            </a:r>
+            <a:r>
+              <a:rPr lang="en-US" dirty="0" smtClean="0"/>
+              <a:t>\PORTAB~1\</a:t>
+            </a:r>
+            <a:r>
+              <a:rPr lang="en-US" dirty="0" err="1" smtClean="0"/>
+              <a:t>usr</a:t>
+            </a:r>
+            <a:r>
+              <a:rPr lang="en-US" dirty="0" smtClean="0"/>
+              <a:t>\bin\ssh.exe</a:t>
+            </a:r>
+            <a:br>
+              <a:rPr lang="en-US" dirty="0" smtClean="0"/>
+            </a:br>
+            <a:r>
+              <a:rPr lang="en-US" dirty="0" smtClean="0"/>
+              <a:t>(use your Windows user name) </a:t>
+            </a:r>
+          </a:p>
+          <a:p>
+            <a:pPr>
+              <a:buNone/>
+            </a:pPr>
+            <a:endParaRPr lang="en-US" dirty="0"/>
+          </a:p>
+        </p:txBody>
+      </p:sp>
+      <p:pic>
+        <p:nvPicPr>
+          <p:cNvPr id="4" name="Picture 4">
+            <a:extLst>
+              <a:ext uri="{FF2B5EF4-FFF2-40B4-BE49-F238E27FC236}">
+                <a16:creationId xmlns:a16="http://schemas.microsoft.com/office/drawing/2014/main" xmlns="" id="{919EE81D-A196-3246-9A9B-D18318DF27F2}"/>
+              </a:ext>
+            </a:extLst>
+          </p:cNvPr>
+          <p:cNvPicPr>
+            <a:picLocks noChangeAspect="1"/>
+          </p:cNvPicPr>
+          <p:nvPr/>
+        </p:nvPicPr>
+        <p:blipFill>
+          <a:blip r:embed="rId2"/>
+          <a:stretch>
+            <a:fillRect/>
+          </a:stretch>
+        </p:blipFill>
+        <p:spPr>
+          <a:xfrm>
+            <a:off x="11306371" y="157161"/>
+            <a:ext cx="623691" cy="623691"/>
+          </a:xfrm>
+          <a:prstGeom prst="rect">
+            <a:avLst/>
+          </a:prstGeom>
+        </p:spPr>
+      </p:pic>
+    </p:spTree>
+  </p:cSld>
+  <p:clrMapOvr>
+    <a:masterClrMapping/>
+  </p:clrMapOvr>
+  <p:transition>
+    <p:wipe dir="d"/>
+  </p:transition>
+  <p:timing>
+    <p:tnLst>
+      <p:par>
+        <p:cTn id="1" dur="indefinite" restart="never" nodeType="tmRoot"/>
+      </p:par>
+    </p:tnLst>
+  </p:timing>
+</p:sld>
+</file>
+
+<file path=ppt/slides/slide44.xml><?xml version="1.0" encoding="utf-8"?>
+<p:sld xmlns:a="http://schemas.openxmlformats.org/drawingml/2006/main" xmlns:r="http://schemas.openxmlformats.org/officeDocument/2006/relationships" xmlns:p="http://schemas.openxmlformats.org/presentationml/2006/main">
+  <p:cSld>
+    <p:spTree>
+      <p:nvGrpSpPr>
+        <p:cNvPr id="1" name=""/>
+        <p:cNvGrpSpPr/>
+        <p:nvPr/>
+      </p:nvGrpSpPr>
+      <p:grpSpPr>
+        <a:xfrm>
+          <a:off x="0" y="0"/>
+          <a:ext cx="0" cy="0"/>
+          <a:chOff x="0" y="0"/>
+          <a:chExt cx="0" cy="0"/>
+        </a:xfrm>
+      </p:grpSpPr>
+      <p:sp>
+        <p:nvSpPr>
+          <p:cNvPr id="2" name="Title 1"/>
+          <p:cNvSpPr>
+            <a:spLocks noGrp="1"/>
+          </p:cNvSpPr>
+          <p:nvPr>
+            <p:ph type="title"/>
+          </p:nvPr>
+        </p:nvSpPr>
+        <p:spPr>
+          <a:xfrm>
+            <a:off x="2592925" y="624110"/>
+            <a:ext cx="8911687" cy="747490"/>
+          </a:xfrm>
+        </p:spPr>
+        <p:txBody>
+          <a:bodyPr/>
+          <a:lstStyle/>
+          <a:p>
+            <a:r>
+              <a:rPr lang="en-US" b="1" dirty="0" smtClean="0"/>
+              <a:t>Continue….</a:t>
+            </a:r>
+            <a:endParaRPr lang="en-US" dirty="0"/>
+          </a:p>
+        </p:txBody>
+      </p:sp>
+      <p:pic>
+        <p:nvPicPr>
+          <p:cNvPr id="4" name="Picture 4">
+            <a:extLst>
+              <a:ext uri="{FF2B5EF4-FFF2-40B4-BE49-F238E27FC236}">
+                <a16:creationId xmlns:a16="http://schemas.microsoft.com/office/drawing/2014/main" xmlns="" id="{919EE81D-A196-3246-9A9B-D18318DF27F2}"/>
+              </a:ext>
+            </a:extLst>
+          </p:cNvPr>
+          <p:cNvPicPr>
+            <a:picLocks noChangeAspect="1"/>
+          </p:cNvPicPr>
+          <p:nvPr/>
+        </p:nvPicPr>
+        <p:blipFill>
+          <a:blip r:embed="rId2"/>
+          <a:stretch>
+            <a:fillRect/>
+          </a:stretch>
+        </p:blipFill>
+        <p:spPr>
+          <a:xfrm>
+            <a:off x="11306371" y="157161"/>
+            <a:ext cx="623691" cy="623691"/>
+          </a:xfrm>
+          <a:prstGeom prst="rect">
+            <a:avLst/>
+          </a:prstGeom>
+        </p:spPr>
+      </p:pic>
+      <p:pic>
+        <p:nvPicPr>
+          <p:cNvPr id="7" name="Content Placeholder 6" descr="q2.jpg"/>
+          <p:cNvPicPr>
+            <a:picLocks noGrp="1" noChangeAspect="1"/>
+          </p:cNvPicPr>
+          <p:nvPr>
+            <p:ph idx="1"/>
+          </p:nvPr>
+        </p:nvPicPr>
+        <p:blipFill>
+          <a:blip r:embed="rId3"/>
+          <a:stretch>
+            <a:fillRect/>
+          </a:stretch>
+        </p:blipFill>
+        <p:spPr>
+          <a:xfrm>
+            <a:off x="4038600" y="1399309"/>
+            <a:ext cx="5996817" cy="4512541"/>
+          </a:xfrm>
+        </p:spPr>
+      </p:pic>
+    </p:spTree>
+  </p:cSld>
+  <p:clrMapOvr>
+    <a:masterClrMapping/>
+  </p:clrMapOvr>
+  <p:transition>
+    <p:wipe dir="d"/>
+  </p:transition>
+  <p:timing>
+    <p:tnLst>
+      <p:par>
+        <p:cTn id="1" dur="indefinite" restart="never" nodeType="tmRoot"/>
+      </p:par>
+    </p:tnLst>
+  </p:timing>
+</p:sld>
+</file>
+
+<file path=ppt/slides/slide45.xml><?xml version="1.0" encoding="utf-8"?>
+<p:sld xmlns:a="http://schemas.openxmlformats.org/drawingml/2006/main" xmlns:r="http://schemas.openxmlformats.org/officeDocument/2006/relationships" xmlns:p="http://schemas.openxmlformats.org/presentationml/2006/main">
+  <p:cSld>
+    <p:spTree>
+      <p:nvGrpSpPr>
+        <p:cNvPr id="1" name=""/>
+        <p:cNvGrpSpPr/>
+        <p:nvPr/>
+      </p:nvGrpSpPr>
+      <p:grpSpPr>
+        <a:xfrm>
+          <a:off x="0" y="0"/>
+          <a:ext cx="0" cy="0"/>
+          <a:chOff x="0" y="0"/>
+          <a:chExt cx="0" cy="0"/>
+        </a:xfrm>
+      </p:grpSpPr>
+      <p:sp>
+        <p:nvSpPr>
+          <p:cNvPr id="2" name="Title 1"/>
+          <p:cNvSpPr>
+            <a:spLocks noGrp="1"/>
+          </p:cNvSpPr>
+          <p:nvPr>
+            <p:ph type="title"/>
+          </p:nvPr>
+        </p:nvSpPr>
+        <p:spPr>
+          <a:xfrm>
+            <a:off x="2592925" y="624110"/>
+            <a:ext cx="8911687" cy="671290"/>
+          </a:xfrm>
+        </p:spPr>
+        <p:txBody>
+          <a:bodyPr>
+            <a:normAutofit fontScale="90000"/>
+          </a:bodyPr>
+          <a:lstStyle/>
+          <a:p>
+            <a:r>
+              <a:rPr lang="en-US" sz="4000" b="1" dirty="0" smtClean="0"/>
+              <a:t>SSH Key generation</a:t>
+            </a:r>
+            <a:endParaRPr lang="en-US" sz="4000" b="1" dirty="0"/>
+          </a:p>
+        </p:txBody>
+      </p:sp>
+      <p:sp>
+        <p:nvSpPr>
+          <p:cNvPr id="3" name="Content Placeholder 2"/>
+          <p:cNvSpPr>
+            <a:spLocks noGrp="1"/>
+          </p:cNvSpPr>
+          <p:nvPr>
+            <p:ph idx="1"/>
+          </p:nvPr>
+        </p:nvSpPr>
+        <p:spPr>
+          <a:xfrm>
+            <a:off x="2589212" y="1447800"/>
+            <a:ext cx="8915400" cy="4463422"/>
+          </a:xfrm>
+        </p:spPr>
+        <p:txBody>
+          <a:bodyPr/>
+          <a:lstStyle/>
+          <a:p>
+            <a:r>
+              <a:rPr lang="en-US" dirty="0" smtClean="0"/>
+              <a:t>SSH keys are  generated for making  secure  connection  with  </a:t>
+            </a:r>
+            <a:r>
+              <a:rPr lang="en-US" dirty="0" err="1" smtClean="0"/>
+              <a:t>github</a:t>
+            </a:r>
+            <a:r>
+              <a:rPr lang="en-US" dirty="0" smtClean="0"/>
+              <a:t> </a:t>
+            </a:r>
+          </a:p>
+          <a:p>
+            <a:r>
+              <a:rPr lang="en-US" dirty="0" smtClean="0"/>
+              <a:t>Two ways</a:t>
+            </a:r>
+          </a:p>
+          <a:p>
+            <a:pPr>
+              <a:buNone/>
+            </a:pPr>
+            <a:r>
+              <a:rPr lang="en-US" dirty="0" smtClean="0"/>
+              <a:t>     1) Using </a:t>
+            </a:r>
+            <a:r>
+              <a:rPr lang="en-US" dirty="0" err="1" smtClean="0"/>
+              <a:t>PuTTY</a:t>
+            </a:r>
+            <a:r>
+              <a:rPr lang="en-US" dirty="0" smtClean="0"/>
+              <a:t> Key generator</a:t>
+            </a:r>
+          </a:p>
+          <a:p>
+            <a:pPr>
+              <a:buNone/>
+            </a:pPr>
+            <a:endParaRPr lang="en-US" dirty="0"/>
+          </a:p>
+        </p:txBody>
+      </p:sp>
+      <p:pic>
+        <p:nvPicPr>
+          <p:cNvPr id="4" name="Picture 3" descr="qq24.png"/>
+          <p:cNvPicPr>
+            <a:picLocks noChangeAspect="1"/>
+          </p:cNvPicPr>
+          <p:nvPr/>
+        </p:nvPicPr>
+        <p:blipFill>
+          <a:blip r:embed="rId2"/>
+          <a:stretch>
+            <a:fillRect/>
+          </a:stretch>
+        </p:blipFill>
+        <p:spPr>
+          <a:xfrm>
+            <a:off x="3657600" y="2743200"/>
+            <a:ext cx="5410200" cy="3733800"/>
+          </a:xfrm>
+          <a:prstGeom prst="rect">
+            <a:avLst/>
+          </a:prstGeom>
+        </p:spPr>
+      </p:pic>
+    </p:spTree>
+  </p:cSld>
+  <p:clrMapOvr>
+    <a:masterClrMapping/>
+  </p:clrMapOvr>
+</p:sld>
+</file>
+
+<file path=ppt/slides/slide46.xml><?xml version="1.0" encoding="utf-8"?>
+<p:sld xmlns:a="http://schemas.openxmlformats.org/drawingml/2006/main" xmlns:r="http://schemas.openxmlformats.org/officeDocument/2006/relationships" xmlns:p="http://schemas.openxmlformats.org/presentationml/2006/main">
+  <p:cSld>
+    <p:spTree>
+      <p:nvGrpSpPr>
+        <p:cNvPr id="1" name=""/>
+        <p:cNvGrpSpPr/>
+        <p:nvPr/>
+      </p:nvGrpSpPr>
+      <p:grpSpPr>
+        <a:xfrm>
+          <a:off x="0" y="0"/>
+          <a:ext cx="0" cy="0"/>
+          <a:chOff x="0" y="0"/>
+          <a:chExt cx="0" cy="0"/>
+        </a:xfrm>
+      </p:grpSpPr>
+      <p:sp>
+        <p:nvSpPr>
+          <p:cNvPr id="2" name="Title 1"/>
+          <p:cNvSpPr>
+            <a:spLocks noGrp="1"/>
+          </p:cNvSpPr>
+          <p:nvPr>
+            <p:ph type="title"/>
+          </p:nvPr>
+        </p:nvSpPr>
+        <p:spPr>
+          <a:xfrm>
+            <a:off x="2592925" y="624110"/>
+            <a:ext cx="8911687" cy="671290"/>
+          </a:xfrm>
+        </p:spPr>
+        <p:txBody>
+          <a:bodyPr/>
+          <a:lstStyle/>
+          <a:p>
+            <a:r>
+              <a:rPr lang="en-US" b="1" smtClean="0"/>
+              <a:t>Continue….</a:t>
+            </a:r>
+            <a:endParaRPr lang="en-US" dirty="0"/>
+          </a:p>
+        </p:txBody>
+      </p:sp>
+      <p:sp>
+        <p:nvSpPr>
+          <p:cNvPr id="3" name="Content Placeholder 2"/>
+          <p:cNvSpPr>
+            <a:spLocks noGrp="1"/>
+          </p:cNvSpPr>
+          <p:nvPr>
+            <p:ph idx="1"/>
+          </p:nvPr>
+        </p:nvSpPr>
+        <p:spPr>
+          <a:xfrm>
+            <a:off x="2589212" y="1295400"/>
+            <a:ext cx="8915400" cy="4615822"/>
+          </a:xfrm>
+        </p:spPr>
+        <p:txBody>
+          <a:bodyPr/>
+          <a:lstStyle/>
+          <a:p>
+            <a:pPr>
+              <a:buNone/>
+            </a:pPr>
+            <a:r>
+              <a:rPr lang="en-US" dirty="0" smtClean="0"/>
+              <a:t> 2) using commands</a:t>
+            </a:r>
+          </a:p>
+          <a:p>
+            <a:pPr>
+              <a:buNone/>
+            </a:pPr>
+            <a:r>
+              <a:rPr lang="en-US" dirty="0" smtClean="0"/>
+              <a:t>  </a:t>
+            </a:r>
+          </a:p>
+          <a:p>
+            <a:pPr>
+              <a:buNone/>
+            </a:pPr>
+            <a:endParaRPr lang="en-US" dirty="0" smtClean="0"/>
+          </a:p>
+          <a:p>
+            <a:pPr>
+              <a:buNone/>
+            </a:pPr>
+            <a:endParaRPr lang="en-US" dirty="0"/>
+          </a:p>
+        </p:txBody>
+      </p:sp>
+      <p:pic>
+        <p:nvPicPr>
+          <p:cNvPr id="7" name="Picture 6" descr="keycommand1.jpg"/>
+          <p:cNvPicPr>
+            <a:picLocks noChangeAspect="1"/>
+          </p:cNvPicPr>
+          <p:nvPr/>
+        </p:nvPicPr>
+        <p:blipFill>
+          <a:blip r:embed="rId2"/>
+          <a:stretch>
+            <a:fillRect/>
+          </a:stretch>
+        </p:blipFill>
+        <p:spPr>
+          <a:xfrm>
+            <a:off x="3143250" y="1952625"/>
+            <a:ext cx="6915150" cy="3762375"/>
+          </a:xfrm>
+          <a:prstGeom prst="rect">
+            <a:avLst/>
+          </a:prstGeom>
+        </p:spPr>
+      </p:pic>
+    </p:spTree>
+  </p:cSld>
+  <p:clrMapOvr>
+    <a:masterClrMapping/>
+  </p:clrMapOvr>
+</p:sld>
+</file>
+
+<file path=ppt/slides/slide47.xml><?xml version="1.0" encoding="utf-8"?>
+<p:sld xmlns:a="http://schemas.openxmlformats.org/drawingml/2006/main" xmlns:r="http://schemas.openxmlformats.org/officeDocument/2006/relationships" xmlns:p="http://schemas.openxmlformats.org/presentationml/2006/main">
+  <p:cSld>
+    <p:spTree>
+      <p:nvGrpSpPr>
+        <p:cNvPr id="1" name=""/>
+        <p:cNvGrpSpPr/>
+        <p:nvPr/>
+      </p:nvGrpSpPr>
+      <p:grpSpPr>
+        <a:xfrm>
+          <a:off x="0" y="0"/>
+          <a:ext cx="0" cy="0"/>
+          <a:chOff x="0" y="0"/>
+          <a:chExt cx="0" cy="0"/>
+        </a:xfrm>
+      </p:grpSpPr>
+      <p:sp>
+        <p:nvSpPr>
+          <p:cNvPr id="2" name="Title 1"/>
+          <p:cNvSpPr>
+            <a:spLocks noGrp="1"/>
+          </p:cNvSpPr>
+          <p:nvPr>
+            <p:ph type="title"/>
+          </p:nvPr>
+        </p:nvSpPr>
+        <p:spPr>
+          <a:xfrm>
+            <a:off x="2514600" y="700310"/>
+            <a:ext cx="8911687" cy="747490"/>
+          </a:xfrm>
+        </p:spPr>
+        <p:txBody>
+          <a:bodyPr/>
+          <a:lstStyle/>
+          <a:p>
+            <a:r>
+              <a:rPr lang="en-US" b="1" dirty="0" smtClean="0"/>
+              <a:t>Continue….</a:t>
+            </a:r>
+            <a:endParaRPr lang="en-US" dirty="0"/>
+          </a:p>
+        </p:txBody>
+      </p:sp>
+      <p:sp>
+        <p:nvSpPr>
+          <p:cNvPr id="3" name="Content Placeholder 2"/>
+          <p:cNvSpPr>
+            <a:spLocks noGrp="1"/>
+          </p:cNvSpPr>
+          <p:nvPr>
+            <p:ph idx="1"/>
+          </p:nvPr>
+        </p:nvSpPr>
+        <p:spPr>
+          <a:xfrm>
+            <a:off x="2514600" y="1752600"/>
+            <a:ext cx="8915400" cy="3352800"/>
+          </a:xfrm>
+        </p:spPr>
+        <p:txBody>
+          <a:bodyPr/>
+          <a:lstStyle/>
+          <a:p>
+            <a:r>
+              <a:rPr lang="en-US" b="1" dirty="0" smtClean="0"/>
+              <a:t>Step 6. Clone a </a:t>
+            </a:r>
+            <a:r>
+              <a:rPr lang="en-US" b="1" dirty="0" err="1" smtClean="0"/>
+              <a:t>G</a:t>
+            </a:r>
+            <a:r>
+              <a:rPr lang="en-US" b="1" dirty="0" err="1" smtClean="0"/>
+              <a:t>itHub</a:t>
+            </a:r>
+            <a:r>
+              <a:rPr lang="en-US" b="1" dirty="0" smtClean="0"/>
+              <a:t> </a:t>
+            </a:r>
+            <a:r>
+              <a:rPr lang="en-US" b="1" dirty="0" smtClean="0"/>
+              <a:t>repo</a:t>
+            </a:r>
+          </a:p>
+          <a:p>
+            <a:pPr>
+              <a:buFont typeface="+mj-lt"/>
+              <a:buAutoNum type="arabicPeriod"/>
+            </a:pPr>
+            <a:r>
+              <a:rPr lang="en-US" dirty="0" smtClean="0"/>
+              <a:t>Log </a:t>
+            </a:r>
+            <a:r>
+              <a:rPr lang="en-US" dirty="0" smtClean="0"/>
+              <a:t>into </a:t>
+            </a:r>
+            <a:r>
+              <a:rPr lang="en-US" dirty="0" err="1" smtClean="0"/>
+              <a:t>Github</a:t>
+            </a:r>
+            <a:endParaRPr lang="en-US" dirty="0" smtClean="0"/>
+          </a:p>
+          <a:p>
+            <a:pPr>
+              <a:buFont typeface="+mj-lt"/>
+              <a:buAutoNum type="arabicPeriod"/>
+            </a:pPr>
+            <a:r>
+              <a:rPr lang="en-US" dirty="0" smtClean="0"/>
+              <a:t>Go to an existing repository or create a new repository.</a:t>
+            </a:r>
+          </a:p>
+          <a:p>
+            <a:pPr>
+              <a:buFont typeface="+mj-lt"/>
+              <a:buAutoNum type="arabicPeriod"/>
+            </a:pPr>
+            <a:r>
+              <a:rPr lang="en-US" dirty="0" smtClean="0"/>
+              <a:t>Click on </a:t>
+            </a:r>
+            <a:r>
+              <a:rPr lang="en-US" b="1" dirty="0" smtClean="0"/>
+              <a:t>Clone</a:t>
+            </a:r>
+            <a:r>
+              <a:rPr lang="en-US" dirty="0" smtClean="0"/>
+              <a:t> in the side bar.</a:t>
+            </a:r>
+          </a:p>
+          <a:p>
+            <a:pPr>
+              <a:buFont typeface="+mj-lt"/>
+              <a:buAutoNum type="arabicPeriod"/>
+            </a:pPr>
+            <a:r>
+              <a:rPr lang="en-US" dirty="0" smtClean="0"/>
+              <a:t>Select </a:t>
+            </a:r>
+            <a:r>
+              <a:rPr lang="en-US" b="1" dirty="0" smtClean="0"/>
+              <a:t>SSH</a:t>
+            </a:r>
+            <a:r>
+              <a:rPr lang="en-US" dirty="0" smtClean="0"/>
+              <a:t> from the drop-down.</a:t>
+            </a:r>
+          </a:p>
+          <a:p>
+            <a:pPr>
+              <a:buFont typeface="+mj-lt"/>
+              <a:buAutoNum type="arabicPeriod"/>
+            </a:pPr>
+            <a:r>
+              <a:rPr lang="en-US" dirty="0" smtClean="0"/>
+              <a:t>You will see a text box to the right with all its text selected. </a:t>
+            </a:r>
+            <a:r>
+              <a:rPr lang="en-US" b="1" dirty="0" err="1" smtClean="0"/>
+              <a:t>git</a:t>
+            </a:r>
+            <a:r>
+              <a:rPr lang="en-US" b="1" dirty="0" smtClean="0"/>
+              <a:t> clone</a:t>
+            </a:r>
+            <a:r>
+              <a:rPr lang="en-US" dirty="0" smtClean="0"/>
+              <a:t> is a command and we don’t need that now. So, copy everything else.</a:t>
+            </a:r>
+          </a:p>
+        </p:txBody>
+      </p:sp>
+      <p:pic>
+        <p:nvPicPr>
+          <p:cNvPr id="4" name="Picture 4">
+            <a:extLst>
+              <a:ext uri="{FF2B5EF4-FFF2-40B4-BE49-F238E27FC236}">
+                <a16:creationId xmlns:a16="http://schemas.microsoft.com/office/drawing/2014/main" xmlns="" id="{919EE81D-A196-3246-9A9B-D18318DF27F2}"/>
+              </a:ext>
+            </a:extLst>
+          </p:cNvPr>
+          <p:cNvPicPr>
+            <a:picLocks noChangeAspect="1"/>
+          </p:cNvPicPr>
+          <p:nvPr/>
+        </p:nvPicPr>
+        <p:blipFill>
+          <a:blip r:embed="rId2"/>
+          <a:stretch>
+            <a:fillRect/>
+          </a:stretch>
+        </p:blipFill>
+        <p:spPr>
+          <a:xfrm>
+            <a:off x="11306371" y="157161"/>
+            <a:ext cx="623691" cy="623691"/>
+          </a:xfrm>
+          <a:prstGeom prst="rect">
+            <a:avLst/>
+          </a:prstGeom>
+        </p:spPr>
+      </p:pic>
+    </p:spTree>
+  </p:cSld>
+  <p:clrMapOvr>
+    <a:masterClrMapping/>
+  </p:clrMapOvr>
+  <p:transition>
+    <p:wipe dir="d"/>
+  </p:transition>
+  <p:timing>
+    <p:tnLst>
+      <p:par>
+        <p:cTn id="1" dur="indefinite" restart="never" nodeType="tmRoot"/>
+      </p:par>
+    </p:tnLst>
+  </p:timing>
+</p:sld>
+</file>
+
+<file path=ppt/slides/slide48.xml><?xml version="1.0" encoding="utf-8"?>
+<p:sld xmlns:a="http://schemas.openxmlformats.org/drawingml/2006/main" xmlns:r="http://schemas.openxmlformats.org/officeDocument/2006/relationships" xmlns:p="http://schemas.openxmlformats.org/presentationml/2006/main">
+  <p:cSld>
+    <p:spTree>
+      <p:nvGrpSpPr>
+        <p:cNvPr id="1" name=""/>
+        <p:cNvGrpSpPr/>
+        <p:nvPr/>
+      </p:nvGrpSpPr>
+      <p:grpSpPr>
+        <a:xfrm>
+          <a:off x="0" y="0"/>
+          <a:ext cx="0" cy="0"/>
+          <a:chOff x="0" y="0"/>
+          <a:chExt cx="0" cy="0"/>
+        </a:xfrm>
+      </p:grpSpPr>
+      <p:sp>
+        <p:nvSpPr>
+          <p:cNvPr id="2" name="Title 1"/>
+          <p:cNvSpPr>
+            <a:spLocks noGrp="1"/>
+          </p:cNvSpPr>
+          <p:nvPr>
+            <p:ph type="title"/>
+          </p:nvPr>
+        </p:nvSpPr>
+        <p:spPr>
+          <a:xfrm>
+            <a:off x="2592925" y="624110"/>
+            <a:ext cx="8911687" cy="823690"/>
+          </a:xfrm>
+        </p:spPr>
+        <p:txBody>
+          <a:bodyPr/>
+          <a:lstStyle/>
+          <a:p>
+            <a:r>
+              <a:rPr lang="en-US" b="1" dirty="0" smtClean="0"/>
+              <a:t>Continue….</a:t>
+            </a:r>
+            <a:endParaRPr lang="en-US" dirty="0"/>
+          </a:p>
+        </p:txBody>
+      </p:sp>
+      <p:sp>
+        <p:nvSpPr>
+          <p:cNvPr id="3" name="Content Placeholder 2"/>
+          <p:cNvSpPr>
+            <a:spLocks noGrp="1"/>
+          </p:cNvSpPr>
+          <p:nvPr>
+            <p:ph idx="1"/>
+          </p:nvPr>
+        </p:nvSpPr>
+        <p:spPr>
+          <a:xfrm>
+            <a:off x="2589212" y="1447800"/>
+            <a:ext cx="8915400" cy="4463422"/>
+          </a:xfrm>
+        </p:spPr>
+        <p:txBody>
+          <a:bodyPr/>
+          <a:lstStyle/>
+          <a:p>
+            <a:pPr>
+              <a:buFont typeface="+mj-lt"/>
+              <a:buAutoNum type="arabicPeriod" startAt="6"/>
+            </a:pPr>
+            <a:r>
+              <a:rPr lang="en-US" dirty="0" smtClean="0"/>
+              <a:t>If you paste the copied text to your favorite text editor, it should look something like the following:</a:t>
+            </a:r>
+            <a:br>
+              <a:rPr lang="en-US" dirty="0" smtClean="0"/>
+            </a:br>
+            <a:r>
+              <a:rPr lang="en-US" dirty="0" err="1" smtClean="0"/>
+              <a:t>git@bitbucket.org:svanas</a:t>
+            </a:r>
+            <a:r>
+              <a:rPr lang="en-US" dirty="0" smtClean="0"/>
+              <a:t>/sample-repository.git</a:t>
+            </a:r>
+            <a:br>
+              <a:rPr lang="en-US" dirty="0" smtClean="0"/>
+            </a:br>
+            <a:r>
+              <a:rPr lang="en-US" dirty="0" smtClean="0"/>
+              <a:t>This is our clone URL. Note that there’s no </a:t>
+            </a:r>
+            <a:r>
+              <a:rPr lang="en-US" b="1" dirty="0" err="1" smtClean="0"/>
+              <a:t>git</a:t>
+            </a:r>
+            <a:r>
+              <a:rPr lang="en-US" b="1" dirty="0" smtClean="0"/>
+              <a:t> clone</a:t>
+            </a:r>
+            <a:r>
+              <a:rPr lang="en-US" dirty="0" smtClean="0"/>
+              <a:t> command in it. If you accidentally included that, copy again WITHOUT it. Some parts will be different for you because you will have a different username and repository name.</a:t>
+            </a:r>
+          </a:p>
+          <a:p>
+            <a:pPr>
+              <a:buFont typeface="+mj-lt"/>
+              <a:buAutoNum type="arabicPeriod" startAt="6"/>
+            </a:pPr>
+            <a:r>
+              <a:rPr lang="en-US" dirty="0" smtClean="0"/>
+              <a:t>Right-click on your desktop and select </a:t>
+            </a:r>
+            <a:r>
+              <a:rPr lang="en-US" b="1" dirty="0" err="1" smtClean="0"/>
+              <a:t>Git</a:t>
+            </a:r>
+            <a:r>
+              <a:rPr lang="en-US" b="1" dirty="0" smtClean="0"/>
+              <a:t> Clone…</a:t>
+            </a:r>
+            <a:r>
+              <a:rPr lang="en-US" dirty="0" smtClean="0"/>
+              <a:t> from the context menu.</a:t>
+            </a:r>
+          </a:p>
+          <a:p>
+            <a:pPr>
+              <a:buFont typeface="+mj-lt"/>
+              <a:buAutoNum type="arabicPeriod" startAt="6"/>
+            </a:pPr>
+            <a:r>
+              <a:rPr lang="en-US" dirty="0" smtClean="0"/>
+              <a:t>The following window will appear. Paste the copied clone URL in the text box </a:t>
+            </a:r>
+            <a:r>
+              <a:rPr lang="en-US" dirty="0" err="1" smtClean="0"/>
+              <a:t>labelled</a:t>
+            </a:r>
+            <a:r>
+              <a:rPr lang="en-US" dirty="0" smtClean="0"/>
+              <a:t> </a:t>
+            </a:r>
+            <a:r>
+              <a:rPr lang="en-US" b="1" dirty="0" smtClean="0"/>
+              <a:t>URL</a:t>
+            </a:r>
+            <a:r>
+              <a:rPr lang="en-US" dirty="0" smtClean="0"/>
+              <a:t> and then click on </a:t>
+            </a:r>
+            <a:r>
+              <a:rPr lang="en-US" b="1" dirty="0" smtClean="0"/>
+              <a:t>OK</a:t>
+            </a:r>
+            <a:r>
+              <a:rPr lang="en-US" dirty="0" smtClean="0"/>
+              <a:t>.</a:t>
+            </a:r>
+          </a:p>
+          <a:p>
+            <a:pPr>
+              <a:buFont typeface="+mj-lt"/>
+              <a:buAutoNum type="arabicPeriod" startAt="6"/>
+            </a:pPr>
+            <a:r>
+              <a:rPr lang="en-US" dirty="0" smtClean="0"/>
+              <a:t>If everything went fine, you should see a blue success message at the bottom in </a:t>
+            </a:r>
+            <a:r>
+              <a:rPr lang="en-US" dirty="0" err="1" smtClean="0"/>
+              <a:t>TortoiseGit</a:t>
+            </a:r>
+            <a:r>
+              <a:rPr lang="en-US" dirty="0" smtClean="0"/>
+              <a:t> once the cloning is complete.</a:t>
+            </a:r>
+          </a:p>
+          <a:p>
+            <a:pPr>
+              <a:buFont typeface="+mj-lt"/>
+              <a:buAutoNum type="arabicPeriod" startAt="6"/>
+            </a:pPr>
+            <a:endParaRPr lang="en-US" dirty="0"/>
+          </a:p>
+        </p:txBody>
+      </p:sp>
+      <p:pic>
+        <p:nvPicPr>
+          <p:cNvPr id="4" name="Picture 4">
+            <a:extLst>
+              <a:ext uri="{FF2B5EF4-FFF2-40B4-BE49-F238E27FC236}">
+                <a16:creationId xmlns:a16="http://schemas.microsoft.com/office/drawing/2014/main" xmlns="" id="{919EE81D-A196-3246-9A9B-D18318DF27F2}"/>
+              </a:ext>
+            </a:extLst>
+          </p:cNvPr>
+          <p:cNvPicPr>
+            <a:picLocks noChangeAspect="1"/>
+          </p:cNvPicPr>
+          <p:nvPr/>
+        </p:nvPicPr>
+        <p:blipFill>
+          <a:blip r:embed="rId2"/>
+          <a:stretch>
+            <a:fillRect/>
+          </a:stretch>
+        </p:blipFill>
+        <p:spPr>
+          <a:xfrm>
+            <a:off x="11306371" y="157161"/>
+            <a:ext cx="623691" cy="623691"/>
+          </a:xfrm>
+          <a:prstGeom prst="rect">
+            <a:avLst/>
+          </a:prstGeom>
+        </p:spPr>
+      </p:pic>
+    </p:spTree>
+  </p:cSld>
+  <p:clrMapOvr>
+    <a:masterClrMapping/>
+  </p:clrMapOvr>
+  <p:transition>
+    <p:wipe dir="d"/>
+  </p:transition>
+  <p:timing>
+    <p:tnLst>
+      <p:par>
+        <p:cTn id="1" dur="indefinite" restart="never" nodeType="tmRoot"/>
+      </p:par>
+    </p:tnLst>
+  </p:timing>
+</p:sld>
+</file>
+
+<file path=ppt/slides/slide49.xml><?xml version="1.0" encoding="utf-8"?>
+<p:sld xmlns:a="http://schemas.openxmlformats.org/drawingml/2006/main" xmlns:r="http://schemas.openxmlformats.org/officeDocument/2006/relationships" xmlns:p="http://schemas.openxmlformats.org/presentationml/2006/main">
+  <p:cSld>
+    <p:spTree>
+      <p:nvGrpSpPr>
+        <p:cNvPr id="1" name=""/>
+        <p:cNvGrpSpPr/>
+        <p:nvPr/>
+      </p:nvGrpSpPr>
+      <p:grpSpPr>
+        <a:xfrm>
+          <a:off x="0" y="0"/>
+          <a:ext cx="0" cy="0"/>
+          <a:chOff x="0" y="0"/>
+          <a:chExt cx="0" cy="0"/>
+        </a:xfrm>
+      </p:grpSpPr>
+      <p:sp>
+        <p:nvSpPr>
+          <p:cNvPr id="5" name="Title 1"/>
+          <p:cNvSpPr txBox="1">
+            <a:spLocks/>
+          </p:cNvSpPr>
+          <p:nvPr/>
+        </p:nvSpPr>
+        <p:spPr>
+          <a:xfrm>
+            <a:off x="2590800" y="533400"/>
+            <a:ext cx="8911687" cy="823690"/>
+          </a:xfrm>
+          <a:prstGeom prst="rect">
+            <a:avLst/>
+          </a:prstGeom>
+        </p:spPr>
+        <p:txBody>
+          <a:bodyPr vert="horz" lIns="91440" tIns="45720" rIns="91440" bIns="45720" rtlCol="0" anchor="t">
+            <a:normAutofit/>
+          </a:bodyPr>
+          <a:lstStyle/>
+          <a:p>
+            <a:pPr lvl="0">
+              <a:spcBef>
+                <a:spcPct val="0"/>
+              </a:spcBef>
+            </a:pPr>
+            <a:r>
+              <a:rPr lang="en-US" sz="3600" b="1" dirty="0" smtClean="0"/>
+              <a:t>Continue….</a:t>
+            </a:r>
+            <a:endParaRPr kumimoji="0" lang="en-US" sz="3600" b="0" i="0" u="none" strike="noStrike" kern="1200" cap="none" spc="0" normalizeH="0" baseline="0" noProof="0" dirty="0">
+              <a:ln>
+                <a:noFill/>
+              </a:ln>
+              <a:solidFill>
+                <a:schemeClr val="tx1">
+                  <a:lumMod val="85000"/>
+                  <a:lumOff val="15000"/>
+                </a:schemeClr>
+              </a:solidFill>
+              <a:effectLst/>
+              <a:uLnTx/>
+              <a:uFillTx/>
+              <a:latin typeface="+mj-lt"/>
+              <a:ea typeface="+mj-ea"/>
+              <a:cs typeface="+mj-cs"/>
+            </a:endParaRPr>
+          </a:p>
+        </p:txBody>
+      </p:sp>
+      <p:pic>
+        <p:nvPicPr>
+          <p:cNvPr id="6" name="Picture 4">
+            <a:extLst>
+              <a:ext uri="{FF2B5EF4-FFF2-40B4-BE49-F238E27FC236}">
+                <a16:creationId xmlns:a16="http://schemas.microsoft.com/office/drawing/2014/main" xmlns="" id="{919EE81D-A196-3246-9A9B-D18318DF27F2}"/>
+              </a:ext>
+            </a:extLst>
+          </p:cNvPr>
+          <p:cNvPicPr>
+            <a:picLocks noChangeAspect="1"/>
+          </p:cNvPicPr>
+          <p:nvPr/>
+        </p:nvPicPr>
+        <p:blipFill>
+          <a:blip r:embed="rId2"/>
+          <a:stretch>
+            <a:fillRect/>
+          </a:stretch>
+        </p:blipFill>
+        <p:spPr>
+          <a:xfrm>
+            <a:off x="11306371" y="157161"/>
+            <a:ext cx="623691" cy="623691"/>
+          </a:xfrm>
+          <a:prstGeom prst="rect">
+            <a:avLst/>
+          </a:prstGeom>
+        </p:spPr>
+      </p:pic>
+      <p:pic>
+        <p:nvPicPr>
+          <p:cNvPr id="9" name="Picture 8" descr="q3.jpg"/>
+          <p:cNvPicPr>
+            <a:picLocks noChangeAspect="1"/>
+          </p:cNvPicPr>
+          <p:nvPr/>
+        </p:nvPicPr>
+        <p:blipFill>
+          <a:blip r:embed="rId3"/>
+          <a:stretch>
+            <a:fillRect/>
+          </a:stretch>
+        </p:blipFill>
+        <p:spPr>
+          <a:xfrm>
+            <a:off x="3200400" y="1219200"/>
+            <a:ext cx="6529980" cy="4667682"/>
+          </a:xfrm>
+          <a:prstGeom prst="rect">
+            <a:avLst/>
+          </a:prstGeom>
+        </p:spPr>
+      </p:pic>
+    </p:spTree>
   </p:cSld>
   <p:clrMapOvr>
     <a:masterClrMapping/>
@@ -14475,6 +17163,125 @@
         <p14:creationId xmlns:p14="http://schemas.microsoft.com/office/powerpoint/2010/main" xmlns="" val="3445580002"/>
       </p:ext>
     </p:extLst>
+  </p:cSld>
+  <p:clrMapOvr>
+    <a:masterClrMapping/>
+  </p:clrMapOvr>
+  <p:transition>
+    <p:wipe dir="d"/>
+  </p:transition>
+  <p:timing>
+    <p:tnLst>
+      <p:par>
+        <p:cTn id="1" dur="indefinite" restart="never" nodeType="tmRoot"/>
+      </p:par>
+    </p:tnLst>
+  </p:timing>
+</p:sld>
+</file>
+
+<file path=ppt/slides/slide50.xml><?xml version="1.0" encoding="utf-8"?>
+<p:sld xmlns:a="http://schemas.openxmlformats.org/drawingml/2006/main" xmlns:r="http://schemas.openxmlformats.org/officeDocument/2006/relationships" xmlns:p="http://schemas.openxmlformats.org/presentationml/2006/main">
+  <p:cSld>
+    <p:spTree>
+      <p:nvGrpSpPr>
+        <p:cNvPr id="1" name=""/>
+        <p:cNvGrpSpPr/>
+        <p:nvPr/>
+      </p:nvGrpSpPr>
+      <p:grpSpPr>
+        <a:xfrm>
+          <a:off x="0" y="0"/>
+          <a:ext cx="0" cy="0"/>
+          <a:chOff x="0" y="0"/>
+          <a:chExt cx="0" cy="0"/>
+        </a:xfrm>
+      </p:grpSpPr>
+      <p:sp>
+        <p:nvSpPr>
+          <p:cNvPr id="4" name="Title 1"/>
+          <p:cNvSpPr>
+            <a:spLocks noGrp="1"/>
+          </p:cNvSpPr>
+          <p:nvPr>
+            <p:ph type="title"/>
+          </p:nvPr>
+        </p:nvSpPr>
+        <p:spPr>
+          <a:xfrm>
+            <a:off x="2592925" y="624110"/>
+            <a:ext cx="8911687" cy="747490"/>
+          </a:xfrm>
+        </p:spPr>
+        <p:txBody>
+          <a:bodyPr>
+            <a:normAutofit/>
+          </a:bodyPr>
+          <a:lstStyle/>
+          <a:p>
+            <a:r>
+              <a:rPr lang="en-US" sz="4000" b="1" dirty="0" smtClean="0"/>
+              <a:t>Continue….</a:t>
+            </a:r>
+            <a:endParaRPr lang="en-US" sz="4000" dirty="0"/>
+          </a:p>
+        </p:txBody>
+      </p:sp>
+      <p:pic>
+        <p:nvPicPr>
+          <p:cNvPr id="6" name="Picture 4">
+            <a:extLst>
+              <a:ext uri="{FF2B5EF4-FFF2-40B4-BE49-F238E27FC236}">
+                <a16:creationId xmlns:a16="http://schemas.microsoft.com/office/drawing/2014/main" xmlns="" id="{919EE81D-A196-3246-9A9B-D18318DF27F2}"/>
+              </a:ext>
+            </a:extLst>
+          </p:cNvPr>
+          <p:cNvPicPr>
+            <a:picLocks noChangeAspect="1"/>
+          </p:cNvPicPr>
+          <p:nvPr/>
+        </p:nvPicPr>
+        <p:blipFill>
+          <a:blip r:embed="rId2"/>
+          <a:stretch>
+            <a:fillRect/>
+          </a:stretch>
+        </p:blipFill>
+        <p:spPr>
+          <a:xfrm>
+            <a:off x="11306371" y="157161"/>
+            <a:ext cx="623691" cy="623691"/>
+          </a:xfrm>
+          <a:prstGeom prst="rect">
+            <a:avLst/>
+          </a:prstGeom>
+        </p:spPr>
+      </p:pic>
+      <p:pic>
+        <p:nvPicPr>
+          <p:cNvPr id="7" name="Content Placeholder 3" descr="t7.jpg"/>
+          <p:cNvPicPr>
+            <a:picLocks noChangeAspect="1"/>
+          </p:cNvPicPr>
+          <p:nvPr/>
+        </p:nvPicPr>
+        <p:blipFill>
+          <a:blip r:embed="rId3"/>
+          <a:stretch>
+            <a:fillRect/>
+          </a:stretch>
+        </p:blipFill>
+        <p:spPr>
+          <a:xfrm>
+            <a:off x="3962400" y="1524000"/>
+            <a:ext cx="5900031" cy="4084637"/>
+          </a:xfrm>
+          <a:prstGeom prst="rect">
+            <a:avLst/>
+          </a:prstGeom>
+        </p:spPr>
+      </p:pic>
+    </p:spTree>
   </p:cSld>
   <p:clrMapOvr>
     <a:masterClrMapping/>

--- a/Git.pptx
+++ b/Git.pptx
@@ -5,7 +5,7 @@
     <p:sldMasterId id="2147483648" r:id="rId1"/>
   </p:sldMasterIdLst>
   <p:notesMasterIdLst>
-    <p:notesMasterId r:id="rId52"/>
+    <p:notesMasterId r:id="rId38"/>
   </p:notesMasterIdLst>
   <p:sldIdLst>
     <p:sldId id="268" r:id="rId2"/>
@@ -26,38 +26,24 @@
     <p:sldId id="263" r:id="rId17"/>
     <p:sldId id="274" r:id="rId18"/>
     <p:sldId id="273" r:id="rId19"/>
-    <p:sldId id="275" r:id="rId20"/>
-    <p:sldId id="276" r:id="rId21"/>
-    <p:sldId id="277" r:id="rId22"/>
-    <p:sldId id="278" r:id="rId23"/>
-    <p:sldId id="279" r:id="rId24"/>
-    <p:sldId id="280" r:id="rId25"/>
-    <p:sldId id="281" r:id="rId26"/>
-    <p:sldId id="282" r:id="rId27"/>
-    <p:sldId id="283" r:id="rId28"/>
-    <p:sldId id="284" r:id="rId29"/>
-    <p:sldId id="285" r:id="rId30"/>
-    <p:sldId id="286" r:id="rId31"/>
-    <p:sldId id="288" r:id="rId32"/>
-    <p:sldId id="287" r:id="rId33"/>
-    <p:sldId id="291" r:id="rId34"/>
-    <p:sldId id="267" r:id="rId35"/>
-    <p:sldId id="294" r:id="rId36"/>
-    <p:sldId id="295" r:id="rId37"/>
-    <p:sldId id="293" r:id="rId38"/>
-    <p:sldId id="305" r:id="rId39"/>
-    <p:sldId id="306" r:id="rId40"/>
-    <p:sldId id="296" r:id="rId41"/>
-    <p:sldId id="297" r:id="rId42"/>
-    <p:sldId id="298" r:id="rId43"/>
-    <p:sldId id="299" r:id="rId44"/>
-    <p:sldId id="300" r:id="rId45"/>
-    <p:sldId id="307" r:id="rId46"/>
-    <p:sldId id="308" r:id="rId47"/>
-    <p:sldId id="301" r:id="rId48"/>
-    <p:sldId id="302" r:id="rId49"/>
-    <p:sldId id="303" r:id="rId50"/>
-    <p:sldId id="304" r:id="rId51"/>
+    <p:sldId id="294" r:id="rId20"/>
+    <p:sldId id="295" r:id="rId21"/>
+    <p:sldId id="296" r:id="rId22"/>
+    <p:sldId id="297" r:id="rId23"/>
+    <p:sldId id="298" r:id="rId24"/>
+    <p:sldId id="299" r:id="rId25"/>
+    <p:sldId id="300" r:id="rId26"/>
+    <p:sldId id="301" r:id="rId27"/>
+    <p:sldId id="302" r:id="rId28"/>
+    <p:sldId id="303" r:id="rId29"/>
+    <p:sldId id="304" r:id="rId30"/>
+    <p:sldId id="305" r:id="rId31"/>
+    <p:sldId id="306" r:id="rId32"/>
+    <p:sldId id="307" r:id="rId33"/>
+    <p:sldId id="308" r:id="rId34"/>
+    <p:sldId id="309" r:id="rId35"/>
+    <p:sldId id="291" r:id="rId36"/>
+    <p:sldId id="267" r:id="rId37"/>
   </p:sldIdLst>
   <p:sldSz cx="12192000" cy="6858000"/>
   <p:notesSz cx="6858000" cy="9144000"/>
@@ -164,7 +150,7 @@
   <p:cmAuthor id="1" name="Mary Greeshma" initials="MG" lastIdx="3" clrIdx="0">
     <p:extLst>
       <p:ext uri="{19B8F6BF-5375-455C-9EA6-DF929625EA0E}">
-        <p15:presenceInfo xmlns:p15="http://schemas.microsoft.com/office/powerpoint/2012/main" xmlns="" userId="e6f499d3f387277d" providerId="Windows Live"/>
+        <p15:presenceInfo xmlns="" xmlns:p15="http://schemas.microsoft.com/office/powerpoint/2012/main" userId="e6f499d3f387277d" providerId="Windows Live"/>
       </p:ext>
     </p:extLst>
   </p:cmAuthor>
@@ -254,7 +240,7 @@
             <a:fld id="{298FDC76-6B69-0F4E-82C8-A2DBB87F8B69}" type="datetimeFigureOut">
               <a:rPr lang="en-US"/>
               <a:pPr/>
-              <a:t>01-Nov-2017</a:t>
+              <a:t>02-Nov-2017</a:t>
             </a:fld>
             <a:endParaRPr lang="en-US"/>
           </a:p>
@@ -423,7 +409,7 @@
     </p:spTree>
     <p:extLst>
       <p:ext uri="{BB962C8B-B14F-4D97-AF65-F5344CB8AC3E}">
-        <p14:creationId xmlns:p14="http://schemas.microsoft.com/office/powerpoint/2010/main" xmlns="" val="459733450"/>
+        <p14:creationId xmlns="" xmlns:p14="http://schemas.microsoft.com/office/powerpoint/2010/main" val="459733450"/>
       </p:ext>
     </p:extLst>
   </p:cSld>
@@ -712,7 +698,7 @@
             <a:fld id="{B61BEF0D-F0BB-DE4B-95CE-6DB70DBA9567}" type="datetimeFigureOut">
               <a:rPr lang="en-US" dirty="0"/>
               <a:pPr/>
-              <a:t>01-Nov-2017</a:t>
+              <a:t>02-Nov-2017</a:t>
             </a:fld>
             <a:endParaRPr lang="en-US" dirty="0"/>
           </a:p>
@@ -1047,7 +1033,7 @@
             <a:fld id="{B61BEF0D-F0BB-DE4B-95CE-6DB70DBA9567}" type="datetimeFigureOut">
               <a:rPr lang="en-US" dirty="0"/>
               <a:pPr/>
-              <a:t>01-Nov-2017</a:t>
+              <a:t>02-Nov-2017</a:t>
             </a:fld>
             <a:endParaRPr lang="en-US" dirty="0"/>
           </a:p>
@@ -1445,7 +1431,7 @@
             <a:fld id="{B61BEF0D-F0BB-DE4B-95CE-6DB70DBA9567}" type="datetimeFigureOut">
               <a:rPr lang="en-US" dirty="0"/>
               <a:pPr/>
-              <a:t>01-Nov-2017</a:t>
+              <a:t>02-Nov-2017</a:t>
             </a:fld>
             <a:endParaRPr lang="en-US" dirty="0"/>
           </a:p>
@@ -1778,7 +1764,7 @@
             <a:fld id="{B61BEF0D-F0BB-DE4B-95CE-6DB70DBA9567}" type="datetimeFigureOut">
               <a:rPr lang="en-US" dirty="0"/>
               <a:pPr/>
-              <a:t>01-Nov-2017</a:t>
+              <a:t>02-Nov-2017</a:t>
             </a:fld>
             <a:endParaRPr lang="en-US" dirty="0"/>
           </a:p>
@@ -2095,7 +2081,7 @@
             <a:fld id="{B61BEF0D-F0BB-DE4B-95CE-6DB70DBA9567}" type="datetimeFigureOut">
               <a:rPr lang="en-US" dirty="0"/>
               <a:pPr/>
-              <a:t>01-Nov-2017</a:t>
+              <a:t>02-Nov-2017</a:t>
             </a:fld>
             <a:endParaRPr lang="en-US" dirty="0"/>
           </a:p>
@@ -2488,7 +2474,7 @@
             <a:fld id="{B61BEF0D-F0BB-DE4B-95CE-6DB70DBA9567}" type="datetimeFigureOut">
               <a:rPr lang="en-US" dirty="0"/>
               <a:pPr/>
-              <a:t>01-Nov-2017</a:t>
+              <a:t>02-Nov-2017</a:t>
             </a:fld>
             <a:endParaRPr lang="en-US" dirty="0"/>
           </a:p>
@@ -2742,7 +2728,7 @@
             <a:fld id="{B61BEF0D-F0BB-DE4B-95CE-6DB70DBA9567}" type="datetimeFigureOut">
               <a:rPr lang="en-US" dirty="0"/>
               <a:pPr/>
-              <a:t>01-Nov-2017</a:t>
+              <a:t>02-Nov-2017</a:t>
             </a:fld>
             <a:endParaRPr lang="en-US" dirty="0"/>
           </a:p>
@@ -3001,7 +2987,7 @@
             <a:fld id="{B61BEF0D-F0BB-DE4B-95CE-6DB70DBA9567}" type="datetimeFigureOut">
               <a:rPr lang="en-US" dirty="0"/>
               <a:pPr/>
-              <a:t>01-Nov-2017</a:t>
+              <a:t>02-Nov-2017</a:t>
             </a:fld>
             <a:endParaRPr lang="en-US" dirty="0"/>
           </a:p>
@@ -3260,7 +3246,7 @@
             <a:fld id="{B61BEF0D-F0BB-DE4B-95CE-6DB70DBA9567}" type="datetimeFigureOut">
               <a:rPr lang="en-US" dirty="0"/>
               <a:pPr/>
-              <a:t>01-Nov-2017</a:t>
+              <a:t>02-Nov-2017</a:t>
             </a:fld>
             <a:endParaRPr lang="en-US" dirty="0"/>
           </a:p>
@@ -3586,7 +3572,7 @@
             <a:fld id="{B61BEF0D-F0BB-DE4B-95CE-6DB70DBA9567}" type="datetimeFigureOut">
               <a:rPr lang="en-US" dirty="0"/>
               <a:pPr/>
-              <a:t>01-Nov-2017</a:t>
+              <a:t>02-Nov-2017</a:t>
             </a:fld>
             <a:endParaRPr lang="en-US" dirty="0"/>
           </a:p>
@@ -3906,7 +3892,7 @@
             <a:fld id="{B61BEF0D-F0BB-DE4B-95CE-6DB70DBA9567}" type="datetimeFigureOut">
               <a:rPr lang="en-US" dirty="0"/>
               <a:pPr/>
-              <a:t>01-Nov-2017</a:t>
+              <a:t>02-Nov-2017</a:t>
             </a:fld>
             <a:endParaRPr lang="en-US" dirty="0"/>
           </a:p>
@@ -4360,7 +4346,7 @@
             <a:fld id="{B61BEF0D-F0BB-DE4B-95CE-6DB70DBA9567}" type="datetimeFigureOut">
               <a:rPr lang="en-US" dirty="0"/>
               <a:pPr/>
-              <a:t>01-Nov-2017</a:t>
+              <a:t>02-Nov-2017</a:t>
             </a:fld>
             <a:endParaRPr lang="en-US" dirty="0"/>
           </a:p>
@@ -4562,7 +4548,7 @@
             <a:fld id="{B61BEF0D-F0BB-DE4B-95CE-6DB70DBA9567}" type="datetimeFigureOut">
               <a:rPr lang="en-US" dirty="0"/>
               <a:pPr/>
-              <a:t>01-Nov-2017</a:t>
+              <a:t>02-Nov-2017</a:t>
             </a:fld>
             <a:endParaRPr lang="en-US" dirty="0"/>
           </a:p>
@@ -4736,7 +4722,7 @@
             <a:fld id="{B61BEF0D-F0BB-DE4B-95CE-6DB70DBA9567}" type="datetimeFigureOut">
               <a:rPr lang="en-US" dirty="0"/>
               <a:pPr/>
-              <a:t>01-Nov-2017</a:t>
+              <a:t>02-Nov-2017</a:t>
             </a:fld>
             <a:endParaRPr lang="en-US" dirty="0"/>
           </a:p>
@@ -5066,7 +5052,7 @@
             <a:fld id="{B61BEF0D-F0BB-DE4B-95CE-6DB70DBA9567}" type="datetimeFigureOut">
               <a:rPr lang="en-US" dirty="0"/>
               <a:pPr/>
-              <a:t>01-Nov-2017</a:t>
+              <a:t>02-Nov-2017</a:t>
             </a:fld>
             <a:endParaRPr lang="en-US" dirty="0"/>
           </a:p>
@@ -5408,7 +5394,7 @@
             <a:fld id="{B61BEF0D-F0BB-DE4B-95CE-6DB70DBA9567}" type="datetimeFigureOut">
               <a:rPr lang="en-US" dirty="0"/>
               <a:pPr/>
-              <a:t>01-Nov-2017</a:t>
+              <a:t>02-Nov-2017</a:t>
             </a:fld>
             <a:endParaRPr lang="en-US" dirty="0"/>
           </a:p>
@@ -7522,7 +7508,7 @@
             <a:fld id="{B61BEF0D-F0BB-DE4B-95CE-6DB70DBA9567}" type="datetimeFigureOut">
               <a:rPr lang="en-US" dirty="0"/>
               <a:pPr/>
-              <a:t>01-Nov-2017</a:t>
+              <a:t>02-Nov-2017</a:t>
             </a:fld>
             <a:endParaRPr lang="en-US" dirty="0"/>
           </a:p>
@@ -8041,7 +8027,7 @@
           <p:cNvPr id="2" name="Title 1">
             <a:extLst>
               <a:ext uri="{FF2B5EF4-FFF2-40B4-BE49-F238E27FC236}">
-                <a16:creationId xmlns:a16="http://schemas.microsoft.com/office/drawing/2014/main" xmlns="" id="{E274D822-7228-A246-A35D-AD84E4625F91}"/>
+                <a16:creationId xmlns="" xmlns:a16="http://schemas.microsoft.com/office/drawing/2014/main" id="{E274D822-7228-A246-A35D-AD84E4625F91}"/>
               </a:ext>
             </a:extLst>
           </p:cNvPr>
@@ -8081,7 +8067,7 @@
           <p:cNvPr id="3" name="Content Placeholder 2">
             <a:extLst>
               <a:ext uri="{FF2B5EF4-FFF2-40B4-BE49-F238E27FC236}">
-                <a16:creationId xmlns:a16="http://schemas.microsoft.com/office/drawing/2014/main" xmlns="" id="{77070AF3-D217-1143-AC9C-B64166E09EB0}"/>
+                <a16:creationId xmlns="" xmlns:a16="http://schemas.microsoft.com/office/drawing/2014/main" id="{77070AF3-D217-1143-AC9C-B64166E09EB0}"/>
               </a:ext>
             </a:extLst>
           </p:cNvPr>
@@ -8214,7 +8200,7 @@
           <p:cNvPr id="4" name="Picture 4">
             <a:extLst>
               <a:ext uri="{FF2B5EF4-FFF2-40B4-BE49-F238E27FC236}">
-                <a16:creationId xmlns:a16="http://schemas.microsoft.com/office/drawing/2014/main" xmlns="" id="{919EE81D-A196-3246-9A9B-D18318DF27F2}"/>
+                <a16:creationId xmlns="" xmlns:a16="http://schemas.microsoft.com/office/drawing/2014/main" id="{919EE81D-A196-3246-9A9B-D18318DF27F2}"/>
               </a:ext>
             </a:extLst>
           </p:cNvPr>
@@ -8242,7 +8228,7 @@
     </p:spTree>
     <p:extLst>
       <p:ext uri="{BB962C8B-B14F-4D97-AF65-F5344CB8AC3E}">
-        <p14:creationId xmlns:p14="http://schemas.microsoft.com/office/powerpoint/2010/main" xmlns="" val="86065412"/>
+        <p14:creationId xmlns="" xmlns:p14="http://schemas.microsoft.com/office/powerpoint/2010/main" val="86065412"/>
       </p:ext>
     </p:extLst>
   </p:cSld>
@@ -8284,7 +8270,7 @@
           <p:cNvPr id="2" name="Title 1">
             <a:extLst>
               <a:ext uri="{FF2B5EF4-FFF2-40B4-BE49-F238E27FC236}">
-                <a16:creationId xmlns:a16="http://schemas.microsoft.com/office/drawing/2014/main" xmlns="" id="{E46C588C-5752-A349-8306-E1F2721D4F25}"/>
+                <a16:creationId xmlns="" xmlns:a16="http://schemas.microsoft.com/office/drawing/2014/main" id="{E46C588C-5752-A349-8306-E1F2721D4F25}"/>
               </a:ext>
             </a:extLst>
           </p:cNvPr>
@@ -8334,7 +8320,7 @@
           <p:cNvPr id="3" name="Content Placeholder 2">
             <a:extLst>
               <a:ext uri="{FF2B5EF4-FFF2-40B4-BE49-F238E27FC236}">
-                <a16:creationId xmlns:a16="http://schemas.microsoft.com/office/drawing/2014/main" xmlns="" id="{6815210F-DE99-7948-AE59-9D2803781127}"/>
+                <a16:creationId xmlns="" xmlns:a16="http://schemas.microsoft.com/office/drawing/2014/main" id="{6815210F-DE99-7948-AE59-9D2803781127}"/>
               </a:ext>
             </a:extLst>
           </p:cNvPr>
@@ -8420,7 +8406,7 @@
           <p:cNvPr id="4" name="Picture 4">
             <a:extLst>
               <a:ext uri="{FF2B5EF4-FFF2-40B4-BE49-F238E27FC236}">
-                <a16:creationId xmlns:a16="http://schemas.microsoft.com/office/drawing/2014/main" xmlns="" id="{919EE81D-A196-3246-9A9B-D18318DF27F2}"/>
+                <a16:creationId xmlns="" xmlns:a16="http://schemas.microsoft.com/office/drawing/2014/main" id="{919EE81D-A196-3246-9A9B-D18318DF27F2}"/>
               </a:ext>
             </a:extLst>
           </p:cNvPr>
@@ -8448,7 +8434,7 @@
     </p:spTree>
     <p:extLst>
       <p:ext uri="{BB962C8B-B14F-4D97-AF65-F5344CB8AC3E}">
-        <p14:creationId xmlns:p14="http://schemas.microsoft.com/office/powerpoint/2010/main" xmlns="" val="3956036073"/>
+        <p14:creationId xmlns="" xmlns:p14="http://schemas.microsoft.com/office/powerpoint/2010/main" val="3956036073"/>
       </p:ext>
     </p:extLst>
   </p:cSld>
@@ -8543,7 +8529,7 @@
           <p:cNvPr id="5" name="Picture 4">
             <a:extLst>
               <a:ext uri="{FF2B5EF4-FFF2-40B4-BE49-F238E27FC236}">
-                <a16:creationId xmlns:a16="http://schemas.microsoft.com/office/drawing/2014/main" xmlns="" id="{919EE81D-A196-3246-9A9B-D18318DF27F2}"/>
+                <a16:creationId xmlns="" xmlns:a16="http://schemas.microsoft.com/office/drawing/2014/main" id="{919EE81D-A196-3246-9A9B-D18318DF27F2}"/>
               </a:ext>
             </a:extLst>
           </p:cNvPr>
@@ -8608,7 +8594,7 @@
           <p:cNvPr id="2" name="Title 1">
             <a:extLst>
               <a:ext uri="{FF2B5EF4-FFF2-40B4-BE49-F238E27FC236}">
-                <a16:creationId xmlns:a16="http://schemas.microsoft.com/office/drawing/2014/main" xmlns="" id="{CFF0C25E-8116-8A4F-B8B5-B32214762FD3}"/>
+                <a16:creationId xmlns="" xmlns:a16="http://schemas.microsoft.com/office/drawing/2014/main" id="{CFF0C25E-8116-8A4F-B8B5-B32214762FD3}"/>
               </a:ext>
             </a:extLst>
           </p:cNvPr>
@@ -8658,7 +8644,7 @@
           <p:cNvPr id="3" name="Content Placeholder 2">
             <a:extLst>
               <a:ext uri="{FF2B5EF4-FFF2-40B4-BE49-F238E27FC236}">
-                <a16:creationId xmlns:a16="http://schemas.microsoft.com/office/drawing/2014/main" xmlns="" id="{F92AB07F-BB47-CB4D-8301-5E5B83050CC9}"/>
+                <a16:creationId xmlns="" xmlns:a16="http://schemas.microsoft.com/office/drawing/2014/main" id="{F92AB07F-BB47-CB4D-8301-5E5B83050CC9}"/>
               </a:ext>
             </a:extLst>
           </p:cNvPr>
@@ -8775,7 +8761,7 @@
           <p:cNvPr id="4" name="Picture 4">
             <a:extLst>
               <a:ext uri="{FF2B5EF4-FFF2-40B4-BE49-F238E27FC236}">
-                <a16:creationId xmlns:a16="http://schemas.microsoft.com/office/drawing/2014/main" xmlns="" id="{919EE81D-A196-3246-9A9B-D18318DF27F2}"/>
+                <a16:creationId xmlns="" xmlns:a16="http://schemas.microsoft.com/office/drawing/2014/main" id="{919EE81D-A196-3246-9A9B-D18318DF27F2}"/>
               </a:ext>
             </a:extLst>
           </p:cNvPr>
@@ -8803,7 +8789,7 @@
     </p:spTree>
     <p:extLst>
       <p:ext uri="{BB962C8B-B14F-4D97-AF65-F5344CB8AC3E}">
-        <p14:creationId xmlns:p14="http://schemas.microsoft.com/office/powerpoint/2010/main" xmlns="" val="3806303723"/>
+        <p14:creationId xmlns="" xmlns:p14="http://schemas.microsoft.com/office/powerpoint/2010/main" val="3806303723"/>
       </p:ext>
     </p:extLst>
   </p:cSld>
@@ -8845,7 +8831,7 @@
           <p:cNvPr id="2" name="Title 1">
             <a:extLst>
               <a:ext uri="{FF2B5EF4-FFF2-40B4-BE49-F238E27FC236}">
-                <a16:creationId xmlns:a16="http://schemas.microsoft.com/office/drawing/2014/main" xmlns="" id="{5E7B73BC-C05F-374B-9F58-E89747755CBE}"/>
+                <a16:creationId xmlns="" xmlns:a16="http://schemas.microsoft.com/office/drawing/2014/main" id="{5E7B73BC-C05F-374B-9F58-E89747755CBE}"/>
               </a:ext>
             </a:extLst>
           </p:cNvPr>
@@ -8893,7 +8879,7 @@
           <p:cNvPr id="3" name="Content Placeholder 2">
             <a:extLst>
               <a:ext uri="{FF2B5EF4-FFF2-40B4-BE49-F238E27FC236}">
-                <a16:creationId xmlns:a16="http://schemas.microsoft.com/office/drawing/2014/main" xmlns="" id="{F302ED4F-6BF5-8644-B78C-63997498ED90}"/>
+                <a16:creationId xmlns="" xmlns:a16="http://schemas.microsoft.com/office/drawing/2014/main" id="{F302ED4F-6BF5-8644-B78C-63997498ED90}"/>
               </a:ext>
             </a:extLst>
           </p:cNvPr>
@@ -8995,7 +8981,7 @@
           <p:cNvPr id="4" name="Picture 4">
             <a:extLst>
               <a:ext uri="{FF2B5EF4-FFF2-40B4-BE49-F238E27FC236}">
-                <a16:creationId xmlns:a16="http://schemas.microsoft.com/office/drawing/2014/main" xmlns="" id="{919EE81D-A196-3246-9A9B-D18318DF27F2}"/>
+                <a16:creationId xmlns="" xmlns:a16="http://schemas.microsoft.com/office/drawing/2014/main" id="{919EE81D-A196-3246-9A9B-D18318DF27F2}"/>
               </a:ext>
             </a:extLst>
           </p:cNvPr>
@@ -9023,7 +9009,7 @@
     </p:spTree>
     <p:extLst>
       <p:ext uri="{BB962C8B-B14F-4D97-AF65-F5344CB8AC3E}">
-        <p14:creationId xmlns:p14="http://schemas.microsoft.com/office/powerpoint/2010/main" xmlns="" val="3099295360"/>
+        <p14:creationId xmlns="" xmlns:p14="http://schemas.microsoft.com/office/powerpoint/2010/main" val="3099295360"/>
       </p:ext>
     </p:extLst>
   </p:cSld>
@@ -9065,7 +9051,7 @@
           <p:cNvPr id="2" name="Title 1">
             <a:extLst>
               <a:ext uri="{FF2B5EF4-FFF2-40B4-BE49-F238E27FC236}">
-                <a16:creationId xmlns:a16="http://schemas.microsoft.com/office/drawing/2014/main" xmlns="" id="{7CC65B39-8961-B247-AB1B-125AFB0FFB18}"/>
+                <a16:creationId xmlns="" xmlns:a16="http://schemas.microsoft.com/office/drawing/2014/main" id="{7CC65B39-8961-B247-AB1B-125AFB0FFB18}"/>
               </a:ext>
             </a:extLst>
           </p:cNvPr>
@@ -9115,7 +9101,7 @@
           <p:cNvPr id="3" name="Content Placeholder 2">
             <a:extLst>
               <a:ext uri="{FF2B5EF4-FFF2-40B4-BE49-F238E27FC236}">
-                <a16:creationId xmlns:a16="http://schemas.microsoft.com/office/drawing/2014/main" xmlns="" id="{EFCBB851-E2BF-9946-BEDE-A86F044DF239}"/>
+                <a16:creationId xmlns="" xmlns:a16="http://schemas.microsoft.com/office/drawing/2014/main" id="{EFCBB851-E2BF-9946-BEDE-A86F044DF239}"/>
               </a:ext>
             </a:extLst>
           </p:cNvPr>
@@ -9195,7 +9181,7 @@
           <p:cNvPr id="4" name="Picture 4">
             <a:extLst>
               <a:ext uri="{FF2B5EF4-FFF2-40B4-BE49-F238E27FC236}">
-                <a16:creationId xmlns:a16="http://schemas.microsoft.com/office/drawing/2014/main" xmlns="" id="{919EE81D-A196-3246-9A9B-D18318DF27F2}"/>
+                <a16:creationId xmlns="" xmlns:a16="http://schemas.microsoft.com/office/drawing/2014/main" id="{919EE81D-A196-3246-9A9B-D18318DF27F2}"/>
               </a:ext>
             </a:extLst>
           </p:cNvPr>
@@ -9223,7 +9209,7 @@
     </p:spTree>
     <p:extLst>
       <p:ext uri="{BB962C8B-B14F-4D97-AF65-F5344CB8AC3E}">
-        <p14:creationId xmlns:p14="http://schemas.microsoft.com/office/powerpoint/2010/main" xmlns="" val="3761024448"/>
+        <p14:creationId xmlns="" xmlns:p14="http://schemas.microsoft.com/office/powerpoint/2010/main" val="3761024448"/>
       </p:ext>
     </p:extLst>
   </p:cSld>
@@ -9265,7 +9251,7 @@
           <p:cNvPr id="4" name="Picture 4">
             <a:extLst>
               <a:ext uri="{FF2B5EF4-FFF2-40B4-BE49-F238E27FC236}">
-                <a16:creationId xmlns:a16="http://schemas.microsoft.com/office/drawing/2014/main" xmlns="" id="{926786E5-DEC7-8F4F-88D7-581531284BF6}"/>
+                <a16:creationId xmlns="" xmlns:a16="http://schemas.microsoft.com/office/drawing/2014/main" id="{926786E5-DEC7-8F4F-88D7-581531284BF6}"/>
               </a:ext>
             </a:extLst>
           </p:cNvPr>
@@ -9297,7 +9283,7 @@
           <p:cNvPr id="3" name="Picture 4">
             <a:extLst>
               <a:ext uri="{FF2B5EF4-FFF2-40B4-BE49-F238E27FC236}">
-                <a16:creationId xmlns:a16="http://schemas.microsoft.com/office/drawing/2014/main" xmlns="" id="{919EE81D-A196-3246-9A9B-D18318DF27F2}"/>
+                <a16:creationId xmlns="" xmlns:a16="http://schemas.microsoft.com/office/drawing/2014/main" id="{919EE81D-A196-3246-9A9B-D18318DF27F2}"/>
               </a:ext>
             </a:extLst>
           </p:cNvPr>
@@ -9325,7 +9311,7 @@
     </p:spTree>
     <p:extLst>
       <p:ext uri="{BB962C8B-B14F-4D97-AF65-F5344CB8AC3E}">
-        <p14:creationId xmlns:p14="http://schemas.microsoft.com/office/powerpoint/2010/main" xmlns="" val="3427517026"/>
+        <p14:creationId xmlns="" xmlns:p14="http://schemas.microsoft.com/office/powerpoint/2010/main" val="3427517026"/>
       </p:ext>
     </p:extLst>
   </p:cSld>
@@ -9367,7 +9353,7 @@
           <p:cNvPr id="2" name="Title 1">
             <a:extLst>
               <a:ext uri="{FF2B5EF4-FFF2-40B4-BE49-F238E27FC236}">
-                <a16:creationId xmlns:a16="http://schemas.microsoft.com/office/drawing/2014/main" xmlns="" id="{63C6167D-34E5-D248-8A97-2AD0EA3CB28C}"/>
+                <a16:creationId xmlns="" xmlns:a16="http://schemas.microsoft.com/office/drawing/2014/main" id="{63C6167D-34E5-D248-8A97-2AD0EA3CB28C}"/>
               </a:ext>
             </a:extLst>
           </p:cNvPr>
@@ -9427,7 +9413,7 @@
           <p:cNvPr id="4" name="Content Placeholder 3">
             <a:extLst>
               <a:ext uri="{FF2B5EF4-FFF2-40B4-BE49-F238E27FC236}">
-                <a16:creationId xmlns:a16="http://schemas.microsoft.com/office/drawing/2014/main" xmlns="" id="{B2C04A67-A315-304C-9E09-4545B6D6F8C3}"/>
+                <a16:creationId xmlns="" xmlns:a16="http://schemas.microsoft.com/office/drawing/2014/main" id="{B2C04A67-A315-304C-9E09-4545B6D6F8C3}"/>
               </a:ext>
             </a:extLst>
           </p:cNvPr>
@@ -9484,7 +9470,7 @@
           <p:cNvPr id="9" name="Picture 9">
             <a:extLst>
               <a:ext uri="{FF2B5EF4-FFF2-40B4-BE49-F238E27FC236}">
-                <a16:creationId xmlns:a16="http://schemas.microsoft.com/office/drawing/2014/main" xmlns="" id="{EF51D35D-B21B-5647-AF98-5D8F1972CB57}"/>
+                <a16:creationId xmlns="" xmlns:a16="http://schemas.microsoft.com/office/drawing/2014/main" id="{EF51D35D-B21B-5647-AF98-5D8F1972CB57}"/>
               </a:ext>
             </a:extLst>
           </p:cNvPr>
@@ -9512,7 +9498,7 @@
     </p:spTree>
     <p:extLst>
       <p:ext uri="{BB962C8B-B14F-4D97-AF65-F5344CB8AC3E}">
-        <p14:creationId xmlns:p14="http://schemas.microsoft.com/office/powerpoint/2010/main" xmlns="" val="4190039171"/>
+        <p14:creationId xmlns="" xmlns:p14="http://schemas.microsoft.com/office/powerpoint/2010/main" val="4190039171"/>
       </p:ext>
     </p:extLst>
   </p:cSld>
@@ -9746,7 +9732,7 @@
           <p:cNvPr id="5" name="Picture 4">
             <a:extLst>
               <a:ext uri="{FF2B5EF4-FFF2-40B4-BE49-F238E27FC236}">
-                <a16:creationId xmlns:a16="http://schemas.microsoft.com/office/drawing/2014/main" xmlns="" id="{919EE81D-A196-3246-9A9B-D18318DF27F2}"/>
+                <a16:creationId xmlns="" xmlns:a16="http://schemas.microsoft.com/office/drawing/2014/main" id="{919EE81D-A196-3246-9A9B-D18318DF27F2}"/>
               </a:ext>
             </a:extLst>
           </p:cNvPr>
@@ -10046,7 +10032,7 @@
           <p:cNvPr id="4" name="Picture 4">
             <a:extLst>
               <a:ext uri="{FF2B5EF4-FFF2-40B4-BE49-F238E27FC236}">
-                <a16:creationId xmlns:a16="http://schemas.microsoft.com/office/drawing/2014/main" xmlns="" id="{919EE81D-A196-3246-9A9B-D18318DF27F2}"/>
+                <a16:creationId xmlns="" xmlns:a16="http://schemas.microsoft.com/office/drawing/2014/main" id="{919EE81D-A196-3246-9A9B-D18318DF27F2}"/>
               </a:ext>
             </a:extLst>
           </p:cNvPr>
@@ -10119,18 +10105,22 @@
         <p:spPr>
           <a:xfrm>
             <a:off x="2592925" y="624110"/>
-            <a:ext cx="8911687" cy="595090"/>
+            <a:ext cx="8911687" cy="747490"/>
           </a:xfrm>
         </p:spPr>
         <p:txBody>
           <a:bodyPr>
-            <a:noAutofit/>
+            <a:normAutofit/>
           </a:bodyPr>
           <a:lstStyle/>
           <a:p>
             <a:r>
+              <a:rPr lang="en-US" sz="4000" b="1" dirty="0" err="1" smtClean="0"/>
+              <a:t>Github</a:t>
+            </a:r>
+            <a:r>
               <a:rPr lang="en-US" sz="4000" b="1" dirty="0" smtClean="0"/>
-              <a:t>Continue….</a:t>
+              <a:t> account creation</a:t>
             </a:r>
             <a:endParaRPr lang="en-US" sz="4000" b="1" dirty="0"/>
           </a:p>
@@ -10148,52 +10138,40 @@
         </p:nvSpPr>
         <p:spPr>
           <a:xfrm>
-            <a:off x="2589212" y="1219200"/>
-            <a:ext cx="8915400" cy="4692022"/>
+            <a:off x="2589212" y="1447800"/>
+            <a:ext cx="8915400" cy="4463422"/>
           </a:xfrm>
         </p:spPr>
         <p:txBody>
           <a:bodyPr/>
           <a:lstStyle/>
           <a:p>
-            <a:pPr>
-              <a:buNone/>
-            </a:pPr>
             <a:r>
               <a:rPr lang="en-US" dirty="0" smtClean="0"/>
-              <a:t>     </a:t>
-            </a:r>
-            <a:endParaRPr lang="en-US" dirty="0"/>
+              <a:t>Go to link : </a:t>
+            </a:r>
+            <a:r>
+              <a:rPr lang="en-US" dirty="0" smtClean="0">
+                <a:hlinkClick r:id="rId2"/>
+              </a:rPr>
+              <a:t>https://github.com/</a:t>
+            </a:r>
+            <a:endParaRPr lang="en-US" dirty="0" smtClean="0"/>
+          </a:p>
+          <a:p>
+            <a:r>
+              <a:rPr lang="en-US" dirty="0" smtClean="0"/>
+              <a:t>Provide username ,e-mail and a password  for creating account</a:t>
+            </a:r>
+          </a:p>
+          <a:p>
+            <a:endParaRPr lang="en-US" dirty="0" smtClean="0"/>
           </a:p>
         </p:txBody>
       </p:sp>
       <p:pic>
         <p:nvPicPr>
-          <p:cNvPr id="7" name="Picture 6" descr="github.jpg"/>
-          <p:cNvPicPr>
-            <a:picLocks noChangeAspect="1"/>
-          </p:cNvPicPr>
-          <p:nvPr/>
-        </p:nvPicPr>
-        <p:blipFill>
-          <a:blip r:embed="rId2"/>
-          <a:stretch>
-            <a:fillRect/>
-          </a:stretch>
-        </p:blipFill>
-        <p:spPr>
-          <a:xfrm>
-            <a:off x="2819400" y="1447800"/>
-            <a:ext cx="6553200" cy="2032401"/>
-          </a:xfrm>
-          <a:prstGeom prst="rect">
-            <a:avLst/>
-          </a:prstGeom>
-        </p:spPr>
-      </p:pic>
-      <p:pic>
-        <p:nvPicPr>
-          <p:cNvPr id="8" name="Picture 7" descr="github2.jpg"/>
+          <p:cNvPr id="4" name="Picture 3" descr="Untitled.png"/>
           <p:cNvPicPr>
             <a:picLocks noChangeAspect="1"/>
           </p:cNvPicPr>
@@ -10207,38 +10185,8 @@
         </p:blipFill>
         <p:spPr>
           <a:xfrm>
-            <a:off x="2819400" y="3581400"/>
-            <a:ext cx="6629400" cy="2812592"/>
-          </a:xfrm>
-          <a:prstGeom prst="rect">
-            <a:avLst/>
-          </a:prstGeom>
-        </p:spPr>
-      </p:pic>
-      <p:pic>
-        <p:nvPicPr>
-          <p:cNvPr id="6" name="Picture 4">
-            <a:extLst>
-              <a:ext uri="{FF2B5EF4-FFF2-40B4-BE49-F238E27FC236}">
-                <a16:creationId xmlns:a16="http://schemas.microsoft.com/office/drawing/2014/main" xmlns="" id="{919EE81D-A196-3246-9A9B-D18318DF27F2}"/>
-              </a:ext>
-            </a:extLst>
-          </p:cNvPr>
-          <p:cNvPicPr>
-            <a:picLocks noChangeAspect="1"/>
-          </p:cNvPicPr>
-          <p:nvPr/>
-        </p:nvPicPr>
-        <p:blipFill>
-          <a:blip r:embed="rId4"/>
-          <a:stretch>
-            <a:fillRect/>
-          </a:stretch>
-        </p:blipFill>
-        <p:spPr>
-          <a:xfrm>
-            <a:off x="11306371" y="157161"/>
-            <a:ext cx="623691" cy="623691"/>
+            <a:off x="2819400" y="2362200"/>
+            <a:ext cx="7467600" cy="3786587"/>
           </a:xfrm>
           <a:prstGeom prst="rect">
             <a:avLst/>
@@ -10250,16 +10198,6 @@
   <p:clrMapOvr>
     <a:masterClrMapping/>
   </p:clrMapOvr>
-  <p:transition>
-    <p:wipe dir="d"/>
-  </p:transition>
-  <p:timing>
-    <p:tnLst>
-      <p:par>
-        <p:cTn id="1" dur="indefinite" restart="never" nodeType="tmRoot"/>
-      </p:par>
-    </p:tnLst>
-  </p:timing>
 </p:sld>
 </file>
 
@@ -10285,7 +10223,7 @@
           <p:cNvPr id="2" name="Title 1">
             <a:extLst>
               <a:ext uri="{FF2B5EF4-FFF2-40B4-BE49-F238E27FC236}">
-                <a16:creationId xmlns:a16="http://schemas.microsoft.com/office/drawing/2014/main" xmlns="" id="{81D8F0E0-01F9-A749-90E4-A0EB1944BB35}"/>
+                <a16:creationId xmlns="" xmlns:a16="http://schemas.microsoft.com/office/drawing/2014/main" id="{81D8F0E0-01F9-A749-90E4-A0EB1944BB35}"/>
               </a:ext>
             </a:extLst>
           </p:cNvPr>
@@ -10333,7 +10271,7 @@
           <p:cNvPr id="3" name="Content Placeholder 2">
             <a:extLst>
               <a:ext uri="{FF2B5EF4-FFF2-40B4-BE49-F238E27FC236}">
-                <a16:creationId xmlns:a16="http://schemas.microsoft.com/office/drawing/2014/main" xmlns="" id="{A95A41BB-2542-E547-B673-7248DCDE1D23}"/>
+                <a16:creationId xmlns="" xmlns:a16="http://schemas.microsoft.com/office/drawing/2014/main" id="{A95A41BB-2542-E547-B673-7248DCDE1D23}"/>
               </a:ext>
             </a:extLst>
           </p:cNvPr>
@@ -10451,7 +10389,7 @@
           <p:cNvPr id="4" name="Picture 4">
             <a:extLst>
               <a:ext uri="{FF2B5EF4-FFF2-40B4-BE49-F238E27FC236}">
-                <a16:creationId xmlns:a16="http://schemas.microsoft.com/office/drawing/2014/main" xmlns="" id="{919EE81D-A196-3246-9A9B-D18318DF27F2}"/>
+                <a16:creationId xmlns="" xmlns:a16="http://schemas.microsoft.com/office/drawing/2014/main" id="{919EE81D-A196-3246-9A9B-D18318DF27F2}"/>
               </a:ext>
             </a:extLst>
           </p:cNvPr>
@@ -10479,7 +10417,7 @@
     </p:spTree>
     <p:extLst>
       <p:ext uri="{BB962C8B-B14F-4D97-AF65-F5344CB8AC3E}">
-        <p14:creationId xmlns:p14="http://schemas.microsoft.com/office/powerpoint/2010/main" xmlns="" val="227873599"/>
+        <p14:creationId xmlns="" xmlns:p14="http://schemas.microsoft.com/office/powerpoint/2010/main" val="227873599"/>
       </p:ext>
     </p:extLst>
   </p:cSld>
@@ -10529,7 +10467,7 @@
         <p:spPr>
           <a:xfrm>
             <a:off x="2592925" y="624110"/>
-            <a:ext cx="8911687" cy="747490"/>
+            <a:ext cx="8911687" cy="823690"/>
           </a:xfrm>
         </p:spPr>
         <p:txBody>
@@ -10565,113 +10503,27 @@
           <a:lstStyle/>
           <a:p>
             <a:r>
-              <a:rPr lang="en-US" b="1" dirty="0" smtClean="0"/>
-              <a:t>Step 2: Create SSH identity for </a:t>
-            </a:r>
-            <a:r>
-              <a:rPr lang="en-US" b="1" dirty="0" err="1" smtClean="0"/>
-              <a:t>Bitbucket</a:t>
-            </a:r>
-            <a:endParaRPr lang="en-US" b="1" dirty="0" smtClean="0"/>
-          </a:p>
-          <a:p>
-            <a:pPr>
-              <a:buNone/>
-            </a:pPr>
-            <a:r>
               <a:rPr lang="en-US" dirty="0" smtClean="0"/>
-              <a:t>      To make sure we don’t have to enter our username and password every time we push to or pull from the </a:t>
-            </a:r>
-            <a:r>
-              <a:rPr lang="en-US" dirty="0" err="1" smtClean="0"/>
-              <a:t>Bitbucket</a:t>
-            </a:r>
-            <a:r>
-              <a:rPr lang="en-US" dirty="0" smtClean="0"/>
-              <a:t> repository, we should use SSH (secure shell) to communicate with </a:t>
-            </a:r>
-            <a:r>
-              <a:rPr lang="en-US" dirty="0" err="1" smtClean="0"/>
-              <a:t>Bitbucket</a:t>
-            </a:r>
-            <a:r>
-              <a:rPr lang="en-US" dirty="0" smtClean="0"/>
-              <a:t>. Lets go ahead and create our SSH identity to communicate with </a:t>
-            </a:r>
-            <a:r>
-              <a:rPr lang="en-US" dirty="0" err="1" smtClean="0"/>
-              <a:t>Bitbucket</a:t>
-            </a:r>
-            <a:r>
-              <a:rPr lang="en-US" dirty="0" smtClean="0"/>
-              <a:t>.</a:t>
-            </a:r>
-          </a:p>
-          <a:p>
-            <a:pPr>
-              <a:buFont typeface="+mj-lt"/>
-              <a:buAutoNum type="arabicPeriod"/>
-            </a:pPr>
-            <a:r>
-              <a:rPr lang="en-US" dirty="0" smtClean="0"/>
-              <a:t>      Launch </a:t>
+              <a:t>Sign in to </a:t>
             </a:r>
             <a:r>
               <a:rPr lang="en-US" dirty="0" err="1" smtClean="0"/>
               <a:t>GitHub</a:t>
             </a:r>
+            <a:endParaRPr lang="en-US" dirty="0" smtClean="0"/>
+          </a:p>
+          <a:p>
             <a:r>
               <a:rPr lang="en-US" dirty="0" smtClean="0"/>
-              <a:t> for Windows. Click on the gear icon (in the upper-right corner), then click on </a:t>
-            </a:r>
-            <a:r>
-              <a:rPr lang="en-US" i="1" dirty="0" smtClean="0"/>
-              <a:t>Options</a:t>
-            </a:r>
-            <a:r>
-              <a:rPr lang="en-US" dirty="0" smtClean="0"/>
-              <a:t>. Under </a:t>
-            </a:r>
-            <a:r>
-              <a:rPr lang="en-US" b="1" dirty="0" smtClean="0"/>
-              <a:t>Default shell</a:t>
-            </a:r>
-            <a:r>
-              <a:rPr lang="en-US" dirty="0" smtClean="0"/>
-              <a:t>, change that from </a:t>
-            </a:r>
-            <a:r>
-              <a:rPr lang="en-US" i="1" dirty="0" err="1" smtClean="0"/>
-              <a:t>PowerShell</a:t>
-            </a:r>
-            <a:r>
-              <a:rPr lang="en-US" dirty="0" smtClean="0"/>
-              <a:t> to </a:t>
-            </a:r>
-            <a:r>
-              <a:rPr lang="en-US" i="1" dirty="0" err="1" smtClean="0"/>
-              <a:t>Git</a:t>
-            </a:r>
-            <a:r>
-              <a:rPr lang="en-US" i="1" dirty="0" smtClean="0"/>
-              <a:t> Bash</a:t>
-            </a:r>
-            <a:r>
-              <a:rPr lang="en-US" dirty="0" smtClean="0"/>
-              <a:t>.</a:t>
-            </a:r>
-          </a:p>
-          <a:p>
-            <a:pPr>
-              <a:buNone/>
-            </a:pPr>
+              <a:t>You can create repositories there</a:t>
+            </a:r>
             <a:endParaRPr lang="en-US" dirty="0"/>
           </a:p>
         </p:txBody>
       </p:sp>
       <p:pic>
         <p:nvPicPr>
-          <p:cNvPr id="5" name="Picture 4" descr="githubshell.jpg"/>
+          <p:cNvPr id="4" name="Picture 3" descr="Untitled2.png"/>
           <p:cNvPicPr>
             <a:picLocks noChangeAspect="1"/>
           </p:cNvPicPr>
@@ -10685,38 +10537,8 @@
         </p:blipFill>
         <p:spPr>
           <a:xfrm>
-            <a:off x="4114800" y="4229100"/>
-            <a:ext cx="4029075" cy="1638300"/>
-          </a:xfrm>
-          <a:prstGeom prst="rect">
-            <a:avLst/>
-          </a:prstGeom>
-        </p:spPr>
-      </p:pic>
-      <p:pic>
-        <p:nvPicPr>
-          <p:cNvPr id="6" name="Picture 4">
-            <a:extLst>
-              <a:ext uri="{FF2B5EF4-FFF2-40B4-BE49-F238E27FC236}">
-                <a16:creationId xmlns:a16="http://schemas.microsoft.com/office/drawing/2014/main" xmlns="" id="{919EE81D-A196-3246-9A9B-D18318DF27F2}"/>
-              </a:ext>
-            </a:extLst>
-          </p:cNvPr>
-          <p:cNvPicPr>
-            <a:picLocks noChangeAspect="1"/>
-          </p:cNvPicPr>
-          <p:nvPr/>
-        </p:nvPicPr>
-        <p:blipFill>
-          <a:blip r:embed="rId3"/>
-          <a:stretch>
-            <a:fillRect/>
-          </a:stretch>
-        </p:blipFill>
-        <p:spPr>
-          <a:xfrm>
-            <a:off x="11306371" y="157161"/>
-            <a:ext cx="623691" cy="623691"/>
+            <a:off x="2438400" y="2286000"/>
+            <a:ext cx="8954165" cy="2972783"/>
           </a:xfrm>
           <a:prstGeom prst="rect">
             <a:avLst/>
@@ -10728,16 +10550,6 @@
   <p:clrMapOvr>
     <a:masterClrMapping/>
   </p:clrMapOvr>
-  <p:transition>
-    <p:wipe dir="d"/>
-  </p:transition>
-  <p:timing>
-    <p:tnLst>
-      <p:par>
-        <p:cTn id="1" dur="indefinite" restart="never" nodeType="tmRoot"/>
-      </p:par>
-    </p:tnLst>
-  </p:timing>
 </p:sld>
 </file>
 
@@ -10771,35 +10583,7 @@
         <p:spPr>
           <a:xfrm>
             <a:off x="2592925" y="624110"/>
-            <a:ext cx="8911687" cy="671290"/>
-          </a:xfrm>
-        </p:spPr>
-        <p:txBody>
-          <a:bodyPr/>
-          <a:lstStyle/>
-          <a:p>
-            <a:r>
-              <a:rPr lang="en-US" b="1" dirty="0" smtClean="0"/>
-              <a:t>Continue….</a:t>
-            </a:r>
-            <a:endParaRPr lang="en-US" dirty="0"/>
-          </a:p>
-        </p:txBody>
-      </p:sp>
-      <p:sp>
-        <p:nvSpPr>
-          <p:cNvPr id="3" name="Content Placeholder 2"/>
-          <p:cNvSpPr>
-            <a:spLocks noGrp="1"/>
-          </p:cNvSpPr>
-          <p:nvPr>
-            <p:ph idx="1"/>
-          </p:nvPr>
-        </p:nvSpPr>
-        <p:spPr>
-          <a:xfrm>
-            <a:off x="2589212" y="1295400"/>
-            <a:ext cx="8915400" cy="4615822"/>
+            <a:ext cx="8911687" cy="823690"/>
           </a:xfrm>
         </p:spPr>
         <p:txBody>
@@ -10808,186 +10592,109 @@
           </a:bodyPr>
           <a:lstStyle/>
           <a:p>
-            <a:pPr>
-              <a:buFont typeface="+mj-lt"/>
-              <a:buAutoNum type="arabicPeriod"/>
-            </a:pPr>
+            <a:r>
+              <a:rPr lang="en-US" sz="4000" b="1" dirty="0" smtClean="0"/>
+              <a:t>Install </a:t>
+            </a:r>
+            <a:r>
+              <a:rPr lang="en-US" sz="4000" b="1" dirty="0" err="1" smtClean="0"/>
+              <a:t>Git</a:t>
+            </a:r>
+            <a:endParaRPr lang="en-US" sz="4000" b="1" dirty="0"/>
+          </a:p>
+        </p:txBody>
+      </p:sp>
+      <p:sp>
+        <p:nvSpPr>
+          <p:cNvPr id="3" name="Content Placeholder 2"/>
+          <p:cNvSpPr>
+            <a:spLocks noGrp="1"/>
+          </p:cNvSpPr>
+          <p:nvPr>
+            <p:ph idx="1"/>
+          </p:nvPr>
+        </p:nvSpPr>
+        <p:spPr>
+          <a:xfrm>
+            <a:off x="2589212" y="1447800"/>
+            <a:ext cx="8915400" cy="5105400"/>
+          </a:xfrm>
+        </p:spPr>
+        <p:txBody>
+          <a:bodyPr/>
+          <a:lstStyle/>
+          <a:p>
+            <a:r>
+              <a:rPr lang="en-US" dirty="0" smtClean="0"/>
+              <a:t>Go to  </a:t>
+            </a:r>
+            <a:r>
+              <a:rPr lang="en-US" dirty="0" err="1" smtClean="0"/>
+              <a:t>url</a:t>
+            </a:r>
+            <a:r>
+              <a:rPr lang="en-US" dirty="0" smtClean="0"/>
+              <a:t> : </a:t>
+            </a:r>
+            <a:r>
+              <a:rPr lang="en-US" dirty="0" smtClean="0">
+                <a:hlinkClick r:id="rId2"/>
+              </a:rPr>
+              <a:t>https://git-scm.com/download/win</a:t>
+            </a:r>
             <a:endParaRPr lang="en-US" dirty="0" smtClean="0"/>
           </a:p>
           <a:p>
-            <a:pPr>
-              <a:buFont typeface="+mj-lt"/>
-              <a:buAutoNum type="arabicPeriod" startAt="2"/>
-            </a:pPr>
             <a:r>
               <a:rPr lang="en-US" dirty="0" smtClean="0"/>
-              <a:t>Double-click on the shortcut named </a:t>
-            </a:r>
-            <a:r>
-              <a:rPr lang="en-US" i="1" dirty="0" err="1" smtClean="0"/>
-              <a:t>Git</a:t>
-            </a:r>
-            <a:r>
-              <a:rPr lang="en-US" i="1" dirty="0" smtClean="0"/>
-              <a:t> Shell</a:t>
+              <a:t>Download </a:t>
+            </a:r>
+            <a:r>
+              <a:rPr lang="en-US" dirty="0" err="1" smtClean="0"/>
+              <a:t>git</a:t>
             </a:r>
             <a:r>
               <a:rPr lang="en-US" dirty="0" smtClean="0"/>
-              <a:t> that you see on your Windows desktop.</a:t>
-            </a:r>
-          </a:p>
-          <a:p>
-            <a:pPr>
-              <a:buFont typeface="+mj-lt"/>
-              <a:buAutoNum type="arabicPeriod" startAt="2"/>
-            </a:pPr>
+              <a:t>  for your windows .current version  2.15.0</a:t>
+            </a:r>
+          </a:p>
+          <a:p>
             <a:r>
               <a:rPr lang="en-US" dirty="0" smtClean="0"/>
-              <a:t>Type the following command and press Enter →</a:t>
-            </a:r>
-            <a:br>
+              <a:t>Install </a:t>
+            </a:r>
+            <a:r>
+              <a:rPr lang="en-US" dirty="0" err="1" smtClean="0"/>
+              <a:t>git</a:t>
+            </a:r>
+            <a:r>
               <a:rPr lang="en-US" dirty="0" smtClean="0"/>
-            </a:br>
-            <a:r>
-              <a:rPr lang="en-US" dirty="0" err="1" smtClean="0"/>
-              <a:t>ssh-keygen</a:t>
-            </a:r>
-            <a:r>
-              <a:rPr lang="en-US" dirty="0" smtClean="0"/>
-              <a:t> -t </a:t>
-            </a:r>
-            <a:r>
-              <a:rPr lang="en-US" dirty="0" err="1" smtClean="0"/>
-              <a:t>rsa</a:t>
-            </a:r>
-            <a:r>
-              <a:rPr lang="en-US" dirty="0" smtClean="0"/>
-              <a:t> -C "johndoe@doebrothers.com"</a:t>
-            </a:r>
-            <a:br>
-              <a:rPr lang="en-US" dirty="0" smtClean="0"/>
-            </a:br>
-            <a:r>
-              <a:rPr lang="en-US" dirty="0" smtClean="0"/>
-              <a:t>(use your email address registered with </a:t>
-            </a:r>
-            <a:r>
-              <a:rPr lang="en-US" dirty="0" err="1" smtClean="0"/>
-              <a:t>Bitbucket</a:t>
-            </a:r>
-            <a:r>
-              <a:rPr lang="en-US" dirty="0" smtClean="0"/>
-              <a:t>)</a:t>
-            </a:r>
-          </a:p>
-          <a:p>
-            <a:pPr>
-              <a:buFont typeface="+mj-lt"/>
-              <a:buAutoNum type="arabicPeriod" startAt="2"/>
-            </a:pPr>
-            <a:r>
-              <a:rPr lang="en-US" dirty="0" smtClean="0"/>
-              <a:t>You will be prompted to provide a file name. Type the following and press Enter →</a:t>
-            </a:r>
-            <a:br>
-              <a:rPr lang="en-US" dirty="0" smtClean="0"/>
-            </a:br>
-            <a:r>
-              <a:rPr lang="en-US" dirty="0" smtClean="0"/>
-              <a:t>/c/Users/&lt;your user name&gt;/.</a:t>
-            </a:r>
-            <a:r>
-              <a:rPr lang="en-US" dirty="0" err="1" smtClean="0"/>
-              <a:t>ssh</a:t>
-            </a:r>
-            <a:r>
-              <a:rPr lang="en-US" dirty="0" smtClean="0"/>
-              <a:t>/</a:t>
-            </a:r>
-            <a:r>
-              <a:rPr lang="en-US" dirty="0" err="1" smtClean="0"/>
-              <a:t>bitbucket_rsa</a:t>
-            </a:r>
-            <a:r>
-              <a:rPr lang="en-US" dirty="0" smtClean="0"/>
-              <a:t/>
-            </a:r>
-            <a:br>
-              <a:rPr lang="en-US" dirty="0" smtClean="0"/>
-            </a:br>
-            <a:r>
-              <a:rPr lang="en-US" dirty="0" smtClean="0"/>
-              <a:t>(use your Windows user name)</a:t>
-            </a:r>
-          </a:p>
-          <a:p>
-            <a:pPr>
-              <a:buFont typeface="+mj-lt"/>
-              <a:buAutoNum type="arabicPeriod" startAt="2"/>
-            </a:pPr>
-            <a:r>
-              <a:rPr lang="en-US" dirty="0" smtClean="0"/>
-              <a:t>You will be prompted to provide a passphrase. Press Enter →</a:t>
-            </a:r>
-          </a:p>
-          <a:p>
-            <a:pPr>
-              <a:buFont typeface="+mj-lt"/>
-              <a:buAutoNum type="arabicPeriod" startAt="2"/>
-            </a:pPr>
-            <a:r>
-              <a:rPr lang="en-US" dirty="0" smtClean="0"/>
-              <a:t>Copy the contents of your newly created public key to the clipboard:</a:t>
-            </a:r>
-            <a:br>
-              <a:rPr lang="en-US" dirty="0" smtClean="0"/>
-            </a:br>
-            <a:r>
-              <a:rPr lang="en-US" dirty="0" smtClean="0"/>
-              <a:t>clip &lt; ~/.</a:t>
-            </a:r>
-            <a:r>
-              <a:rPr lang="en-US" dirty="0" err="1" smtClean="0"/>
-              <a:t>ssh</a:t>
-            </a:r>
-            <a:r>
-              <a:rPr lang="en-US" dirty="0" smtClean="0"/>
-              <a:t>/bitbucket_rsa.pub</a:t>
-            </a:r>
-          </a:p>
-          <a:p>
-            <a:pPr>
-              <a:buFont typeface="+mj-lt"/>
-              <a:buAutoNum type="arabicPeriod" startAt="2"/>
-            </a:pPr>
+              <a:t>   on your system</a:t>
+            </a:r>
+          </a:p>
+          <a:p>
             <a:endParaRPr lang="en-US" dirty="0"/>
           </a:p>
         </p:txBody>
       </p:sp>
       <p:pic>
         <p:nvPicPr>
-          <p:cNvPr id="4" name="Picture 4">
-            <a:extLst>
-              <a:ext uri="{FF2B5EF4-FFF2-40B4-BE49-F238E27FC236}">
-                <a16:creationId xmlns:a16="http://schemas.microsoft.com/office/drawing/2014/main" xmlns="" id="{919EE81D-A196-3246-9A9B-D18318DF27F2}"/>
-              </a:ext>
-            </a:extLst>
-          </p:cNvPr>
+          <p:cNvPr id="4" name="Picture 3" descr="Untitled22.png"/>
           <p:cNvPicPr>
             <a:picLocks noChangeAspect="1"/>
           </p:cNvPicPr>
           <p:nvPr/>
         </p:nvPicPr>
         <p:blipFill>
-          <a:blip r:embed="rId2"/>
+          <a:blip r:embed="rId3"/>
           <a:stretch>
             <a:fillRect/>
           </a:stretch>
         </p:blipFill>
         <p:spPr>
           <a:xfrm>
-            <a:off x="11306371" y="157161"/>
-            <a:ext cx="623691" cy="623691"/>
+            <a:off x="3200400" y="2743200"/>
+            <a:ext cx="4867955" cy="3762900"/>
           </a:xfrm>
           <a:prstGeom prst="rect">
             <a:avLst/>
@@ -10999,16 +10706,6 @@
   <p:clrMapOvr>
     <a:masterClrMapping/>
   </p:clrMapOvr>
-  <p:transition>
-    <p:wipe dir="d"/>
-  </p:transition>
-  <p:timing>
-    <p:tnLst>
-      <p:par>
-        <p:cTn id="1" dur="indefinite" restart="never" nodeType="tmRoot"/>
-      </p:par>
-    </p:tnLst>
-  </p:timing>
 </p:sld>
 </file>
 
@@ -11029,193 +10726,15 @@
           <a:chExt cx="0" cy="0"/>
         </a:xfrm>
       </p:grpSpPr>
-      <p:sp>
-        <p:nvSpPr>
-          <p:cNvPr id="2" name="Title 1"/>
-          <p:cNvSpPr>
-            <a:spLocks noGrp="1"/>
-          </p:cNvSpPr>
-          <p:nvPr>
-            <p:ph type="title"/>
-          </p:nvPr>
-        </p:nvSpPr>
-        <p:spPr>
-          <a:xfrm>
-            <a:off x="2592925" y="624110"/>
-            <a:ext cx="8911687" cy="671290"/>
-          </a:xfrm>
-        </p:spPr>
-        <p:txBody>
-          <a:bodyPr/>
-          <a:lstStyle/>
-          <a:p>
-            <a:r>
-              <a:rPr lang="en-US" b="1" dirty="0" smtClean="0"/>
-              <a:t>Continue….</a:t>
-            </a:r>
-            <a:endParaRPr lang="en-US" dirty="0"/>
-          </a:p>
-        </p:txBody>
-      </p:sp>
-      <p:sp>
-        <p:nvSpPr>
-          <p:cNvPr id="3" name="Content Placeholder 2"/>
-          <p:cNvSpPr>
-            <a:spLocks noGrp="1"/>
-          </p:cNvSpPr>
-          <p:nvPr>
-            <p:ph idx="1"/>
-          </p:nvPr>
-        </p:nvSpPr>
-        <p:spPr>
-          <a:xfrm>
-            <a:off x="2589212" y="1524000"/>
-            <a:ext cx="8915400" cy="3048000"/>
-          </a:xfrm>
-        </p:spPr>
-        <p:txBody>
-          <a:bodyPr/>
-          <a:lstStyle/>
-          <a:p>
-            <a:r>
-              <a:rPr lang="en-US" b="1" dirty="0" smtClean="0"/>
-              <a:t>Step 3: Add your public key to </a:t>
-            </a:r>
-            <a:r>
-              <a:rPr lang="en-US" b="1" dirty="0" err="1" smtClean="0"/>
-              <a:t>Bitbucket</a:t>
-            </a:r>
-            <a:endParaRPr lang="en-US" b="1" dirty="0" smtClean="0"/>
-          </a:p>
-          <a:p>
-            <a:pPr>
-              <a:buFont typeface="+mj-lt"/>
-              <a:buAutoNum type="arabicPeriod"/>
-            </a:pPr>
-            <a:r>
-              <a:rPr lang="en-US" dirty="0" smtClean="0"/>
-              <a:t>Log into </a:t>
-            </a:r>
-            <a:r>
-              <a:rPr lang="en-US" dirty="0" err="1" smtClean="0"/>
-              <a:t>Bitbucket</a:t>
-            </a:r>
-            <a:r>
-              <a:rPr lang="en-US" dirty="0" smtClean="0"/>
-              <a:t> and click on your avatar (in the upper-right corner), then click on </a:t>
-            </a:r>
-            <a:r>
-              <a:rPr lang="en-US" i="1" dirty="0" err="1" smtClean="0"/>
-              <a:t>Bitbucket</a:t>
-            </a:r>
-            <a:r>
-              <a:rPr lang="en-US" i="1" dirty="0" smtClean="0"/>
-              <a:t> settings</a:t>
-            </a:r>
-            <a:r>
-              <a:rPr lang="en-US" dirty="0" smtClean="0"/>
-              <a:t>.</a:t>
-            </a:r>
-          </a:p>
-          <a:p>
-            <a:pPr>
-              <a:buFont typeface="+mj-lt"/>
-              <a:buAutoNum type="arabicPeriod"/>
-            </a:pPr>
-            <a:r>
-              <a:rPr lang="en-US" dirty="0" smtClean="0"/>
-              <a:t>Click on </a:t>
-            </a:r>
-            <a:r>
-              <a:rPr lang="en-US" b="1" dirty="0" smtClean="0"/>
-              <a:t>SSH keys</a:t>
-            </a:r>
-            <a:r>
-              <a:rPr lang="en-US" dirty="0" smtClean="0"/>
-              <a:t> in  the side bar, then click the button </a:t>
-            </a:r>
-            <a:r>
-              <a:rPr lang="en-US" dirty="0" err="1" smtClean="0"/>
-              <a:t>labelled</a:t>
-            </a:r>
-            <a:r>
-              <a:rPr lang="en-US" dirty="0" smtClean="0"/>
-              <a:t> </a:t>
-            </a:r>
-            <a:r>
-              <a:rPr lang="en-US" b="1" dirty="0" smtClean="0"/>
-              <a:t>Add key</a:t>
-            </a:r>
-            <a:r>
-              <a:rPr lang="en-US" dirty="0" smtClean="0"/>
-              <a:t>.</a:t>
-            </a:r>
-          </a:p>
-          <a:p>
-            <a:pPr>
-              <a:buFont typeface="+mj-lt"/>
-              <a:buAutoNum type="arabicPeriod"/>
-            </a:pPr>
-            <a:r>
-              <a:rPr lang="en-US" dirty="0" smtClean="0"/>
-              <a:t>In the </a:t>
-            </a:r>
-            <a:r>
-              <a:rPr lang="en-US" b="1" dirty="0" smtClean="0"/>
-              <a:t>Add SSH key</a:t>
-            </a:r>
-            <a:r>
-              <a:rPr lang="en-US" dirty="0" smtClean="0"/>
-              <a:t> popup that comes up, paste your public key in the text box  labeled </a:t>
-            </a:r>
-            <a:r>
-              <a:rPr lang="en-US" b="1" dirty="0" smtClean="0"/>
-              <a:t>Key</a:t>
-            </a:r>
-            <a:r>
-              <a:rPr lang="en-US" dirty="0" smtClean="0"/>
-              <a:t>.</a:t>
-            </a:r>
-          </a:p>
-          <a:p>
-            <a:pPr>
-              <a:buFont typeface="+mj-lt"/>
-              <a:buAutoNum type="arabicPeriod"/>
-            </a:pPr>
-            <a:r>
-              <a:rPr lang="en-US" dirty="0" smtClean="0"/>
-              <a:t>Click on the button  labeled </a:t>
-            </a:r>
-            <a:r>
-              <a:rPr lang="en-US" b="1" dirty="0" smtClean="0"/>
-              <a:t>Add key</a:t>
-            </a:r>
-            <a:r>
-              <a:rPr lang="en-US" dirty="0" smtClean="0"/>
-              <a:t> to save and close the popup.</a:t>
-            </a:r>
-          </a:p>
-          <a:p>
-            <a:pPr>
-              <a:buNone/>
-            </a:pPr>
-            <a:endParaRPr lang="en-US" dirty="0"/>
-          </a:p>
-        </p:txBody>
-      </p:sp>
       <p:pic>
         <p:nvPicPr>
-          <p:cNvPr id="4" name="Picture 4">
-            <a:extLst>
-              <a:ext uri="{FF2B5EF4-FFF2-40B4-BE49-F238E27FC236}">
-                <a16:creationId xmlns:a16="http://schemas.microsoft.com/office/drawing/2014/main" xmlns="" id="{919EE81D-A196-3246-9A9B-D18318DF27F2}"/>
-              </a:ext>
-            </a:extLst>
-          </p:cNvPr>
+          <p:cNvPr id="4" name="Content Placeholder 3" descr="Untitled23.png"/>
           <p:cNvPicPr>
-            <a:picLocks noChangeAspect="1"/>
+            <a:picLocks noGrp="1" noChangeAspect="1"/>
           </p:cNvPicPr>
-          <p:nvPr/>
+          <p:nvPr>
+            <p:ph idx="1"/>
+          </p:nvPr>
         </p:nvPicPr>
         <p:blipFill>
           <a:blip r:embed="rId2"/>
@@ -11225,29 +10744,122 @@
         </p:blipFill>
         <p:spPr>
           <a:xfrm>
-            <a:off x="11306371" y="157161"/>
-            <a:ext cx="623691" cy="623691"/>
+            <a:off x="2514600" y="1600200"/>
+            <a:ext cx="4572000" cy="4136148"/>
+          </a:xfrm>
+        </p:spPr>
+      </p:pic>
+      <p:pic>
+        <p:nvPicPr>
+          <p:cNvPr id="5" name="Picture 4" descr="Untitled24.png"/>
+          <p:cNvPicPr>
+            <a:picLocks noChangeAspect="1"/>
+          </p:cNvPicPr>
+          <p:nvPr/>
+        </p:nvPicPr>
+        <p:blipFill>
+          <a:blip r:embed="rId3"/>
+          <a:stretch>
+            <a:fillRect/>
+          </a:stretch>
+        </p:blipFill>
+        <p:spPr>
+          <a:xfrm>
+            <a:off x="7266898" y="1642537"/>
+            <a:ext cx="4391702" cy="4072463"/>
           </a:xfrm>
           <a:prstGeom prst="rect">
             <a:avLst/>
           </a:prstGeom>
         </p:spPr>
       </p:pic>
+      <p:sp>
+        <p:nvSpPr>
+          <p:cNvPr id="8" name="Title 1"/>
+          <p:cNvSpPr txBox="1">
+            <a:spLocks noGrp="1"/>
+          </p:cNvSpPr>
+          <p:nvPr>
+            <p:ph type="title"/>
+          </p:nvPr>
+        </p:nvSpPr>
+        <p:spPr>
+          <a:xfrm>
+            <a:off x="2592925" y="624110"/>
+            <a:ext cx="8911687" cy="747490"/>
+          </a:xfrm>
+          <a:prstGeom prst="rect">
+            <a:avLst/>
+          </a:prstGeom>
+        </p:spPr>
+        <p:txBody>
+          <a:bodyPr vert="horz" lIns="91440" tIns="45720" rIns="91440" bIns="45720" rtlCol="0" anchor="t">
+            <a:normAutofit/>
+          </a:bodyPr>
+          <a:lstStyle/>
+          <a:p>
+            <a:pPr marL="0" marR="0" lvl="0" indent="0" algn="l" defTabSz="457200" rtl="0" eaLnBrk="1" fontAlgn="auto" latinLnBrk="0" hangingPunct="1">
+              <a:lnSpc>
+                <a:spcPct val="100000"/>
+              </a:lnSpc>
+              <a:spcBef>
+                <a:spcPct val="0"/>
+              </a:spcBef>
+              <a:spcAft>
+                <a:spcPts val="0"/>
+              </a:spcAft>
+              <a:buClrTx/>
+              <a:buSzTx/>
+              <a:buFontTx/>
+              <a:buNone/>
+              <a:tabLst/>
+              <a:defRPr/>
+            </a:pPr>
+            <a:r>
+              <a:rPr kumimoji="0" lang="en-US" sz="3600" b="1" i="0" u="none" strike="noStrike" kern="1200" cap="none" spc="0" normalizeH="0" baseline="0" noProof="0" dirty="0" smtClean="0">
+                <a:ln>
+                  <a:noFill/>
+                </a:ln>
+                <a:solidFill>
+                  <a:schemeClr val="tx1">
+                    <a:lumMod val="85000"/>
+                    <a:lumOff val="15000"/>
+                  </a:schemeClr>
+                </a:solidFill>
+                <a:effectLst/>
+                <a:uLnTx/>
+                <a:uFillTx/>
+                <a:latin typeface="+mj-lt"/>
+                <a:ea typeface="+mj-ea"/>
+                <a:cs typeface="+mj-cs"/>
+              </a:rPr>
+              <a:t>Continue….</a:t>
+            </a:r>
+            <a:endParaRPr kumimoji="0" lang="en-US" sz="3600" b="0" i="0" u="none" strike="noStrike" kern="1200" cap="none" spc="0" normalizeH="0" baseline="0" noProof="0" dirty="0">
+              <a:ln>
+                <a:noFill/>
+              </a:ln>
+              <a:solidFill>
+                <a:schemeClr val="tx1">
+                  <a:lumMod val="85000"/>
+                  <a:lumOff val="15000"/>
+                </a:schemeClr>
+              </a:solidFill>
+              <a:effectLst/>
+              <a:uLnTx/>
+              <a:uFillTx/>
+              <a:latin typeface="+mj-lt"/>
+              <a:ea typeface="+mj-ea"/>
+              <a:cs typeface="+mj-cs"/>
+            </a:endParaRPr>
+          </a:p>
+        </p:txBody>
+      </p:sp>
     </p:spTree>
   </p:cSld>
   <p:clrMapOvr>
     <a:masterClrMapping/>
   </p:clrMapOvr>
-  <p:transition>
-    <p:wipe dir="d"/>
-  </p:transition>
-  <p:timing>
-    <p:tnLst>
-      <p:par>
-        <p:cTn id="1" dur="indefinite" restart="never" nodeType="tmRoot"/>
-      </p:par>
-    </p:tnLst>
-  </p:timing>
 </p:sld>
 </file>
 
@@ -11268,179 +10880,15 @@
           <a:chExt cx="0" cy="0"/>
         </a:xfrm>
       </p:grpSpPr>
-      <p:sp>
-        <p:nvSpPr>
-          <p:cNvPr id="2" name="Title 1"/>
-          <p:cNvSpPr>
-            <a:spLocks noGrp="1"/>
-          </p:cNvSpPr>
-          <p:nvPr>
-            <p:ph type="title"/>
-          </p:nvPr>
-        </p:nvSpPr>
-        <p:spPr>
-          <a:xfrm>
-            <a:off x="2592925" y="624110"/>
-            <a:ext cx="8911687" cy="899890"/>
-          </a:xfrm>
-        </p:spPr>
-        <p:txBody>
-          <a:bodyPr/>
-          <a:lstStyle/>
-          <a:p>
-            <a:r>
-              <a:rPr lang="en-US" b="1" dirty="0" smtClean="0"/>
-              <a:t>Continue….</a:t>
-            </a:r>
-            <a:endParaRPr lang="en-US" dirty="0"/>
-          </a:p>
-        </p:txBody>
-      </p:sp>
-      <p:sp>
-        <p:nvSpPr>
-          <p:cNvPr id="3" name="Content Placeholder 2"/>
-          <p:cNvSpPr>
-            <a:spLocks noGrp="1"/>
-          </p:cNvSpPr>
-          <p:nvPr>
-            <p:ph idx="1"/>
-          </p:nvPr>
-        </p:nvSpPr>
-        <p:spPr>
-          <a:xfrm>
-            <a:off x="2589212" y="1676400"/>
-            <a:ext cx="8915400" cy="3581400"/>
-          </a:xfrm>
-        </p:spPr>
-        <p:txBody>
-          <a:bodyPr>
-            <a:normAutofit/>
-          </a:bodyPr>
-          <a:lstStyle/>
-          <a:p>
-            <a:r>
-              <a:rPr lang="en-US" b="1" dirty="0" smtClean="0"/>
-              <a:t>Step 4. Create a SSH </a:t>
-            </a:r>
-            <a:r>
-              <a:rPr lang="en-US" b="1" dirty="0" err="1" smtClean="0"/>
-              <a:t>config</a:t>
-            </a:r>
-            <a:r>
-              <a:rPr lang="en-US" b="1" dirty="0" smtClean="0"/>
-              <a:t> file</a:t>
-            </a:r>
-          </a:p>
-          <a:p>
-            <a:pPr>
-              <a:buFont typeface="+mj-lt"/>
-              <a:buAutoNum type="arabicPeriod"/>
-            </a:pPr>
-            <a:r>
-              <a:rPr lang="en-US" dirty="0" smtClean="0"/>
-              <a:t>Using your favorite text editor, create a new file here or edit the file if it already exists:</a:t>
-            </a:r>
-            <a:br>
-              <a:rPr lang="en-US" dirty="0" smtClean="0"/>
-            </a:br>
-            <a:r>
-              <a:rPr lang="en-US" dirty="0" smtClean="0"/>
-              <a:t>c:\Users\&lt;your user name&gt;\.</a:t>
-            </a:r>
-            <a:r>
-              <a:rPr lang="en-US" dirty="0" err="1" smtClean="0"/>
-              <a:t>ssh</a:t>
-            </a:r>
-            <a:r>
-              <a:rPr lang="en-US" dirty="0" smtClean="0"/>
-              <a:t>\</a:t>
-            </a:r>
-            <a:r>
-              <a:rPr lang="en-US" dirty="0" err="1" smtClean="0"/>
-              <a:t>config</a:t>
-            </a:r>
-            <a:endParaRPr lang="en-US" dirty="0" smtClean="0"/>
-          </a:p>
-          <a:p>
-            <a:pPr>
-              <a:buFont typeface="+mj-lt"/>
-              <a:buAutoNum type="arabicPeriod"/>
-            </a:pPr>
-            <a:r>
-              <a:rPr lang="en-US" dirty="0" smtClean="0"/>
-              <a:t>Add an entry to the configuration file for </a:t>
-            </a:r>
-            <a:r>
-              <a:rPr lang="en-US" dirty="0" err="1" smtClean="0"/>
-              <a:t>GitHub</a:t>
-            </a:r>
-            <a:r>
-              <a:rPr lang="en-US" dirty="0" smtClean="0"/>
-              <a:t> using the following format. Note: the second line is indented. That single space is important, so make sure you include it.</a:t>
-            </a:r>
-          </a:p>
-          <a:p>
-            <a:pPr>
-              <a:buFont typeface="+mj-lt"/>
-              <a:buAutoNum type="arabicPeriod"/>
-            </a:pPr>
-            <a:r>
-              <a:rPr lang="en-US" dirty="0" smtClean="0"/>
-              <a:t>Host github.com </a:t>
-            </a:r>
-            <a:r>
-              <a:rPr lang="en-US" dirty="0" err="1" smtClean="0"/>
-              <a:t>IdentityFile</a:t>
-            </a:r>
-            <a:r>
-              <a:rPr lang="en-US" dirty="0" smtClean="0"/>
-              <a:t> ~/.</a:t>
-            </a:r>
-            <a:r>
-              <a:rPr lang="en-US" dirty="0" err="1" smtClean="0"/>
-              <a:t>ssh</a:t>
-            </a:r>
-            <a:r>
-              <a:rPr lang="en-US" dirty="0" smtClean="0"/>
-              <a:t>/</a:t>
-            </a:r>
-            <a:r>
-              <a:rPr lang="en-US" dirty="0" err="1" smtClean="0"/>
-              <a:t>github_rsa</a:t>
-            </a:r>
-            <a:r>
-              <a:rPr lang="en-US" dirty="0" smtClean="0"/>
-              <a:t> </a:t>
-            </a:r>
-          </a:p>
-          <a:p>
-            <a:pPr>
-              <a:buFont typeface="+mj-lt"/>
-              <a:buAutoNum type="arabicPeriod"/>
-            </a:pPr>
-            <a:r>
-              <a:rPr lang="en-US" dirty="0" smtClean="0"/>
-              <a:t>Save and close the file.</a:t>
-            </a:r>
-          </a:p>
-          <a:p>
-            <a:endParaRPr lang="en-US" dirty="0"/>
-          </a:p>
-        </p:txBody>
-      </p:sp>
       <p:pic>
         <p:nvPicPr>
-          <p:cNvPr id="4" name="Picture 4">
-            <a:extLst>
-              <a:ext uri="{FF2B5EF4-FFF2-40B4-BE49-F238E27FC236}">
-                <a16:creationId xmlns:a16="http://schemas.microsoft.com/office/drawing/2014/main" xmlns="" id="{919EE81D-A196-3246-9A9B-D18318DF27F2}"/>
-              </a:ext>
-            </a:extLst>
-          </p:cNvPr>
+          <p:cNvPr id="5" name="Content Placeholder 4" descr="m.png"/>
           <p:cNvPicPr>
-            <a:picLocks noChangeAspect="1"/>
+            <a:picLocks noGrp="1" noChangeAspect="1"/>
           </p:cNvPicPr>
-          <p:nvPr/>
+          <p:nvPr>
+            <p:ph idx="1"/>
+          </p:nvPr>
         </p:nvPicPr>
         <p:blipFill>
           <a:blip r:embed="rId2"/>
@@ -11450,8 +10898,135 @@
         </p:blipFill>
         <p:spPr>
           <a:xfrm>
-            <a:off x="11306371" y="157161"/>
-            <a:ext cx="623691" cy="623691"/>
+            <a:off x="2971800" y="1803138"/>
+            <a:ext cx="2248214" cy="3753374"/>
+          </a:xfrm>
+        </p:spPr>
+      </p:pic>
+      <p:sp>
+        <p:nvSpPr>
+          <p:cNvPr id="4" name="Title 1"/>
+          <p:cNvSpPr txBox="1">
+            <a:spLocks noGrp="1"/>
+          </p:cNvSpPr>
+          <p:nvPr>
+            <p:ph type="title"/>
+          </p:nvPr>
+        </p:nvSpPr>
+        <p:spPr>
+          <a:xfrm>
+            <a:off x="2592925" y="624110"/>
+            <a:ext cx="8911687" cy="823690"/>
+          </a:xfrm>
+          <a:prstGeom prst="rect">
+            <a:avLst/>
+          </a:prstGeom>
+        </p:spPr>
+        <p:txBody>
+          <a:bodyPr vert="horz" lIns="91440" tIns="45720" rIns="91440" bIns="45720" rtlCol="0" anchor="t">
+            <a:normAutofit/>
+          </a:bodyPr>
+          <a:lstStyle/>
+          <a:p>
+            <a:pPr marL="0" marR="0" lvl="0" indent="0" algn="l" defTabSz="457200" rtl="0" eaLnBrk="1" fontAlgn="auto" latinLnBrk="0" hangingPunct="1">
+              <a:lnSpc>
+                <a:spcPct val="100000"/>
+              </a:lnSpc>
+              <a:spcBef>
+                <a:spcPct val="0"/>
+              </a:spcBef>
+              <a:spcAft>
+                <a:spcPts val="0"/>
+              </a:spcAft>
+              <a:buClrTx/>
+              <a:buSzTx/>
+              <a:buFontTx/>
+              <a:buNone/>
+              <a:tabLst/>
+              <a:defRPr/>
+            </a:pPr>
+            <a:r>
+              <a:rPr kumimoji="0" lang="en-US" sz="3600" b="1" i="0" u="none" strike="noStrike" kern="1200" cap="none" spc="0" normalizeH="0" baseline="0" noProof="0" dirty="0" smtClean="0">
+                <a:ln>
+                  <a:noFill/>
+                </a:ln>
+                <a:solidFill>
+                  <a:schemeClr val="tx1">
+                    <a:lumMod val="85000"/>
+                    <a:lumOff val="15000"/>
+                  </a:schemeClr>
+                </a:solidFill>
+                <a:effectLst/>
+                <a:uLnTx/>
+                <a:uFillTx/>
+                <a:latin typeface="+mj-lt"/>
+                <a:ea typeface="+mj-ea"/>
+                <a:cs typeface="+mj-cs"/>
+              </a:rPr>
+              <a:t>Continue….</a:t>
+            </a:r>
+            <a:endParaRPr kumimoji="0" lang="en-US" sz="3600" b="0" i="0" u="none" strike="noStrike" kern="1200" cap="none" spc="0" normalizeH="0" baseline="0" noProof="0" dirty="0">
+              <a:ln>
+                <a:noFill/>
+              </a:ln>
+              <a:solidFill>
+                <a:schemeClr val="tx1">
+                  <a:lumMod val="85000"/>
+                  <a:lumOff val="15000"/>
+                </a:schemeClr>
+              </a:solidFill>
+              <a:effectLst/>
+              <a:uLnTx/>
+              <a:uFillTx/>
+              <a:latin typeface="+mj-lt"/>
+              <a:ea typeface="+mj-ea"/>
+              <a:cs typeface="+mj-cs"/>
+            </a:endParaRPr>
+          </a:p>
+        </p:txBody>
+      </p:sp>
+      <p:pic>
+        <p:nvPicPr>
+          <p:cNvPr id="6" name="Picture 5" descr="bash1.png"/>
+          <p:cNvPicPr>
+            <a:picLocks noChangeAspect="1"/>
+          </p:cNvPicPr>
+          <p:nvPr/>
+        </p:nvPicPr>
+        <p:blipFill>
+          <a:blip r:embed="rId3"/>
+          <a:stretch>
+            <a:fillRect/>
+          </a:stretch>
+        </p:blipFill>
+        <p:spPr>
+          <a:xfrm>
+            <a:off x="6096000" y="1295400"/>
+            <a:ext cx="4572000" cy="2057400"/>
+          </a:xfrm>
+          <a:prstGeom prst="rect">
+            <a:avLst/>
+          </a:prstGeom>
+        </p:spPr>
+      </p:pic>
+      <p:pic>
+        <p:nvPicPr>
+          <p:cNvPr id="7" name="Picture 6" descr="bash gui.png"/>
+          <p:cNvPicPr>
+            <a:picLocks noChangeAspect="1"/>
+          </p:cNvPicPr>
+          <p:nvPr/>
+        </p:nvPicPr>
+        <p:blipFill>
+          <a:blip r:embed="rId4"/>
+          <a:stretch>
+            <a:fillRect/>
+          </a:stretch>
+        </p:blipFill>
+        <p:spPr>
+          <a:xfrm>
+            <a:off x="6172200" y="3733800"/>
+            <a:ext cx="4572000" cy="2343647"/>
           </a:xfrm>
           <a:prstGeom prst="rect">
             <a:avLst/>
@@ -11463,16 +11038,6 @@
   <p:clrMapOvr>
     <a:masterClrMapping/>
   </p:clrMapOvr>
-  <p:transition>
-    <p:wipe dir="d"/>
-  </p:transition>
-  <p:timing>
-    <p:tnLst>
-      <p:par>
-        <p:cTn id="1" dur="indefinite" restart="never" nodeType="tmRoot"/>
-      </p:par>
-    </p:tnLst>
-  </p:timing>
 </p:sld>
 </file>
 
@@ -11643,7 +11208,7 @@
           <p:cNvPr id="5" name="Picture 4">
             <a:extLst>
               <a:ext uri="{FF2B5EF4-FFF2-40B4-BE49-F238E27FC236}">
-                <a16:creationId xmlns:a16="http://schemas.microsoft.com/office/drawing/2014/main" xmlns="" id="{919EE81D-A196-3246-9A9B-D18318DF27F2}"/>
+                <a16:creationId xmlns="" xmlns:a16="http://schemas.microsoft.com/office/drawing/2014/main" id="{919EE81D-A196-3246-9A9B-D18318DF27F2}"/>
               </a:ext>
             </a:extLst>
           </p:cNvPr>
@@ -11995,7 +11560,7 @@
           <p:cNvPr id="6" name="Picture 4">
             <a:extLst>
               <a:ext uri="{FF2B5EF4-FFF2-40B4-BE49-F238E27FC236}">
-                <a16:creationId xmlns:a16="http://schemas.microsoft.com/office/drawing/2014/main" xmlns="" id="{919EE81D-A196-3246-9A9B-D18318DF27F2}"/>
+                <a16:creationId xmlns="" xmlns:a16="http://schemas.microsoft.com/office/drawing/2014/main" id="{919EE81D-A196-3246-9A9B-D18318DF27F2}"/>
               </a:ext>
             </a:extLst>
           </p:cNvPr>
@@ -12080,33 +11645,10 @@
       </p:sp>
       <p:pic>
         <p:nvPicPr>
-          <p:cNvPr id="8" name="Content Placeholder 7" descr="t3.jpg"/>
-          <p:cNvPicPr>
-            <a:picLocks noGrp="1" noChangeAspect="1"/>
-          </p:cNvPicPr>
-          <p:nvPr>
-            <p:ph idx="1"/>
-          </p:nvPr>
-        </p:nvPicPr>
-        <p:blipFill>
-          <a:blip r:embed="rId2"/>
-          <a:stretch>
-            <a:fillRect/>
-          </a:stretch>
-        </p:blipFill>
-        <p:spPr>
-          <a:xfrm>
-            <a:off x="3581400" y="1676400"/>
-            <a:ext cx="5819775" cy="4076700"/>
-          </a:xfrm>
-        </p:spPr>
-      </p:pic>
-      <p:pic>
-        <p:nvPicPr>
           <p:cNvPr id="4" name="Picture 4">
             <a:extLst>
               <a:ext uri="{FF2B5EF4-FFF2-40B4-BE49-F238E27FC236}">
-                <a16:creationId xmlns:a16="http://schemas.microsoft.com/office/drawing/2014/main" xmlns="" id="{919EE81D-A196-3246-9A9B-D18318DF27F2}"/>
+                <a16:creationId xmlns="" xmlns:a16="http://schemas.microsoft.com/office/drawing/2014/main" id="{919EE81D-A196-3246-9A9B-D18318DF27F2}"/>
               </a:ext>
             </a:extLst>
           </p:cNvPr>
@@ -12116,6 +11658,32 @@
           <p:nvPr/>
         </p:nvPicPr>
         <p:blipFill>
+          <a:blip r:embed="rId2"/>
+          <a:stretch>
+            <a:fillRect/>
+          </a:stretch>
+        </p:blipFill>
+        <p:spPr>
+          <a:xfrm>
+            <a:off x="11306371" y="157161"/>
+            <a:ext cx="623691" cy="623691"/>
+          </a:xfrm>
+          <a:prstGeom prst="rect">
+            <a:avLst/>
+          </a:prstGeom>
+        </p:spPr>
+      </p:pic>
+      <p:pic>
+        <p:nvPicPr>
+          <p:cNvPr id="6" name="Content Placeholder 5" descr="qq23.png"/>
+          <p:cNvPicPr>
+            <a:picLocks noGrp="1" noChangeAspect="1"/>
+          </p:cNvPicPr>
+          <p:nvPr>
+            <p:ph idx="1"/>
+          </p:nvPr>
+        </p:nvPicPr>
+        <p:blipFill>
           <a:blip r:embed="rId3"/>
           <a:stretch>
             <a:fillRect/>
@@ -12123,12 +11691,9 @@
         </p:blipFill>
         <p:spPr>
           <a:xfrm>
-            <a:off x="11306371" y="157161"/>
-            <a:ext cx="623691" cy="623691"/>
-          </a:xfrm>
-          <a:prstGeom prst="rect">
-            <a:avLst/>
-          </a:prstGeom>
+            <a:off x="3200400" y="1371600"/>
+            <a:ext cx="5791200" cy="4507970"/>
+          </a:xfrm>
         </p:spPr>
       </p:pic>
     </p:spTree>
@@ -12374,7 +11939,7 @@
           <p:cNvPr id="4" name="Picture 4">
             <a:extLst>
               <a:ext uri="{FF2B5EF4-FFF2-40B4-BE49-F238E27FC236}">
-                <a16:creationId xmlns:a16="http://schemas.microsoft.com/office/drawing/2014/main" xmlns="" id="{919EE81D-A196-3246-9A9B-D18318DF27F2}"/>
+                <a16:creationId xmlns="" xmlns:a16="http://schemas.microsoft.com/office/drawing/2014/main" id="{919EE81D-A196-3246-9A9B-D18318DF27F2}"/>
               </a:ext>
             </a:extLst>
           </p:cNvPr>
@@ -12467,7 +12032,7 @@
           <p:cNvPr id="4" name="Picture 4">
             <a:extLst>
               <a:ext uri="{FF2B5EF4-FFF2-40B4-BE49-F238E27FC236}">
-                <a16:creationId xmlns:a16="http://schemas.microsoft.com/office/drawing/2014/main" xmlns="" id="{919EE81D-A196-3246-9A9B-D18318DF27F2}"/>
+                <a16:creationId xmlns="" xmlns:a16="http://schemas.microsoft.com/office/drawing/2014/main" id="{919EE81D-A196-3246-9A9B-D18318DF27F2}"/>
               </a:ext>
             </a:extLst>
           </p:cNvPr>
@@ -12562,19 +12127,21 @@
         </p:nvSpPr>
         <p:spPr>
           <a:xfrm>
-            <a:off x="2514600" y="700310"/>
-            <a:ext cx="8911687" cy="747490"/>
-          </a:xfrm>
-        </p:spPr>
-        <p:txBody>
-          <a:bodyPr/>
+            <a:off x="2592925" y="624110"/>
+            <a:ext cx="8911687" cy="671290"/>
+          </a:xfrm>
+        </p:spPr>
+        <p:txBody>
+          <a:bodyPr>
+            <a:normAutofit fontScale="90000"/>
+          </a:bodyPr>
           <a:lstStyle/>
           <a:p>
             <a:r>
-              <a:rPr lang="en-US" b="1" dirty="0" smtClean="0"/>
-              <a:t>Continue….</a:t>
-            </a:r>
-            <a:endParaRPr lang="en-US" dirty="0"/>
+              <a:rPr lang="en-US" sz="4000" b="1" dirty="0" smtClean="0"/>
+              <a:t>SSH Key generation</a:t>
+            </a:r>
+            <a:endParaRPr lang="en-US" sz="4000" b="1" dirty="0"/>
           </a:p>
         </p:txBody>
       </p:sp>
@@ -12590,8 +12157,8 @@
         </p:nvSpPr>
         <p:spPr>
           <a:xfrm>
-            <a:off x="2514600" y="1752600"/>
-            <a:ext cx="8915400" cy="3352800"/>
+            <a:off x="2589212" y="1447800"/>
+            <a:ext cx="8915400" cy="4463422"/>
           </a:xfrm>
         </p:spPr>
         <p:txBody>
@@ -12599,129 +12166,67 @@
           <a:lstStyle/>
           <a:p>
             <a:r>
-              <a:rPr lang="en-US" b="1" dirty="0" smtClean="0"/>
-              <a:t>Step 6. Clone a </a:t>
-            </a:r>
-            <a:r>
-              <a:rPr lang="en-US" b="1" dirty="0" err="1" smtClean="0"/>
-              <a:t>Bitbucket</a:t>
-            </a:r>
-            <a:r>
-              <a:rPr lang="en-US" b="1" dirty="0" smtClean="0"/>
-              <a:t> repo</a:t>
+              <a:rPr lang="en-US" dirty="0" smtClean="0"/>
+              <a:t>SSH keys are  generated for making  secure  connection  with  </a:t>
+            </a:r>
+            <a:r>
+              <a:rPr lang="en-US" dirty="0" err="1" smtClean="0"/>
+              <a:t>github</a:t>
+            </a:r>
+            <a:r>
+              <a:rPr lang="en-US" dirty="0" smtClean="0"/>
+              <a:t> </a:t>
+            </a:r>
+          </a:p>
+          <a:p>
+            <a:r>
+              <a:rPr lang="en-US" dirty="0" smtClean="0"/>
+              <a:t>Two ways</a:t>
             </a:r>
           </a:p>
           <a:p>
             <a:pPr>
-              <a:buFont typeface="+mj-lt"/>
-              <a:buAutoNum type="arabicPeriod"/>
+              <a:buNone/>
             </a:pPr>
             <a:r>
               <a:rPr lang="en-US" dirty="0" smtClean="0"/>
-              <a:t>Log into </a:t>
-            </a:r>
-            <a:r>
-              <a:rPr lang="en-US" dirty="0" smtClean="0">
-                <a:hlinkClick r:id="rId2"/>
-              </a:rPr>
-              <a:t>bitbucket.org</a:t>
-            </a:r>
-            <a:endParaRPr lang="en-US" dirty="0" smtClean="0"/>
+              <a:t>     1) Using </a:t>
+            </a:r>
+            <a:r>
+              <a:rPr lang="en-US" dirty="0" err="1" smtClean="0"/>
+              <a:t>PuTTY</a:t>
+            </a:r>
+            <a:r>
+              <a:rPr lang="en-US" dirty="0" smtClean="0"/>
+              <a:t> Key generator</a:t>
+            </a:r>
           </a:p>
           <a:p>
             <a:pPr>
-              <a:buFont typeface="+mj-lt"/>
-              <a:buAutoNum type="arabicPeriod"/>
+              <a:buNone/>
             </a:pPr>
-            <a:r>
-              <a:rPr lang="en-US" dirty="0" smtClean="0"/>
-              <a:t>Go to an existing repository or create a new repository.</a:t>
-            </a:r>
-          </a:p>
-          <a:p>
-            <a:pPr>
-              <a:buFont typeface="+mj-lt"/>
-              <a:buAutoNum type="arabicPeriod"/>
-            </a:pPr>
-            <a:r>
-              <a:rPr lang="en-US" dirty="0" smtClean="0"/>
-              <a:t>Click on </a:t>
-            </a:r>
-            <a:r>
-              <a:rPr lang="en-US" b="1" dirty="0" smtClean="0"/>
-              <a:t>Clone</a:t>
-            </a:r>
-            <a:r>
-              <a:rPr lang="en-US" dirty="0" smtClean="0"/>
-              <a:t> in the side bar.</a:t>
-            </a:r>
-          </a:p>
-          <a:p>
-            <a:pPr>
-              <a:buFont typeface="+mj-lt"/>
-              <a:buAutoNum type="arabicPeriod"/>
-            </a:pPr>
-            <a:r>
-              <a:rPr lang="en-US" dirty="0" smtClean="0"/>
-              <a:t>Select </a:t>
-            </a:r>
-            <a:r>
-              <a:rPr lang="en-US" b="1" dirty="0" smtClean="0"/>
-              <a:t>SSH</a:t>
-            </a:r>
-            <a:r>
-              <a:rPr lang="en-US" dirty="0" smtClean="0"/>
-              <a:t> from the drop-down.</a:t>
-            </a:r>
-          </a:p>
-          <a:p>
-            <a:pPr>
-              <a:buFont typeface="+mj-lt"/>
-              <a:buAutoNum type="arabicPeriod"/>
-            </a:pPr>
-            <a:r>
-              <a:rPr lang="en-US" dirty="0" smtClean="0"/>
-              <a:t>You will see a text box to the right with all its text selected. </a:t>
-            </a:r>
-            <a:r>
-              <a:rPr lang="en-US" b="1" dirty="0" err="1" smtClean="0"/>
-              <a:t>git</a:t>
-            </a:r>
-            <a:r>
-              <a:rPr lang="en-US" b="1" dirty="0" smtClean="0"/>
-              <a:t> clone</a:t>
-            </a:r>
-            <a:r>
-              <a:rPr lang="en-US" dirty="0" smtClean="0"/>
-              <a:t> is a command and we don’t need that now. So, copy everything else.</a:t>
-            </a:r>
+            <a:endParaRPr lang="en-US" dirty="0"/>
           </a:p>
         </p:txBody>
       </p:sp>
       <p:pic>
         <p:nvPicPr>
-          <p:cNvPr id="4" name="Picture 4">
-            <a:extLst>
-              <a:ext uri="{FF2B5EF4-FFF2-40B4-BE49-F238E27FC236}">
-                <a16:creationId xmlns:a16="http://schemas.microsoft.com/office/drawing/2014/main" xmlns="" id="{919EE81D-A196-3246-9A9B-D18318DF27F2}"/>
-              </a:ext>
-            </a:extLst>
-          </p:cNvPr>
+          <p:cNvPr id="4" name="Picture 3" descr="qq24.png"/>
           <p:cNvPicPr>
             <a:picLocks noChangeAspect="1"/>
           </p:cNvPicPr>
           <p:nvPr/>
         </p:nvPicPr>
         <p:blipFill>
-          <a:blip r:embed="rId3"/>
+          <a:blip r:embed="rId2"/>
           <a:stretch>
             <a:fillRect/>
           </a:stretch>
         </p:blipFill>
         <p:spPr>
           <a:xfrm>
-            <a:off x="11306371" y="157161"/>
-            <a:ext cx="623691" cy="623691"/>
+            <a:off x="3657600" y="2743200"/>
+            <a:ext cx="5410200" cy="3733800"/>
           </a:xfrm>
           <a:prstGeom prst="rect">
             <a:avLst/>
@@ -12733,16 +12238,6 @@
   <p:clrMapOvr>
     <a:masterClrMapping/>
   </p:clrMapOvr>
-  <p:transition>
-    <p:wipe dir="d"/>
-  </p:transition>
-  <p:timing>
-    <p:tnLst>
-      <p:par>
-        <p:cTn id="1" dur="indefinite" restart="never" nodeType="tmRoot"/>
-      </p:par>
-    </p:tnLst>
-  </p:timing>
 </p:sld>
 </file>
 
@@ -12768,7 +12263,7 @@
           <p:cNvPr id="2" name="Title 1">
             <a:extLst>
               <a:ext uri="{FF2B5EF4-FFF2-40B4-BE49-F238E27FC236}">
-                <a16:creationId xmlns:a16="http://schemas.microsoft.com/office/drawing/2014/main" xmlns="" id="{CD215E14-9161-9B48-92E5-FE9B788C381B}"/>
+                <a16:creationId xmlns="" xmlns:a16="http://schemas.microsoft.com/office/drawing/2014/main" id="{CD215E14-9161-9B48-92E5-FE9B788C381B}"/>
               </a:ext>
             </a:extLst>
           </p:cNvPr>
@@ -12818,7 +12313,7 @@
           <p:cNvPr id="3" name="Content Placeholder 2">
             <a:extLst>
               <a:ext uri="{FF2B5EF4-FFF2-40B4-BE49-F238E27FC236}">
-                <a16:creationId xmlns:a16="http://schemas.microsoft.com/office/drawing/2014/main" xmlns="" id="{FDD0E421-9E3A-5349-80D9-5EC20E4655AC}"/>
+                <a16:creationId xmlns="" xmlns:a16="http://schemas.microsoft.com/office/drawing/2014/main" id="{FDD0E421-9E3A-5349-80D9-5EC20E4655AC}"/>
               </a:ext>
             </a:extLst>
           </p:cNvPr>
@@ -13079,7 +12574,7 @@
           <p:cNvPr id="4" name="Picture 4">
             <a:extLst>
               <a:ext uri="{FF2B5EF4-FFF2-40B4-BE49-F238E27FC236}">
-                <a16:creationId xmlns:a16="http://schemas.microsoft.com/office/drawing/2014/main" xmlns="" id="{919EE81D-A196-3246-9A9B-D18318DF27F2}"/>
+                <a16:creationId xmlns="" xmlns:a16="http://schemas.microsoft.com/office/drawing/2014/main" id="{919EE81D-A196-3246-9A9B-D18318DF27F2}"/>
               </a:ext>
             </a:extLst>
           </p:cNvPr>
@@ -13107,7 +12602,7 @@
     </p:spTree>
     <p:extLst>
       <p:ext uri="{BB962C8B-B14F-4D97-AF65-F5344CB8AC3E}">
-        <p14:creationId xmlns:p14="http://schemas.microsoft.com/office/powerpoint/2010/main" xmlns="" val="618808843"/>
+        <p14:creationId xmlns="" xmlns:p14="http://schemas.microsoft.com/office/powerpoint/2010/main" val="618808843"/>
       </p:ext>
     </p:extLst>
   </p:cSld>
@@ -13157,7 +12652,7 @@
         <p:spPr>
           <a:xfrm>
             <a:off x="2592925" y="624110"/>
-            <a:ext cx="8911687" cy="823690"/>
+            <a:ext cx="8911687" cy="671290"/>
           </a:xfrm>
         </p:spPr>
         <p:txBody>
@@ -13165,7 +12660,7 @@
           <a:lstStyle/>
           <a:p>
             <a:r>
-              <a:rPr lang="en-US" b="1" dirty="0" smtClean="0"/>
+              <a:rPr lang="en-US" b="1" smtClean="0"/>
               <a:t>Continue….</a:t>
             </a:r>
             <a:endParaRPr lang="en-US" dirty="0"/>
@@ -13184,8 +12679,8 @@
         </p:nvSpPr>
         <p:spPr>
           <a:xfrm>
-            <a:off x="2589212" y="1447800"/>
-            <a:ext cx="8915400" cy="4463422"/>
+            <a:off x="2589212" y="1295400"/>
+            <a:ext cx="8915400" cy="4615822"/>
           </a:xfrm>
         </p:spPr>
         <p:txBody>
@@ -13193,122 +12688,31 @@
           <a:lstStyle/>
           <a:p>
             <a:pPr>
-              <a:buFont typeface="+mj-lt"/>
-              <a:buAutoNum type="arabicPeriod" startAt="6"/>
+              <a:buNone/>
             </a:pPr>
             <a:r>
               <a:rPr lang="en-US" dirty="0" smtClean="0"/>
-              <a:t>If you paste the copied text to your favorite text editor, it should look something like the following:</a:t>
-            </a:r>
-            <a:br>
+              <a:t> 2) using commands</a:t>
+            </a:r>
+          </a:p>
+          <a:p>
+            <a:pPr>
+              <a:buNone/>
+            </a:pPr>
+            <a:r>
               <a:rPr lang="en-US" dirty="0" smtClean="0"/>
-            </a:br>
-            <a:r>
-              <a:rPr lang="en-US" dirty="0" err="1" smtClean="0"/>
-              <a:t>git@bitbucket.org:svanas</a:t>
-            </a:r>
-            <a:r>
-              <a:rPr lang="en-US" dirty="0" smtClean="0"/>
-              <a:t>/sample-repository.git</a:t>
-            </a:r>
-            <a:br>
-              <a:rPr lang="en-US" dirty="0" smtClean="0"/>
-            </a:br>
-            <a:r>
-              <a:rPr lang="en-US" dirty="0" smtClean="0"/>
-              <a:t>This is our clone URL. Note that there’s no </a:t>
-            </a:r>
-            <a:r>
-              <a:rPr lang="en-US" b="1" dirty="0" err="1" smtClean="0"/>
-              <a:t>git</a:t>
-            </a:r>
-            <a:r>
-              <a:rPr lang="en-US" b="1" dirty="0" smtClean="0"/>
-              <a:t> clone</a:t>
-            </a:r>
-            <a:r>
-              <a:rPr lang="en-US" dirty="0" smtClean="0"/>
-              <a:t> command in it. If you accidentally included that, copy again WITHOUT it. Some parts will be different for you because you will have a different username and repository name.</a:t>
+              <a:t>  </a:t>
             </a:r>
           </a:p>
           <a:p>
             <a:pPr>
-              <a:buFont typeface="+mj-lt"/>
-              <a:buAutoNum type="arabicPeriod" startAt="6"/>
+              <a:buNone/>
             </a:pPr>
-            <a:r>
-              <a:rPr lang="en-US" dirty="0" smtClean="0"/>
-              <a:t>Right-click on your desktop and select </a:t>
-            </a:r>
-            <a:r>
-              <a:rPr lang="en-US" b="1" dirty="0" err="1" smtClean="0"/>
-              <a:t>Git</a:t>
-            </a:r>
-            <a:r>
-              <a:rPr lang="en-US" b="1" dirty="0" smtClean="0"/>
-              <a:t> Clone…</a:t>
-            </a:r>
-            <a:r>
-              <a:rPr lang="en-US" dirty="0" smtClean="0"/>
-              <a:t> from the context menu.</a:t>
-            </a:r>
+            <a:endParaRPr lang="en-US" dirty="0" smtClean="0"/>
           </a:p>
           <a:p>
             <a:pPr>
-              <a:buFont typeface="+mj-lt"/>
-              <a:buAutoNum type="arabicPeriod" startAt="6"/>
-            </a:pPr>
-            <a:r>
-              <a:rPr lang="en-US" dirty="0" smtClean="0"/>
-              <a:t>The following window will appear. Paste the copied clone URL in the text box </a:t>
-            </a:r>
-            <a:r>
-              <a:rPr lang="en-US" dirty="0" err="1" smtClean="0"/>
-              <a:t>labelled</a:t>
-            </a:r>
-            <a:r>
-              <a:rPr lang="en-US" dirty="0" smtClean="0"/>
-              <a:t> </a:t>
-            </a:r>
-            <a:r>
-              <a:rPr lang="en-US" b="1" dirty="0" smtClean="0"/>
-              <a:t>URL</a:t>
-            </a:r>
-            <a:r>
-              <a:rPr lang="en-US" dirty="0" smtClean="0"/>
-              <a:t> and then click on </a:t>
-            </a:r>
-            <a:r>
-              <a:rPr lang="en-US" b="1" dirty="0" smtClean="0"/>
-              <a:t>OK</a:t>
-            </a:r>
-            <a:r>
-              <a:rPr lang="en-US" dirty="0" smtClean="0"/>
-              <a:t>.</a:t>
-            </a:r>
-          </a:p>
-          <a:p>
-            <a:pPr>
-              <a:buFont typeface="+mj-lt"/>
-              <a:buAutoNum type="arabicPeriod" startAt="6"/>
-            </a:pPr>
-            <a:r>
-              <a:rPr lang="en-US" dirty="0" smtClean="0"/>
-              <a:t>If everything went fine, you should see a blue success message at the bottom in </a:t>
-            </a:r>
-            <a:r>
-              <a:rPr lang="en-US" dirty="0" err="1" smtClean="0"/>
-              <a:t>TortoiseGit</a:t>
-            </a:r>
-            <a:r>
-              <a:rPr lang="en-US" dirty="0" smtClean="0"/>
-              <a:t> once the cloning is complete.</a:t>
-            </a:r>
-          </a:p>
-          <a:p>
-            <a:pPr>
-              <a:buFont typeface="+mj-lt"/>
-              <a:buAutoNum type="arabicPeriod" startAt="6"/>
+              <a:buNone/>
             </a:pPr>
             <a:endParaRPr lang="en-US" dirty="0"/>
           </a:p>
@@ -13316,13 +12720,7 @@
       </p:sp>
       <p:pic>
         <p:nvPicPr>
-          <p:cNvPr id="4" name="Picture 4">
-            <a:extLst>
-              <a:ext uri="{FF2B5EF4-FFF2-40B4-BE49-F238E27FC236}">
-                <a16:creationId xmlns:a16="http://schemas.microsoft.com/office/drawing/2014/main" xmlns="" id="{919EE81D-A196-3246-9A9B-D18318DF27F2}"/>
-              </a:ext>
-            </a:extLst>
-          </p:cNvPr>
+          <p:cNvPr id="7" name="Picture 6" descr="keycommand1.jpg"/>
           <p:cNvPicPr>
             <a:picLocks noChangeAspect="1"/>
           </p:cNvPicPr>
@@ -13336,8 +12734,8 @@
         </p:blipFill>
         <p:spPr>
           <a:xfrm>
-            <a:off x="11306371" y="157161"/>
-            <a:ext cx="623691" cy="623691"/>
+            <a:off x="3143250" y="1952625"/>
+            <a:ext cx="6915150" cy="3762375"/>
           </a:xfrm>
           <a:prstGeom prst="rect">
             <a:avLst/>
@@ -13349,16 +12747,6 @@
   <p:clrMapOvr>
     <a:masterClrMapping/>
   </p:clrMapOvr>
-  <p:transition>
-    <p:wipe dir="d"/>
-  </p:transition>
-  <p:timing>
-    <p:tnLst>
-      <p:par>
-        <p:cTn id="1" dur="indefinite" restart="never" nodeType="tmRoot"/>
-      </p:par>
-    </p:tnLst>
-  </p:timing>
 </p:sld>
 </file>
 
@@ -13381,62 +12769,156 @@
       </p:grpSpPr>
       <p:sp>
         <p:nvSpPr>
-          <p:cNvPr id="5" name="Title 1"/>
-          <p:cNvSpPr txBox="1">
-            <a:spLocks/>
-          </p:cNvSpPr>
-          <p:nvPr/>
-        </p:nvSpPr>
-        <p:spPr>
-          <a:xfrm>
-            <a:off x="2590800" y="533400"/>
-            <a:ext cx="8911687" cy="823690"/>
-          </a:xfrm>
-          <a:prstGeom prst="rect">
-            <a:avLst/>
-          </a:prstGeom>
-        </p:spPr>
-        <p:txBody>
-          <a:bodyPr vert="horz" lIns="91440" tIns="45720" rIns="91440" bIns="45720" rtlCol="0" anchor="t">
-            <a:normAutofit/>
-          </a:bodyPr>
+          <p:cNvPr id="2" name="Title 1"/>
+          <p:cNvSpPr>
+            <a:spLocks noGrp="1"/>
+          </p:cNvSpPr>
+          <p:nvPr>
+            <p:ph type="title"/>
+          </p:nvPr>
+        </p:nvSpPr>
+        <p:spPr>
+          <a:xfrm>
+            <a:off x="2514600" y="700310"/>
+            <a:ext cx="8911687" cy="747490"/>
+          </a:xfrm>
+        </p:spPr>
+        <p:txBody>
+          <a:bodyPr/>
           <a:lstStyle/>
           <a:p>
-            <a:pPr lvl="0">
-              <a:spcBef>
-                <a:spcPct val="0"/>
-              </a:spcBef>
+            <a:r>
+              <a:rPr lang="en-US" b="1" dirty="0" smtClean="0"/>
+              <a:t>Continue….</a:t>
+            </a:r>
+            <a:endParaRPr lang="en-US" dirty="0"/>
+          </a:p>
+        </p:txBody>
+      </p:sp>
+      <p:sp>
+        <p:nvSpPr>
+          <p:cNvPr id="3" name="Content Placeholder 2"/>
+          <p:cNvSpPr>
+            <a:spLocks noGrp="1"/>
+          </p:cNvSpPr>
+          <p:nvPr>
+            <p:ph idx="1"/>
+          </p:nvPr>
+        </p:nvSpPr>
+        <p:spPr>
+          <a:xfrm>
+            <a:off x="2514600" y="1752600"/>
+            <a:ext cx="8915400" cy="3352800"/>
+          </a:xfrm>
+        </p:spPr>
+        <p:txBody>
+          <a:bodyPr/>
+          <a:lstStyle/>
+          <a:p>
+            <a:r>
+              <a:rPr lang="en-US" b="1" dirty="0" smtClean="0"/>
+              <a:t>Step 6. Clone a </a:t>
+            </a:r>
+            <a:r>
+              <a:rPr lang="en-US" b="1" dirty="0" err="1" smtClean="0"/>
+              <a:t>GitHub</a:t>
+            </a:r>
+            <a:r>
+              <a:rPr lang="en-US" b="1" dirty="0" smtClean="0"/>
+              <a:t> repo</a:t>
+            </a:r>
+          </a:p>
+          <a:p>
+            <a:pPr>
+              <a:buFont typeface="+mj-lt"/>
+              <a:buAutoNum type="arabicPeriod"/>
             </a:pPr>
             <a:r>
-              <a:rPr lang="en-US" sz="3600" b="1" dirty="0" smtClean="0"/>
-              <a:t>Continue….</a:t>
-            </a:r>
-            <a:endParaRPr kumimoji="0" lang="en-US" sz="3600" b="0" i="0" u="none" strike="noStrike" kern="1200" cap="none" spc="0" normalizeH="0" baseline="0" noProof="0" dirty="0">
-              <a:ln>
-                <a:noFill/>
-              </a:ln>
-              <a:solidFill>
-                <a:schemeClr val="tx1">
-                  <a:lumMod val="85000"/>
-                  <a:lumOff val="15000"/>
-                </a:schemeClr>
-              </a:solidFill>
-              <a:effectLst/>
-              <a:uLnTx/>
-              <a:uFillTx/>
-              <a:latin typeface="+mj-lt"/>
-              <a:ea typeface="+mj-ea"/>
-              <a:cs typeface="+mj-cs"/>
-            </a:endParaRPr>
+              <a:rPr lang="en-US" dirty="0" smtClean="0"/>
+              <a:t>Log into </a:t>
+            </a:r>
+            <a:r>
+              <a:rPr lang="en-US" dirty="0" err="1" smtClean="0"/>
+              <a:t>Github</a:t>
+            </a:r>
+            <a:endParaRPr lang="en-US" dirty="0" smtClean="0"/>
+          </a:p>
+          <a:p>
+            <a:pPr>
+              <a:buFont typeface="+mj-lt"/>
+              <a:buAutoNum type="arabicPeriod"/>
+            </a:pPr>
+            <a:r>
+              <a:rPr lang="en-US" dirty="0" smtClean="0"/>
+              <a:t>Go to an existing repository or create a new repository.</a:t>
+            </a:r>
+          </a:p>
+          <a:p>
+            <a:pPr>
+              <a:buFont typeface="+mj-lt"/>
+              <a:buAutoNum type="arabicPeriod"/>
+            </a:pPr>
+            <a:r>
+              <a:rPr lang="en-US" dirty="0" smtClean="0"/>
+              <a:t>Click on </a:t>
+            </a:r>
+            <a:r>
+              <a:rPr lang="en-US" b="1" dirty="0" smtClean="0"/>
+              <a:t>Clone</a:t>
+            </a:r>
+            <a:r>
+              <a:rPr lang="en-US" dirty="0" smtClean="0"/>
+              <a:t> in the side bar.</a:t>
+            </a:r>
+          </a:p>
+          <a:p>
+            <a:pPr>
+              <a:buFont typeface="+mj-lt"/>
+              <a:buAutoNum type="arabicPeriod"/>
+            </a:pPr>
+            <a:r>
+              <a:rPr lang="en-US" dirty="0" smtClean="0"/>
+              <a:t>Select </a:t>
+            </a:r>
+            <a:r>
+              <a:rPr lang="en-US" b="1" dirty="0" smtClean="0"/>
+              <a:t>SSH</a:t>
+            </a:r>
+            <a:r>
+              <a:rPr lang="en-US" dirty="0" smtClean="0"/>
+              <a:t> from the drop-down.</a:t>
+            </a:r>
+          </a:p>
+          <a:p>
+            <a:pPr>
+              <a:buFont typeface="+mj-lt"/>
+              <a:buAutoNum type="arabicPeriod"/>
+            </a:pPr>
+            <a:r>
+              <a:rPr lang="en-US" dirty="0" smtClean="0"/>
+              <a:t>You will see a text box to the right with all its text selected. </a:t>
+            </a:r>
+            <a:r>
+              <a:rPr lang="en-US" b="1" dirty="0" err="1" smtClean="0"/>
+              <a:t>git</a:t>
+            </a:r>
+            <a:r>
+              <a:rPr lang="en-US" b="1" dirty="0" smtClean="0"/>
+              <a:t> clone</a:t>
+            </a:r>
+            <a:r>
+              <a:rPr lang="en-US" dirty="0" smtClean="0"/>
+              <a:t> is a command and we don’t need that now. So, copy everything else.</a:t>
+            </a:r>
           </a:p>
         </p:txBody>
       </p:sp>
       <p:pic>
         <p:nvPicPr>
-          <p:cNvPr id="6" name="Picture 4">
+          <p:cNvPr id="4" name="Picture 4">
             <a:extLst>
               <a:ext uri="{FF2B5EF4-FFF2-40B4-BE49-F238E27FC236}">
-                <a16:creationId xmlns:a16="http://schemas.microsoft.com/office/drawing/2014/main" xmlns="" id="{919EE81D-A196-3246-9A9B-D18318DF27F2}"/>
+                <a16:creationId xmlns="" xmlns:a16="http://schemas.microsoft.com/office/drawing/2014/main" id="{919EE81D-A196-3246-9A9B-D18318DF27F2}"/>
               </a:ext>
             </a:extLst>
           </p:cNvPr>
@@ -13455,30 +12937,6 @@
           <a:xfrm>
             <a:off x="11306371" y="157161"/>
             <a:ext cx="623691" cy="623691"/>
-          </a:xfrm>
-          <a:prstGeom prst="rect">
-            <a:avLst/>
-          </a:prstGeom>
-        </p:spPr>
-      </p:pic>
-      <p:pic>
-        <p:nvPicPr>
-          <p:cNvPr id="9" name="Picture 8" descr="q3.jpg"/>
-          <p:cNvPicPr>
-            <a:picLocks noChangeAspect="1"/>
-          </p:cNvPicPr>
-          <p:nvPr/>
-        </p:nvPicPr>
-        <p:blipFill>
-          <a:blip r:embed="rId3"/>
-          <a:stretch>
-            <a:fillRect/>
-          </a:stretch>
-        </p:blipFill>
-        <p:spPr>
-          <a:xfrm>
-            <a:off x="3200400" y="1219200"/>
-            <a:ext cx="6529980" cy="4667682"/>
           </a:xfrm>
           <a:prstGeom prst="rect">
             <a:avLst/>
@@ -13522,7 +12980,7 @@
       </p:grpSpPr>
       <p:sp>
         <p:nvSpPr>
-          <p:cNvPr id="4" name="Title 1"/>
+          <p:cNvPr id="2" name="Title 1"/>
           <p:cNvSpPr>
             <a:spLocks noGrp="1"/>
           </p:cNvSpPr>
@@ -13533,29 +12991,169 @@
         <p:spPr>
           <a:xfrm>
             <a:off x="2592925" y="624110"/>
-            <a:ext cx="8911687" cy="747490"/>
-          </a:xfrm>
-        </p:spPr>
-        <p:txBody>
-          <a:bodyPr>
-            <a:normAutofit/>
-          </a:bodyPr>
+            <a:ext cx="8911687" cy="823690"/>
+          </a:xfrm>
+        </p:spPr>
+        <p:txBody>
+          <a:bodyPr/>
           <a:lstStyle/>
           <a:p>
             <a:r>
-              <a:rPr lang="en-US" sz="4000" b="1" dirty="0" smtClean="0"/>
+              <a:rPr lang="en-US" b="1" dirty="0" smtClean="0"/>
               <a:t>Continue….</a:t>
             </a:r>
-            <a:endParaRPr lang="en-US" sz="4000" dirty="0"/>
+            <a:endParaRPr lang="en-US" dirty="0"/>
+          </a:p>
+        </p:txBody>
+      </p:sp>
+      <p:sp>
+        <p:nvSpPr>
+          <p:cNvPr id="3" name="Content Placeholder 2"/>
+          <p:cNvSpPr>
+            <a:spLocks noGrp="1"/>
+          </p:cNvSpPr>
+          <p:nvPr>
+            <p:ph idx="1"/>
+          </p:nvPr>
+        </p:nvSpPr>
+        <p:spPr>
+          <a:xfrm>
+            <a:off x="2589212" y="1447800"/>
+            <a:ext cx="8915400" cy="4463422"/>
+          </a:xfrm>
+        </p:spPr>
+        <p:txBody>
+          <a:bodyPr/>
+          <a:lstStyle/>
+          <a:p>
+            <a:pPr>
+              <a:buFont typeface="+mj-lt"/>
+              <a:buAutoNum type="arabicPeriod" startAt="6"/>
+            </a:pPr>
+            <a:r>
+              <a:rPr lang="en-US" dirty="0" smtClean="0"/>
+              <a:t>If you paste the copied text to your favorite text editor, it should look something like the following:</a:t>
+            </a:r>
+            <a:br>
+              <a:rPr lang="en-US" dirty="0" smtClean="0"/>
+            </a:br>
+            <a:r>
+              <a:rPr lang="en-US" dirty="0" err="1" smtClean="0"/>
+              <a:t>git@bitbucket.org:svanas</a:t>
+            </a:r>
+            <a:r>
+              <a:rPr lang="en-US" dirty="0" smtClean="0"/>
+              <a:t>/sample-repository.git</a:t>
+            </a:r>
+            <a:br>
+              <a:rPr lang="en-US" dirty="0" smtClean="0"/>
+            </a:br>
+            <a:r>
+              <a:rPr lang="en-US" dirty="0" smtClean="0"/>
+              <a:t>This is our clone URL. Note that there’s no </a:t>
+            </a:r>
+            <a:r>
+              <a:rPr lang="en-US" b="1" dirty="0" err="1" smtClean="0"/>
+              <a:t>git</a:t>
+            </a:r>
+            <a:r>
+              <a:rPr lang="en-US" b="1" dirty="0" smtClean="0"/>
+              <a:t> clone</a:t>
+            </a:r>
+            <a:r>
+              <a:rPr lang="en-US" dirty="0" smtClean="0"/>
+              <a:t> command in it. If you accidentally included that, copy again WITHOUT it. Some parts will be different for you because you will have a different username and repository name.</a:t>
+            </a:r>
+          </a:p>
+          <a:p>
+            <a:pPr>
+              <a:buFont typeface="+mj-lt"/>
+              <a:buAutoNum type="arabicPeriod" startAt="6"/>
+            </a:pPr>
+            <a:r>
+              <a:rPr lang="en-US" dirty="0" smtClean="0"/>
+              <a:t>Right-click on your desktop and select </a:t>
+            </a:r>
+            <a:r>
+              <a:rPr lang="en-US" b="1" dirty="0" err="1" smtClean="0"/>
+              <a:t>Git</a:t>
+            </a:r>
+            <a:r>
+              <a:rPr lang="en-US" b="1" dirty="0" smtClean="0"/>
+              <a:t> Clone…</a:t>
+            </a:r>
+            <a:r>
+              <a:rPr lang="en-US" dirty="0" smtClean="0"/>
+              <a:t> from the context menu.</a:t>
+            </a:r>
+          </a:p>
+          <a:p>
+            <a:pPr>
+              <a:buFont typeface="+mj-lt"/>
+              <a:buAutoNum type="arabicPeriod" startAt="6"/>
+            </a:pPr>
+            <a:r>
+              <a:rPr lang="en-US" dirty="0" smtClean="0"/>
+              <a:t>The following window will appear. Paste the copied clone URL in the text box </a:t>
+            </a:r>
+            <a:r>
+              <a:rPr lang="en-US" dirty="0" err="1" smtClean="0"/>
+              <a:t>labelled</a:t>
+            </a:r>
+            <a:r>
+              <a:rPr lang="en-US" dirty="0" smtClean="0"/>
+              <a:t> </a:t>
+            </a:r>
+            <a:r>
+              <a:rPr lang="en-US" b="1" dirty="0" smtClean="0"/>
+              <a:t>URL</a:t>
+            </a:r>
+            <a:r>
+              <a:rPr lang="en-US" dirty="0" smtClean="0"/>
+              <a:t> and then click on </a:t>
+            </a:r>
+            <a:r>
+              <a:rPr lang="en-US" b="1" dirty="0" smtClean="0"/>
+              <a:t>OK</a:t>
+            </a:r>
+            <a:r>
+              <a:rPr lang="en-US" dirty="0" smtClean="0"/>
+              <a:t>.</a:t>
+            </a:r>
+          </a:p>
+          <a:p>
+            <a:pPr>
+              <a:buFont typeface="+mj-lt"/>
+              <a:buAutoNum type="arabicPeriod" startAt="6"/>
+            </a:pPr>
+            <a:r>
+              <a:rPr lang="en-US" dirty="0" smtClean="0"/>
+              <a:t>If everything went fine, you should see a blue success message at the bottom in </a:t>
+            </a:r>
+            <a:r>
+              <a:rPr lang="en-US" dirty="0" err="1" smtClean="0"/>
+              <a:t>TortoiseGit</a:t>
+            </a:r>
+            <a:r>
+              <a:rPr lang="en-US" dirty="0" smtClean="0"/>
+              <a:t> once the cloning is complete.</a:t>
+            </a:r>
+          </a:p>
+          <a:p>
+            <a:pPr>
+              <a:buFont typeface="+mj-lt"/>
+              <a:buAutoNum type="arabicPeriod" startAt="6"/>
+            </a:pPr>
+            <a:endParaRPr lang="en-US" dirty="0"/>
           </a:p>
         </p:txBody>
       </p:sp>
       <p:pic>
         <p:nvPicPr>
-          <p:cNvPr id="6" name="Picture 4">
+          <p:cNvPr id="4" name="Picture 4">
             <a:extLst>
               <a:ext uri="{FF2B5EF4-FFF2-40B4-BE49-F238E27FC236}">
-                <a16:creationId xmlns:a16="http://schemas.microsoft.com/office/drawing/2014/main" xmlns="" id="{919EE81D-A196-3246-9A9B-D18318DF27F2}"/>
+                <a16:creationId xmlns="" xmlns:a16="http://schemas.microsoft.com/office/drawing/2014/main" id="{919EE81D-A196-3246-9A9B-D18318DF27F2}"/>
               </a:ext>
             </a:extLst>
           </p:cNvPr>
@@ -13574,30 +13172,6 @@
           <a:xfrm>
             <a:off x="11306371" y="157161"/>
             <a:ext cx="623691" cy="623691"/>
-          </a:xfrm>
-          <a:prstGeom prst="rect">
-            <a:avLst/>
-          </a:prstGeom>
-        </p:spPr>
-      </p:pic>
-      <p:pic>
-        <p:nvPicPr>
-          <p:cNvPr id="7" name="Content Placeholder 3" descr="t7.jpg"/>
-          <p:cNvPicPr>
-            <a:picLocks noChangeAspect="1"/>
-          </p:cNvPicPr>
-          <p:nvPr/>
-        </p:nvPicPr>
-        <p:blipFill>
-          <a:blip r:embed="rId3"/>
-          <a:stretch>
-            <a:fillRect/>
-          </a:stretch>
-        </p:blipFill>
-        <p:spPr>
-          <a:xfrm>
-            <a:off x="3962400" y="1524000"/>
-            <a:ext cx="5900031" cy="4084637"/>
           </a:xfrm>
           <a:prstGeom prst="rect">
             <a:avLst/>
@@ -13641,173 +13215,62 @@
       </p:grpSpPr>
       <p:sp>
         <p:nvSpPr>
-          <p:cNvPr id="2" name="Title 1"/>
-          <p:cNvSpPr>
-            <a:spLocks noGrp="1"/>
-          </p:cNvSpPr>
-          <p:nvPr>
-            <p:ph type="title"/>
-          </p:nvPr>
-        </p:nvSpPr>
-        <p:spPr>
-          <a:xfrm>
-            <a:off x="2592925" y="624110"/>
-            <a:ext cx="8911687" cy="747490"/>
-          </a:xfrm>
-        </p:spPr>
-        <p:txBody>
-          <a:bodyPr>
+          <p:cNvPr id="5" name="Title 1"/>
+          <p:cNvSpPr txBox="1">
+            <a:spLocks/>
+          </p:cNvSpPr>
+          <p:nvPr/>
+        </p:nvSpPr>
+        <p:spPr>
+          <a:xfrm>
+            <a:off x="2590800" y="533400"/>
+            <a:ext cx="8911687" cy="823690"/>
+          </a:xfrm>
+          <a:prstGeom prst="rect">
+            <a:avLst/>
+          </a:prstGeom>
+        </p:spPr>
+        <p:txBody>
+          <a:bodyPr vert="horz" lIns="91440" tIns="45720" rIns="91440" bIns="45720" rtlCol="0" anchor="t">
             <a:normAutofit/>
           </a:bodyPr>
           <a:lstStyle/>
           <a:p>
-            <a:r>
-              <a:rPr lang="en-US" sz="4000" b="1" dirty="0" smtClean="0">
-                <a:solidFill>
-                  <a:schemeClr val="tx1">
-                    <a:lumMod val="75000"/>
-                    <a:lumOff val="25000"/>
-                  </a:schemeClr>
-                </a:solidFill>
-              </a:rPr>
-              <a:t>Conclusion</a:t>
-            </a:r>
-            <a:endParaRPr lang="en-US" sz="4000" b="1" dirty="0">
+            <a:pPr lvl="0">
+              <a:spcBef>
+                <a:spcPct val="0"/>
+              </a:spcBef>
+            </a:pPr>
+            <a:r>
+              <a:rPr lang="en-US" sz="3600" b="1" dirty="0" smtClean="0"/>
+              <a:t>Continue….</a:t>
+            </a:r>
+            <a:endParaRPr kumimoji="0" lang="en-US" sz="3600" b="0" i="0" u="none" strike="noStrike" kern="1200" cap="none" spc="0" normalizeH="0" baseline="0" noProof="0" dirty="0">
+              <a:ln>
+                <a:noFill/>
+              </a:ln>
               <a:solidFill>
                 <a:schemeClr val="tx1">
-                  <a:lumMod val="75000"/>
-                  <a:lumOff val="25000"/>
+                  <a:lumMod val="85000"/>
+                  <a:lumOff val="15000"/>
                 </a:schemeClr>
               </a:solidFill>
+              <a:effectLst/>
+              <a:uLnTx/>
+              <a:uFillTx/>
+              <a:latin typeface="+mj-lt"/>
+              <a:ea typeface="+mj-ea"/>
+              <a:cs typeface="+mj-cs"/>
             </a:endParaRPr>
-          </a:p>
-        </p:txBody>
-      </p:sp>
-      <p:sp>
-        <p:nvSpPr>
-          <p:cNvPr id="3" name="Content Placeholder 2"/>
-          <p:cNvSpPr>
-            <a:spLocks noGrp="1"/>
-          </p:cNvSpPr>
-          <p:nvPr>
-            <p:ph idx="1"/>
-          </p:nvPr>
-        </p:nvSpPr>
-        <p:spPr>
-          <a:xfrm>
-            <a:off x="2589212" y="1524000"/>
-            <a:ext cx="8915400" cy="4387222"/>
-          </a:xfrm>
-        </p:spPr>
-        <p:txBody>
-          <a:bodyPr/>
-          <a:lstStyle/>
-          <a:p>
-            <a:r>
-              <a:rPr lang="en-US" dirty="0" smtClean="0"/>
-              <a:t>Version Control System (</a:t>
-            </a:r>
-            <a:r>
-              <a:rPr lang="en-US" b="1" dirty="0" smtClean="0"/>
-              <a:t>VCS</a:t>
-            </a:r>
-            <a:r>
-              <a:rPr lang="en-US" dirty="0" smtClean="0"/>
-              <a:t>) is a software that helps software developers to work together and maintain a complete history of their work.</a:t>
-            </a:r>
-          </a:p>
-          <a:p>
-            <a:r>
-              <a:rPr lang="en-US" dirty="0" smtClean="0"/>
-              <a:t> Two types of VCS:</a:t>
-            </a:r>
-          </a:p>
-          <a:p>
-            <a:pPr>
-              <a:buNone/>
-            </a:pPr>
-            <a:r>
-              <a:rPr lang="en-US" dirty="0" smtClean="0"/>
-              <a:t>            Centralized version control system (CVCS).</a:t>
-            </a:r>
-          </a:p>
-          <a:p>
-            <a:pPr>
-              <a:buNone/>
-            </a:pPr>
-            <a:r>
-              <a:rPr lang="en-US" dirty="0" smtClean="0"/>
-              <a:t>            Distributed/Decentralized version control system (DVCS).</a:t>
-            </a:r>
-          </a:p>
-          <a:p>
-            <a:r>
-              <a:rPr lang="en-GB" dirty="0" smtClean="0"/>
-              <a:t>Most widely used modern version  control system  in the world  today  is Git.</a:t>
-            </a:r>
-          </a:p>
-          <a:p>
-            <a:r>
-              <a:rPr lang="en-GB" dirty="0" smtClean="0"/>
-              <a:t>GitHub.com is a site for online storage of git repositories.</a:t>
-            </a:r>
-          </a:p>
-          <a:p>
-            <a:r>
-              <a:rPr lang="en-US" b="1" dirty="0" err="1" smtClean="0"/>
-              <a:t>Bitbucket</a:t>
-            </a:r>
-            <a:r>
-              <a:rPr lang="en-US" dirty="0" smtClean="0"/>
-              <a:t> is a web-based hosting service, </a:t>
-            </a:r>
-            <a:r>
-              <a:rPr lang="en-US" dirty="0" err="1" smtClean="0"/>
-              <a:t>Bitbucket</a:t>
-            </a:r>
-            <a:r>
-              <a:rPr lang="en-US" dirty="0" smtClean="0"/>
-              <a:t>, you get unlimited private repositories, and they are free for small teams of 5.</a:t>
-            </a:r>
-          </a:p>
-          <a:p>
-            <a:r>
-              <a:rPr lang="en-GB" dirty="0" smtClean="0"/>
-              <a:t> Tortoise git is</a:t>
-            </a:r>
-            <a:r>
-              <a:rPr lang="en-GB" smtClean="0"/>
-              <a:t>, Free </a:t>
-            </a:r>
-            <a:r>
-              <a:rPr lang="en-GB" dirty="0" smtClean="0"/>
-              <a:t>Open source  client  for git Version control system</a:t>
-            </a:r>
-            <a:endParaRPr lang="en-US" dirty="0" smtClean="0"/>
-          </a:p>
-          <a:p>
-            <a:endParaRPr lang="en-GB" dirty="0" smtClean="0"/>
-          </a:p>
-          <a:p>
-            <a:endParaRPr lang="en-GB" dirty="0" smtClean="0"/>
-          </a:p>
-          <a:p>
-            <a:endParaRPr lang="en-US" dirty="0" smtClean="0"/>
-          </a:p>
-          <a:p>
-            <a:pPr>
-              <a:buNone/>
-            </a:pPr>
-            <a:endParaRPr lang="en-US" dirty="0"/>
           </a:p>
         </p:txBody>
       </p:sp>
       <p:pic>
         <p:nvPicPr>
-          <p:cNvPr id="4" name="Picture 4">
+          <p:cNvPr id="6" name="Picture 4">
             <a:extLst>
               <a:ext uri="{FF2B5EF4-FFF2-40B4-BE49-F238E27FC236}">
-                <a16:creationId xmlns:a16="http://schemas.microsoft.com/office/drawing/2014/main" xmlns="" id="{919EE81D-A196-3246-9A9B-D18318DF27F2}"/>
+                <a16:creationId xmlns="" xmlns:a16="http://schemas.microsoft.com/office/drawing/2014/main" id="{919EE81D-A196-3246-9A9B-D18318DF27F2}"/>
               </a:ext>
             </a:extLst>
           </p:cNvPr>
@@ -13826,6 +13289,30 @@
           <a:xfrm>
             <a:off x="11306371" y="157161"/>
             <a:ext cx="623691" cy="623691"/>
+          </a:xfrm>
+          <a:prstGeom prst="rect">
+            <a:avLst/>
+          </a:prstGeom>
+        </p:spPr>
+      </p:pic>
+      <p:pic>
+        <p:nvPicPr>
+          <p:cNvPr id="9" name="Picture 8" descr="q3.jpg"/>
+          <p:cNvPicPr>
+            <a:picLocks noChangeAspect="1"/>
+          </p:cNvPicPr>
+          <p:nvPr/>
+        </p:nvPicPr>
+        <p:blipFill>
+          <a:blip r:embed="rId3"/>
+          <a:stretch>
+            <a:fillRect/>
+          </a:stretch>
+        </p:blipFill>
+        <p:spPr>
+          <a:xfrm>
+            <a:off x="3200400" y="1219200"/>
+            <a:ext cx="6529980" cy="4667682"/>
           </a:xfrm>
           <a:prstGeom prst="rect">
             <a:avLst/>
@@ -13869,111 +13356,40 @@
       </p:grpSpPr>
       <p:sp>
         <p:nvSpPr>
-          <p:cNvPr id="3" name="Content Placeholder 2">
+          <p:cNvPr id="4" name="Title 1"/>
+          <p:cNvSpPr>
+            <a:spLocks noGrp="1"/>
+          </p:cNvSpPr>
+          <p:nvPr>
+            <p:ph type="title"/>
+          </p:nvPr>
+        </p:nvSpPr>
+        <p:spPr>
+          <a:xfrm>
+            <a:off x="2592925" y="624110"/>
+            <a:ext cx="8911687" cy="747490"/>
+          </a:xfrm>
+        </p:spPr>
+        <p:txBody>
+          <a:bodyPr>
+            <a:normAutofit/>
+          </a:bodyPr>
+          <a:lstStyle/>
+          <a:p>
+            <a:r>
+              <a:rPr lang="en-US" sz="4000" b="1" dirty="0" smtClean="0"/>
+              <a:t>Continue….</a:t>
+            </a:r>
+            <a:endParaRPr lang="en-US" sz="4000" dirty="0"/>
+          </a:p>
+        </p:txBody>
+      </p:sp>
+      <p:pic>
+        <p:nvPicPr>
+          <p:cNvPr id="6" name="Picture 4">
             <a:extLst>
               <a:ext uri="{FF2B5EF4-FFF2-40B4-BE49-F238E27FC236}">
-                <a16:creationId xmlns:a16="http://schemas.microsoft.com/office/drawing/2014/main" xmlns="" id="{2A982857-83D7-354C-8F48-1BE630907818}"/>
-              </a:ext>
-            </a:extLst>
-          </p:cNvPr>
-          <p:cNvSpPr>
-            <a:spLocks noGrp="1"/>
-          </p:cNvSpPr>
-          <p:nvPr>
-            <p:ph idx="1"/>
-          </p:nvPr>
-        </p:nvSpPr>
-        <p:spPr>
-          <a:xfrm>
-            <a:off x="2517774" y="1204912"/>
-            <a:ext cx="8915400" cy="3777622"/>
-          </a:xfrm>
-        </p:spPr>
-        <p:txBody>
-          <a:bodyPr/>
-          <a:lstStyle/>
-          <a:p>
-            <a:pPr marL="0" indent="0">
-              <a:buNone/>
-            </a:pPr>
-            <a:r>
-              <a:rPr lang="en-GB" dirty="0"/>
-              <a:t>   </a:t>
-            </a:r>
-          </a:p>
-          <a:p>
-            <a:pPr marL="0" indent="0">
-              <a:buNone/>
-            </a:pPr>
-            <a:endParaRPr lang="en-GB" dirty="0"/>
-          </a:p>
-          <a:p>
-            <a:pPr marL="0" indent="0">
-              <a:buNone/>
-            </a:pPr>
-            <a:endParaRPr lang="en-GB" dirty="0"/>
-          </a:p>
-          <a:p>
-            <a:pPr marL="0" indent="0">
-              <a:buNone/>
-            </a:pPr>
-            <a:endParaRPr lang="en-GB" dirty="0"/>
-          </a:p>
-          <a:p>
-            <a:pPr marL="0" indent="0">
-              <a:buNone/>
-            </a:pPr>
-            <a:r>
-              <a:rPr lang="en-GB" sz="5400" b="1">
-                <a:solidFill>
-                  <a:schemeClr val="accent2"/>
-                </a:solidFill>
-              </a:rPr>
-              <a:t>             </a:t>
-            </a:r>
-            <a:r>
-              <a:rPr lang="en-GB" sz="5400" b="1" smtClean="0">
-                <a:solidFill>
-                  <a:schemeClr val="accent2"/>
-                </a:solidFill>
-              </a:rPr>
-              <a:t>Thank </a:t>
-            </a:r>
-            <a:r>
-              <a:rPr lang="en-GB" sz="5400" b="1">
-                <a:solidFill>
-                  <a:schemeClr val="accent2"/>
-                </a:solidFill>
-              </a:rPr>
-              <a:t>you. </a:t>
-            </a:r>
-          </a:p>
-          <a:p>
-            <a:pPr marL="0" indent="0">
-              <a:buNone/>
-            </a:pPr>
-            <a:endParaRPr lang="en-GB" dirty="0"/>
-          </a:p>
-          <a:p>
-            <a:pPr marL="0" indent="0">
-              <a:buNone/>
-            </a:pPr>
-            <a:endParaRPr lang="en-GB" dirty="0"/>
-          </a:p>
-          <a:p>
-            <a:pPr marL="0" indent="0">
-              <a:buNone/>
-            </a:pPr>
-            <a:endParaRPr lang="en-US" dirty="0"/>
-          </a:p>
-        </p:txBody>
-      </p:sp>
-      <p:pic>
-        <p:nvPicPr>
-          <p:cNvPr id="4" name="Picture 4">
-            <a:extLst>
-              <a:ext uri="{FF2B5EF4-FFF2-40B4-BE49-F238E27FC236}">
-                <a16:creationId xmlns:a16="http://schemas.microsoft.com/office/drawing/2014/main" xmlns="" id="{919EE81D-A196-3246-9A9B-D18318DF27F2}"/>
+                <a16:creationId xmlns="" xmlns:a16="http://schemas.microsoft.com/office/drawing/2014/main" id="{919EE81D-A196-3246-9A9B-D18318DF27F2}"/>
               </a:ext>
             </a:extLst>
           </p:cNvPr>
@@ -13998,12 +13414,31 @@
           </a:prstGeom>
         </p:spPr>
       </p:pic>
+      <p:pic>
+        <p:nvPicPr>
+          <p:cNvPr id="7" name="Content Placeholder 3" descr="t7.jpg"/>
+          <p:cNvPicPr>
+            <a:picLocks noChangeAspect="1"/>
+          </p:cNvPicPr>
+          <p:nvPr/>
+        </p:nvPicPr>
+        <p:blipFill>
+          <a:blip r:embed="rId3"/>
+          <a:stretch>
+            <a:fillRect/>
+          </a:stretch>
+        </p:blipFill>
+        <p:spPr>
+          <a:xfrm>
+            <a:off x="3962400" y="1524000"/>
+            <a:ext cx="5900031" cy="4084637"/>
+          </a:xfrm>
+          <a:prstGeom prst="rect">
+            <a:avLst/>
+          </a:prstGeom>
+        </p:spPr>
+      </p:pic>
     </p:spTree>
-    <p:extLst>
-      <p:ext uri="{BB962C8B-B14F-4D97-AF65-F5344CB8AC3E}">
-        <p14:creationId xmlns:p14="http://schemas.microsoft.com/office/powerpoint/2010/main" xmlns="" val="1641204213"/>
-      </p:ext>
-    </p:extLst>
   </p:cSld>
   <p:clrMapOvr>
     <a:masterClrMapping/>
@@ -14061,14 +13496,24 @@
           <a:lstStyle/>
           <a:p>
             <a:r>
-              <a:rPr lang="en-US" sz="4000" b="1" dirty="0" err="1" smtClean="0"/>
-              <a:t>Github</a:t>
-            </a:r>
-            <a:r>
-              <a:rPr lang="en-US" sz="4000" b="1" dirty="0" smtClean="0"/>
-              <a:t> account creation</a:t>
-            </a:r>
-            <a:endParaRPr lang="en-US" sz="4000" b="1" dirty="0"/>
+              <a:rPr lang="en-US" sz="4000" b="1" dirty="0" smtClean="0">
+                <a:solidFill>
+                  <a:schemeClr val="tx1">
+                    <a:lumMod val="75000"/>
+                    <a:lumOff val="25000"/>
+                  </a:schemeClr>
+                </a:solidFill>
+              </a:rPr>
+              <a:t>Conclusion</a:t>
+            </a:r>
+            <a:endParaRPr lang="en-US" sz="4000" b="1" dirty="0">
+              <a:solidFill>
+                <a:schemeClr val="tx1">
+                  <a:lumMod val="75000"/>
+                  <a:lumOff val="25000"/>
+                </a:schemeClr>
+              </a:solidFill>
+            </a:endParaRPr>
           </a:p>
         </p:txBody>
       </p:sp>
@@ -14084,8 +13529,8 @@
         </p:nvSpPr>
         <p:spPr>
           <a:xfrm>
-            <a:off x="2589212" y="1447800"/>
-            <a:ext cx="8915400" cy="4463422"/>
+            <a:off x="2589212" y="1524000"/>
+            <a:ext cx="8915400" cy="4387222"/>
           </a:xfrm>
         </p:spPr>
         <p:txBody>
@@ -14094,55 +13539,127 @@
           <a:p>
             <a:r>
               <a:rPr lang="en-US" dirty="0" smtClean="0"/>
-              <a:t>Go </a:t>
+              <a:t>Version Control System (</a:t>
+            </a:r>
+            <a:r>
+              <a:rPr lang="en-US" b="1" dirty="0" smtClean="0"/>
+              <a:t>VCS</a:t>
             </a:r>
             <a:r>
               <a:rPr lang="en-US" dirty="0" smtClean="0"/>
-              <a:t>to link : </a:t>
-            </a:r>
-            <a:r>
-              <a:rPr lang="en-US" dirty="0" smtClean="0">
-                <a:hlinkClick r:id="rId2"/>
-              </a:rPr>
-              <a:t>https://github.com</a:t>
-            </a:r>
-            <a:r>
-              <a:rPr lang="en-US" dirty="0" smtClean="0">
-                <a:hlinkClick r:id="rId2"/>
-              </a:rPr>
-              <a:t>/</a:t>
+              <a:t>) is a software that helps software developers to work together and maintain a complete history of their work.</a:t>
+            </a:r>
+          </a:p>
+          <a:p>
+            <a:r>
+              <a:rPr lang="en-US" dirty="0" smtClean="0"/>
+              <a:t> Two types of VCS:</a:t>
+            </a:r>
+          </a:p>
+          <a:p>
+            <a:pPr>
+              <a:buNone/>
+            </a:pPr>
+            <a:r>
+              <a:rPr lang="en-US" dirty="0" smtClean="0"/>
+              <a:t>            Centralized version control system (CVCS).</a:t>
+            </a:r>
+          </a:p>
+          <a:p>
+            <a:pPr>
+              <a:buNone/>
+            </a:pPr>
+            <a:r>
+              <a:rPr lang="en-US" dirty="0" smtClean="0"/>
+              <a:t>            Distributed/Decentralized version control system (DVCS).</a:t>
+            </a:r>
+          </a:p>
+          <a:p>
+            <a:r>
+              <a:rPr lang="en-GB" dirty="0" smtClean="0"/>
+              <a:t>Most widely used modern version  control system  in the world  today  is Git.</a:t>
+            </a:r>
+          </a:p>
+          <a:p>
+            <a:r>
+              <a:rPr lang="en-GB" dirty="0" smtClean="0"/>
+              <a:t>GitHub.com is a site for online storage of git repositories.</a:t>
+            </a:r>
+          </a:p>
+          <a:p>
+            <a:r>
+              <a:rPr lang="en-US" b="1" dirty="0" err="1" smtClean="0"/>
+              <a:t>Bitbucket</a:t>
+            </a:r>
+            <a:r>
+              <a:rPr lang="en-US" dirty="0" smtClean="0"/>
+              <a:t> is a web-based hosting service, </a:t>
+            </a:r>
+            <a:r>
+              <a:rPr lang="en-US" dirty="0" err="1" smtClean="0"/>
+              <a:t>Bitbucket</a:t>
+            </a:r>
+            <a:r>
+              <a:rPr lang="en-US" dirty="0" smtClean="0"/>
+              <a:t>, you get unlimited private repositories, and they are free for small teams of 5.</a:t>
+            </a:r>
+          </a:p>
+          <a:p>
+            <a:r>
+              <a:rPr lang="en-GB" dirty="0" smtClean="0"/>
+              <a:t> Tortoise git is</a:t>
+            </a:r>
+            <a:r>
+              <a:rPr lang="en-GB" smtClean="0"/>
+              <a:t>, Free </a:t>
+            </a:r>
+            <a:r>
+              <a:rPr lang="en-GB" dirty="0" smtClean="0"/>
+              <a:t>Open source  client  for git Version control system</a:t>
             </a:r>
             <a:endParaRPr lang="en-US" dirty="0" smtClean="0"/>
           </a:p>
           <a:p>
-            <a:r>
-              <a:rPr lang="en-US" dirty="0" smtClean="0"/>
-              <a:t>Provide username ,e-mail and a password  for creating account</a:t>
-            </a:r>
+            <a:endParaRPr lang="en-GB" dirty="0" smtClean="0"/>
+          </a:p>
+          <a:p>
+            <a:endParaRPr lang="en-GB" dirty="0" smtClean="0"/>
           </a:p>
           <a:p>
             <a:endParaRPr lang="en-US" dirty="0" smtClean="0"/>
+          </a:p>
+          <a:p>
+            <a:pPr>
+              <a:buNone/>
+            </a:pPr>
+            <a:endParaRPr lang="en-US" dirty="0"/>
           </a:p>
         </p:txBody>
       </p:sp>
       <p:pic>
         <p:nvPicPr>
-          <p:cNvPr id="4" name="Picture 3" descr="Untitled.png"/>
+          <p:cNvPr id="4" name="Picture 4">
+            <a:extLst>
+              <a:ext uri="{FF2B5EF4-FFF2-40B4-BE49-F238E27FC236}">
+                <a16:creationId xmlns="" xmlns:a16="http://schemas.microsoft.com/office/drawing/2014/main" id="{919EE81D-A196-3246-9A9B-D18318DF27F2}"/>
+              </a:ext>
+            </a:extLst>
+          </p:cNvPr>
           <p:cNvPicPr>
             <a:picLocks noChangeAspect="1"/>
           </p:cNvPicPr>
           <p:nvPr/>
         </p:nvPicPr>
         <p:blipFill>
-          <a:blip r:embed="rId3"/>
+          <a:blip r:embed="rId2"/>
           <a:stretch>
             <a:fillRect/>
           </a:stretch>
         </p:blipFill>
         <p:spPr>
           <a:xfrm>
-            <a:off x="2819400" y="2362200"/>
-            <a:ext cx="7467600" cy="3786587"/>
+            <a:off x="11306371" y="157161"/>
+            <a:ext cx="623691" cy="623691"/>
           </a:xfrm>
           <a:prstGeom prst="rect">
             <a:avLst/>
@@ -14154,6 +13671,16 @@
   <p:clrMapOvr>
     <a:masterClrMapping/>
   </p:clrMapOvr>
+  <p:transition>
+    <p:wipe dir="d"/>
+  </p:transition>
+  <p:timing>
+    <p:tnLst>
+      <p:par>
+        <p:cTn id="1" dur="indefinite" restart="never" nodeType="tmRoot"/>
+      </p:par>
+    </p:tnLst>
+  </p:timing>
 </p:sld>
 </file>
 
@@ -14176,74 +13703,114 @@
       </p:grpSpPr>
       <p:sp>
         <p:nvSpPr>
-          <p:cNvPr id="2" name="Title 1"/>
+          <p:cNvPr id="3" name="Content Placeholder 2">
+            <a:extLst>
+              <a:ext uri="{FF2B5EF4-FFF2-40B4-BE49-F238E27FC236}">
+                <a16:creationId xmlns="" xmlns:a16="http://schemas.microsoft.com/office/drawing/2014/main" id="{2A982857-83D7-354C-8F48-1BE630907818}"/>
+              </a:ext>
+            </a:extLst>
+          </p:cNvPr>
           <p:cNvSpPr>
             <a:spLocks noGrp="1"/>
           </p:cNvSpPr>
           <p:nvPr>
-            <p:ph type="title"/>
-          </p:nvPr>
-        </p:nvSpPr>
-        <p:spPr>
-          <a:xfrm>
-            <a:off x="2592925" y="624110"/>
-            <a:ext cx="8911687" cy="823690"/>
+            <p:ph idx="1"/>
+          </p:nvPr>
+        </p:nvSpPr>
+        <p:spPr>
+          <a:xfrm>
+            <a:off x="2517774" y="1204912"/>
+            <a:ext cx="8915400" cy="3777622"/>
           </a:xfrm>
         </p:spPr>
         <p:txBody>
           <a:bodyPr/>
           <a:lstStyle/>
           <a:p>
-            <a:r>
-              <a:rPr lang="en-US" b="1" dirty="0" smtClean="0"/>
-              <a:t>Continue….</a:t>
-            </a:r>
-            <a:endParaRPr lang="en-US" dirty="0"/>
-          </a:p>
-        </p:txBody>
-      </p:sp>
-      <p:sp>
-        <p:nvSpPr>
-          <p:cNvPr id="3" name="Content Placeholder 2"/>
-          <p:cNvSpPr>
-            <a:spLocks noGrp="1"/>
-          </p:cNvSpPr>
-          <p:nvPr>
-            <p:ph idx="1"/>
-          </p:nvPr>
-        </p:nvSpPr>
-        <p:spPr>
-          <a:xfrm>
-            <a:off x="2589212" y="1371600"/>
-            <a:ext cx="8915400" cy="4539622"/>
-          </a:xfrm>
-        </p:spPr>
-        <p:txBody>
-          <a:bodyPr/>
-          <a:lstStyle/>
-          <a:p>
-            <a:r>
-              <a:rPr lang="en-US" dirty="0" smtClean="0"/>
-              <a:t>Sign in to </a:t>
-            </a:r>
-            <a:r>
-              <a:rPr lang="en-US" dirty="0" err="1" smtClean="0"/>
-              <a:t>GitHub</a:t>
-            </a:r>
-            <a:endParaRPr lang="en-US" dirty="0" smtClean="0"/>
-          </a:p>
-          <a:p>
-            <a:r>
-              <a:rPr lang="en-US" dirty="0" smtClean="0"/>
-              <a:t>You can create repositories there</a:t>
-            </a:r>
+            <a:pPr marL="0" indent="0">
+              <a:buNone/>
+            </a:pPr>
+            <a:r>
+              <a:rPr lang="en-GB" dirty="0"/>
+              <a:t>   </a:t>
+            </a:r>
+          </a:p>
+          <a:p>
+            <a:pPr marL="0" indent="0">
+              <a:buNone/>
+            </a:pPr>
+            <a:endParaRPr lang="en-GB" dirty="0"/>
+          </a:p>
+          <a:p>
+            <a:pPr marL="0" indent="0">
+              <a:buNone/>
+            </a:pPr>
+            <a:endParaRPr lang="en-GB" dirty="0"/>
+          </a:p>
+          <a:p>
+            <a:pPr marL="0" indent="0">
+              <a:buNone/>
+            </a:pPr>
+            <a:endParaRPr lang="en-GB" dirty="0"/>
+          </a:p>
+          <a:p>
+            <a:pPr marL="0" indent="0">
+              <a:buNone/>
+            </a:pPr>
+            <a:r>
+              <a:rPr lang="en-GB" sz="5400" b="1">
+                <a:solidFill>
+                  <a:schemeClr val="accent2"/>
+                </a:solidFill>
+              </a:rPr>
+              <a:t>             </a:t>
+            </a:r>
+            <a:r>
+              <a:rPr lang="en-GB" sz="5400" b="1" smtClean="0">
+                <a:solidFill>
+                  <a:schemeClr val="accent2"/>
+                </a:solidFill>
+              </a:rPr>
+              <a:t>Thank </a:t>
+            </a:r>
+            <a:r>
+              <a:rPr lang="en-GB" sz="5400" b="1">
+                <a:solidFill>
+                  <a:schemeClr val="accent2"/>
+                </a:solidFill>
+              </a:rPr>
+              <a:t>you. </a:t>
+            </a:r>
+          </a:p>
+          <a:p>
+            <a:pPr marL="0" indent="0">
+              <a:buNone/>
+            </a:pPr>
+            <a:endParaRPr lang="en-GB" dirty="0"/>
+          </a:p>
+          <a:p>
+            <a:pPr marL="0" indent="0">
+              <a:buNone/>
+            </a:pPr>
+            <a:endParaRPr lang="en-GB" dirty="0"/>
+          </a:p>
+          <a:p>
+            <a:pPr marL="0" indent="0">
+              <a:buNone/>
+            </a:pPr>
             <a:endParaRPr lang="en-US" dirty="0"/>
           </a:p>
         </p:txBody>
       </p:sp>
       <p:pic>
         <p:nvPicPr>
-          <p:cNvPr id="4" name="Picture 3" descr="Untitled2.png"/>
+          <p:cNvPr id="4" name="Picture 4">
+            <a:extLst>
+              <a:ext uri="{FF2B5EF4-FFF2-40B4-BE49-F238E27FC236}">
+                <a16:creationId xmlns="" xmlns:a16="http://schemas.microsoft.com/office/drawing/2014/main" id="{919EE81D-A196-3246-9A9B-D18318DF27F2}"/>
+              </a:ext>
+            </a:extLst>
+          </p:cNvPr>
           <p:cNvPicPr>
             <a:picLocks noChangeAspect="1"/>
           </p:cNvPicPr>
@@ -14257,8 +13824,8 @@
         </p:blipFill>
         <p:spPr>
           <a:xfrm>
-            <a:off x="2438400" y="2286000"/>
-            <a:ext cx="8954165" cy="2972783"/>
+            <a:off x="11306371" y="157161"/>
+            <a:ext cx="623691" cy="623691"/>
           </a:xfrm>
           <a:prstGeom prst="rect">
             <a:avLst/>
@@ -14266,510 +13833,25 @@
         </p:spPr>
       </p:pic>
     </p:spTree>
+    <p:extLst>
+      <p:ext uri="{BB962C8B-B14F-4D97-AF65-F5344CB8AC3E}">
+        <p14:creationId xmlns="" xmlns:p14="http://schemas.microsoft.com/office/powerpoint/2010/main" val="1641204213"/>
+      </p:ext>
+    </p:extLst>
   </p:cSld>
   <p:clrMapOvr>
     <a:masterClrMapping/>
   </p:clrMapOvr>
-</p:sld>
-</file>
-
-<file path=ppt/slides/slide37.xml><?xml version="1.0" encoding="utf-8"?>
-<p:sld xmlns:a="http://schemas.openxmlformats.org/drawingml/2006/main" xmlns:r="http://schemas.openxmlformats.org/officeDocument/2006/relationships" xmlns:p="http://schemas.openxmlformats.org/presentationml/2006/main">
-  <p:cSld>
-    <p:spTree>
-      <p:nvGrpSpPr>
-        <p:cNvPr id="1" name=""/>
-        <p:cNvGrpSpPr/>
-        <p:nvPr/>
-      </p:nvGrpSpPr>
-      <p:grpSpPr>
-        <a:xfrm>
-          <a:off x="0" y="0"/>
-          <a:ext cx="0" cy="0"/>
-          <a:chOff x="0" y="0"/>
-          <a:chExt cx="0" cy="0"/>
-        </a:xfrm>
-      </p:grpSpPr>
-      <p:sp>
-        <p:nvSpPr>
-          <p:cNvPr id="2" name="Title 1"/>
-          <p:cNvSpPr>
-            <a:spLocks noGrp="1"/>
-          </p:cNvSpPr>
-          <p:nvPr>
-            <p:ph type="title"/>
-          </p:nvPr>
-        </p:nvSpPr>
-        <p:spPr>
-          <a:xfrm>
-            <a:off x="2592925" y="624110"/>
-            <a:ext cx="8911687" cy="823690"/>
-          </a:xfrm>
-        </p:spPr>
-        <p:txBody>
-          <a:bodyPr>
-            <a:normAutofit/>
-          </a:bodyPr>
-          <a:lstStyle/>
-          <a:p>
-            <a:r>
-              <a:rPr lang="en-US" sz="4000" b="1" dirty="0" smtClean="0"/>
-              <a:t>Install </a:t>
-            </a:r>
-            <a:r>
-              <a:rPr lang="en-US" sz="4000" b="1" dirty="0" err="1" smtClean="0"/>
-              <a:t>Git</a:t>
-            </a:r>
-            <a:endParaRPr lang="en-US" sz="4000" b="1" dirty="0"/>
-          </a:p>
-        </p:txBody>
-      </p:sp>
-      <p:sp>
-        <p:nvSpPr>
-          <p:cNvPr id="3" name="Content Placeholder 2"/>
-          <p:cNvSpPr>
-            <a:spLocks noGrp="1"/>
-          </p:cNvSpPr>
-          <p:nvPr>
-            <p:ph idx="1"/>
-          </p:nvPr>
-        </p:nvSpPr>
-        <p:spPr>
-          <a:xfrm>
-            <a:off x="2589212" y="1447800"/>
-            <a:ext cx="8915400" cy="5105400"/>
-          </a:xfrm>
-        </p:spPr>
-        <p:txBody>
-          <a:bodyPr/>
-          <a:lstStyle/>
-          <a:p>
-            <a:r>
-              <a:rPr lang="en-US" dirty="0" smtClean="0"/>
-              <a:t>Go to  </a:t>
-            </a:r>
-            <a:r>
-              <a:rPr lang="en-US" dirty="0" err="1" smtClean="0"/>
-              <a:t>url</a:t>
-            </a:r>
-            <a:r>
-              <a:rPr lang="en-US" dirty="0" smtClean="0"/>
-              <a:t> : </a:t>
-            </a:r>
-            <a:r>
-              <a:rPr lang="en-US" dirty="0" smtClean="0">
-                <a:hlinkClick r:id="rId2"/>
-              </a:rPr>
-              <a:t>https</a:t>
-            </a:r>
-            <a:r>
-              <a:rPr lang="en-US" dirty="0" smtClean="0">
-                <a:hlinkClick r:id="rId2"/>
-              </a:rPr>
-              <a:t>://</a:t>
-            </a:r>
-            <a:r>
-              <a:rPr lang="en-US" dirty="0" smtClean="0">
-                <a:hlinkClick r:id="rId2"/>
-              </a:rPr>
-              <a:t>git-scm.com/download/win</a:t>
-            </a:r>
-            <a:endParaRPr lang="en-US" dirty="0" smtClean="0"/>
-          </a:p>
-          <a:p>
-            <a:r>
-              <a:rPr lang="en-US" dirty="0" smtClean="0"/>
-              <a:t>Download </a:t>
-            </a:r>
-            <a:r>
-              <a:rPr lang="en-US" dirty="0" err="1" smtClean="0"/>
-              <a:t>git</a:t>
-            </a:r>
-            <a:r>
-              <a:rPr lang="en-US" dirty="0" smtClean="0"/>
-              <a:t>  for your windows .current version  2.15.0</a:t>
-            </a:r>
-          </a:p>
-          <a:p>
-            <a:r>
-              <a:rPr lang="en-US" dirty="0" smtClean="0"/>
-              <a:t>Install </a:t>
-            </a:r>
-            <a:r>
-              <a:rPr lang="en-US" dirty="0" err="1" smtClean="0"/>
-              <a:t>git</a:t>
-            </a:r>
-            <a:r>
-              <a:rPr lang="en-US" dirty="0" smtClean="0"/>
-              <a:t>   on your system</a:t>
-            </a:r>
-          </a:p>
-          <a:p>
-            <a:endParaRPr lang="en-US" dirty="0"/>
-          </a:p>
-        </p:txBody>
-      </p:sp>
-      <p:pic>
-        <p:nvPicPr>
-          <p:cNvPr id="4" name="Picture 3" descr="Untitled22.png"/>
-          <p:cNvPicPr>
-            <a:picLocks noChangeAspect="1"/>
-          </p:cNvPicPr>
-          <p:nvPr/>
-        </p:nvPicPr>
-        <p:blipFill>
-          <a:blip r:embed="rId3"/>
-          <a:stretch>
-            <a:fillRect/>
-          </a:stretch>
-        </p:blipFill>
-        <p:spPr>
-          <a:xfrm>
-            <a:off x="3200400" y="2743200"/>
-            <a:ext cx="4867955" cy="3762900"/>
-          </a:xfrm>
-          <a:prstGeom prst="rect">
-            <a:avLst/>
-          </a:prstGeom>
-        </p:spPr>
-      </p:pic>
-    </p:spTree>
-  </p:cSld>
-  <p:clrMapOvr>
-    <a:masterClrMapping/>
-  </p:clrMapOvr>
-</p:sld>
-</file>
-
-<file path=ppt/slides/slide38.xml><?xml version="1.0" encoding="utf-8"?>
-<p:sld xmlns:a="http://schemas.openxmlformats.org/drawingml/2006/main" xmlns:r="http://schemas.openxmlformats.org/officeDocument/2006/relationships" xmlns:p="http://schemas.openxmlformats.org/presentationml/2006/main">
-  <p:cSld>
-    <p:spTree>
-      <p:nvGrpSpPr>
-        <p:cNvPr id="1" name=""/>
-        <p:cNvGrpSpPr/>
-        <p:nvPr/>
-      </p:nvGrpSpPr>
-      <p:grpSpPr>
-        <a:xfrm>
-          <a:off x="0" y="0"/>
-          <a:ext cx="0" cy="0"/>
-          <a:chOff x="0" y="0"/>
-          <a:chExt cx="0" cy="0"/>
-        </a:xfrm>
-      </p:grpSpPr>
-      <p:pic>
-        <p:nvPicPr>
-          <p:cNvPr id="4" name="Content Placeholder 3" descr="Untitled23.png"/>
-          <p:cNvPicPr>
-            <a:picLocks noGrp="1" noChangeAspect="1"/>
-          </p:cNvPicPr>
-          <p:nvPr>
-            <p:ph idx="1"/>
-          </p:nvPr>
-        </p:nvPicPr>
-        <p:blipFill>
-          <a:blip r:embed="rId2"/>
-          <a:stretch>
-            <a:fillRect/>
-          </a:stretch>
-        </p:blipFill>
-        <p:spPr>
-          <a:xfrm>
-            <a:off x="2514600" y="1600200"/>
-            <a:ext cx="4572000" cy="4136148"/>
-          </a:xfrm>
-        </p:spPr>
-      </p:pic>
-      <p:pic>
-        <p:nvPicPr>
-          <p:cNvPr id="5" name="Picture 4" descr="Untitled24.png"/>
-          <p:cNvPicPr>
-            <a:picLocks noChangeAspect="1"/>
-          </p:cNvPicPr>
-          <p:nvPr/>
-        </p:nvPicPr>
-        <p:blipFill>
-          <a:blip r:embed="rId3"/>
-          <a:stretch>
-            <a:fillRect/>
-          </a:stretch>
-        </p:blipFill>
-        <p:spPr>
-          <a:xfrm>
-            <a:off x="7266898" y="1642537"/>
-            <a:ext cx="4391702" cy="4072463"/>
-          </a:xfrm>
-          <a:prstGeom prst="rect">
-            <a:avLst/>
-          </a:prstGeom>
-        </p:spPr>
-      </p:pic>
-      <p:sp>
-        <p:nvSpPr>
-          <p:cNvPr id="8" name="Title 1"/>
-          <p:cNvSpPr txBox="1">
-            <a:spLocks noGrp="1"/>
-          </p:cNvSpPr>
-          <p:nvPr>
-            <p:ph type="title"/>
-          </p:nvPr>
-        </p:nvSpPr>
-        <p:spPr>
-          <a:xfrm>
-            <a:off x="2592925" y="624110"/>
-            <a:ext cx="8911687" cy="747490"/>
-          </a:xfrm>
-          <a:prstGeom prst="rect">
-            <a:avLst/>
-          </a:prstGeom>
-        </p:spPr>
-        <p:txBody>
-          <a:bodyPr vert="horz" lIns="91440" tIns="45720" rIns="91440" bIns="45720" rtlCol="0" anchor="t">
-            <a:normAutofit/>
-          </a:bodyPr>
-          <a:lstStyle/>
-          <a:p>
-            <a:pPr marL="0" marR="0" lvl="0" indent="0" algn="l" defTabSz="457200" rtl="0" eaLnBrk="1" fontAlgn="auto" latinLnBrk="0" hangingPunct="1">
-              <a:lnSpc>
-                <a:spcPct val="100000"/>
-              </a:lnSpc>
-              <a:spcBef>
-                <a:spcPct val="0"/>
-              </a:spcBef>
-              <a:spcAft>
-                <a:spcPts val="0"/>
-              </a:spcAft>
-              <a:buClrTx/>
-              <a:buSzTx/>
-              <a:buFontTx/>
-              <a:buNone/>
-              <a:tabLst/>
-              <a:defRPr/>
-            </a:pPr>
-            <a:r>
-              <a:rPr kumimoji="0" lang="en-US" sz="3600" b="1" i="0" u="none" strike="noStrike" kern="1200" cap="none" spc="0" normalizeH="0" baseline="0" noProof="0" dirty="0" smtClean="0">
-                <a:ln>
-                  <a:noFill/>
-                </a:ln>
-                <a:solidFill>
-                  <a:schemeClr val="tx1">
-                    <a:lumMod val="85000"/>
-                    <a:lumOff val="15000"/>
-                  </a:schemeClr>
-                </a:solidFill>
-                <a:effectLst/>
-                <a:uLnTx/>
-                <a:uFillTx/>
-                <a:latin typeface="+mj-lt"/>
-                <a:ea typeface="+mj-ea"/>
-                <a:cs typeface="+mj-cs"/>
-              </a:rPr>
-              <a:t>Continue….</a:t>
-            </a:r>
-            <a:endParaRPr kumimoji="0" lang="en-US" sz="3600" b="0" i="0" u="none" strike="noStrike" kern="1200" cap="none" spc="0" normalizeH="0" baseline="0" noProof="0" dirty="0">
-              <a:ln>
-                <a:noFill/>
-              </a:ln>
-              <a:solidFill>
-                <a:schemeClr val="tx1">
-                  <a:lumMod val="85000"/>
-                  <a:lumOff val="15000"/>
-                </a:schemeClr>
-              </a:solidFill>
-              <a:effectLst/>
-              <a:uLnTx/>
-              <a:uFillTx/>
-              <a:latin typeface="+mj-lt"/>
-              <a:ea typeface="+mj-ea"/>
-              <a:cs typeface="+mj-cs"/>
-            </a:endParaRPr>
-          </a:p>
-        </p:txBody>
-      </p:sp>
-    </p:spTree>
-  </p:cSld>
-  <p:clrMapOvr>
-    <a:masterClrMapping/>
-  </p:clrMapOvr>
-</p:sld>
-</file>
-
-<file path=ppt/slides/slide39.xml><?xml version="1.0" encoding="utf-8"?>
-<p:sld xmlns:a="http://schemas.openxmlformats.org/drawingml/2006/main" xmlns:r="http://schemas.openxmlformats.org/officeDocument/2006/relationships" xmlns:p="http://schemas.openxmlformats.org/presentationml/2006/main">
-  <p:cSld>
-    <p:spTree>
-      <p:nvGrpSpPr>
-        <p:cNvPr id="1" name=""/>
-        <p:cNvGrpSpPr/>
-        <p:nvPr/>
-      </p:nvGrpSpPr>
-      <p:grpSpPr>
-        <a:xfrm>
-          <a:off x="0" y="0"/>
-          <a:ext cx="0" cy="0"/>
-          <a:chOff x="0" y="0"/>
-          <a:chExt cx="0" cy="0"/>
-        </a:xfrm>
-      </p:grpSpPr>
-      <p:pic>
-        <p:nvPicPr>
-          <p:cNvPr id="5" name="Content Placeholder 4" descr="m.png"/>
-          <p:cNvPicPr>
-            <a:picLocks noGrp="1" noChangeAspect="1"/>
-          </p:cNvPicPr>
-          <p:nvPr>
-            <p:ph idx="1"/>
-          </p:nvPr>
-        </p:nvPicPr>
-        <p:blipFill>
-          <a:blip r:embed="rId2"/>
-          <a:stretch>
-            <a:fillRect/>
-          </a:stretch>
-        </p:blipFill>
-        <p:spPr>
-          <a:xfrm>
-            <a:off x="2971800" y="1803138"/>
-            <a:ext cx="2248214" cy="3753374"/>
-          </a:xfrm>
-        </p:spPr>
-      </p:pic>
-      <p:sp>
-        <p:nvSpPr>
-          <p:cNvPr id="4" name="Title 1"/>
-          <p:cNvSpPr txBox="1">
-            <a:spLocks noGrp="1"/>
-          </p:cNvSpPr>
-          <p:nvPr>
-            <p:ph type="title"/>
-          </p:nvPr>
-        </p:nvSpPr>
-        <p:spPr>
-          <a:xfrm>
-            <a:off x="2592925" y="624110"/>
-            <a:ext cx="8911687" cy="823690"/>
-          </a:xfrm>
-          <a:prstGeom prst="rect">
-            <a:avLst/>
-          </a:prstGeom>
-        </p:spPr>
-        <p:txBody>
-          <a:bodyPr vert="horz" lIns="91440" tIns="45720" rIns="91440" bIns="45720" rtlCol="0" anchor="t">
-            <a:normAutofit/>
-          </a:bodyPr>
-          <a:lstStyle/>
-          <a:p>
-            <a:pPr marL="0" marR="0" lvl="0" indent="0" algn="l" defTabSz="457200" rtl="0" eaLnBrk="1" fontAlgn="auto" latinLnBrk="0" hangingPunct="1">
-              <a:lnSpc>
-                <a:spcPct val="100000"/>
-              </a:lnSpc>
-              <a:spcBef>
-                <a:spcPct val="0"/>
-              </a:spcBef>
-              <a:spcAft>
-                <a:spcPts val="0"/>
-              </a:spcAft>
-              <a:buClrTx/>
-              <a:buSzTx/>
-              <a:buFontTx/>
-              <a:buNone/>
-              <a:tabLst/>
-              <a:defRPr/>
-            </a:pPr>
-            <a:r>
-              <a:rPr kumimoji="0" lang="en-US" sz="3600" b="1" i="0" u="none" strike="noStrike" kern="1200" cap="none" spc="0" normalizeH="0" baseline="0" noProof="0" dirty="0" smtClean="0">
-                <a:ln>
-                  <a:noFill/>
-                </a:ln>
-                <a:solidFill>
-                  <a:schemeClr val="tx1">
-                    <a:lumMod val="85000"/>
-                    <a:lumOff val="15000"/>
-                  </a:schemeClr>
-                </a:solidFill>
-                <a:effectLst/>
-                <a:uLnTx/>
-                <a:uFillTx/>
-                <a:latin typeface="+mj-lt"/>
-                <a:ea typeface="+mj-ea"/>
-                <a:cs typeface="+mj-cs"/>
-              </a:rPr>
-              <a:t>Continue….</a:t>
-            </a:r>
-            <a:endParaRPr kumimoji="0" lang="en-US" sz="3600" b="0" i="0" u="none" strike="noStrike" kern="1200" cap="none" spc="0" normalizeH="0" baseline="0" noProof="0" dirty="0">
-              <a:ln>
-                <a:noFill/>
-              </a:ln>
-              <a:solidFill>
-                <a:schemeClr val="tx1">
-                  <a:lumMod val="85000"/>
-                  <a:lumOff val="15000"/>
-                </a:schemeClr>
-              </a:solidFill>
-              <a:effectLst/>
-              <a:uLnTx/>
-              <a:uFillTx/>
-              <a:latin typeface="+mj-lt"/>
-              <a:ea typeface="+mj-ea"/>
-              <a:cs typeface="+mj-cs"/>
-            </a:endParaRPr>
-          </a:p>
-        </p:txBody>
-      </p:sp>
-      <p:pic>
-        <p:nvPicPr>
-          <p:cNvPr id="6" name="Picture 5" descr="bash1.png"/>
-          <p:cNvPicPr>
-            <a:picLocks noChangeAspect="1"/>
-          </p:cNvPicPr>
-          <p:nvPr/>
-        </p:nvPicPr>
-        <p:blipFill>
-          <a:blip r:embed="rId3"/>
-          <a:stretch>
-            <a:fillRect/>
-          </a:stretch>
-        </p:blipFill>
-        <p:spPr>
-          <a:xfrm>
-            <a:off x="6096000" y="1295400"/>
-            <a:ext cx="4572000" cy="2057400"/>
-          </a:xfrm>
-          <a:prstGeom prst="rect">
-            <a:avLst/>
-          </a:prstGeom>
-        </p:spPr>
-      </p:pic>
-      <p:pic>
-        <p:nvPicPr>
-          <p:cNvPr id="7" name="Picture 6" descr="bash gui.png"/>
-          <p:cNvPicPr>
-            <a:picLocks noChangeAspect="1"/>
-          </p:cNvPicPr>
-          <p:nvPr/>
-        </p:nvPicPr>
-        <p:blipFill>
-          <a:blip r:embed="rId4"/>
-          <a:stretch>
-            <a:fillRect/>
-          </a:stretch>
-        </p:blipFill>
-        <p:spPr>
-          <a:xfrm>
-            <a:off x="6172200" y="3733800"/>
-            <a:ext cx="4572000" cy="2343647"/>
-          </a:xfrm>
-          <a:prstGeom prst="rect">
-            <a:avLst/>
-          </a:prstGeom>
-        </p:spPr>
-      </p:pic>
-    </p:spTree>
-  </p:cSld>
-  <p:clrMapOvr>
-    <a:masterClrMapping/>
-  </p:clrMapOvr>
+  <p:transition>
+    <p:wipe dir="d"/>
+  </p:transition>
+  <p:timing>
+    <p:tnLst>
+      <p:par>
+        <p:cTn id="1" dur="indefinite" restart="never" nodeType="tmRoot"/>
+      </p:par>
+    </p:tnLst>
+  </p:timing>
 </p:sld>
 </file>
 
@@ -14795,7 +13877,7 @@
           <p:cNvPr id="2" name="Title 1">
             <a:extLst>
               <a:ext uri="{FF2B5EF4-FFF2-40B4-BE49-F238E27FC236}">
-                <a16:creationId xmlns:a16="http://schemas.microsoft.com/office/drawing/2014/main" xmlns="" id="{D8469835-18DA-B844-BABB-1D347A9C5F7C}"/>
+                <a16:creationId xmlns="" xmlns:a16="http://schemas.microsoft.com/office/drawing/2014/main" id="{D8469835-18DA-B844-BABB-1D347A9C5F7C}"/>
               </a:ext>
             </a:extLst>
           </p:cNvPr>
@@ -14845,7 +13927,7 @@
           <p:cNvPr id="3" name="Content Placeholder 2">
             <a:extLst>
               <a:ext uri="{FF2B5EF4-FFF2-40B4-BE49-F238E27FC236}">
-                <a16:creationId xmlns:a16="http://schemas.microsoft.com/office/drawing/2014/main" xmlns="" id="{8CF7F8E8-BB75-954D-A228-84DE7F339717}"/>
+                <a16:creationId xmlns="" xmlns:a16="http://schemas.microsoft.com/office/drawing/2014/main" id="{8CF7F8E8-BB75-954D-A228-84DE7F339717}"/>
               </a:ext>
             </a:extLst>
           </p:cNvPr>
@@ -14954,7 +14036,7 @@
           <p:cNvPr id="4" name="Picture 4">
             <a:extLst>
               <a:ext uri="{FF2B5EF4-FFF2-40B4-BE49-F238E27FC236}">
-                <a16:creationId xmlns:a16="http://schemas.microsoft.com/office/drawing/2014/main" xmlns="" id="{919EE81D-A196-3246-9A9B-D18318DF27F2}"/>
+                <a16:creationId xmlns="" xmlns:a16="http://schemas.microsoft.com/office/drawing/2014/main" id="{919EE81D-A196-3246-9A9B-D18318DF27F2}"/>
               </a:ext>
             </a:extLst>
           </p:cNvPr>
@@ -14982,1936 +14064,9 @@
     </p:spTree>
     <p:extLst>
       <p:ext uri="{BB962C8B-B14F-4D97-AF65-F5344CB8AC3E}">
-        <p14:creationId xmlns:p14="http://schemas.microsoft.com/office/powerpoint/2010/main" xmlns="" val="483168689"/>
+        <p14:creationId xmlns="" xmlns:p14="http://schemas.microsoft.com/office/powerpoint/2010/main" val="483168689"/>
       </p:ext>
     </p:extLst>
-  </p:cSld>
-  <p:clrMapOvr>
-    <a:masterClrMapping/>
-  </p:clrMapOvr>
-  <p:transition>
-    <p:wipe dir="d"/>
-  </p:transition>
-  <p:timing>
-    <p:tnLst>
-      <p:par>
-        <p:cTn id="1" dur="indefinite" restart="never" nodeType="tmRoot"/>
-      </p:par>
-    </p:tnLst>
-  </p:timing>
-</p:sld>
-</file>
-
-<file path=ppt/slides/slide40.xml><?xml version="1.0" encoding="utf-8"?>
-<p:sld xmlns:a="http://schemas.openxmlformats.org/drawingml/2006/main" xmlns:r="http://schemas.openxmlformats.org/officeDocument/2006/relationships" xmlns:p="http://schemas.openxmlformats.org/presentationml/2006/main">
-  <p:cSld>
-    <p:spTree>
-      <p:nvGrpSpPr>
-        <p:cNvPr id="1" name=""/>
-        <p:cNvGrpSpPr/>
-        <p:nvPr/>
-      </p:nvGrpSpPr>
-      <p:grpSpPr>
-        <a:xfrm>
-          <a:off x="0" y="0"/>
-          <a:ext cx="0" cy="0"/>
-          <a:chOff x="0" y="0"/>
-          <a:chExt cx="0" cy="0"/>
-        </a:xfrm>
-      </p:grpSpPr>
-      <p:sp>
-        <p:nvSpPr>
-          <p:cNvPr id="2" name="Title 1"/>
-          <p:cNvSpPr>
-            <a:spLocks noGrp="1"/>
-          </p:cNvSpPr>
-          <p:nvPr>
-            <p:ph type="title"/>
-          </p:nvPr>
-        </p:nvSpPr>
-        <p:spPr>
-          <a:xfrm>
-            <a:off x="2592925" y="624110"/>
-            <a:ext cx="8911687" cy="747490"/>
-          </a:xfrm>
-        </p:spPr>
-        <p:txBody>
-          <a:bodyPr/>
-          <a:lstStyle/>
-          <a:p>
-            <a:r>
-              <a:rPr lang="en-US" b="1" dirty="0" smtClean="0"/>
-              <a:t>Continue….</a:t>
-            </a:r>
-            <a:endParaRPr lang="en-US" dirty="0"/>
-          </a:p>
-        </p:txBody>
-      </p:sp>
-      <p:sp>
-        <p:nvSpPr>
-          <p:cNvPr id="3" name="Content Placeholder 2"/>
-          <p:cNvSpPr>
-            <a:spLocks noGrp="1"/>
-          </p:cNvSpPr>
-          <p:nvPr>
-            <p:ph idx="1"/>
-          </p:nvPr>
-        </p:nvSpPr>
-        <p:spPr>
-          <a:xfrm>
-            <a:off x="2589212" y="1295400"/>
-            <a:ext cx="8915400" cy="4615822"/>
-          </a:xfrm>
-        </p:spPr>
-        <p:txBody>
-          <a:bodyPr/>
-          <a:lstStyle/>
-          <a:p>
-            <a:r>
-              <a:rPr lang="en-US" b="1" dirty="0" smtClean="0"/>
-              <a:t>Step 5. Install </a:t>
-            </a:r>
-            <a:r>
-              <a:rPr lang="en-US" b="1" dirty="0" err="1" smtClean="0"/>
-              <a:t>TortoiseGit</a:t>
-            </a:r>
-            <a:endParaRPr lang="en-US" b="1" dirty="0" smtClean="0"/>
-          </a:p>
-          <a:p>
-            <a:pPr>
-              <a:buFont typeface="+mj-lt"/>
-              <a:buAutoNum type="arabicPeriod"/>
-            </a:pPr>
-            <a:r>
-              <a:rPr lang="en-US" dirty="0" smtClean="0"/>
-              <a:t>Download </a:t>
-            </a:r>
-            <a:r>
-              <a:rPr lang="en-US" dirty="0" err="1" smtClean="0">
-                <a:hlinkClick r:id="rId2"/>
-              </a:rPr>
-              <a:t>TortoiseGit</a:t>
-            </a:r>
-            <a:r>
-              <a:rPr lang="en-US" dirty="0" smtClean="0"/>
-              <a:t>. </a:t>
-            </a:r>
-          </a:p>
-          <a:p>
-            <a:pPr>
-              <a:buFont typeface="+mj-lt"/>
-              <a:buAutoNum type="arabicPeriod"/>
-            </a:pPr>
-            <a:r>
-              <a:rPr lang="en-US" dirty="0" smtClean="0"/>
-              <a:t>Start the installation and keep clicking </a:t>
-            </a:r>
-            <a:r>
-              <a:rPr lang="en-US" b="1" dirty="0" smtClean="0"/>
-              <a:t>Next</a:t>
-            </a:r>
-            <a:r>
-              <a:rPr lang="en-US" dirty="0" smtClean="0"/>
-              <a:t> until you come to the following step. Choose </a:t>
-            </a:r>
-            <a:r>
-              <a:rPr lang="en-US" b="1" dirty="0" err="1" smtClean="0"/>
-              <a:t>OpenSSH</a:t>
-            </a:r>
-            <a:r>
-              <a:rPr lang="en-US" b="1" dirty="0" smtClean="0"/>
-              <a:t>, </a:t>
-            </a:r>
-            <a:r>
-              <a:rPr lang="en-US" b="1" dirty="0" err="1" smtClean="0"/>
-              <a:t>Git</a:t>
-            </a:r>
-            <a:r>
-              <a:rPr lang="en-US" b="1" dirty="0" smtClean="0"/>
-              <a:t> default SSH Client</a:t>
-            </a:r>
-            <a:r>
-              <a:rPr lang="en-US" dirty="0" smtClean="0"/>
-              <a:t> here.</a:t>
-            </a:r>
-          </a:p>
-          <a:p>
-            <a:endParaRPr lang="en-US" dirty="0"/>
-          </a:p>
-        </p:txBody>
-      </p:sp>
-      <p:pic>
-        <p:nvPicPr>
-          <p:cNvPr id="4" name="Picture 3" descr="t1.jpg"/>
-          <p:cNvPicPr>
-            <a:picLocks noChangeAspect="1"/>
-          </p:cNvPicPr>
-          <p:nvPr/>
-        </p:nvPicPr>
-        <p:blipFill>
-          <a:blip r:embed="rId3"/>
-          <a:stretch>
-            <a:fillRect/>
-          </a:stretch>
-        </p:blipFill>
-        <p:spPr>
-          <a:xfrm>
-            <a:off x="3886200" y="2971800"/>
-            <a:ext cx="4667250" cy="3524250"/>
-          </a:xfrm>
-          <a:prstGeom prst="rect">
-            <a:avLst/>
-          </a:prstGeom>
-        </p:spPr>
-      </p:pic>
-      <p:pic>
-        <p:nvPicPr>
-          <p:cNvPr id="5" name="Picture 4">
-            <a:extLst>
-              <a:ext uri="{FF2B5EF4-FFF2-40B4-BE49-F238E27FC236}">
-                <a16:creationId xmlns:a16="http://schemas.microsoft.com/office/drawing/2014/main" xmlns="" id="{919EE81D-A196-3246-9A9B-D18318DF27F2}"/>
-              </a:ext>
-            </a:extLst>
-          </p:cNvPr>
-          <p:cNvPicPr>
-            <a:picLocks noChangeAspect="1"/>
-          </p:cNvPicPr>
-          <p:nvPr/>
-        </p:nvPicPr>
-        <p:blipFill>
-          <a:blip r:embed="rId4"/>
-          <a:stretch>
-            <a:fillRect/>
-          </a:stretch>
-        </p:blipFill>
-        <p:spPr>
-          <a:xfrm>
-            <a:off x="11306371" y="157161"/>
-            <a:ext cx="623691" cy="623691"/>
-          </a:xfrm>
-          <a:prstGeom prst="rect">
-            <a:avLst/>
-          </a:prstGeom>
-        </p:spPr>
-      </p:pic>
-    </p:spTree>
-  </p:cSld>
-  <p:clrMapOvr>
-    <a:masterClrMapping/>
-  </p:clrMapOvr>
-  <p:transition>
-    <p:wipe dir="d"/>
-  </p:transition>
-  <p:timing>
-    <p:tnLst>
-      <p:par>
-        <p:cTn id="1" dur="indefinite" restart="never" nodeType="tmRoot"/>
-      </p:par>
-    </p:tnLst>
-  </p:timing>
-</p:sld>
-</file>
-
-<file path=ppt/slides/slide41.xml><?xml version="1.0" encoding="utf-8"?>
-<p:sld xmlns:a="http://schemas.openxmlformats.org/drawingml/2006/main" xmlns:r="http://schemas.openxmlformats.org/officeDocument/2006/relationships" xmlns:p="http://schemas.openxmlformats.org/presentationml/2006/main">
-  <p:cSld>
-    <p:spTree>
-      <p:nvGrpSpPr>
-        <p:cNvPr id="1" name=""/>
-        <p:cNvGrpSpPr/>
-        <p:nvPr/>
-      </p:nvGrpSpPr>
-      <p:grpSpPr>
-        <a:xfrm>
-          <a:off x="0" y="0"/>
-          <a:ext cx="0" cy="0"/>
-          <a:chOff x="0" y="0"/>
-          <a:chExt cx="0" cy="0"/>
-        </a:xfrm>
-      </p:grpSpPr>
-      <p:sp>
-        <p:nvSpPr>
-          <p:cNvPr id="2" name="Title 1"/>
-          <p:cNvSpPr>
-            <a:spLocks noGrp="1"/>
-          </p:cNvSpPr>
-          <p:nvPr>
-            <p:ph type="title"/>
-          </p:nvPr>
-        </p:nvSpPr>
-        <p:spPr>
-          <a:xfrm>
-            <a:off x="2592925" y="624110"/>
-            <a:ext cx="8911687" cy="671290"/>
-          </a:xfrm>
-        </p:spPr>
-        <p:txBody>
-          <a:bodyPr/>
-          <a:lstStyle/>
-          <a:p>
-            <a:r>
-              <a:rPr lang="en-US" b="1" dirty="0" smtClean="0"/>
-              <a:t>Continue….</a:t>
-            </a:r>
-            <a:endParaRPr lang="en-US" dirty="0"/>
-          </a:p>
-        </p:txBody>
-      </p:sp>
-      <p:sp>
-        <p:nvSpPr>
-          <p:cNvPr id="3" name="Content Placeholder 2"/>
-          <p:cNvSpPr>
-            <a:spLocks noGrp="1"/>
-          </p:cNvSpPr>
-          <p:nvPr>
-            <p:ph idx="1"/>
-          </p:nvPr>
-        </p:nvSpPr>
-        <p:spPr>
-          <a:xfrm>
-            <a:off x="2589212" y="1371600"/>
-            <a:ext cx="8915400" cy="4539622"/>
-          </a:xfrm>
-        </p:spPr>
-        <p:txBody>
-          <a:bodyPr/>
-          <a:lstStyle/>
-          <a:p>
-            <a:pPr>
-              <a:buFont typeface="+mj-lt"/>
-              <a:buAutoNum type="arabicPeriod" startAt="3"/>
-            </a:pPr>
-            <a:r>
-              <a:rPr lang="en-US" dirty="0" smtClean="0"/>
-              <a:t>Keep clicking </a:t>
-            </a:r>
-            <a:r>
-              <a:rPr lang="en-US" b="1" dirty="0" smtClean="0"/>
-              <a:t>Next</a:t>
-            </a:r>
-            <a:r>
-              <a:rPr lang="en-US" dirty="0" smtClean="0"/>
-              <a:t> until you have completed the setup.</a:t>
-            </a:r>
-          </a:p>
-          <a:p>
-            <a:pPr>
-              <a:buFont typeface="+mj-lt"/>
-              <a:buAutoNum type="arabicPeriod" startAt="3"/>
-            </a:pPr>
-            <a:r>
-              <a:rPr lang="en-US" dirty="0" smtClean="0"/>
-              <a:t>Right-click on your desktop and select </a:t>
-            </a:r>
-            <a:r>
-              <a:rPr lang="en-US" i="1" dirty="0" err="1" smtClean="0"/>
-              <a:t>TortoiseGit</a:t>
-            </a:r>
-            <a:r>
-              <a:rPr lang="en-US" i="1" dirty="0" smtClean="0"/>
-              <a:t> &gt; Settings</a:t>
-            </a:r>
-            <a:r>
-              <a:rPr lang="en-US" dirty="0" smtClean="0"/>
-              <a:t> from the context menu. You should see the following screen. Click on: </a:t>
-            </a:r>
-            <a:r>
-              <a:rPr lang="en-US" b="1" dirty="0" smtClean="0"/>
-              <a:t>Set </a:t>
-            </a:r>
-            <a:r>
-              <a:rPr lang="en-US" b="1" dirty="0" err="1" smtClean="0"/>
-              <a:t>Git</a:t>
-            </a:r>
-            <a:r>
-              <a:rPr lang="en-US" b="1" dirty="0" smtClean="0"/>
-              <a:t> path</a:t>
-            </a:r>
-            <a:r>
-              <a:rPr lang="en-US" dirty="0" smtClean="0"/>
-              <a:t>.</a:t>
-            </a:r>
-          </a:p>
-          <a:p>
-            <a:pPr>
-              <a:buFont typeface="+mj-lt"/>
-              <a:buAutoNum type="arabicPeriod" startAt="3"/>
-            </a:pPr>
-            <a:endParaRPr lang="en-US" dirty="0" smtClean="0"/>
-          </a:p>
-          <a:p>
-            <a:pPr>
-              <a:buNone/>
-            </a:pPr>
-            <a:endParaRPr lang="en-US" dirty="0" smtClean="0"/>
-          </a:p>
-          <a:p>
-            <a:pPr>
-              <a:buNone/>
-            </a:pPr>
-            <a:endParaRPr lang="en-US" dirty="0" smtClean="0"/>
-          </a:p>
-          <a:p>
-            <a:pPr>
-              <a:buNone/>
-            </a:pPr>
-            <a:endParaRPr lang="en-US" dirty="0" smtClean="0"/>
-          </a:p>
-          <a:p>
-            <a:pPr>
-              <a:buNone/>
-            </a:pPr>
-            <a:endParaRPr lang="en-US" dirty="0" smtClean="0"/>
-          </a:p>
-          <a:p>
-            <a:pPr>
-              <a:buFont typeface="+mj-lt"/>
-              <a:buAutoNum type="arabicPeriod" startAt="5"/>
-            </a:pPr>
-            <a:r>
-              <a:rPr lang="en-US" dirty="0" smtClean="0"/>
-              <a:t>Paste this in the text box </a:t>
-            </a:r>
-            <a:r>
-              <a:rPr lang="en-US" dirty="0" err="1" smtClean="0"/>
-              <a:t>labelled</a:t>
-            </a:r>
-            <a:r>
-              <a:rPr lang="en-US" dirty="0" smtClean="0"/>
-              <a:t> </a:t>
-            </a:r>
-            <a:r>
-              <a:rPr lang="en-US" b="1" dirty="0" smtClean="0"/>
-              <a:t>Git.exe Path</a:t>
-            </a:r>
-            <a:r>
-              <a:rPr lang="en-US" dirty="0" smtClean="0"/>
-              <a:t>:</a:t>
-            </a:r>
-            <a:br>
-              <a:rPr lang="en-US" dirty="0" smtClean="0"/>
-            </a:br>
-            <a:r>
-              <a:rPr lang="en-US" dirty="0" smtClean="0"/>
-              <a:t>C:\Users\&lt;your user name&gt;\</a:t>
-            </a:r>
-            <a:r>
-              <a:rPr lang="en-US" dirty="0" err="1" smtClean="0"/>
-              <a:t>AppData</a:t>
-            </a:r>
-            <a:r>
-              <a:rPr lang="en-US" dirty="0" smtClean="0"/>
-              <a:t>\Local\</a:t>
-            </a:r>
-            <a:r>
-              <a:rPr lang="en-US" dirty="0" err="1" smtClean="0"/>
-              <a:t>GitHub</a:t>
-            </a:r>
-            <a:r>
-              <a:rPr lang="en-US" dirty="0" smtClean="0"/>
-              <a:t>\PORTAB~1\</a:t>
-            </a:r>
-            <a:r>
-              <a:rPr lang="en-US" dirty="0" err="1" smtClean="0"/>
-              <a:t>cmd</a:t>
-            </a:r>
-            <a:r>
-              <a:rPr lang="en-US" dirty="0" smtClean="0"/>
-              <a:t/>
-            </a:r>
-            <a:br>
-              <a:rPr lang="en-US" dirty="0" smtClean="0"/>
-            </a:br>
-            <a:endParaRPr lang="en-US" dirty="0" smtClean="0"/>
-          </a:p>
-        </p:txBody>
-      </p:sp>
-      <p:pic>
-        <p:nvPicPr>
-          <p:cNvPr id="4" name="Picture 3" descr="t2.jpg"/>
-          <p:cNvPicPr>
-            <a:picLocks noChangeAspect="1"/>
-          </p:cNvPicPr>
-          <p:nvPr/>
-        </p:nvPicPr>
-        <p:blipFill>
-          <a:blip r:embed="rId2"/>
-          <a:stretch>
-            <a:fillRect/>
-          </a:stretch>
-        </p:blipFill>
-        <p:spPr>
-          <a:xfrm>
-            <a:off x="3886200" y="2667000"/>
-            <a:ext cx="3962400" cy="1600200"/>
-          </a:xfrm>
-          <a:prstGeom prst="rect">
-            <a:avLst/>
-          </a:prstGeom>
-        </p:spPr>
-      </p:pic>
-      <p:sp>
-        <p:nvSpPr>
-          <p:cNvPr id="2049" name="Rectangle 1"/>
-          <p:cNvSpPr>
-            <a:spLocks noChangeArrowheads="1"/>
-          </p:cNvSpPr>
-          <p:nvPr/>
-        </p:nvSpPr>
-        <p:spPr bwMode="auto">
-          <a:xfrm>
-            <a:off x="0" y="0"/>
-            <a:ext cx="65" cy="276999"/>
-          </a:xfrm>
-          <a:prstGeom prst="rect">
-            <a:avLst/>
-          </a:prstGeom>
-          <a:solidFill>
-            <a:srgbClr val="FFFFFF"/>
-          </a:solidFill>
-          <a:ln w="9525">
-            <a:noFill/>
-            <a:miter lim="800000"/>
-            <a:headEnd/>
-            <a:tailEnd/>
-          </a:ln>
-          <a:effectLst/>
-        </p:spPr>
-        <p:txBody>
-          <a:bodyPr vert="horz" wrap="none" lIns="0" tIns="0" rIns="0" bIns="0" numCol="1" anchor="ctr" anchorCtr="0" compatLnSpc="1">
-            <a:prstTxWarp prst="textNoShape">
-              <a:avLst/>
-            </a:prstTxWarp>
-            <a:spAutoFit/>
-          </a:bodyPr>
-          <a:lstStyle/>
-          <a:p>
-            <a:pPr marL="0" marR="0" lvl="0" indent="0" algn="l" defTabSz="914400" rtl="0" eaLnBrk="1" fontAlgn="base" latinLnBrk="0" hangingPunct="1">
-              <a:lnSpc>
-                <a:spcPct val="100000"/>
-              </a:lnSpc>
-              <a:spcBef>
-                <a:spcPct val="0"/>
-              </a:spcBef>
-              <a:spcAft>
-                <a:spcPct val="0"/>
-              </a:spcAft>
-              <a:buClrTx/>
-              <a:buSzTx/>
-              <a:buFontTx/>
-              <a:buNone/>
-              <a:tabLst/>
-            </a:pPr>
-            <a:endParaRPr kumimoji="0" lang="en-US" sz="1800" b="0" i="0" u="none" strike="noStrike" cap="none" normalizeH="0" baseline="0" dirty="0" smtClean="0">
-              <a:ln>
-                <a:noFill/>
-              </a:ln>
-              <a:solidFill>
-                <a:schemeClr val="tx1"/>
-              </a:solidFill>
-              <a:effectLst/>
-              <a:latin typeface="Arial" pitchFamily="34" charset="0"/>
-              <a:cs typeface="Arial" pitchFamily="34" charset="0"/>
-            </a:endParaRPr>
-          </a:p>
-        </p:txBody>
-      </p:sp>
-      <p:pic>
-        <p:nvPicPr>
-          <p:cNvPr id="6" name="Picture 4">
-            <a:extLst>
-              <a:ext uri="{FF2B5EF4-FFF2-40B4-BE49-F238E27FC236}">
-                <a16:creationId xmlns:a16="http://schemas.microsoft.com/office/drawing/2014/main" xmlns="" id="{919EE81D-A196-3246-9A9B-D18318DF27F2}"/>
-              </a:ext>
-            </a:extLst>
-          </p:cNvPr>
-          <p:cNvPicPr>
-            <a:picLocks noChangeAspect="1"/>
-          </p:cNvPicPr>
-          <p:nvPr/>
-        </p:nvPicPr>
-        <p:blipFill>
-          <a:blip r:embed="rId3"/>
-          <a:stretch>
-            <a:fillRect/>
-          </a:stretch>
-        </p:blipFill>
-        <p:spPr>
-          <a:xfrm>
-            <a:off x="11306371" y="157161"/>
-            <a:ext cx="623691" cy="623691"/>
-          </a:xfrm>
-          <a:prstGeom prst="rect">
-            <a:avLst/>
-          </a:prstGeom>
-        </p:spPr>
-      </p:pic>
-    </p:spTree>
-  </p:cSld>
-  <p:clrMapOvr>
-    <a:masterClrMapping/>
-  </p:clrMapOvr>
-  <p:transition>
-    <p:wipe dir="d"/>
-  </p:transition>
-  <p:timing>
-    <p:tnLst>
-      <p:par>
-        <p:cTn id="1" dur="indefinite" restart="never" nodeType="tmRoot"/>
-      </p:par>
-    </p:tnLst>
-  </p:timing>
-</p:sld>
-</file>
-
-<file path=ppt/slides/slide42.xml><?xml version="1.0" encoding="utf-8"?>
-<p:sld xmlns:a="http://schemas.openxmlformats.org/drawingml/2006/main" xmlns:r="http://schemas.openxmlformats.org/officeDocument/2006/relationships" xmlns:p="http://schemas.openxmlformats.org/presentationml/2006/main">
-  <p:cSld>
-    <p:spTree>
-      <p:nvGrpSpPr>
-        <p:cNvPr id="1" name=""/>
-        <p:cNvGrpSpPr/>
-        <p:nvPr/>
-      </p:nvGrpSpPr>
-      <p:grpSpPr>
-        <a:xfrm>
-          <a:off x="0" y="0"/>
-          <a:ext cx="0" cy="0"/>
-          <a:chOff x="0" y="0"/>
-          <a:chExt cx="0" cy="0"/>
-        </a:xfrm>
-      </p:grpSpPr>
-      <p:sp>
-        <p:nvSpPr>
-          <p:cNvPr id="2" name="Title 1"/>
-          <p:cNvSpPr>
-            <a:spLocks noGrp="1"/>
-          </p:cNvSpPr>
-          <p:nvPr>
-            <p:ph type="title"/>
-          </p:nvPr>
-        </p:nvSpPr>
-        <p:spPr/>
-        <p:txBody>
-          <a:bodyPr/>
-          <a:lstStyle/>
-          <a:p>
-            <a:r>
-              <a:rPr lang="en-US" b="1" dirty="0" smtClean="0"/>
-              <a:t>Continue….</a:t>
-            </a:r>
-            <a:endParaRPr lang="en-US" dirty="0"/>
-          </a:p>
-        </p:txBody>
-      </p:sp>
-      <p:pic>
-        <p:nvPicPr>
-          <p:cNvPr id="4" name="Picture 4">
-            <a:extLst>
-              <a:ext uri="{FF2B5EF4-FFF2-40B4-BE49-F238E27FC236}">
-                <a16:creationId xmlns:a16="http://schemas.microsoft.com/office/drawing/2014/main" xmlns="" id="{919EE81D-A196-3246-9A9B-D18318DF27F2}"/>
-              </a:ext>
-            </a:extLst>
-          </p:cNvPr>
-          <p:cNvPicPr>
-            <a:picLocks noChangeAspect="1"/>
-          </p:cNvPicPr>
-          <p:nvPr/>
-        </p:nvPicPr>
-        <p:blipFill>
-          <a:blip r:embed="rId2"/>
-          <a:stretch>
-            <a:fillRect/>
-          </a:stretch>
-        </p:blipFill>
-        <p:spPr>
-          <a:xfrm>
-            <a:off x="11306371" y="157161"/>
-            <a:ext cx="623691" cy="623691"/>
-          </a:xfrm>
-          <a:prstGeom prst="rect">
-            <a:avLst/>
-          </a:prstGeom>
-        </p:spPr>
-      </p:pic>
-      <p:pic>
-        <p:nvPicPr>
-          <p:cNvPr id="6" name="Content Placeholder 5" descr="qq23.png"/>
-          <p:cNvPicPr>
-            <a:picLocks noGrp="1" noChangeAspect="1"/>
-          </p:cNvPicPr>
-          <p:nvPr>
-            <p:ph idx="1"/>
-          </p:nvPr>
-        </p:nvPicPr>
-        <p:blipFill>
-          <a:blip r:embed="rId3"/>
-          <a:stretch>
-            <a:fillRect/>
-          </a:stretch>
-        </p:blipFill>
-        <p:spPr>
-          <a:xfrm>
-            <a:off x="3200400" y="1371600"/>
-            <a:ext cx="5791200" cy="4507970"/>
-          </a:xfrm>
-        </p:spPr>
-      </p:pic>
-    </p:spTree>
-  </p:cSld>
-  <p:clrMapOvr>
-    <a:masterClrMapping/>
-  </p:clrMapOvr>
-  <p:transition>
-    <p:wipe dir="d"/>
-  </p:transition>
-  <p:timing>
-    <p:tnLst>
-      <p:par>
-        <p:cTn id="1" dur="indefinite" restart="never" nodeType="tmRoot"/>
-      </p:par>
-    </p:tnLst>
-  </p:timing>
-</p:sld>
-</file>
-
-<file path=ppt/slides/slide43.xml><?xml version="1.0" encoding="utf-8"?>
-<p:sld xmlns:a="http://schemas.openxmlformats.org/drawingml/2006/main" xmlns:r="http://schemas.openxmlformats.org/officeDocument/2006/relationships" xmlns:p="http://schemas.openxmlformats.org/presentationml/2006/main">
-  <p:cSld>
-    <p:spTree>
-      <p:nvGrpSpPr>
-        <p:cNvPr id="1" name=""/>
-        <p:cNvGrpSpPr/>
-        <p:nvPr/>
-      </p:nvGrpSpPr>
-      <p:grpSpPr>
-        <a:xfrm>
-          <a:off x="0" y="0"/>
-          <a:ext cx="0" cy="0"/>
-          <a:chOff x="0" y="0"/>
-          <a:chExt cx="0" cy="0"/>
-        </a:xfrm>
-      </p:grpSpPr>
-      <p:sp>
-        <p:nvSpPr>
-          <p:cNvPr id="2" name="Title 1"/>
-          <p:cNvSpPr>
-            <a:spLocks noGrp="1"/>
-          </p:cNvSpPr>
-          <p:nvPr>
-            <p:ph type="title"/>
-          </p:nvPr>
-        </p:nvSpPr>
-        <p:spPr>
-          <a:xfrm>
-            <a:off x="2592925" y="624110"/>
-            <a:ext cx="8911687" cy="899890"/>
-          </a:xfrm>
-        </p:spPr>
-        <p:txBody>
-          <a:bodyPr/>
-          <a:lstStyle/>
-          <a:p>
-            <a:r>
-              <a:rPr lang="en-US" b="1" dirty="0" smtClean="0"/>
-              <a:t>Continue….</a:t>
-            </a:r>
-            <a:endParaRPr lang="en-US" dirty="0"/>
-          </a:p>
-        </p:txBody>
-      </p:sp>
-      <p:sp>
-        <p:nvSpPr>
-          <p:cNvPr id="3" name="Content Placeholder 2"/>
-          <p:cNvSpPr>
-            <a:spLocks noGrp="1"/>
-          </p:cNvSpPr>
-          <p:nvPr>
-            <p:ph idx="1"/>
-          </p:nvPr>
-        </p:nvSpPr>
-        <p:spPr>
-          <a:xfrm>
-            <a:off x="2589212" y="1600200"/>
-            <a:ext cx="8915400" cy="4495800"/>
-          </a:xfrm>
-        </p:spPr>
-        <p:txBody>
-          <a:bodyPr/>
-          <a:lstStyle/>
-          <a:p>
-            <a:pPr>
-              <a:buFont typeface="+mj-lt"/>
-              <a:buAutoNum type="arabicPeriod" startAt="6"/>
-            </a:pPr>
-            <a:r>
-              <a:rPr lang="en-US" dirty="0" smtClean="0"/>
-              <a:t>Click on the button </a:t>
-            </a:r>
-            <a:r>
-              <a:rPr lang="en-US" dirty="0" err="1" smtClean="0"/>
-              <a:t>labelled</a:t>
-            </a:r>
-            <a:r>
-              <a:rPr lang="en-US" dirty="0" smtClean="0"/>
-              <a:t> </a:t>
-            </a:r>
-            <a:r>
-              <a:rPr lang="en-US" b="1" dirty="0" smtClean="0"/>
-              <a:t>Check now</a:t>
-            </a:r>
-            <a:r>
-              <a:rPr lang="en-US" dirty="0" smtClean="0"/>
-              <a:t> (optional).</a:t>
-            </a:r>
-          </a:p>
-          <a:p>
-            <a:pPr>
-              <a:buFont typeface="+mj-lt"/>
-              <a:buAutoNum type="arabicPeriod" startAt="6"/>
-            </a:pPr>
-            <a:r>
-              <a:rPr lang="en-US" dirty="0" smtClean="0"/>
-              <a:t>Click on </a:t>
-            </a:r>
-            <a:r>
-              <a:rPr lang="en-US" b="1" dirty="0" smtClean="0"/>
-              <a:t>OK</a:t>
-            </a:r>
-            <a:r>
-              <a:rPr lang="en-US" dirty="0" smtClean="0"/>
-              <a:t>.</a:t>
-            </a:r>
-          </a:p>
-          <a:p>
-            <a:pPr>
-              <a:buFont typeface="+mj-lt"/>
-              <a:buAutoNum type="arabicPeriod" startAt="6"/>
-            </a:pPr>
-            <a:r>
-              <a:rPr lang="en-US" dirty="0" smtClean="0"/>
-              <a:t>Right-click on your desktop and select </a:t>
-            </a:r>
-            <a:r>
-              <a:rPr lang="en-US" i="1" dirty="0" err="1" smtClean="0"/>
-              <a:t>TortoiseGit</a:t>
-            </a:r>
-            <a:r>
-              <a:rPr lang="en-US" i="1" dirty="0" smtClean="0"/>
-              <a:t> &gt; Settings</a:t>
-            </a:r>
-            <a:r>
-              <a:rPr lang="en-US" dirty="0" smtClean="0"/>
-              <a:t> from the context menu.</a:t>
-            </a:r>
-          </a:p>
-          <a:p>
-            <a:pPr>
-              <a:buFont typeface="+mj-lt"/>
-              <a:buAutoNum type="arabicPeriod" startAt="6"/>
-            </a:pPr>
-            <a:r>
-              <a:rPr lang="en-US" dirty="0" smtClean="0"/>
-              <a:t>Click on </a:t>
-            </a:r>
-            <a:r>
-              <a:rPr lang="en-US" b="1" dirty="0" smtClean="0"/>
-              <a:t>Network</a:t>
-            </a:r>
-            <a:r>
-              <a:rPr lang="en-US" dirty="0" smtClean="0"/>
-              <a:t> in de side bar.</a:t>
-            </a:r>
-          </a:p>
-          <a:p>
-            <a:pPr>
-              <a:buFont typeface="+mj-lt"/>
-              <a:buAutoNum type="arabicPeriod" startAt="6"/>
-            </a:pPr>
-            <a:r>
-              <a:rPr lang="en-US" dirty="0" smtClean="0"/>
-              <a:t>Paste this in the text box </a:t>
-            </a:r>
-            <a:r>
-              <a:rPr lang="en-US" dirty="0" err="1" smtClean="0"/>
-              <a:t>labelled</a:t>
-            </a:r>
-            <a:r>
-              <a:rPr lang="en-US" dirty="0" smtClean="0"/>
-              <a:t> </a:t>
-            </a:r>
-            <a:r>
-              <a:rPr lang="en-US" b="1" dirty="0" smtClean="0"/>
-              <a:t>SSH client</a:t>
-            </a:r>
-            <a:r>
-              <a:rPr lang="en-US" dirty="0" smtClean="0"/>
-              <a:t>:</a:t>
-            </a:r>
-            <a:br>
-              <a:rPr lang="en-US" dirty="0" smtClean="0"/>
-            </a:br>
-            <a:r>
-              <a:rPr lang="en-US" dirty="0" smtClean="0"/>
-              <a:t>C:\Users\&lt;your user name&gt;\</a:t>
-            </a:r>
-            <a:r>
-              <a:rPr lang="en-US" dirty="0" err="1" smtClean="0"/>
-              <a:t>AppData</a:t>
-            </a:r>
-            <a:r>
-              <a:rPr lang="en-US" dirty="0" smtClean="0"/>
-              <a:t>\Local\</a:t>
-            </a:r>
-            <a:r>
-              <a:rPr lang="en-US" dirty="0" err="1" smtClean="0"/>
-              <a:t>GitHub</a:t>
-            </a:r>
-            <a:r>
-              <a:rPr lang="en-US" dirty="0" smtClean="0"/>
-              <a:t>\PORTAB~1\</a:t>
-            </a:r>
-            <a:r>
-              <a:rPr lang="en-US" dirty="0" err="1" smtClean="0"/>
-              <a:t>usr</a:t>
-            </a:r>
-            <a:r>
-              <a:rPr lang="en-US" dirty="0" smtClean="0"/>
-              <a:t>\bin\ssh.exe</a:t>
-            </a:r>
-            <a:br>
-              <a:rPr lang="en-US" dirty="0" smtClean="0"/>
-            </a:br>
-            <a:r>
-              <a:rPr lang="en-US" dirty="0" smtClean="0"/>
-              <a:t>(use your Windows user name) </a:t>
-            </a:r>
-          </a:p>
-          <a:p>
-            <a:pPr>
-              <a:buNone/>
-            </a:pPr>
-            <a:endParaRPr lang="en-US" dirty="0"/>
-          </a:p>
-        </p:txBody>
-      </p:sp>
-      <p:pic>
-        <p:nvPicPr>
-          <p:cNvPr id="4" name="Picture 4">
-            <a:extLst>
-              <a:ext uri="{FF2B5EF4-FFF2-40B4-BE49-F238E27FC236}">
-                <a16:creationId xmlns:a16="http://schemas.microsoft.com/office/drawing/2014/main" xmlns="" id="{919EE81D-A196-3246-9A9B-D18318DF27F2}"/>
-              </a:ext>
-            </a:extLst>
-          </p:cNvPr>
-          <p:cNvPicPr>
-            <a:picLocks noChangeAspect="1"/>
-          </p:cNvPicPr>
-          <p:nvPr/>
-        </p:nvPicPr>
-        <p:blipFill>
-          <a:blip r:embed="rId2"/>
-          <a:stretch>
-            <a:fillRect/>
-          </a:stretch>
-        </p:blipFill>
-        <p:spPr>
-          <a:xfrm>
-            <a:off x="11306371" y="157161"/>
-            <a:ext cx="623691" cy="623691"/>
-          </a:xfrm>
-          <a:prstGeom prst="rect">
-            <a:avLst/>
-          </a:prstGeom>
-        </p:spPr>
-      </p:pic>
-    </p:spTree>
-  </p:cSld>
-  <p:clrMapOvr>
-    <a:masterClrMapping/>
-  </p:clrMapOvr>
-  <p:transition>
-    <p:wipe dir="d"/>
-  </p:transition>
-  <p:timing>
-    <p:tnLst>
-      <p:par>
-        <p:cTn id="1" dur="indefinite" restart="never" nodeType="tmRoot"/>
-      </p:par>
-    </p:tnLst>
-  </p:timing>
-</p:sld>
-</file>
-
-<file path=ppt/slides/slide44.xml><?xml version="1.0" encoding="utf-8"?>
-<p:sld xmlns:a="http://schemas.openxmlformats.org/drawingml/2006/main" xmlns:r="http://schemas.openxmlformats.org/officeDocument/2006/relationships" xmlns:p="http://schemas.openxmlformats.org/presentationml/2006/main">
-  <p:cSld>
-    <p:spTree>
-      <p:nvGrpSpPr>
-        <p:cNvPr id="1" name=""/>
-        <p:cNvGrpSpPr/>
-        <p:nvPr/>
-      </p:nvGrpSpPr>
-      <p:grpSpPr>
-        <a:xfrm>
-          <a:off x="0" y="0"/>
-          <a:ext cx="0" cy="0"/>
-          <a:chOff x="0" y="0"/>
-          <a:chExt cx="0" cy="0"/>
-        </a:xfrm>
-      </p:grpSpPr>
-      <p:sp>
-        <p:nvSpPr>
-          <p:cNvPr id="2" name="Title 1"/>
-          <p:cNvSpPr>
-            <a:spLocks noGrp="1"/>
-          </p:cNvSpPr>
-          <p:nvPr>
-            <p:ph type="title"/>
-          </p:nvPr>
-        </p:nvSpPr>
-        <p:spPr>
-          <a:xfrm>
-            <a:off x="2592925" y="624110"/>
-            <a:ext cx="8911687" cy="747490"/>
-          </a:xfrm>
-        </p:spPr>
-        <p:txBody>
-          <a:bodyPr/>
-          <a:lstStyle/>
-          <a:p>
-            <a:r>
-              <a:rPr lang="en-US" b="1" dirty="0" smtClean="0"/>
-              <a:t>Continue….</a:t>
-            </a:r>
-            <a:endParaRPr lang="en-US" dirty="0"/>
-          </a:p>
-        </p:txBody>
-      </p:sp>
-      <p:pic>
-        <p:nvPicPr>
-          <p:cNvPr id="4" name="Picture 4">
-            <a:extLst>
-              <a:ext uri="{FF2B5EF4-FFF2-40B4-BE49-F238E27FC236}">
-                <a16:creationId xmlns:a16="http://schemas.microsoft.com/office/drawing/2014/main" xmlns="" id="{919EE81D-A196-3246-9A9B-D18318DF27F2}"/>
-              </a:ext>
-            </a:extLst>
-          </p:cNvPr>
-          <p:cNvPicPr>
-            <a:picLocks noChangeAspect="1"/>
-          </p:cNvPicPr>
-          <p:nvPr/>
-        </p:nvPicPr>
-        <p:blipFill>
-          <a:blip r:embed="rId2"/>
-          <a:stretch>
-            <a:fillRect/>
-          </a:stretch>
-        </p:blipFill>
-        <p:spPr>
-          <a:xfrm>
-            <a:off x="11306371" y="157161"/>
-            <a:ext cx="623691" cy="623691"/>
-          </a:xfrm>
-          <a:prstGeom prst="rect">
-            <a:avLst/>
-          </a:prstGeom>
-        </p:spPr>
-      </p:pic>
-      <p:pic>
-        <p:nvPicPr>
-          <p:cNvPr id="7" name="Content Placeholder 6" descr="q2.jpg"/>
-          <p:cNvPicPr>
-            <a:picLocks noGrp="1" noChangeAspect="1"/>
-          </p:cNvPicPr>
-          <p:nvPr>
-            <p:ph idx="1"/>
-          </p:nvPr>
-        </p:nvPicPr>
-        <p:blipFill>
-          <a:blip r:embed="rId3"/>
-          <a:stretch>
-            <a:fillRect/>
-          </a:stretch>
-        </p:blipFill>
-        <p:spPr>
-          <a:xfrm>
-            <a:off x="4038600" y="1399309"/>
-            <a:ext cx="5996817" cy="4512541"/>
-          </a:xfrm>
-        </p:spPr>
-      </p:pic>
-    </p:spTree>
-  </p:cSld>
-  <p:clrMapOvr>
-    <a:masterClrMapping/>
-  </p:clrMapOvr>
-  <p:transition>
-    <p:wipe dir="d"/>
-  </p:transition>
-  <p:timing>
-    <p:tnLst>
-      <p:par>
-        <p:cTn id="1" dur="indefinite" restart="never" nodeType="tmRoot"/>
-      </p:par>
-    </p:tnLst>
-  </p:timing>
-</p:sld>
-</file>
-
-<file path=ppt/slides/slide45.xml><?xml version="1.0" encoding="utf-8"?>
-<p:sld xmlns:a="http://schemas.openxmlformats.org/drawingml/2006/main" xmlns:r="http://schemas.openxmlformats.org/officeDocument/2006/relationships" xmlns:p="http://schemas.openxmlformats.org/presentationml/2006/main">
-  <p:cSld>
-    <p:spTree>
-      <p:nvGrpSpPr>
-        <p:cNvPr id="1" name=""/>
-        <p:cNvGrpSpPr/>
-        <p:nvPr/>
-      </p:nvGrpSpPr>
-      <p:grpSpPr>
-        <a:xfrm>
-          <a:off x="0" y="0"/>
-          <a:ext cx="0" cy="0"/>
-          <a:chOff x="0" y="0"/>
-          <a:chExt cx="0" cy="0"/>
-        </a:xfrm>
-      </p:grpSpPr>
-      <p:sp>
-        <p:nvSpPr>
-          <p:cNvPr id="2" name="Title 1"/>
-          <p:cNvSpPr>
-            <a:spLocks noGrp="1"/>
-          </p:cNvSpPr>
-          <p:nvPr>
-            <p:ph type="title"/>
-          </p:nvPr>
-        </p:nvSpPr>
-        <p:spPr>
-          <a:xfrm>
-            <a:off x="2592925" y="624110"/>
-            <a:ext cx="8911687" cy="671290"/>
-          </a:xfrm>
-        </p:spPr>
-        <p:txBody>
-          <a:bodyPr>
-            <a:normAutofit fontScale="90000"/>
-          </a:bodyPr>
-          <a:lstStyle/>
-          <a:p>
-            <a:r>
-              <a:rPr lang="en-US" sz="4000" b="1" dirty="0" smtClean="0"/>
-              <a:t>SSH Key generation</a:t>
-            </a:r>
-            <a:endParaRPr lang="en-US" sz="4000" b="1" dirty="0"/>
-          </a:p>
-        </p:txBody>
-      </p:sp>
-      <p:sp>
-        <p:nvSpPr>
-          <p:cNvPr id="3" name="Content Placeholder 2"/>
-          <p:cNvSpPr>
-            <a:spLocks noGrp="1"/>
-          </p:cNvSpPr>
-          <p:nvPr>
-            <p:ph idx="1"/>
-          </p:nvPr>
-        </p:nvSpPr>
-        <p:spPr>
-          <a:xfrm>
-            <a:off x="2589212" y="1447800"/>
-            <a:ext cx="8915400" cy="4463422"/>
-          </a:xfrm>
-        </p:spPr>
-        <p:txBody>
-          <a:bodyPr/>
-          <a:lstStyle/>
-          <a:p>
-            <a:r>
-              <a:rPr lang="en-US" dirty="0" smtClean="0"/>
-              <a:t>SSH keys are  generated for making  secure  connection  with  </a:t>
-            </a:r>
-            <a:r>
-              <a:rPr lang="en-US" dirty="0" err="1" smtClean="0"/>
-              <a:t>github</a:t>
-            </a:r>
-            <a:r>
-              <a:rPr lang="en-US" dirty="0" smtClean="0"/>
-              <a:t> </a:t>
-            </a:r>
-          </a:p>
-          <a:p>
-            <a:r>
-              <a:rPr lang="en-US" dirty="0" smtClean="0"/>
-              <a:t>Two ways</a:t>
-            </a:r>
-          </a:p>
-          <a:p>
-            <a:pPr>
-              <a:buNone/>
-            </a:pPr>
-            <a:r>
-              <a:rPr lang="en-US" dirty="0" smtClean="0"/>
-              <a:t>     1) Using </a:t>
-            </a:r>
-            <a:r>
-              <a:rPr lang="en-US" dirty="0" err="1" smtClean="0"/>
-              <a:t>PuTTY</a:t>
-            </a:r>
-            <a:r>
-              <a:rPr lang="en-US" dirty="0" smtClean="0"/>
-              <a:t> Key generator</a:t>
-            </a:r>
-          </a:p>
-          <a:p>
-            <a:pPr>
-              <a:buNone/>
-            </a:pPr>
-            <a:endParaRPr lang="en-US" dirty="0"/>
-          </a:p>
-        </p:txBody>
-      </p:sp>
-      <p:pic>
-        <p:nvPicPr>
-          <p:cNvPr id="4" name="Picture 3" descr="qq24.png"/>
-          <p:cNvPicPr>
-            <a:picLocks noChangeAspect="1"/>
-          </p:cNvPicPr>
-          <p:nvPr/>
-        </p:nvPicPr>
-        <p:blipFill>
-          <a:blip r:embed="rId2"/>
-          <a:stretch>
-            <a:fillRect/>
-          </a:stretch>
-        </p:blipFill>
-        <p:spPr>
-          <a:xfrm>
-            <a:off x="3657600" y="2743200"/>
-            <a:ext cx="5410200" cy="3733800"/>
-          </a:xfrm>
-          <a:prstGeom prst="rect">
-            <a:avLst/>
-          </a:prstGeom>
-        </p:spPr>
-      </p:pic>
-    </p:spTree>
-  </p:cSld>
-  <p:clrMapOvr>
-    <a:masterClrMapping/>
-  </p:clrMapOvr>
-</p:sld>
-</file>
-
-<file path=ppt/slides/slide46.xml><?xml version="1.0" encoding="utf-8"?>
-<p:sld xmlns:a="http://schemas.openxmlformats.org/drawingml/2006/main" xmlns:r="http://schemas.openxmlformats.org/officeDocument/2006/relationships" xmlns:p="http://schemas.openxmlformats.org/presentationml/2006/main">
-  <p:cSld>
-    <p:spTree>
-      <p:nvGrpSpPr>
-        <p:cNvPr id="1" name=""/>
-        <p:cNvGrpSpPr/>
-        <p:nvPr/>
-      </p:nvGrpSpPr>
-      <p:grpSpPr>
-        <a:xfrm>
-          <a:off x="0" y="0"/>
-          <a:ext cx="0" cy="0"/>
-          <a:chOff x="0" y="0"/>
-          <a:chExt cx="0" cy="0"/>
-        </a:xfrm>
-      </p:grpSpPr>
-      <p:sp>
-        <p:nvSpPr>
-          <p:cNvPr id="2" name="Title 1"/>
-          <p:cNvSpPr>
-            <a:spLocks noGrp="1"/>
-          </p:cNvSpPr>
-          <p:nvPr>
-            <p:ph type="title"/>
-          </p:nvPr>
-        </p:nvSpPr>
-        <p:spPr>
-          <a:xfrm>
-            <a:off x="2592925" y="624110"/>
-            <a:ext cx="8911687" cy="671290"/>
-          </a:xfrm>
-        </p:spPr>
-        <p:txBody>
-          <a:bodyPr/>
-          <a:lstStyle/>
-          <a:p>
-            <a:r>
-              <a:rPr lang="en-US" b="1" smtClean="0"/>
-              <a:t>Continue….</a:t>
-            </a:r>
-            <a:endParaRPr lang="en-US" dirty="0"/>
-          </a:p>
-        </p:txBody>
-      </p:sp>
-      <p:sp>
-        <p:nvSpPr>
-          <p:cNvPr id="3" name="Content Placeholder 2"/>
-          <p:cNvSpPr>
-            <a:spLocks noGrp="1"/>
-          </p:cNvSpPr>
-          <p:nvPr>
-            <p:ph idx="1"/>
-          </p:nvPr>
-        </p:nvSpPr>
-        <p:spPr>
-          <a:xfrm>
-            <a:off x="2589212" y="1295400"/>
-            <a:ext cx="8915400" cy="4615822"/>
-          </a:xfrm>
-        </p:spPr>
-        <p:txBody>
-          <a:bodyPr/>
-          <a:lstStyle/>
-          <a:p>
-            <a:pPr>
-              <a:buNone/>
-            </a:pPr>
-            <a:r>
-              <a:rPr lang="en-US" dirty="0" smtClean="0"/>
-              <a:t> 2) using commands</a:t>
-            </a:r>
-          </a:p>
-          <a:p>
-            <a:pPr>
-              <a:buNone/>
-            </a:pPr>
-            <a:r>
-              <a:rPr lang="en-US" dirty="0" smtClean="0"/>
-              <a:t>  </a:t>
-            </a:r>
-          </a:p>
-          <a:p>
-            <a:pPr>
-              <a:buNone/>
-            </a:pPr>
-            <a:endParaRPr lang="en-US" dirty="0" smtClean="0"/>
-          </a:p>
-          <a:p>
-            <a:pPr>
-              <a:buNone/>
-            </a:pPr>
-            <a:endParaRPr lang="en-US" dirty="0"/>
-          </a:p>
-        </p:txBody>
-      </p:sp>
-      <p:pic>
-        <p:nvPicPr>
-          <p:cNvPr id="7" name="Picture 6" descr="keycommand1.jpg"/>
-          <p:cNvPicPr>
-            <a:picLocks noChangeAspect="1"/>
-          </p:cNvPicPr>
-          <p:nvPr/>
-        </p:nvPicPr>
-        <p:blipFill>
-          <a:blip r:embed="rId2"/>
-          <a:stretch>
-            <a:fillRect/>
-          </a:stretch>
-        </p:blipFill>
-        <p:spPr>
-          <a:xfrm>
-            <a:off x="3143250" y="1952625"/>
-            <a:ext cx="6915150" cy="3762375"/>
-          </a:xfrm>
-          <a:prstGeom prst="rect">
-            <a:avLst/>
-          </a:prstGeom>
-        </p:spPr>
-      </p:pic>
-    </p:spTree>
-  </p:cSld>
-  <p:clrMapOvr>
-    <a:masterClrMapping/>
-  </p:clrMapOvr>
-</p:sld>
-</file>
-
-<file path=ppt/slides/slide47.xml><?xml version="1.0" encoding="utf-8"?>
-<p:sld xmlns:a="http://schemas.openxmlformats.org/drawingml/2006/main" xmlns:r="http://schemas.openxmlformats.org/officeDocument/2006/relationships" xmlns:p="http://schemas.openxmlformats.org/presentationml/2006/main">
-  <p:cSld>
-    <p:spTree>
-      <p:nvGrpSpPr>
-        <p:cNvPr id="1" name=""/>
-        <p:cNvGrpSpPr/>
-        <p:nvPr/>
-      </p:nvGrpSpPr>
-      <p:grpSpPr>
-        <a:xfrm>
-          <a:off x="0" y="0"/>
-          <a:ext cx="0" cy="0"/>
-          <a:chOff x="0" y="0"/>
-          <a:chExt cx="0" cy="0"/>
-        </a:xfrm>
-      </p:grpSpPr>
-      <p:sp>
-        <p:nvSpPr>
-          <p:cNvPr id="2" name="Title 1"/>
-          <p:cNvSpPr>
-            <a:spLocks noGrp="1"/>
-          </p:cNvSpPr>
-          <p:nvPr>
-            <p:ph type="title"/>
-          </p:nvPr>
-        </p:nvSpPr>
-        <p:spPr>
-          <a:xfrm>
-            <a:off x="2514600" y="700310"/>
-            <a:ext cx="8911687" cy="747490"/>
-          </a:xfrm>
-        </p:spPr>
-        <p:txBody>
-          <a:bodyPr/>
-          <a:lstStyle/>
-          <a:p>
-            <a:r>
-              <a:rPr lang="en-US" b="1" dirty="0" smtClean="0"/>
-              <a:t>Continue….</a:t>
-            </a:r>
-            <a:endParaRPr lang="en-US" dirty="0"/>
-          </a:p>
-        </p:txBody>
-      </p:sp>
-      <p:sp>
-        <p:nvSpPr>
-          <p:cNvPr id="3" name="Content Placeholder 2"/>
-          <p:cNvSpPr>
-            <a:spLocks noGrp="1"/>
-          </p:cNvSpPr>
-          <p:nvPr>
-            <p:ph idx="1"/>
-          </p:nvPr>
-        </p:nvSpPr>
-        <p:spPr>
-          <a:xfrm>
-            <a:off x="2514600" y="1752600"/>
-            <a:ext cx="8915400" cy="3352800"/>
-          </a:xfrm>
-        </p:spPr>
-        <p:txBody>
-          <a:bodyPr/>
-          <a:lstStyle/>
-          <a:p>
-            <a:r>
-              <a:rPr lang="en-US" b="1" dirty="0" smtClean="0"/>
-              <a:t>Step 6. Clone a </a:t>
-            </a:r>
-            <a:r>
-              <a:rPr lang="en-US" b="1" dirty="0" err="1" smtClean="0"/>
-              <a:t>G</a:t>
-            </a:r>
-            <a:r>
-              <a:rPr lang="en-US" b="1" dirty="0" err="1" smtClean="0"/>
-              <a:t>itHub</a:t>
-            </a:r>
-            <a:r>
-              <a:rPr lang="en-US" b="1" dirty="0" smtClean="0"/>
-              <a:t> </a:t>
-            </a:r>
-            <a:r>
-              <a:rPr lang="en-US" b="1" dirty="0" smtClean="0"/>
-              <a:t>repo</a:t>
-            </a:r>
-          </a:p>
-          <a:p>
-            <a:pPr>
-              <a:buFont typeface="+mj-lt"/>
-              <a:buAutoNum type="arabicPeriod"/>
-            </a:pPr>
-            <a:r>
-              <a:rPr lang="en-US" dirty="0" smtClean="0"/>
-              <a:t>Log </a:t>
-            </a:r>
-            <a:r>
-              <a:rPr lang="en-US" dirty="0" smtClean="0"/>
-              <a:t>into </a:t>
-            </a:r>
-            <a:r>
-              <a:rPr lang="en-US" dirty="0" err="1" smtClean="0"/>
-              <a:t>Github</a:t>
-            </a:r>
-            <a:endParaRPr lang="en-US" dirty="0" smtClean="0"/>
-          </a:p>
-          <a:p>
-            <a:pPr>
-              <a:buFont typeface="+mj-lt"/>
-              <a:buAutoNum type="arabicPeriod"/>
-            </a:pPr>
-            <a:r>
-              <a:rPr lang="en-US" dirty="0" smtClean="0"/>
-              <a:t>Go to an existing repository or create a new repository.</a:t>
-            </a:r>
-          </a:p>
-          <a:p>
-            <a:pPr>
-              <a:buFont typeface="+mj-lt"/>
-              <a:buAutoNum type="arabicPeriod"/>
-            </a:pPr>
-            <a:r>
-              <a:rPr lang="en-US" dirty="0" smtClean="0"/>
-              <a:t>Click on </a:t>
-            </a:r>
-            <a:r>
-              <a:rPr lang="en-US" b="1" dirty="0" smtClean="0"/>
-              <a:t>Clone</a:t>
-            </a:r>
-            <a:r>
-              <a:rPr lang="en-US" dirty="0" smtClean="0"/>
-              <a:t> in the side bar.</a:t>
-            </a:r>
-          </a:p>
-          <a:p>
-            <a:pPr>
-              <a:buFont typeface="+mj-lt"/>
-              <a:buAutoNum type="arabicPeriod"/>
-            </a:pPr>
-            <a:r>
-              <a:rPr lang="en-US" dirty="0" smtClean="0"/>
-              <a:t>Select </a:t>
-            </a:r>
-            <a:r>
-              <a:rPr lang="en-US" b="1" dirty="0" smtClean="0"/>
-              <a:t>SSH</a:t>
-            </a:r>
-            <a:r>
-              <a:rPr lang="en-US" dirty="0" smtClean="0"/>
-              <a:t> from the drop-down.</a:t>
-            </a:r>
-          </a:p>
-          <a:p>
-            <a:pPr>
-              <a:buFont typeface="+mj-lt"/>
-              <a:buAutoNum type="arabicPeriod"/>
-            </a:pPr>
-            <a:r>
-              <a:rPr lang="en-US" dirty="0" smtClean="0"/>
-              <a:t>You will see a text box to the right with all its text selected. </a:t>
-            </a:r>
-            <a:r>
-              <a:rPr lang="en-US" b="1" dirty="0" err="1" smtClean="0"/>
-              <a:t>git</a:t>
-            </a:r>
-            <a:r>
-              <a:rPr lang="en-US" b="1" dirty="0" smtClean="0"/>
-              <a:t> clone</a:t>
-            </a:r>
-            <a:r>
-              <a:rPr lang="en-US" dirty="0" smtClean="0"/>
-              <a:t> is a command and we don’t need that now. So, copy everything else.</a:t>
-            </a:r>
-          </a:p>
-        </p:txBody>
-      </p:sp>
-      <p:pic>
-        <p:nvPicPr>
-          <p:cNvPr id="4" name="Picture 4">
-            <a:extLst>
-              <a:ext uri="{FF2B5EF4-FFF2-40B4-BE49-F238E27FC236}">
-                <a16:creationId xmlns:a16="http://schemas.microsoft.com/office/drawing/2014/main" xmlns="" id="{919EE81D-A196-3246-9A9B-D18318DF27F2}"/>
-              </a:ext>
-            </a:extLst>
-          </p:cNvPr>
-          <p:cNvPicPr>
-            <a:picLocks noChangeAspect="1"/>
-          </p:cNvPicPr>
-          <p:nvPr/>
-        </p:nvPicPr>
-        <p:blipFill>
-          <a:blip r:embed="rId2"/>
-          <a:stretch>
-            <a:fillRect/>
-          </a:stretch>
-        </p:blipFill>
-        <p:spPr>
-          <a:xfrm>
-            <a:off x="11306371" y="157161"/>
-            <a:ext cx="623691" cy="623691"/>
-          </a:xfrm>
-          <a:prstGeom prst="rect">
-            <a:avLst/>
-          </a:prstGeom>
-        </p:spPr>
-      </p:pic>
-    </p:spTree>
-  </p:cSld>
-  <p:clrMapOvr>
-    <a:masterClrMapping/>
-  </p:clrMapOvr>
-  <p:transition>
-    <p:wipe dir="d"/>
-  </p:transition>
-  <p:timing>
-    <p:tnLst>
-      <p:par>
-        <p:cTn id="1" dur="indefinite" restart="never" nodeType="tmRoot"/>
-      </p:par>
-    </p:tnLst>
-  </p:timing>
-</p:sld>
-</file>
-
-<file path=ppt/slides/slide48.xml><?xml version="1.0" encoding="utf-8"?>
-<p:sld xmlns:a="http://schemas.openxmlformats.org/drawingml/2006/main" xmlns:r="http://schemas.openxmlformats.org/officeDocument/2006/relationships" xmlns:p="http://schemas.openxmlformats.org/presentationml/2006/main">
-  <p:cSld>
-    <p:spTree>
-      <p:nvGrpSpPr>
-        <p:cNvPr id="1" name=""/>
-        <p:cNvGrpSpPr/>
-        <p:nvPr/>
-      </p:nvGrpSpPr>
-      <p:grpSpPr>
-        <a:xfrm>
-          <a:off x="0" y="0"/>
-          <a:ext cx="0" cy="0"/>
-          <a:chOff x="0" y="0"/>
-          <a:chExt cx="0" cy="0"/>
-        </a:xfrm>
-      </p:grpSpPr>
-      <p:sp>
-        <p:nvSpPr>
-          <p:cNvPr id="2" name="Title 1"/>
-          <p:cNvSpPr>
-            <a:spLocks noGrp="1"/>
-          </p:cNvSpPr>
-          <p:nvPr>
-            <p:ph type="title"/>
-          </p:nvPr>
-        </p:nvSpPr>
-        <p:spPr>
-          <a:xfrm>
-            <a:off x="2592925" y="624110"/>
-            <a:ext cx="8911687" cy="823690"/>
-          </a:xfrm>
-        </p:spPr>
-        <p:txBody>
-          <a:bodyPr/>
-          <a:lstStyle/>
-          <a:p>
-            <a:r>
-              <a:rPr lang="en-US" b="1" dirty="0" smtClean="0"/>
-              <a:t>Continue….</a:t>
-            </a:r>
-            <a:endParaRPr lang="en-US" dirty="0"/>
-          </a:p>
-        </p:txBody>
-      </p:sp>
-      <p:sp>
-        <p:nvSpPr>
-          <p:cNvPr id="3" name="Content Placeholder 2"/>
-          <p:cNvSpPr>
-            <a:spLocks noGrp="1"/>
-          </p:cNvSpPr>
-          <p:nvPr>
-            <p:ph idx="1"/>
-          </p:nvPr>
-        </p:nvSpPr>
-        <p:spPr>
-          <a:xfrm>
-            <a:off x="2589212" y="1447800"/>
-            <a:ext cx="8915400" cy="4463422"/>
-          </a:xfrm>
-        </p:spPr>
-        <p:txBody>
-          <a:bodyPr/>
-          <a:lstStyle/>
-          <a:p>
-            <a:pPr>
-              <a:buFont typeface="+mj-lt"/>
-              <a:buAutoNum type="arabicPeriod" startAt="6"/>
-            </a:pPr>
-            <a:r>
-              <a:rPr lang="en-US" dirty="0" smtClean="0"/>
-              <a:t>If you paste the copied text to your favorite text editor, it should look something like the following:</a:t>
-            </a:r>
-            <a:br>
-              <a:rPr lang="en-US" dirty="0" smtClean="0"/>
-            </a:br>
-            <a:r>
-              <a:rPr lang="en-US" dirty="0" err="1" smtClean="0"/>
-              <a:t>git@bitbucket.org:svanas</a:t>
-            </a:r>
-            <a:r>
-              <a:rPr lang="en-US" dirty="0" smtClean="0"/>
-              <a:t>/sample-repository.git</a:t>
-            </a:r>
-            <a:br>
-              <a:rPr lang="en-US" dirty="0" smtClean="0"/>
-            </a:br>
-            <a:r>
-              <a:rPr lang="en-US" dirty="0" smtClean="0"/>
-              <a:t>This is our clone URL. Note that there’s no </a:t>
-            </a:r>
-            <a:r>
-              <a:rPr lang="en-US" b="1" dirty="0" err="1" smtClean="0"/>
-              <a:t>git</a:t>
-            </a:r>
-            <a:r>
-              <a:rPr lang="en-US" b="1" dirty="0" smtClean="0"/>
-              <a:t> clone</a:t>
-            </a:r>
-            <a:r>
-              <a:rPr lang="en-US" dirty="0" smtClean="0"/>
-              <a:t> command in it. If you accidentally included that, copy again WITHOUT it. Some parts will be different for you because you will have a different username and repository name.</a:t>
-            </a:r>
-          </a:p>
-          <a:p>
-            <a:pPr>
-              <a:buFont typeface="+mj-lt"/>
-              <a:buAutoNum type="arabicPeriod" startAt="6"/>
-            </a:pPr>
-            <a:r>
-              <a:rPr lang="en-US" dirty="0" smtClean="0"/>
-              <a:t>Right-click on your desktop and select </a:t>
-            </a:r>
-            <a:r>
-              <a:rPr lang="en-US" b="1" dirty="0" err="1" smtClean="0"/>
-              <a:t>Git</a:t>
-            </a:r>
-            <a:r>
-              <a:rPr lang="en-US" b="1" dirty="0" smtClean="0"/>
-              <a:t> Clone…</a:t>
-            </a:r>
-            <a:r>
-              <a:rPr lang="en-US" dirty="0" smtClean="0"/>
-              <a:t> from the context menu.</a:t>
-            </a:r>
-          </a:p>
-          <a:p>
-            <a:pPr>
-              <a:buFont typeface="+mj-lt"/>
-              <a:buAutoNum type="arabicPeriod" startAt="6"/>
-            </a:pPr>
-            <a:r>
-              <a:rPr lang="en-US" dirty="0" smtClean="0"/>
-              <a:t>The following window will appear. Paste the copied clone URL in the text box </a:t>
-            </a:r>
-            <a:r>
-              <a:rPr lang="en-US" dirty="0" err="1" smtClean="0"/>
-              <a:t>labelled</a:t>
-            </a:r>
-            <a:r>
-              <a:rPr lang="en-US" dirty="0" smtClean="0"/>
-              <a:t> </a:t>
-            </a:r>
-            <a:r>
-              <a:rPr lang="en-US" b="1" dirty="0" smtClean="0"/>
-              <a:t>URL</a:t>
-            </a:r>
-            <a:r>
-              <a:rPr lang="en-US" dirty="0" smtClean="0"/>
-              <a:t> and then click on </a:t>
-            </a:r>
-            <a:r>
-              <a:rPr lang="en-US" b="1" dirty="0" smtClean="0"/>
-              <a:t>OK</a:t>
-            </a:r>
-            <a:r>
-              <a:rPr lang="en-US" dirty="0" smtClean="0"/>
-              <a:t>.</a:t>
-            </a:r>
-          </a:p>
-          <a:p>
-            <a:pPr>
-              <a:buFont typeface="+mj-lt"/>
-              <a:buAutoNum type="arabicPeriod" startAt="6"/>
-            </a:pPr>
-            <a:r>
-              <a:rPr lang="en-US" dirty="0" smtClean="0"/>
-              <a:t>If everything went fine, you should see a blue success message at the bottom in </a:t>
-            </a:r>
-            <a:r>
-              <a:rPr lang="en-US" dirty="0" err="1" smtClean="0"/>
-              <a:t>TortoiseGit</a:t>
-            </a:r>
-            <a:r>
-              <a:rPr lang="en-US" dirty="0" smtClean="0"/>
-              <a:t> once the cloning is complete.</a:t>
-            </a:r>
-          </a:p>
-          <a:p>
-            <a:pPr>
-              <a:buFont typeface="+mj-lt"/>
-              <a:buAutoNum type="arabicPeriod" startAt="6"/>
-            </a:pPr>
-            <a:endParaRPr lang="en-US" dirty="0"/>
-          </a:p>
-        </p:txBody>
-      </p:sp>
-      <p:pic>
-        <p:nvPicPr>
-          <p:cNvPr id="4" name="Picture 4">
-            <a:extLst>
-              <a:ext uri="{FF2B5EF4-FFF2-40B4-BE49-F238E27FC236}">
-                <a16:creationId xmlns:a16="http://schemas.microsoft.com/office/drawing/2014/main" xmlns="" id="{919EE81D-A196-3246-9A9B-D18318DF27F2}"/>
-              </a:ext>
-            </a:extLst>
-          </p:cNvPr>
-          <p:cNvPicPr>
-            <a:picLocks noChangeAspect="1"/>
-          </p:cNvPicPr>
-          <p:nvPr/>
-        </p:nvPicPr>
-        <p:blipFill>
-          <a:blip r:embed="rId2"/>
-          <a:stretch>
-            <a:fillRect/>
-          </a:stretch>
-        </p:blipFill>
-        <p:spPr>
-          <a:xfrm>
-            <a:off x="11306371" y="157161"/>
-            <a:ext cx="623691" cy="623691"/>
-          </a:xfrm>
-          <a:prstGeom prst="rect">
-            <a:avLst/>
-          </a:prstGeom>
-        </p:spPr>
-      </p:pic>
-    </p:spTree>
-  </p:cSld>
-  <p:clrMapOvr>
-    <a:masterClrMapping/>
-  </p:clrMapOvr>
-  <p:transition>
-    <p:wipe dir="d"/>
-  </p:transition>
-  <p:timing>
-    <p:tnLst>
-      <p:par>
-        <p:cTn id="1" dur="indefinite" restart="never" nodeType="tmRoot"/>
-      </p:par>
-    </p:tnLst>
-  </p:timing>
-</p:sld>
-</file>
-
-<file path=ppt/slides/slide49.xml><?xml version="1.0" encoding="utf-8"?>
-<p:sld xmlns:a="http://schemas.openxmlformats.org/drawingml/2006/main" xmlns:r="http://schemas.openxmlformats.org/officeDocument/2006/relationships" xmlns:p="http://schemas.openxmlformats.org/presentationml/2006/main">
-  <p:cSld>
-    <p:spTree>
-      <p:nvGrpSpPr>
-        <p:cNvPr id="1" name=""/>
-        <p:cNvGrpSpPr/>
-        <p:nvPr/>
-      </p:nvGrpSpPr>
-      <p:grpSpPr>
-        <a:xfrm>
-          <a:off x="0" y="0"/>
-          <a:ext cx="0" cy="0"/>
-          <a:chOff x="0" y="0"/>
-          <a:chExt cx="0" cy="0"/>
-        </a:xfrm>
-      </p:grpSpPr>
-      <p:sp>
-        <p:nvSpPr>
-          <p:cNvPr id="5" name="Title 1"/>
-          <p:cNvSpPr txBox="1">
-            <a:spLocks/>
-          </p:cNvSpPr>
-          <p:nvPr/>
-        </p:nvSpPr>
-        <p:spPr>
-          <a:xfrm>
-            <a:off x="2590800" y="533400"/>
-            <a:ext cx="8911687" cy="823690"/>
-          </a:xfrm>
-          <a:prstGeom prst="rect">
-            <a:avLst/>
-          </a:prstGeom>
-        </p:spPr>
-        <p:txBody>
-          <a:bodyPr vert="horz" lIns="91440" tIns="45720" rIns="91440" bIns="45720" rtlCol="0" anchor="t">
-            <a:normAutofit/>
-          </a:bodyPr>
-          <a:lstStyle/>
-          <a:p>
-            <a:pPr lvl="0">
-              <a:spcBef>
-                <a:spcPct val="0"/>
-              </a:spcBef>
-            </a:pPr>
-            <a:r>
-              <a:rPr lang="en-US" sz="3600" b="1" dirty="0" smtClean="0"/>
-              <a:t>Continue….</a:t>
-            </a:r>
-            <a:endParaRPr kumimoji="0" lang="en-US" sz="3600" b="0" i="0" u="none" strike="noStrike" kern="1200" cap="none" spc="0" normalizeH="0" baseline="0" noProof="0" dirty="0">
-              <a:ln>
-                <a:noFill/>
-              </a:ln>
-              <a:solidFill>
-                <a:schemeClr val="tx1">
-                  <a:lumMod val="85000"/>
-                  <a:lumOff val="15000"/>
-                </a:schemeClr>
-              </a:solidFill>
-              <a:effectLst/>
-              <a:uLnTx/>
-              <a:uFillTx/>
-              <a:latin typeface="+mj-lt"/>
-              <a:ea typeface="+mj-ea"/>
-              <a:cs typeface="+mj-cs"/>
-            </a:endParaRPr>
-          </a:p>
-        </p:txBody>
-      </p:sp>
-      <p:pic>
-        <p:nvPicPr>
-          <p:cNvPr id="6" name="Picture 4">
-            <a:extLst>
-              <a:ext uri="{FF2B5EF4-FFF2-40B4-BE49-F238E27FC236}">
-                <a16:creationId xmlns:a16="http://schemas.microsoft.com/office/drawing/2014/main" xmlns="" id="{919EE81D-A196-3246-9A9B-D18318DF27F2}"/>
-              </a:ext>
-            </a:extLst>
-          </p:cNvPr>
-          <p:cNvPicPr>
-            <a:picLocks noChangeAspect="1"/>
-          </p:cNvPicPr>
-          <p:nvPr/>
-        </p:nvPicPr>
-        <p:blipFill>
-          <a:blip r:embed="rId2"/>
-          <a:stretch>
-            <a:fillRect/>
-          </a:stretch>
-        </p:blipFill>
-        <p:spPr>
-          <a:xfrm>
-            <a:off x="11306371" y="157161"/>
-            <a:ext cx="623691" cy="623691"/>
-          </a:xfrm>
-          <a:prstGeom prst="rect">
-            <a:avLst/>
-          </a:prstGeom>
-        </p:spPr>
-      </p:pic>
-      <p:pic>
-        <p:nvPicPr>
-          <p:cNvPr id="9" name="Picture 8" descr="q3.jpg"/>
-          <p:cNvPicPr>
-            <a:picLocks noChangeAspect="1"/>
-          </p:cNvPicPr>
-          <p:nvPr/>
-        </p:nvPicPr>
-        <p:blipFill>
-          <a:blip r:embed="rId3"/>
-          <a:stretch>
-            <a:fillRect/>
-          </a:stretch>
-        </p:blipFill>
-        <p:spPr>
-          <a:xfrm>
-            <a:off x="3200400" y="1219200"/>
-            <a:ext cx="6529980" cy="4667682"/>
-          </a:xfrm>
-          <a:prstGeom prst="rect">
-            <a:avLst/>
-          </a:prstGeom>
-        </p:spPr>
-      </p:pic>
-    </p:spTree>
   </p:cSld>
   <p:clrMapOvr>
     <a:masterClrMapping/>
@@ -16951,7 +14106,7 @@
           <p:cNvPr id="2" name="Title 1">
             <a:extLst>
               <a:ext uri="{FF2B5EF4-FFF2-40B4-BE49-F238E27FC236}">
-                <a16:creationId xmlns:a16="http://schemas.microsoft.com/office/drawing/2014/main" xmlns="" id="{44077FE5-E41E-D043-A57F-FEF6259AD2E5}"/>
+                <a16:creationId xmlns="" xmlns:a16="http://schemas.microsoft.com/office/drawing/2014/main" id="{44077FE5-E41E-D043-A57F-FEF6259AD2E5}"/>
               </a:ext>
             </a:extLst>
           </p:cNvPr>
@@ -17001,7 +14156,7 @@
           <p:cNvPr id="3" name="Content Placeholder 2">
             <a:extLst>
               <a:ext uri="{FF2B5EF4-FFF2-40B4-BE49-F238E27FC236}">
-                <a16:creationId xmlns:a16="http://schemas.microsoft.com/office/drawing/2014/main" xmlns="" id="{84811C69-2325-C845-B6D1-1DC84707F8FD}"/>
+                <a16:creationId xmlns="" xmlns:a16="http://schemas.microsoft.com/office/drawing/2014/main" id="{84811C69-2325-C845-B6D1-1DC84707F8FD}"/>
               </a:ext>
             </a:extLst>
           </p:cNvPr>
@@ -17132,7 +14287,7 @@
           <p:cNvPr id="4" name="Picture 4">
             <a:extLst>
               <a:ext uri="{FF2B5EF4-FFF2-40B4-BE49-F238E27FC236}">
-                <a16:creationId xmlns:a16="http://schemas.microsoft.com/office/drawing/2014/main" xmlns="" id="{919EE81D-A196-3246-9A9B-D18318DF27F2}"/>
+                <a16:creationId xmlns="" xmlns:a16="http://schemas.microsoft.com/office/drawing/2014/main" id="{919EE81D-A196-3246-9A9B-D18318DF27F2}"/>
               </a:ext>
             </a:extLst>
           </p:cNvPr>
@@ -17160,128 +14315,9 @@
     </p:spTree>
     <p:extLst>
       <p:ext uri="{BB962C8B-B14F-4D97-AF65-F5344CB8AC3E}">
-        <p14:creationId xmlns:p14="http://schemas.microsoft.com/office/powerpoint/2010/main" xmlns="" val="3445580002"/>
+        <p14:creationId xmlns="" xmlns:p14="http://schemas.microsoft.com/office/powerpoint/2010/main" val="3445580002"/>
       </p:ext>
     </p:extLst>
-  </p:cSld>
-  <p:clrMapOvr>
-    <a:masterClrMapping/>
-  </p:clrMapOvr>
-  <p:transition>
-    <p:wipe dir="d"/>
-  </p:transition>
-  <p:timing>
-    <p:tnLst>
-      <p:par>
-        <p:cTn id="1" dur="indefinite" restart="never" nodeType="tmRoot"/>
-      </p:par>
-    </p:tnLst>
-  </p:timing>
-</p:sld>
-</file>
-
-<file path=ppt/slides/slide50.xml><?xml version="1.0" encoding="utf-8"?>
-<p:sld xmlns:a="http://schemas.openxmlformats.org/drawingml/2006/main" xmlns:r="http://schemas.openxmlformats.org/officeDocument/2006/relationships" xmlns:p="http://schemas.openxmlformats.org/presentationml/2006/main">
-  <p:cSld>
-    <p:spTree>
-      <p:nvGrpSpPr>
-        <p:cNvPr id="1" name=""/>
-        <p:cNvGrpSpPr/>
-        <p:nvPr/>
-      </p:nvGrpSpPr>
-      <p:grpSpPr>
-        <a:xfrm>
-          <a:off x="0" y="0"/>
-          <a:ext cx="0" cy="0"/>
-          <a:chOff x="0" y="0"/>
-          <a:chExt cx="0" cy="0"/>
-        </a:xfrm>
-      </p:grpSpPr>
-      <p:sp>
-        <p:nvSpPr>
-          <p:cNvPr id="4" name="Title 1"/>
-          <p:cNvSpPr>
-            <a:spLocks noGrp="1"/>
-          </p:cNvSpPr>
-          <p:nvPr>
-            <p:ph type="title"/>
-          </p:nvPr>
-        </p:nvSpPr>
-        <p:spPr>
-          <a:xfrm>
-            <a:off x="2592925" y="624110"/>
-            <a:ext cx="8911687" cy="747490"/>
-          </a:xfrm>
-        </p:spPr>
-        <p:txBody>
-          <a:bodyPr>
-            <a:normAutofit/>
-          </a:bodyPr>
-          <a:lstStyle/>
-          <a:p>
-            <a:r>
-              <a:rPr lang="en-US" sz="4000" b="1" dirty="0" smtClean="0"/>
-              <a:t>Continue….</a:t>
-            </a:r>
-            <a:endParaRPr lang="en-US" sz="4000" dirty="0"/>
-          </a:p>
-        </p:txBody>
-      </p:sp>
-      <p:pic>
-        <p:nvPicPr>
-          <p:cNvPr id="6" name="Picture 4">
-            <a:extLst>
-              <a:ext uri="{FF2B5EF4-FFF2-40B4-BE49-F238E27FC236}">
-                <a16:creationId xmlns:a16="http://schemas.microsoft.com/office/drawing/2014/main" xmlns="" id="{919EE81D-A196-3246-9A9B-D18318DF27F2}"/>
-              </a:ext>
-            </a:extLst>
-          </p:cNvPr>
-          <p:cNvPicPr>
-            <a:picLocks noChangeAspect="1"/>
-          </p:cNvPicPr>
-          <p:nvPr/>
-        </p:nvPicPr>
-        <p:blipFill>
-          <a:blip r:embed="rId2"/>
-          <a:stretch>
-            <a:fillRect/>
-          </a:stretch>
-        </p:blipFill>
-        <p:spPr>
-          <a:xfrm>
-            <a:off x="11306371" y="157161"/>
-            <a:ext cx="623691" cy="623691"/>
-          </a:xfrm>
-          <a:prstGeom prst="rect">
-            <a:avLst/>
-          </a:prstGeom>
-        </p:spPr>
-      </p:pic>
-      <p:pic>
-        <p:nvPicPr>
-          <p:cNvPr id="7" name="Content Placeholder 3" descr="t7.jpg"/>
-          <p:cNvPicPr>
-            <a:picLocks noChangeAspect="1"/>
-          </p:cNvPicPr>
-          <p:nvPr/>
-        </p:nvPicPr>
-        <p:blipFill>
-          <a:blip r:embed="rId3"/>
-          <a:stretch>
-            <a:fillRect/>
-          </a:stretch>
-        </p:blipFill>
-        <p:spPr>
-          <a:xfrm>
-            <a:off x="3962400" y="1524000"/>
-            <a:ext cx="5900031" cy="4084637"/>
-          </a:xfrm>
-          <a:prstGeom prst="rect">
-            <a:avLst/>
-          </a:prstGeom>
-        </p:spPr>
-      </p:pic>
-    </p:spTree>
   </p:cSld>
   <p:clrMapOvr>
     <a:masterClrMapping/>
@@ -17445,7 +14481,7 @@
           <p:cNvPr id="4" name="Picture 4">
             <a:extLst>
               <a:ext uri="{FF2B5EF4-FFF2-40B4-BE49-F238E27FC236}">
-                <a16:creationId xmlns:a16="http://schemas.microsoft.com/office/drawing/2014/main" xmlns="" id="{919EE81D-A196-3246-9A9B-D18318DF27F2}"/>
+                <a16:creationId xmlns="" xmlns:a16="http://schemas.microsoft.com/office/drawing/2014/main" id="{919EE81D-A196-3246-9A9B-D18318DF27F2}"/>
               </a:ext>
             </a:extLst>
           </p:cNvPr>
@@ -17595,7 +14631,7 @@
           <p:cNvPr id="6" name="Picture 4">
             <a:extLst>
               <a:ext uri="{FF2B5EF4-FFF2-40B4-BE49-F238E27FC236}">
-                <a16:creationId xmlns:a16="http://schemas.microsoft.com/office/drawing/2014/main" xmlns="" id="{919EE81D-A196-3246-9A9B-D18318DF27F2}"/>
+                <a16:creationId xmlns="" xmlns:a16="http://schemas.microsoft.com/office/drawing/2014/main" id="{919EE81D-A196-3246-9A9B-D18318DF27F2}"/>
               </a:ext>
             </a:extLst>
           </p:cNvPr>
@@ -17660,7 +14696,7 @@
           <p:cNvPr id="2" name="Title 1">
             <a:extLst>
               <a:ext uri="{FF2B5EF4-FFF2-40B4-BE49-F238E27FC236}">
-                <a16:creationId xmlns:a16="http://schemas.microsoft.com/office/drawing/2014/main" xmlns="" id="{57DAA2E9-153D-6B41-B67A-BC1F22BA0704}"/>
+                <a16:creationId xmlns="" xmlns:a16="http://schemas.microsoft.com/office/drawing/2014/main" id="{57DAA2E9-153D-6B41-B67A-BC1F22BA0704}"/>
               </a:ext>
             </a:extLst>
           </p:cNvPr>
@@ -17703,7 +14739,7 @@
           <p:cNvPr id="3" name="Picture 4">
             <a:extLst>
               <a:ext uri="{FF2B5EF4-FFF2-40B4-BE49-F238E27FC236}">
-                <a16:creationId xmlns:a16="http://schemas.microsoft.com/office/drawing/2014/main" xmlns="" id="{E87C10B4-0391-5647-86FD-E2A0C349195B}"/>
+                <a16:creationId xmlns="" xmlns:a16="http://schemas.microsoft.com/office/drawing/2014/main" id="{E87C10B4-0391-5647-86FD-E2A0C349195B}"/>
               </a:ext>
             </a:extLst>
           </p:cNvPr>
@@ -17733,7 +14769,7 @@
           <p:cNvPr id="5" name="Picture 4">
             <a:extLst>
               <a:ext uri="{FF2B5EF4-FFF2-40B4-BE49-F238E27FC236}">
-                <a16:creationId xmlns:a16="http://schemas.microsoft.com/office/drawing/2014/main" xmlns="" id="{919EE81D-A196-3246-9A9B-D18318DF27F2}"/>
+                <a16:creationId xmlns="" xmlns:a16="http://schemas.microsoft.com/office/drawing/2014/main" id="{919EE81D-A196-3246-9A9B-D18318DF27F2}"/>
               </a:ext>
             </a:extLst>
           </p:cNvPr>
@@ -17761,7 +14797,7 @@
     </p:spTree>
     <p:extLst>
       <p:ext uri="{BB962C8B-B14F-4D97-AF65-F5344CB8AC3E}">
-        <p14:creationId xmlns:p14="http://schemas.microsoft.com/office/powerpoint/2010/main" xmlns="" val="1059623276"/>
+        <p14:creationId xmlns="" xmlns:p14="http://schemas.microsoft.com/office/powerpoint/2010/main" val="1059623276"/>
       </p:ext>
     </p:extLst>
   </p:cSld>
@@ -17803,7 +14839,7 @@
           <p:cNvPr id="2" name="Title 1">
             <a:extLst>
               <a:ext uri="{FF2B5EF4-FFF2-40B4-BE49-F238E27FC236}">
-                <a16:creationId xmlns:a16="http://schemas.microsoft.com/office/drawing/2014/main" xmlns="" id="{638A7DE2-8852-BA42-BC80-A9DB8461B70A}"/>
+                <a16:creationId xmlns="" xmlns:a16="http://schemas.microsoft.com/office/drawing/2014/main" id="{638A7DE2-8852-BA42-BC80-A9DB8461B70A}"/>
               </a:ext>
             </a:extLst>
           </p:cNvPr>
@@ -17853,7 +14889,7 @@
           <p:cNvPr id="3" name="Content Placeholder 2">
             <a:extLst>
               <a:ext uri="{FF2B5EF4-FFF2-40B4-BE49-F238E27FC236}">
-                <a16:creationId xmlns:a16="http://schemas.microsoft.com/office/drawing/2014/main" xmlns="" id="{CDFFEF69-5098-A84F-94BE-B8FEF211AC6D}"/>
+                <a16:creationId xmlns="" xmlns:a16="http://schemas.microsoft.com/office/drawing/2014/main" id="{CDFFEF69-5098-A84F-94BE-B8FEF211AC6D}"/>
               </a:ext>
             </a:extLst>
           </p:cNvPr>
@@ -17955,7 +14991,7 @@
           <p:cNvPr id="4" name="Picture 4">
             <a:extLst>
               <a:ext uri="{FF2B5EF4-FFF2-40B4-BE49-F238E27FC236}">
-                <a16:creationId xmlns:a16="http://schemas.microsoft.com/office/drawing/2014/main" xmlns="" id="{919EE81D-A196-3246-9A9B-D18318DF27F2}"/>
+                <a16:creationId xmlns="" xmlns:a16="http://schemas.microsoft.com/office/drawing/2014/main" id="{919EE81D-A196-3246-9A9B-D18318DF27F2}"/>
               </a:ext>
             </a:extLst>
           </p:cNvPr>
@@ -17983,7 +15019,7 @@
     </p:spTree>
     <p:extLst>
       <p:ext uri="{BB962C8B-B14F-4D97-AF65-F5344CB8AC3E}">
-        <p14:creationId xmlns:p14="http://schemas.microsoft.com/office/powerpoint/2010/main" xmlns="" val="3103352297"/>
+        <p14:creationId xmlns="" xmlns:p14="http://schemas.microsoft.com/office/powerpoint/2010/main" val="3103352297"/>
       </p:ext>
     </p:extLst>
   </p:cSld>
@@ -18240,7 +15276,7 @@
   <a:extraClrSchemeLst/>
   <a:extLst>
     <a:ext uri="{05A4C25C-085E-4340-85A3-A5531E510DB2}">
-      <thm15:themeFamily xmlns:thm15="http://schemas.microsoft.com/office/thememl/2012/main" xmlns="" name="Wisp" id="{7CB32D59-10C0-40DD-B7BD-2E94284A981C}" vid="{24B1A44C-C006-48B2-A4D7-E5549B3D8CD4}"/>
+      <thm15:themeFamily xmlns="" xmlns:thm15="http://schemas.microsoft.com/office/thememl/2012/main" name="Wisp" id="{7CB32D59-10C0-40DD-B7BD-2E94284A981C}" vid="{24B1A44C-C006-48B2-A4D7-E5549B3D8CD4}"/>
     </a:ext>
   </a:extLst>
 </a:theme>
@@ -18535,7 +15571,7 @@
   <a:extraClrSchemeLst/>
   <a:extLst>
     <a:ext uri="{05A4C25C-085E-4340-85A3-A5531E510DB2}">
-      <thm15:themeFamily xmlns:thm15="http://schemas.microsoft.com/office/thememl/2012/main" xmlns="" name="Office Theme" id="{62F939B6-93AF-4DB8-9C6B-D6C7DFDC589F}" vid="{4A3C46E8-61CC-4603-A589-7422A47A8E4A}"/>
+      <thm15:themeFamily xmlns="" xmlns:thm15="http://schemas.microsoft.com/office/thememl/2012/main" name="Office Theme" id="{62F939B6-93AF-4DB8-9C6B-D6C7DFDC589F}" vid="{4A3C46E8-61CC-4603-A589-7422A47A8E4A}"/>
     </a:ext>
   </a:extLst>
 </a:theme>
